--- a/draft0_NU-FinalProject_Stocks.pptx
+++ b/draft0_NU-FinalProject_Stocks.pptx
@@ -5,23 +5,24 @@
     <p:sldMasterId id="2147483648" r:id="rId1"/>
   </p:sldMasterIdLst>
   <p:notesMasterIdLst>
-    <p:notesMasterId r:id="rId13"/>
+    <p:notesMasterId r:id="rId14"/>
   </p:notesMasterIdLst>
   <p:handoutMasterIdLst>
-    <p:handoutMasterId r:id="rId14"/>
+    <p:handoutMasterId r:id="rId15"/>
   </p:handoutMasterIdLst>
   <p:sldIdLst>
     <p:sldId id="256" r:id="rId2"/>
     <p:sldId id="257" r:id="rId3"/>
     <p:sldId id="262" r:id="rId4"/>
-    <p:sldId id="276" r:id="rId5"/>
-    <p:sldId id="324" r:id="rId6"/>
-    <p:sldId id="325" r:id="rId7"/>
-    <p:sldId id="300" r:id="rId8"/>
-    <p:sldId id="302" r:id="rId9"/>
-    <p:sldId id="301" r:id="rId10"/>
-    <p:sldId id="266" r:id="rId11"/>
-    <p:sldId id="296" r:id="rId12"/>
+    <p:sldId id="326" r:id="rId5"/>
+    <p:sldId id="276" r:id="rId6"/>
+    <p:sldId id="324" r:id="rId7"/>
+    <p:sldId id="325" r:id="rId8"/>
+    <p:sldId id="300" r:id="rId9"/>
+    <p:sldId id="302" r:id="rId10"/>
+    <p:sldId id="301" r:id="rId11"/>
+    <p:sldId id="266" r:id="rId12"/>
+    <p:sldId id="296" r:id="rId13"/>
   </p:sldIdLst>
   <p:sldSz cx="9144000" cy="5143500" type="screen16x9"/>
   <p:notesSz cx="6858000" cy="9144000"/>
@@ -128,6 +129,7 @@
             <p14:sldId id="256"/>
             <p14:sldId id="257"/>
             <p14:sldId id="262"/>
+            <p14:sldId id="326"/>
             <p14:sldId id="276"/>
             <p14:sldId id="324"/>
             <p14:sldId id="325"/>
@@ -4389,12 +4391,14 @@
         </p:nvSpPr>
         <p:spPr/>
         <p:txBody>
-          <a:bodyPr/>
+          <a:bodyPr>
+            <a:normAutofit/>
+          </a:bodyPr>
           <a:lstStyle/>
           <a:p>
             <a:r>
-              <a:rPr lang="en-US" dirty="0"/>
-              <a:t>Potential Next Steps</a:t>
+              <a:rPr lang="en-US" sz="3600" dirty="0"/>
+              <a:t>Merging Stock, Trend, and Tweet Data</a:t>
             </a:r>
           </a:p>
         </p:txBody>
@@ -4425,10 +4429,10 @@
       </p:sp>
       <p:sp>
         <p:nvSpPr>
-          <p:cNvPr id="7" name="Content Placeholder 6">
+          <p:cNvPr id="3" name="Content Placeholder 2">
             <a:extLst>
               <a:ext uri="{FF2B5EF4-FFF2-40B4-BE49-F238E27FC236}">
-                <a16:creationId xmlns:a16="http://schemas.microsoft.com/office/drawing/2014/main" id="{B7837073-5C1D-46BB-A1F0-03E5003E8F35}"/>
+                <a16:creationId xmlns:a16="http://schemas.microsoft.com/office/drawing/2014/main" id="{68CB2294-DAA7-4004-8EFD-36F55B70ED9A}"/>
               </a:ext>
             </a:extLst>
           </p:cNvPr>
@@ -4439,114 +4443,295 @@
             <p:ph idx="1"/>
           </p:nvPr>
         </p:nvSpPr>
-        <p:spPr/>
+        <p:spPr>
+          <a:xfrm>
+            <a:off x="4611952" y="935535"/>
+            <a:ext cx="3864530" cy="1013671"/>
+          </a:xfrm>
+        </p:spPr>
         <p:txBody>
           <a:bodyPr>
-            <a:normAutofit/>
+            <a:noAutofit/>
           </a:bodyPr>
           <a:lstStyle/>
           <a:p>
-            <a:pPr>
-              <a:spcAft>
-                <a:spcPts val="600"/>
-              </a:spcAft>
-            </a:pPr>
-            <a:r>
-              <a:rPr lang="en-US" sz="1800" dirty="0"/>
-              <a:t>Additional historical stock data such as short activity to focus on potential GameStop(GME) or AMC activity.  </a:t>
-            </a:r>
-          </a:p>
-          <a:p>
-            <a:pPr>
-              <a:spcAft>
-                <a:spcPts val="600"/>
-              </a:spcAft>
-            </a:pPr>
-            <a:r>
-              <a:rPr lang="en-US" sz="1800" dirty="0"/>
-              <a:t>If data can’t be found, warehouse daily to build missing data – screen-scaping(beautiful-soup) is an option from sites such as </a:t>
-            </a:r>
-            <a:r>
-              <a:rPr lang="en-US" sz="1800" dirty="0" err="1">
-                <a:hlinkClick r:id="rId2"/>
-              </a:rPr>
-              <a:t>shortsqueeze</a:t>
-            </a:r>
-            <a:r>
-              <a:rPr lang="en-US" sz="1800" dirty="0"/>
-              <a:t> and/or </a:t>
-            </a:r>
-            <a:r>
-              <a:rPr lang="en-US" sz="1800" dirty="0">
-                <a:hlinkClick r:id="rId3"/>
-              </a:rPr>
-              <a:t>Daily Short Sale Volume</a:t>
-            </a:r>
-            <a:r>
-              <a:rPr lang="en-US" sz="1800" dirty="0"/>
-              <a:t>.</a:t>
-            </a:r>
-          </a:p>
-          <a:p>
-            <a:pPr>
-              <a:spcAft>
-                <a:spcPts val="600"/>
-              </a:spcAft>
-            </a:pPr>
-            <a:r>
-              <a:rPr lang="en-US" sz="1800" dirty="0"/>
-              <a:t>Build additional charts and dashboards</a:t>
-            </a:r>
-          </a:p>
-          <a:p>
-            <a:pPr>
-              <a:spcAft>
-                <a:spcPts val="600"/>
-              </a:spcAft>
-            </a:pPr>
-            <a:r>
-              <a:rPr lang="en-US" sz="1800" dirty="0"/>
-              <a:t>Reduce time grain to hourly, minute for automated trading/prescription reporting (take automatic action on report).</a:t>
-            </a:r>
-          </a:p>
-          <a:p>
-            <a:pPr>
-              <a:spcAft>
-                <a:spcPts val="600"/>
-              </a:spcAft>
-            </a:pPr>
-            <a:endParaRPr lang="en-US" sz="1800" dirty="0"/>
-          </a:p>
-          <a:p>
-            <a:pPr>
-              <a:spcAft>
-                <a:spcPts val="600"/>
-              </a:spcAft>
-            </a:pPr>
-            <a:endParaRPr lang="en-US" sz="1800" dirty="0"/>
-          </a:p>
-          <a:p>
-            <a:pPr>
-              <a:spcAft>
-                <a:spcPts val="600"/>
-              </a:spcAft>
-            </a:pPr>
-            <a:endParaRPr lang="en-US" sz="1800" dirty="0"/>
-          </a:p>
-          <a:p>
-            <a:pPr>
-              <a:spcAft>
-                <a:spcPts val="600"/>
-              </a:spcAft>
-            </a:pPr>
-            <a:endParaRPr lang="en-US" sz="1800" dirty="0"/>
-          </a:p>
-        </p:txBody>
-      </p:sp>
+            <a:r>
+              <a:rPr lang="en-US" sz="1400" dirty="0"/>
+              <a:t>Incoming dates are transformed, or Yearly/Weekly grains added to conform the time frequency to its lowest-time grain across both sources – weekly.</a:t>
+            </a:r>
+          </a:p>
+          <a:p>
+            <a:endParaRPr lang="en-US" sz="1400" dirty="0"/>
+          </a:p>
+        </p:txBody>
+      </p:sp>
+      <p:sp>
+        <p:nvSpPr>
+          <p:cNvPr id="21" name="Speech Bubble: Rectangle 20">
+            <a:extLst>
+              <a:ext uri="{FF2B5EF4-FFF2-40B4-BE49-F238E27FC236}">
+                <a16:creationId xmlns:a16="http://schemas.microsoft.com/office/drawing/2014/main" id="{96DFCE6E-2ECF-437A-A066-11B2FA473E47}"/>
+              </a:ext>
+            </a:extLst>
+          </p:cNvPr>
+          <p:cNvSpPr/>
+          <p:nvPr/>
+        </p:nvSpPr>
+        <p:spPr>
+          <a:xfrm>
+            <a:off x="3290069" y="3571333"/>
+            <a:ext cx="1398258" cy="451934"/>
+          </a:xfrm>
+          <a:prstGeom prst="wedgeRectCallout">
+            <a:avLst>
+              <a:gd name="adj1" fmla="val 19190"/>
+              <a:gd name="adj2" fmla="val 85782"/>
+            </a:avLst>
+          </a:prstGeom>
+        </p:spPr>
+        <p:style>
+          <a:lnRef idx="1">
+            <a:schemeClr val="dk1"/>
+          </a:lnRef>
+          <a:fillRef idx="2">
+            <a:schemeClr val="dk1"/>
+          </a:fillRef>
+          <a:effectRef idx="1">
+            <a:schemeClr val="dk1"/>
+          </a:effectRef>
+          <a:fontRef idx="minor">
+            <a:schemeClr val="dk1"/>
+          </a:fontRef>
+        </p:style>
+        <p:txBody>
+          <a:bodyPr rtlCol="0" anchor="ctr"/>
+          <a:lstStyle/>
+          <a:p>
+            <a:pPr algn="ctr"/>
+            <a:r>
+              <a:rPr lang="en-US" sz="1000" dirty="0"/>
+              <a:t>Stock CSV and Trend CSV data is merged to a single dataset</a:t>
+            </a:r>
+          </a:p>
+        </p:txBody>
+      </p:sp>
+      <p:pic>
+        <p:nvPicPr>
+          <p:cNvPr id="7" name="Picture 6">
+            <a:extLst>
+              <a:ext uri="{FF2B5EF4-FFF2-40B4-BE49-F238E27FC236}">
+                <a16:creationId xmlns:a16="http://schemas.microsoft.com/office/drawing/2014/main" id="{DF8BAE08-B392-4E44-A00F-874B510E7DCA}"/>
+              </a:ext>
+            </a:extLst>
+          </p:cNvPr>
+          <p:cNvPicPr>
+            <a:picLocks noChangeAspect="1"/>
+          </p:cNvPicPr>
+          <p:nvPr/>
+        </p:nvPicPr>
+        <p:blipFill>
+          <a:blip r:embed="rId2"/>
+          <a:stretch>
+            <a:fillRect/>
+          </a:stretch>
+        </p:blipFill>
+        <p:spPr>
+          <a:xfrm>
+            <a:off x="294640" y="1063230"/>
+            <a:ext cx="4317312" cy="1749820"/>
+          </a:xfrm>
+          <a:prstGeom prst="rect">
+            <a:avLst/>
+          </a:prstGeom>
+          <a:ln>
+            <a:noFill/>
+          </a:ln>
+          <a:effectLst>
+            <a:outerShdw blurRad="190500" algn="tl" rotWithShape="0">
+              <a:srgbClr val="000000">
+                <a:alpha val="70000"/>
+              </a:srgbClr>
+            </a:outerShdw>
+          </a:effectLst>
+        </p:spPr>
+      </p:pic>
+      <p:sp>
+        <p:nvSpPr>
+          <p:cNvPr id="20" name="Speech Bubble: Rectangle 19">
+            <a:extLst>
+              <a:ext uri="{FF2B5EF4-FFF2-40B4-BE49-F238E27FC236}">
+                <a16:creationId xmlns:a16="http://schemas.microsoft.com/office/drawing/2014/main" id="{DF67AC7C-1856-41A1-B123-48DF0E93AB70}"/>
+              </a:ext>
+            </a:extLst>
+          </p:cNvPr>
+          <p:cNvSpPr/>
+          <p:nvPr/>
+        </p:nvSpPr>
+        <p:spPr>
+          <a:xfrm>
+            <a:off x="667518" y="3001935"/>
+            <a:ext cx="1624831" cy="451934"/>
+          </a:xfrm>
+          <a:prstGeom prst="wedgeRectCallout">
+            <a:avLst>
+              <a:gd name="adj1" fmla="val 20392"/>
+              <a:gd name="adj2" fmla="val -95472"/>
+            </a:avLst>
+          </a:prstGeom>
+        </p:spPr>
+        <p:style>
+          <a:lnRef idx="1">
+            <a:schemeClr val="dk1"/>
+          </a:lnRef>
+          <a:fillRef idx="2">
+            <a:schemeClr val="dk1"/>
+          </a:fillRef>
+          <a:effectRef idx="1">
+            <a:schemeClr val="dk1"/>
+          </a:effectRef>
+          <a:fontRef idx="minor">
+            <a:schemeClr val="dk1"/>
+          </a:fontRef>
+        </p:style>
+        <p:txBody>
+          <a:bodyPr rtlCol="0" anchor="ctr"/>
+          <a:lstStyle/>
+          <a:p>
+            <a:r>
+              <a:rPr lang="en-US" sz="1000" dirty="0"/>
+              <a:t>Weekly grain converted to ISO, Monday start of week </a:t>
+            </a:r>
+          </a:p>
+        </p:txBody>
+      </p:sp>
+      <p:pic>
+        <p:nvPicPr>
+          <p:cNvPr id="14" name="Picture 13">
+            <a:extLst>
+              <a:ext uri="{FF2B5EF4-FFF2-40B4-BE49-F238E27FC236}">
+                <a16:creationId xmlns:a16="http://schemas.microsoft.com/office/drawing/2014/main" id="{5976E6D0-7B12-4B64-9BC9-A06643D4541B}"/>
+              </a:ext>
+            </a:extLst>
+          </p:cNvPr>
+          <p:cNvPicPr>
+            <a:picLocks noChangeAspect="1"/>
+          </p:cNvPicPr>
+          <p:nvPr/>
+        </p:nvPicPr>
+        <p:blipFill>
+          <a:blip r:embed="rId3"/>
+          <a:stretch>
+            <a:fillRect/>
+          </a:stretch>
+        </p:blipFill>
+        <p:spPr>
+          <a:xfrm>
+            <a:off x="143367" y="4186113"/>
+            <a:ext cx="8559800" cy="390125"/>
+          </a:xfrm>
+          <a:prstGeom prst="rect">
+            <a:avLst/>
+          </a:prstGeom>
+          <a:ln>
+            <a:noFill/>
+          </a:ln>
+          <a:effectLst>
+            <a:outerShdw blurRad="190500" algn="tl" rotWithShape="0">
+              <a:srgbClr val="000000">
+                <a:alpha val="70000"/>
+              </a:srgbClr>
+            </a:outerShdw>
+          </a:effectLst>
+        </p:spPr>
+      </p:pic>
+      <p:sp>
+        <p:nvSpPr>
+          <p:cNvPr id="11" name="Arrow: Right 10">
+            <a:extLst>
+              <a:ext uri="{FF2B5EF4-FFF2-40B4-BE49-F238E27FC236}">
+                <a16:creationId xmlns:a16="http://schemas.microsoft.com/office/drawing/2014/main" id="{926503CA-C28A-4A58-98EB-4F55454ADEE1}"/>
+              </a:ext>
+            </a:extLst>
+          </p:cNvPr>
+          <p:cNvSpPr/>
+          <p:nvPr/>
+        </p:nvSpPr>
+        <p:spPr>
+          <a:xfrm rot="5400000">
+            <a:off x="1980622" y="3342492"/>
+            <a:ext cx="1352141" cy="293257"/>
+          </a:xfrm>
+          <a:prstGeom prst="rightArrow">
+            <a:avLst/>
+          </a:prstGeom>
+        </p:spPr>
+        <p:style>
+          <a:lnRef idx="1">
+            <a:schemeClr val="accent1"/>
+          </a:lnRef>
+          <a:fillRef idx="3">
+            <a:schemeClr val="accent1"/>
+          </a:fillRef>
+          <a:effectRef idx="2">
+            <a:schemeClr val="accent1"/>
+          </a:effectRef>
+          <a:fontRef idx="minor">
+            <a:schemeClr val="lt1"/>
+          </a:fontRef>
+        </p:style>
+        <p:txBody>
+          <a:bodyPr rtlCol="0" anchor="ctr"/>
+          <a:lstStyle/>
+          <a:p>
+            <a:pPr algn="ctr"/>
+            <a:endParaRPr lang="en-US"/>
+          </a:p>
+        </p:txBody>
+      </p:sp>
+      <p:pic>
+        <p:nvPicPr>
+          <p:cNvPr id="8" name="Picture 7">
+            <a:extLst>
+              <a:ext uri="{FF2B5EF4-FFF2-40B4-BE49-F238E27FC236}">
+                <a16:creationId xmlns:a16="http://schemas.microsoft.com/office/drawing/2014/main" id="{CE6732C6-6E01-4536-BCFD-8E0E044E59B1}"/>
+              </a:ext>
+            </a:extLst>
+          </p:cNvPr>
+          <p:cNvPicPr>
+            <a:picLocks noChangeAspect="1"/>
+          </p:cNvPicPr>
+          <p:nvPr/>
+        </p:nvPicPr>
+        <p:blipFill>
+          <a:blip r:embed="rId4"/>
+          <a:stretch>
+            <a:fillRect/>
+          </a:stretch>
+        </p:blipFill>
+        <p:spPr>
+          <a:xfrm>
+            <a:off x="4901591" y="1906558"/>
+            <a:ext cx="3680050" cy="2116709"/>
+          </a:xfrm>
+          <a:prstGeom prst="rect">
+            <a:avLst/>
+          </a:prstGeom>
+          <a:ln>
+            <a:noFill/>
+          </a:ln>
+          <a:effectLst>
+            <a:outerShdw blurRad="190500" algn="tl" rotWithShape="0">
+              <a:srgbClr val="000000">
+                <a:alpha val="70000"/>
+              </a:srgbClr>
+            </a:outerShdw>
+          </a:effectLst>
+        </p:spPr>
+      </p:pic>
     </p:spTree>
     <p:extLst>
       <p:ext uri="{BB962C8B-B14F-4D97-AF65-F5344CB8AC3E}">
-        <p14:creationId xmlns:p14="http://schemas.microsoft.com/office/powerpoint/2010/main" val="1352665434"/>
+        <p14:creationId xmlns:p14="http://schemas.microsoft.com/office/powerpoint/2010/main" val="3322100970"/>
       </p:ext>
     </p:extLst>
   </p:cSld>
@@ -4578,6 +4763,208 @@
           <p:cNvPr id="5" name="Title 4">
             <a:extLst>
               <a:ext uri="{FF2B5EF4-FFF2-40B4-BE49-F238E27FC236}">
+                <a16:creationId xmlns:a16="http://schemas.microsoft.com/office/drawing/2014/main" id="{D4296CC1-D52C-4736-AB4E-1D2D2C75C616}"/>
+              </a:ext>
+            </a:extLst>
+          </p:cNvPr>
+          <p:cNvSpPr>
+            <a:spLocks noGrp="1"/>
+          </p:cNvSpPr>
+          <p:nvPr>
+            <p:ph type="title"/>
+          </p:nvPr>
+        </p:nvSpPr>
+        <p:spPr/>
+        <p:txBody>
+          <a:bodyPr/>
+          <a:lstStyle/>
+          <a:p>
+            <a:r>
+              <a:rPr lang="en-US" dirty="0"/>
+              <a:t>Potential Next Steps</a:t>
+            </a:r>
+          </a:p>
+        </p:txBody>
+      </p:sp>
+      <p:sp>
+        <p:nvSpPr>
+          <p:cNvPr id="4" name="Slide Number Placeholder 3"/>
+          <p:cNvSpPr>
+            <a:spLocks noGrp="1"/>
+          </p:cNvSpPr>
+          <p:nvPr>
+            <p:ph type="sldNum" sz="quarter" idx="12"/>
+          </p:nvPr>
+        </p:nvSpPr>
+        <p:spPr/>
+        <p:txBody>
+          <a:bodyPr/>
+          <a:lstStyle/>
+          <a:p>
+            <a:fld id="{106E12CD-FCB1-464E-A775-0B83FDDACE03}" type="slidenum">
+              <a:rPr lang="en-US" smtClean="0"/>
+              <a:pPr/>
+              <a:t>10</a:t>
+            </a:fld>
+            <a:endParaRPr lang="en-US" dirty="0"/>
+          </a:p>
+        </p:txBody>
+      </p:sp>
+      <p:sp>
+        <p:nvSpPr>
+          <p:cNvPr id="7" name="Content Placeholder 6">
+            <a:extLst>
+              <a:ext uri="{FF2B5EF4-FFF2-40B4-BE49-F238E27FC236}">
+                <a16:creationId xmlns:a16="http://schemas.microsoft.com/office/drawing/2014/main" id="{B7837073-5C1D-46BB-A1F0-03E5003E8F35}"/>
+              </a:ext>
+            </a:extLst>
+          </p:cNvPr>
+          <p:cNvSpPr>
+            <a:spLocks noGrp="1"/>
+          </p:cNvSpPr>
+          <p:nvPr>
+            <p:ph idx="1"/>
+          </p:nvPr>
+        </p:nvSpPr>
+        <p:spPr/>
+        <p:txBody>
+          <a:bodyPr>
+            <a:normAutofit/>
+          </a:bodyPr>
+          <a:lstStyle/>
+          <a:p>
+            <a:pPr>
+              <a:spcAft>
+                <a:spcPts val="600"/>
+              </a:spcAft>
+            </a:pPr>
+            <a:r>
+              <a:rPr lang="en-US" sz="1800" dirty="0"/>
+              <a:t>Additional historical stock data such as short activity to focus on potential GameStop(GME) or AMC activity.  </a:t>
+            </a:r>
+          </a:p>
+          <a:p>
+            <a:pPr>
+              <a:spcAft>
+                <a:spcPts val="600"/>
+              </a:spcAft>
+            </a:pPr>
+            <a:r>
+              <a:rPr lang="en-US" sz="1800" dirty="0"/>
+              <a:t>If data can’t be found, warehouse daily to build missing data – screen-scaping(beautiful-soup) is an option from sites such as </a:t>
+            </a:r>
+            <a:r>
+              <a:rPr lang="en-US" sz="1800" dirty="0" err="1">
+                <a:hlinkClick r:id="rId2"/>
+              </a:rPr>
+              <a:t>shortsqueeze</a:t>
+            </a:r>
+            <a:r>
+              <a:rPr lang="en-US" sz="1800" dirty="0"/>
+              <a:t> and/or </a:t>
+            </a:r>
+            <a:r>
+              <a:rPr lang="en-US" sz="1800" dirty="0">
+                <a:hlinkClick r:id="rId3"/>
+              </a:rPr>
+              <a:t>Daily Short Sale Volume</a:t>
+            </a:r>
+            <a:r>
+              <a:rPr lang="en-US" sz="1800" dirty="0"/>
+              <a:t>.</a:t>
+            </a:r>
+          </a:p>
+          <a:p>
+            <a:pPr>
+              <a:spcAft>
+                <a:spcPts val="600"/>
+              </a:spcAft>
+            </a:pPr>
+            <a:r>
+              <a:rPr lang="en-US" sz="1800" dirty="0"/>
+              <a:t>Build additional charts and dashboards</a:t>
+            </a:r>
+          </a:p>
+          <a:p>
+            <a:pPr>
+              <a:spcAft>
+                <a:spcPts val="600"/>
+              </a:spcAft>
+            </a:pPr>
+            <a:r>
+              <a:rPr lang="en-US" sz="1800" dirty="0"/>
+              <a:t>Reduce time grain to hourly, minute for automated trading/prescription reporting (take automatic action on report).</a:t>
+            </a:r>
+          </a:p>
+          <a:p>
+            <a:pPr>
+              <a:spcAft>
+                <a:spcPts val="600"/>
+              </a:spcAft>
+            </a:pPr>
+            <a:endParaRPr lang="en-US" sz="1800" dirty="0"/>
+          </a:p>
+          <a:p>
+            <a:pPr>
+              <a:spcAft>
+                <a:spcPts val="600"/>
+              </a:spcAft>
+            </a:pPr>
+            <a:endParaRPr lang="en-US" sz="1800" dirty="0"/>
+          </a:p>
+          <a:p>
+            <a:pPr>
+              <a:spcAft>
+                <a:spcPts val="600"/>
+              </a:spcAft>
+            </a:pPr>
+            <a:endParaRPr lang="en-US" sz="1800" dirty="0"/>
+          </a:p>
+          <a:p>
+            <a:pPr>
+              <a:spcAft>
+                <a:spcPts val="600"/>
+              </a:spcAft>
+            </a:pPr>
+            <a:endParaRPr lang="en-US" sz="1800" dirty="0"/>
+          </a:p>
+        </p:txBody>
+      </p:sp>
+    </p:spTree>
+    <p:extLst>
+      <p:ext uri="{BB962C8B-B14F-4D97-AF65-F5344CB8AC3E}">
+        <p14:creationId xmlns:p14="http://schemas.microsoft.com/office/powerpoint/2010/main" val="1352665434"/>
+      </p:ext>
+    </p:extLst>
+  </p:cSld>
+  <p:clrMapOvr>
+    <a:masterClrMapping/>
+  </p:clrMapOvr>
+</p:sld>
+</file>
+
+<file path=ppt/slides/slide12.xml><?xml version="1.0" encoding="utf-8"?>
+<p:sld xmlns:a="http://schemas.openxmlformats.org/drawingml/2006/main" xmlns:r="http://schemas.openxmlformats.org/officeDocument/2006/relationships" xmlns:p="http://schemas.openxmlformats.org/presentationml/2006/main">
+  <p:cSld>
+    <p:spTree>
+      <p:nvGrpSpPr>
+        <p:cNvPr id="1" name=""/>
+        <p:cNvGrpSpPr/>
+        <p:nvPr/>
+      </p:nvGrpSpPr>
+      <p:grpSpPr>
+        <a:xfrm>
+          <a:off x="0" y="0"/>
+          <a:ext cx="0" cy="0"/>
+          <a:chOff x="0" y="0"/>
+          <a:chExt cx="0" cy="0"/>
+        </a:xfrm>
+      </p:grpSpPr>
+      <p:sp>
+        <p:nvSpPr>
+          <p:cNvPr id="5" name="Title 4">
+            <a:extLst>
+              <a:ext uri="{FF2B5EF4-FFF2-40B4-BE49-F238E27FC236}">
                 <a16:creationId xmlns:a16="http://schemas.microsoft.com/office/drawing/2014/main" id="{6229D272-CD8F-44E9-8790-217BC2FFC777}"/>
               </a:ext>
             </a:extLst>
@@ -4650,7 +5037,7 @@
             <a:fld id="{106E12CD-FCB1-464E-A775-0B83FDDACE03}" type="slidenum">
               <a:rPr lang="en-US" smtClean="0"/>
               <a:pPr/>
-              <a:t>10</a:t>
+              <a:t>11</a:t>
             </a:fld>
             <a:endParaRPr lang="en-US"/>
           </a:p>
@@ -5816,7 +6203,7 @@
           <a:p>
             <a:r>
               <a:rPr lang="en-US" dirty="0"/>
-              <a:t>Data Sources</a:t>
+              <a:t>Key Data Sources</a:t>
             </a:r>
           </a:p>
         </p:txBody>
@@ -5843,7 +6230,7 @@
         </p:blipFill>
         <p:spPr>
           <a:xfrm>
-            <a:off x="2846984" y="2605285"/>
+            <a:off x="3805171" y="3039169"/>
             <a:ext cx="847857" cy="323850"/>
           </a:xfrm>
           <a:prstGeom prst="rect">
@@ -5921,6 +6308,1331 @@
       </p:grpSpPr>
       <p:sp>
         <p:nvSpPr>
+          <p:cNvPr id="2" name="Title 1">
+            <a:extLst>
+              <a:ext uri="{FF2B5EF4-FFF2-40B4-BE49-F238E27FC236}">
+                <a16:creationId xmlns:a16="http://schemas.microsoft.com/office/drawing/2014/main" id="{727FFB98-7050-4567-81EF-5F3D129F901C}"/>
+              </a:ext>
+            </a:extLst>
+          </p:cNvPr>
+          <p:cNvSpPr>
+            <a:spLocks noGrp="1"/>
+          </p:cNvSpPr>
+          <p:nvPr>
+            <p:ph type="title"/>
+          </p:nvPr>
+        </p:nvSpPr>
+        <p:spPr>
+          <a:xfrm>
+            <a:off x="457200" y="205979"/>
+            <a:ext cx="8229600" cy="857250"/>
+          </a:xfrm>
+        </p:spPr>
+        <p:txBody>
+          <a:bodyPr anchor="ctr">
+            <a:normAutofit/>
+          </a:bodyPr>
+          <a:lstStyle/>
+          <a:p>
+            <a:r>
+              <a:rPr lang="en-US" dirty="0"/>
+              <a:t>Libraries Used</a:t>
+            </a:r>
+          </a:p>
+        </p:txBody>
+      </p:sp>
+      <p:sp>
+        <p:nvSpPr>
+          <p:cNvPr id="4" name="Slide Number Placeholder 3">
+            <a:extLst>
+              <a:ext uri="{FF2B5EF4-FFF2-40B4-BE49-F238E27FC236}">
+                <a16:creationId xmlns:a16="http://schemas.microsoft.com/office/drawing/2014/main" id="{672557A4-C0B7-466E-BF35-A9ADF7D1DB2A}"/>
+              </a:ext>
+            </a:extLst>
+          </p:cNvPr>
+          <p:cNvSpPr>
+            <a:spLocks noGrp="1"/>
+          </p:cNvSpPr>
+          <p:nvPr>
+            <p:ph type="sldNum" sz="quarter" idx="12"/>
+          </p:nvPr>
+        </p:nvSpPr>
+        <p:spPr>
+          <a:xfrm>
+            <a:off x="8339169" y="4767263"/>
+            <a:ext cx="597573" cy="273844"/>
+          </a:xfrm>
+        </p:spPr>
+        <p:txBody>
+          <a:bodyPr anchor="ctr">
+            <a:normAutofit/>
+          </a:bodyPr>
+          <a:lstStyle/>
+          <a:p>
+            <a:pPr>
+              <a:lnSpc>
+                <a:spcPct val="90000"/>
+              </a:lnSpc>
+              <a:spcAft>
+                <a:spcPts val="600"/>
+              </a:spcAft>
+            </a:pPr>
+            <a:fld id="{106E12CD-FCB1-464E-A775-0B83FDDACE03}" type="slidenum">
+              <a:rPr lang="en-US" smtClean="0"/>
+              <a:pPr>
+                <a:lnSpc>
+                  <a:spcPct val="90000"/>
+                </a:lnSpc>
+                <a:spcAft>
+                  <a:spcPts val="600"/>
+                </a:spcAft>
+              </a:pPr>
+              <a:t>3</a:t>
+            </a:fld>
+            <a:endParaRPr lang="en-US"/>
+          </a:p>
+        </p:txBody>
+      </p:sp>
+      <p:sp>
+        <p:nvSpPr>
+          <p:cNvPr id="10" name="Content Placeholder 9">
+            <a:extLst>
+              <a:ext uri="{FF2B5EF4-FFF2-40B4-BE49-F238E27FC236}">
+                <a16:creationId xmlns:a16="http://schemas.microsoft.com/office/drawing/2014/main" id="{2085D780-D21A-44AA-B8BD-F3CB87C5DFBD}"/>
+              </a:ext>
+            </a:extLst>
+          </p:cNvPr>
+          <p:cNvSpPr>
+            <a:spLocks noGrp="1"/>
+          </p:cNvSpPr>
+          <p:nvPr>
+            <p:ph sz="half" idx="2"/>
+          </p:nvPr>
+        </p:nvSpPr>
+        <p:spPr>
+          <a:xfrm>
+            <a:off x="488950" y="996052"/>
+            <a:ext cx="3389313" cy="3480698"/>
+          </a:xfrm>
+        </p:spPr>
+        <p:txBody>
+          <a:bodyPr>
+            <a:noAutofit/>
+          </a:bodyPr>
+          <a:lstStyle/>
+          <a:p>
+            <a:pPr marL="0" indent="0">
+              <a:buNone/>
+            </a:pPr>
+            <a:r>
+              <a:rPr lang="en-US" sz="1000" b="1" dirty="0">
+                <a:latin typeface="Arial" panose="020B0604020202020204" pitchFamily="34" charset="0"/>
+                <a:cs typeface="Arial" panose="020B0604020202020204" pitchFamily="34" charset="0"/>
+              </a:rPr>
+              <a:t>from </a:t>
+            </a:r>
+            <a:r>
+              <a:rPr lang="en-US" sz="1000" b="1" dirty="0" err="1">
+                <a:latin typeface="Arial" panose="020B0604020202020204" pitchFamily="34" charset="0"/>
+                <a:cs typeface="Arial" panose="020B0604020202020204" pitchFamily="34" charset="0"/>
+              </a:rPr>
+              <a:t>sklearn</a:t>
+            </a:r>
+            <a:r>
+              <a:rPr lang="en-US" sz="1000" b="1" dirty="0">
+                <a:latin typeface="Arial" panose="020B0604020202020204" pitchFamily="34" charset="0"/>
+                <a:cs typeface="Arial" panose="020B0604020202020204" pitchFamily="34" charset="0"/>
+              </a:rPr>
+              <a:t>:</a:t>
+            </a:r>
+          </a:p>
+          <a:p>
+            <a:r>
+              <a:rPr lang="en-US" sz="900" dirty="0" err="1">
+                <a:latin typeface="Arial" panose="020B0604020202020204" pitchFamily="34" charset="0"/>
+                <a:cs typeface="Arial" panose="020B0604020202020204" pitchFamily="34" charset="0"/>
+              </a:rPr>
+              <a:t>linear_model</a:t>
+            </a:r>
+            <a:r>
+              <a:rPr lang="en-US" sz="900" dirty="0">
+                <a:latin typeface="Arial" panose="020B0604020202020204" pitchFamily="34" charset="0"/>
+                <a:cs typeface="Arial" panose="020B0604020202020204" pitchFamily="34" charset="0"/>
+              </a:rPr>
+              <a:t> import </a:t>
+            </a:r>
+            <a:r>
+              <a:rPr lang="en-US" sz="900" dirty="0" err="1">
+                <a:latin typeface="Arial" panose="020B0604020202020204" pitchFamily="34" charset="0"/>
+                <a:cs typeface="Arial" panose="020B0604020202020204" pitchFamily="34" charset="0"/>
+              </a:rPr>
+              <a:t>LinearRegression</a:t>
+            </a:r>
+            <a:endParaRPr lang="en-US" sz="900" dirty="0">
+              <a:latin typeface="Arial" panose="020B0604020202020204" pitchFamily="34" charset="0"/>
+              <a:cs typeface="Arial" panose="020B0604020202020204" pitchFamily="34" charset="0"/>
+            </a:endParaRPr>
+          </a:p>
+          <a:p>
+            <a:r>
+              <a:rPr lang="en-US" sz="900" dirty="0">
+                <a:latin typeface="Arial" panose="020B0604020202020204" pitchFamily="34" charset="0"/>
+                <a:cs typeface="Arial" panose="020B0604020202020204" pitchFamily="34" charset="0"/>
+              </a:rPr>
+              <a:t>tree import </a:t>
+            </a:r>
+            <a:r>
+              <a:rPr lang="en-US" sz="900" dirty="0" err="1">
+                <a:latin typeface="Arial" panose="020B0604020202020204" pitchFamily="34" charset="0"/>
+                <a:cs typeface="Arial" panose="020B0604020202020204" pitchFamily="34" charset="0"/>
+              </a:rPr>
+              <a:t>DecisionTreeRegressor</a:t>
+            </a:r>
+            <a:endParaRPr lang="en-US" sz="900" dirty="0">
+              <a:latin typeface="Arial" panose="020B0604020202020204" pitchFamily="34" charset="0"/>
+              <a:cs typeface="Arial" panose="020B0604020202020204" pitchFamily="34" charset="0"/>
+            </a:endParaRPr>
+          </a:p>
+          <a:p>
+            <a:r>
+              <a:rPr lang="en-US" sz="900" dirty="0" err="1">
+                <a:latin typeface="Arial" panose="020B0604020202020204" pitchFamily="34" charset="0"/>
+                <a:cs typeface="Arial" panose="020B0604020202020204" pitchFamily="34" charset="0"/>
+              </a:rPr>
+              <a:t>model_selection</a:t>
+            </a:r>
+            <a:r>
+              <a:rPr lang="en-US" sz="900" dirty="0">
+                <a:latin typeface="Arial" panose="020B0604020202020204" pitchFamily="34" charset="0"/>
+                <a:cs typeface="Arial" panose="020B0604020202020204" pitchFamily="34" charset="0"/>
+              </a:rPr>
+              <a:t> import </a:t>
+            </a:r>
+            <a:r>
+              <a:rPr lang="en-US" sz="900" dirty="0" err="1">
+                <a:latin typeface="Arial" panose="020B0604020202020204" pitchFamily="34" charset="0"/>
+                <a:cs typeface="Arial" panose="020B0604020202020204" pitchFamily="34" charset="0"/>
+              </a:rPr>
+              <a:t>train_test_split</a:t>
+            </a:r>
+            <a:endParaRPr lang="en-US" sz="900" dirty="0">
+              <a:latin typeface="Arial" panose="020B0604020202020204" pitchFamily="34" charset="0"/>
+              <a:cs typeface="Arial" panose="020B0604020202020204" pitchFamily="34" charset="0"/>
+            </a:endParaRPr>
+          </a:p>
+          <a:p>
+            <a:r>
+              <a:rPr lang="en-US" sz="900" dirty="0">
+                <a:latin typeface="Arial" panose="020B0604020202020204" pitchFamily="34" charset="0"/>
+                <a:cs typeface="Arial" panose="020B0604020202020204" pitchFamily="34" charset="0"/>
+              </a:rPr>
+              <a:t>metrics import </a:t>
+            </a:r>
+            <a:r>
+              <a:rPr lang="en-US" sz="900" dirty="0" err="1">
+                <a:latin typeface="Arial" panose="020B0604020202020204" pitchFamily="34" charset="0"/>
+                <a:cs typeface="Arial" panose="020B0604020202020204" pitchFamily="34" charset="0"/>
+              </a:rPr>
+              <a:t>mean_squared_error</a:t>
+            </a:r>
+            <a:endParaRPr lang="en-US" sz="900" dirty="0">
+              <a:latin typeface="Arial" panose="020B0604020202020204" pitchFamily="34" charset="0"/>
+              <a:cs typeface="Arial" panose="020B0604020202020204" pitchFamily="34" charset="0"/>
+            </a:endParaRPr>
+          </a:p>
+          <a:p>
+            <a:endParaRPr lang="en-US" sz="900" dirty="0">
+              <a:latin typeface="Arial" panose="020B0604020202020204" pitchFamily="34" charset="0"/>
+              <a:cs typeface="Arial" panose="020B0604020202020204" pitchFamily="34" charset="0"/>
+            </a:endParaRPr>
+          </a:p>
+          <a:p>
+            <a:pPr marL="0" indent="0">
+              <a:buNone/>
+            </a:pPr>
+            <a:r>
+              <a:rPr lang="en-US" sz="900" b="1" dirty="0">
+                <a:latin typeface="Arial" panose="020B0604020202020204" pitchFamily="34" charset="0"/>
+                <a:cs typeface="Arial" panose="020B0604020202020204" pitchFamily="34" charset="0"/>
+              </a:rPr>
+              <a:t>*ARIMA </a:t>
+            </a:r>
+            <a:r>
+              <a:rPr lang="en-US" sz="900" dirty="0">
+                <a:latin typeface="Arial" panose="020B0604020202020204" pitchFamily="34" charset="0"/>
+                <a:cs typeface="Arial" panose="020B0604020202020204" pitchFamily="34" charset="0"/>
+              </a:rPr>
+              <a:t>- </a:t>
+            </a:r>
+            <a:r>
+              <a:rPr lang="en-US" sz="900" i="0" dirty="0">
+                <a:solidFill>
+                  <a:srgbClr val="111111"/>
+                </a:solidFill>
+                <a:effectLst/>
+                <a:latin typeface="Arial" panose="020B0604020202020204" pitchFamily="34" charset="0"/>
+                <a:cs typeface="Arial" panose="020B0604020202020204" pitchFamily="34" charset="0"/>
+              </a:rPr>
+              <a:t>A p</a:t>
+            </a:r>
+            <a:r>
+              <a:rPr lang="en-US" sz="900" b="0" i="0" dirty="0">
+                <a:solidFill>
+                  <a:srgbClr val="111111"/>
+                </a:solidFill>
+                <a:effectLst/>
+                <a:latin typeface="Arial" panose="020B0604020202020204" pitchFamily="34" charset="0"/>
+                <a:cs typeface="Arial" panose="020B0604020202020204" pitchFamily="34" charset="0"/>
+              </a:rPr>
+              <a:t>opular and widely used statistical method for </a:t>
+            </a:r>
+            <a:r>
+              <a:rPr lang="en-US" sz="900" b="1" i="0" dirty="0">
+                <a:solidFill>
+                  <a:srgbClr val="111111"/>
+                </a:solidFill>
+                <a:effectLst/>
+                <a:latin typeface="Arial" panose="020B0604020202020204" pitchFamily="34" charset="0"/>
+                <a:cs typeface="Arial" panose="020B0604020202020204" pitchFamily="34" charset="0"/>
+              </a:rPr>
+              <a:t>time series forecasting</a:t>
+            </a:r>
+            <a:r>
+              <a:rPr lang="en-US" sz="900" dirty="0">
+                <a:solidFill>
+                  <a:srgbClr val="111111"/>
+                </a:solidFill>
+                <a:latin typeface="Arial" panose="020B0604020202020204" pitchFamily="34" charset="0"/>
+                <a:cs typeface="Arial" panose="020B0604020202020204" pitchFamily="34" charset="0"/>
+              </a:rPr>
+              <a:t>.</a:t>
+            </a:r>
+            <a:endParaRPr lang="en-US" sz="900" dirty="0">
+              <a:latin typeface="Arial" panose="020B0604020202020204" pitchFamily="34" charset="0"/>
+              <a:cs typeface="Arial" panose="020B0604020202020204" pitchFamily="34" charset="0"/>
+            </a:endParaRPr>
+          </a:p>
+          <a:p>
+            <a:r>
+              <a:rPr lang="en-US" sz="900" dirty="0">
+                <a:latin typeface="Arial" panose="020B0604020202020204" pitchFamily="34" charset="0"/>
+                <a:cs typeface="Arial" panose="020B0604020202020204" pitchFamily="34" charset="0"/>
+              </a:rPr>
+              <a:t>from </a:t>
+            </a:r>
+            <a:r>
+              <a:rPr lang="en-US" sz="900" dirty="0" err="1">
+                <a:latin typeface="Arial" panose="020B0604020202020204" pitchFamily="34" charset="0"/>
+                <a:cs typeface="Arial" panose="020B0604020202020204" pitchFamily="34" charset="0"/>
+              </a:rPr>
+              <a:t>statsmodels.tsa.arima_model</a:t>
+            </a:r>
+            <a:r>
+              <a:rPr lang="en-US" sz="900" dirty="0">
+                <a:latin typeface="Arial" panose="020B0604020202020204" pitchFamily="34" charset="0"/>
+                <a:cs typeface="Arial" panose="020B0604020202020204" pitchFamily="34" charset="0"/>
+              </a:rPr>
+              <a:t> import ARIMA</a:t>
+            </a:r>
+          </a:p>
+          <a:p>
+            <a:pPr marL="0" indent="0">
+              <a:buNone/>
+            </a:pPr>
+            <a:endParaRPr lang="en-US" sz="900" i="1" dirty="0">
+              <a:latin typeface="Arial" panose="020B0604020202020204" pitchFamily="34" charset="0"/>
+              <a:cs typeface="Arial" panose="020B0604020202020204" pitchFamily="34" charset="0"/>
+            </a:endParaRPr>
+          </a:p>
+          <a:p>
+            <a:pPr marL="0" indent="0">
+              <a:buNone/>
+            </a:pPr>
+            <a:r>
+              <a:rPr lang="en-US" sz="900" i="1" dirty="0">
+                <a:latin typeface="Arial" panose="020B0604020202020204" pitchFamily="34" charset="0"/>
+                <a:cs typeface="Arial" panose="020B0604020202020204" pitchFamily="34" charset="0"/>
+              </a:rPr>
+              <a:t>Other:</a:t>
+            </a:r>
+          </a:p>
+          <a:p>
+            <a:r>
+              <a:rPr lang="en-US" sz="900" dirty="0">
+                <a:latin typeface="Arial" panose="020B0604020202020204" pitchFamily="34" charset="0"/>
+                <a:cs typeface="Arial" panose="020B0604020202020204" pitchFamily="34" charset="0"/>
+              </a:rPr>
+              <a:t>import pandas as pd    </a:t>
+            </a:r>
+          </a:p>
+          <a:p>
+            <a:r>
+              <a:rPr lang="en-US" sz="900" dirty="0">
+                <a:latin typeface="Arial" panose="020B0604020202020204" pitchFamily="34" charset="0"/>
+                <a:cs typeface="Arial" panose="020B0604020202020204" pitchFamily="34" charset="0"/>
+              </a:rPr>
+              <a:t>import </a:t>
+            </a:r>
+            <a:r>
+              <a:rPr lang="en-US" sz="900" dirty="0" err="1">
+                <a:latin typeface="Arial" panose="020B0604020202020204" pitchFamily="34" charset="0"/>
+                <a:cs typeface="Arial" panose="020B0604020202020204" pitchFamily="34" charset="0"/>
+              </a:rPr>
+              <a:t>numpy</a:t>
+            </a:r>
+            <a:r>
+              <a:rPr lang="en-US" sz="900" dirty="0">
+                <a:latin typeface="Arial" panose="020B0604020202020204" pitchFamily="34" charset="0"/>
+                <a:cs typeface="Arial" panose="020B0604020202020204" pitchFamily="34" charset="0"/>
+              </a:rPr>
+              <a:t> as np</a:t>
+            </a:r>
+          </a:p>
+          <a:p>
+            <a:r>
+              <a:rPr lang="en-US" sz="900" dirty="0">
+                <a:latin typeface="Arial" panose="020B0604020202020204" pitchFamily="34" charset="0"/>
+                <a:cs typeface="Arial" panose="020B0604020202020204" pitchFamily="34" charset="0"/>
+              </a:rPr>
+              <a:t>import </a:t>
+            </a:r>
+            <a:r>
+              <a:rPr lang="en-US" sz="900" dirty="0" err="1">
+                <a:latin typeface="Arial" panose="020B0604020202020204" pitchFamily="34" charset="0"/>
+                <a:cs typeface="Arial" panose="020B0604020202020204" pitchFamily="34" charset="0"/>
+              </a:rPr>
+              <a:t>matplotlib.pyplot</a:t>
+            </a:r>
+            <a:r>
+              <a:rPr lang="en-US" sz="900" dirty="0">
+                <a:latin typeface="Arial" panose="020B0604020202020204" pitchFamily="34" charset="0"/>
+                <a:cs typeface="Arial" panose="020B0604020202020204" pitchFamily="34" charset="0"/>
+              </a:rPr>
+              <a:t> as </a:t>
+            </a:r>
+            <a:r>
+              <a:rPr lang="en-US" sz="900" dirty="0" err="1">
+                <a:latin typeface="Arial" panose="020B0604020202020204" pitchFamily="34" charset="0"/>
+                <a:cs typeface="Arial" panose="020B0604020202020204" pitchFamily="34" charset="0"/>
+              </a:rPr>
+              <a:t>plt</a:t>
+            </a:r>
+            <a:r>
+              <a:rPr lang="en-US" sz="900" dirty="0">
+                <a:latin typeface="Arial" panose="020B0604020202020204" pitchFamily="34" charset="0"/>
+                <a:cs typeface="Arial" panose="020B0604020202020204" pitchFamily="34" charset="0"/>
+              </a:rPr>
+              <a:t> </a:t>
+            </a:r>
+          </a:p>
+          <a:p>
+            <a:r>
+              <a:rPr lang="en-US" sz="900" dirty="0">
+                <a:latin typeface="Arial" panose="020B0604020202020204" pitchFamily="34" charset="0"/>
+                <a:cs typeface="Arial" panose="020B0604020202020204" pitchFamily="34" charset="0"/>
+              </a:rPr>
+              <a:t>from </a:t>
+            </a:r>
+            <a:r>
+              <a:rPr lang="en-US" sz="900" dirty="0" err="1">
+                <a:latin typeface="Arial" panose="020B0604020202020204" pitchFamily="34" charset="0"/>
+                <a:cs typeface="Arial" panose="020B0604020202020204" pitchFamily="34" charset="0"/>
+              </a:rPr>
+              <a:t>pandas.plotting</a:t>
+            </a:r>
+            <a:r>
+              <a:rPr lang="en-US" sz="900" dirty="0">
+                <a:latin typeface="Arial" panose="020B0604020202020204" pitchFamily="34" charset="0"/>
+                <a:cs typeface="Arial" panose="020B0604020202020204" pitchFamily="34" charset="0"/>
+              </a:rPr>
+              <a:t> import </a:t>
+            </a:r>
+            <a:r>
+              <a:rPr lang="en-US" sz="900" dirty="0" err="1">
+                <a:latin typeface="Arial" panose="020B0604020202020204" pitchFamily="34" charset="0"/>
+                <a:cs typeface="Arial" panose="020B0604020202020204" pitchFamily="34" charset="0"/>
+              </a:rPr>
+              <a:t>lag_plot</a:t>
+            </a:r>
+            <a:endParaRPr lang="en-US" sz="900" dirty="0">
+              <a:latin typeface="Arial" panose="020B0604020202020204" pitchFamily="34" charset="0"/>
+              <a:cs typeface="Arial" panose="020B0604020202020204" pitchFamily="34" charset="0"/>
+            </a:endParaRPr>
+          </a:p>
+          <a:p>
+            <a:r>
+              <a:rPr lang="en-US" sz="900" dirty="0">
+                <a:latin typeface="Arial" panose="020B0604020202020204" pitchFamily="34" charset="0"/>
+                <a:cs typeface="Arial" panose="020B0604020202020204" pitchFamily="34" charset="0"/>
+              </a:rPr>
+              <a:t>from </a:t>
+            </a:r>
+            <a:r>
+              <a:rPr lang="en-US" sz="900" dirty="0" err="1">
+                <a:latin typeface="Arial" panose="020B0604020202020204" pitchFamily="34" charset="0"/>
+                <a:cs typeface="Arial" panose="020B0604020202020204" pitchFamily="34" charset="0"/>
+              </a:rPr>
+              <a:t>pandas.tseries.holiday</a:t>
+            </a:r>
+            <a:r>
+              <a:rPr lang="en-US" sz="900" dirty="0">
+                <a:latin typeface="Arial" panose="020B0604020202020204" pitchFamily="34" charset="0"/>
+                <a:cs typeface="Arial" panose="020B0604020202020204" pitchFamily="34" charset="0"/>
+              </a:rPr>
+              <a:t> import </a:t>
+            </a:r>
+            <a:r>
+              <a:rPr lang="en-US" sz="900" dirty="0" err="1">
+                <a:latin typeface="Arial" panose="020B0604020202020204" pitchFamily="34" charset="0"/>
+                <a:cs typeface="Arial" panose="020B0604020202020204" pitchFamily="34" charset="0"/>
+              </a:rPr>
+              <a:t>USFederalHolidayCalendar</a:t>
+            </a:r>
+            <a:endParaRPr lang="en-US" sz="900" dirty="0">
+              <a:latin typeface="Arial" panose="020B0604020202020204" pitchFamily="34" charset="0"/>
+              <a:cs typeface="Arial" panose="020B0604020202020204" pitchFamily="34" charset="0"/>
+            </a:endParaRPr>
+          </a:p>
+          <a:p>
+            <a:r>
+              <a:rPr lang="en-US" sz="900" dirty="0">
+                <a:latin typeface="Arial" panose="020B0604020202020204" pitchFamily="34" charset="0"/>
+                <a:cs typeface="Arial" panose="020B0604020202020204" pitchFamily="34" charset="0"/>
+              </a:rPr>
+              <a:t>from </a:t>
+            </a:r>
+            <a:r>
+              <a:rPr lang="en-US" sz="900" dirty="0" err="1">
+                <a:latin typeface="Arial" panose="020B0604020202020204" pitchFamily="34" charset="0"/>
+                <a:cs typeface="Arial" panose="020B0604020202020204" pitchFamily="34" charset="0"/>
+              </a:rPr>
+              <a:t>pandas.tseries.offsets</a:t>
+            </a:r>
+            <a:r>
+              <a:rPr lang="en-US" sz="900" dirty="0">
+                <a:latin typeface="Arial" panose="020B0604020202020204" pitchFamily="34" charset="0"/>
+                <a:cs typeface="Arial" panose="020B0604020202020204" pitchFamily="34" charset="0"/>
+              </a:rPr>
+              <a:t> import </a:t>
+            </a:r>
+            <a:r>
+              <a:rPr lang="en-US" sz="900" dirty="0" err="1">
+                <a:latin typeface="Arial" panose="020B0604020202020204" pitchFamily="34" charset="0"/>
+                <a:cs typeface="Arial" panose="020B0604020202020204" pitchFamily="34" charset="0"/>
+              </a:rPr>
+              <a:t>CustomBusinessDay</a:t>
+            </a:r>
+            <a:endParaRPr lang="en-US" sz="900" dirty="0">
+              <a:latin typeface="Arial" panose="020B0604020202020204" pitchFamily="34" charset="0"/>
+              <a:cs typeface="Arial" panose="020B0604020202020204" pitchFamily="34" charset="0"/>
+            </a:endParaRPr>
+          </a:p>
+          <a:p>
+            <a:r>
+              <a:rPr lang="en-US" sz="900" dirty="0">
+                <a:latin typeface="Arial" panose="020B0604020202020204" pitchFamily="34" charset="0"/>
+                <a:cs typeface="Arial" panose="020B0604020202020204" pitchFamily="34" charset="0"/>
+              </a:rPr>
+              <a:t>from </a:t>
+            </a:r>
+            <a:r>
+              <a:rPr lang="en-US" sz="900" dirty="0" err="1">
+                <a:latin typeface="Arial" panose="020B0604020202020204" pitchFamily="34" charset="0"/>
+                <a:cs typeface="Arial" panose="020B0604020202020204" pitchFamily="34" charset="0"/>
+              </a:rPr>
+              <a:t>pandas_datareader.data</a:t>
+            </a:r>
+            <a:r>
+              <a:rPr lang="en-US" sz="900" dirty="0">
+                <a:latin typeface="Arial" panose="020B0604020202020204" pitchFamily="34" charset="0"/>
+                <a:cs typeface="Arial" panose="020B0604020202020204" pitchFamily="34" charset="0"/>
+              </a:rPr>
+              <a:t> import </a:t>
+            </a:r>
+            <a:r>
+              <a:rPr lang="en-US" sz="900" dirty="0" err="1">
+                <a:latin typeface="Arial" panose="020B0604020202020204" pitchFamily="34" charset="0"/>
+                <a:cs typeface="Arial" panose="020B0604020202020204" pitchFamily="34" charset="0"/>
+              </a:rPr>
+              <a:t>DataReader</a:t>
+            </a:r>
+            <a:endParaRPr lang="en-US" sz="900" dirty="0">
+              <a:latin typeface="Arial" panose="020B0604020202020204" pitchFamily="34" charset="0"/>
+              <a:cs typeface="Arial" panose="020B0604020202020204" pitchFamily="34" charset="0"/>
+            </a:endParaRPr>
+          </a:p>
+          <a:p>
+            <a:r>
+              <a:rPr lang="en-US" sz="900" dirty="0">
+                <a:latin typeface="Arial" panose="020B0604020202020204" pitchFamily="34" charset="0"/>
+                <a:cs typeface="Arial" panose="020B0604020202020204" pitchFamily="34" charset="0"/>
+              </a:rPr>
+              <a:t>import </a:t>
+            </a:r>
+            <a:r>
+              <a:rPr lang="en-US" sz="900" dirty="0" err="1">
+                <a:latin typeface="Arial" panose="020B0604020202020204" pitchFamily="34" charset="0"/>
+                <a:cs typeface="Arial" panose="020B0604020202020204" pitchFamily="34" charset="0"/>
+              </a:rPr>
+              <a:t>yfinance</a:t>
+            </a:r>
+            <a:r>
+              <a:rPr lang="en-US" sz="900" dirty="0">
+                <a:latin typeface="Arial" panose="020B0604020202020204" pitchFamily="34" charset="0"/>
+                <a:cs typeface="Arial" panose="020B0604020202020204" pitchFamily="34" charset="0"/>
+              </a:rPr>
+              <a:t> as </a:t>
+            </a:r>
+            <a:r>
+              <a:rPr lang="en-US" sz="900" dirty="0" err="1">
+                <a:latin typeface="Arial" panose="020B0604020202020204" pitchFamily="34" charset="0"/>
+                <a:cs typeface="Arial" panose="020B0604020202020204" pitchFamily="34" charset="0"/>
+              </a:rPr>
+              <a:t>yf</a:t>
+            </a:r>
+            <a:endParaRPr lang="en-US" sz="900" dirty="0">
+              <a:latin typeface="Arial" panose="020B0604020202020204" pitchFamily="34" charset="0"/>
+              <a:cs typeface="Arial" panose="020B0604020202020204" pitchFamily="34" charset="0"/>
+            </a:endParaRPr>
+          </a:p>
+          <a:p>
+            <a:r>
+              <a:rPr lang="en-US" sz="900" dirty="0">
+                <a:latin typeface="Arial" panose="020B0604020202020204" pitchFamily="34" charset="0"/>
+                <a:cs typeface="Arial" panose="020B0604020202020204" pitchFamily="34" charset="0"/>
+              </a:rPr>
+              <a:t>import datetime</a:t>
+            </a:r>
+          </a:p>
+        </p:txBody>
+      </p:sp>
+      <p:sp>
+        <p:nvSpPr>
+          <p:cNvPr id="19" name="Content Placeholder 9">
+            <a:extLst>
+              <a:ext uri="{FF2B5EF4-FFF2-40B4-BE49-F238E27FC236}">
+                <a16:creationId xmlns:a16="http://schemas.microsoft.com/office/drawing/2014/main" id="{26F04997-C330-4C3B-9DC0-546218AF8388}"/>
+              </a:ext>
+            </a:extLst>
+          </p:cNvPr>
+          <p:cNvSpPr txBox="1">
+            <a:spLocks/>
+          </p:cNvSpPr>
+          <p:nvPr/>
+        </p:nvSpPr>
+        <p:spPr>
+          <a:xfrm>
+            <a:off x="3975100" y="996052"/>
+            <a:ext cx="4799013" cy="3347347"/>
+          </a:xfrm>
+          <a:prstGeom prst="rect">
+            <a:avLst/>
+          </a:prstGeom>
+        </p:spPr>
+        <p:txBody>
+          <a:bodyPr vert="horz" lIns="91440" tIns="45720" rIns="91440" bIns="45720" rtlCol="0">
+            <a:noAutofit/>
+          </a:bodyPr>
+          <a:lstStyle>
+            <a:lvl1pPr marL="342900" indent="-342900" algn="l" defTabSz="457200" rtl="0" eaLnBrk="1" latinLnBrk="0" hangingPunct="1">
+              <a:spcBef>
+                <a:spcPct val="20000"/>
+              </a:spcBef>
+              <a:buFont typeface="Arial"/>
+              <a:buChar char="•"/>
+              <a:defRPr sz="2400" kern="1200">
+                <a:solidFill>
+                  <a:schemeClr val="tx1"/>
+                </a:solidFill>
+                <a:latin typeface="Arial"/>
+                <a:ea typeface="+mn-ea"/>
+                <a:cs typeface="Arial"/>
+              </a:defRPr>
+            </a:lvl1pPr>
+            <a:lvl2pPr marL="742950" indent="-285750" algn="l" defTabSz="457200" rtl="0" eaLnBrk="1" latinLnBrk="0" hangingPunct="1">
+              <a:spcBef>
+                <a:spcPct val="20000"/>
+              </a:spcBef>
+              <a:buFont typeface="Arial"/>
+              <a:buChar char="–"/>
+              <a:defRPr sz="2000" kern="1200">
+                <a:solidFill>
+                  <a:schemeClr val="tx1"/>
+                </a:solidFill>
+                <a:latin typeface="Arial"/>
+                <a:ea typeface="+mn-ea"/>
+                <a:cs typeface="Arial"/>
+              </a:defRPr>
+            </a:lvl2pPr>
+            <a:lvl3pPr marL="1143000" indent="-228600" algn="l" defTabSz="457200" rtl="0" eaLnBrk="1" latinLnBrk="0" hangingPunct="1">
+              <a:spcBef>
+                <a:spcPct val="20000"/>
+              </a:spcBef>
+              <a:buFont typeface="Arial"/>
+              <a:buChar char="•"/>
+              <a:defRPr sz="1800" kern="1200">
+                <a:solidFill>
+                  <a:schemeClr val="tx1"/>
+                </a:solidFill>
+                <a:latin typeface="Arial"/>
+                <a:ea typeface="+mn-ea"/>
+                <a:cs typeface="Arial"/>
+              </a:defRPr>
+            </a:lvl3pPr>
+            <a:lvl4pPr marL="1600200" indent="-228600" algn="l" defTabSz="457200" rtl="0" eaLnBrk="1" latinLnBrk="0" hangingPunct="1">
+              <a:spcBef>
+                <a:spcPct val="20000"/>
+              </a:spcBef>
+              <a:buFont typeface="Arial"/>
+              <a:buChar char="–"/>
+              <a:defRPr sz="1600" kern="1200">
+                <a:solidFill>
+                  <a:schemeClr val="tx1"/>
+                </a:solidFill>
+                <a:latin typeface="Arial"/>
+                <a:ea typeface="+mn-ea"/>
+                <a:cs typeface="Arial"/>
+              </a:defRPr>
+            </a:lvl4pPr>
+            <a:lvl5pPr marL="2057400" indent="-228600" algn="l" defTabSz="457200" rtl="0" eaLnBrk="1" latinLnBrk="0" hangingPunct="1">
+              <a:spcBef>
+                <a:spcPct val="20000"/>
+              </a:spcBef>
+              <a:buFont typeface="Arial"/>
+              <a:buChar char="»"/>
+              <a:defRPr sz="1600" kern="1200">
+                <a:solidFill>
+                  <a:schemeClr val="tx1"/>
+                </a:solidFill>
+                <a:latin typeface="Arial"/>
+                <a:ea typeface="+mn-ea"/>
+                <a:cs typeface="Arial"/>
+              </a:defRPr>
+            </a:lvl5pPr>
+            <a:lvl6pPr marL="2514600" indent="-228600" algn="l" defTabSz="457200" rtl="0" eaLnBrk="1" latinLnBrk="0" hangingPunct="1">
+              <a:spcBef>
+                <a:spcPct val="20000"/>
+              </a:spcBef>
+              <a:buFont typeface="Arial"/>
+              <a:buChar char="•"/>
+              <a:defRPr sz="1600" kern="1200">
+                <a:solidFill>
+                  <a:schemeClr val="tx1"/>
+                </a:solidFill>
+                <a:latin typeface="+mn-lt"/>
+                <a:ea typeface="+mn-ea"/>
+                <a:cs typeface="+mn-cs"/>
+              </a:defRPr>
+            </a:lvl6pPr>
+            <a:lvl7pPr marL="2971800" indent="-228600" algn="l" defTabSz="457200" rtl="0" eaLnBrk="1" latinLnBrk="0" hangingPunct="1">
+              <a:spcBef>
+                <a:spcPct val="20000"/>
+              </a:spcBef>
+              <a:buFont typeface="Arial"/>
+              <a:buChar char="•"/>
+              <a:defRPr sz="1600" kern="1200">
+                <a:solidFill>
+                  <a:schemeClr val="tx1"/>
+                </a:solidFill>
+                <a:latin typeface="+mn-lt"/>
+                <a:ea typeface="+mn-ea"/>
+                <a:cs typeface="+mn-cs"/>
+              </a:defRPr>
+            </a:lvl7pPr>
+            <a:lvl8pPr marL="3429000" indent="-228600" algn="l" defTabSz="457200" rtl="0" eaLnBrk="1" latinLnBrk="0" hangingPunct="1">
+              <a:spcBef>
+                <a:spcPct val="20000"/>
+              </a:spcBef>
+              <a:buFont typeface="Arial"/>
+              <a:buChar char="•"/>
+              <a:defRPr sz="1600" kern="1200">
+                <a:solidFill>
+                  <a:schemeClr val="tx1"/>
+                </a:solidFill>
+                <a:latin typeface="+mn-lt"/>
+                <a:ea typeface="+mn-ea"/>
+                <a:cs typeface="+mn-cs"/>
+              </a:defRPr>
+            </a:lvl8pPr>
+            <a:lvl9pPr marL="3886200" indent="-228600" algn="l" defTabSz="457200" rtl="0" eaLnBrk="1" latinLnBrk="0" hangingPunct="1">
+              <a:spcBef>
+                <a:spcPct val="20000"/>
+              </a:spcBef>
+              <a:buFont typeface="Arial"/>
+              <a:buChar char="•"/>
+              <a:defRPr sz="1600" kern="1200">
+                <a:solidFill>
+                  <a:schemeClr val="tx1"/>
+                </a:solidFill>
+                <a:latin typeface="+mn-lt"/>
+                <a:ea typeface="+mn-ea"/>
+                <a:cs typeface="+mn-cs"/>
+              </a:defRPr>
+            </a:lvl9pPr>
+          </a:lstStyle>
+          <a:p>
+            <a:pPr marL="0" indent="0">
+              <a:buFont typeface="Arial"/>
+              <a:buNone/>
+            </a:pPr>
+            <a:endParaRPr lang="en-US" sz="1000" b="1" dirty="0">
+              <a:latin typeface="Arial" panose="020B0604020202020204" pitchFamily="34" charset="0"/>
+              <a:cs typeface="Arial" panose="020B0604020202020204" pitchFamily="34" charset="0"/>
+            </a:endParaRPr>
+          </a:p>
+          <a:p>
+            <a:pPr marL="0" indent="0">
+              <a:buFont typeface="Arial"/>
+              <a:buNone/>
+            </a:pPr>
+            <a:r>
+              <a:rPr lang="en-US" sz="1000" b="1" dirty="0">
+                <a:latin typeface="Arial" panose="020B0604020202020204" pitchFamily="34" charset="0"/>
+                <a:cs typeface="Arial" panose="020B0604020202020204" pitchFamily="34" charset="0"/>
+              </a:rPr>
+              <a:t>*ARIMA - </a:t>
+            </a:r>
+            <a:r>
+              <a:rPr lang="en-US" sz="1000" i="0" dirty="0">
+                <a:solidFill>
+                  <a:srgbClr val="111111"/>
+                </a:solidFill>
+                <a:effectLst/>
+                <a:latin typeface="Arial" panose="020B0604020202020204" pitchFamily="34" charset="0"/>
+                <a:cs typeface="Arial" panose="020B0604020202020204" pitchFamily="34" charset="0"/>
+              </a:rPr>
+              <a:t> </a:t>
+            </a:r>
+            <a:r>
+              <a:rPr lang="en-US" sz="1000" i="0" dirty="0" err="1">
+                <a:solidFill>
+                  <a:srgbClr val="111111"/>
+                </a:solidFill>
+                <a:effectLst/>
+                <a:latin typeface="Arial" panose="020B0604020202020204" pitchFamily="34" charset="0"/>
+                <a:cs typeface="Arial" panose="020B0604020202020204" pitchFamily="34" charset="0"/>
+              </a:rPr>
+              <a:t>AutoRegressive</a:t>
+            </a:r>
+            <a:r>
+              <a:rPr lang="en-US" sz="1000" i="0" dirty="0">
+                <a:solidFill>
+                  <a:srgbClr val="111111"/>
+                </a:solidFill>
+                <a:effectLst/>
+                <a:latin typeface="Arial" panose="020B0604020202020204" pitchFamily="34" charset="0"/>
+                <a:cs typeface="Arial" panose="020B0604020202020204" pitchFamily="34" charset="0"/>
+              </a:rPr>
+              <a:t> Integrated Moving Average.</a:t>
+            </a:r>
+            <a:endParaRPr lang="en-US" sz="1000" b="0" i="0" dirty="0">
+              <a:solidFill>
+                <a:srgbClr val="111111"/>
+              </a:solidFill>
+              <a:effectLst/>
+              <a:latin typeface="Arial" panose="020B0604020202020204" pitchFamily="34" charset="0"/>
+              <a:cs typeface="Arial" panose="020B0604020202020204" pitchFamily="34" charset="0"/>
+            </a:endParaRPr>
+          </a:p>
+          <a:p>
+            <a:r>
+              <a:rPr lang="en-US" sz="1000" b="1" spc="-5" dirty="0">
+                <a:solidFill>
+                  <a:srgbClr val="111111"/>
+                </a:solidFill>
+                <a:latin typeface="Arial" panose="020B0604020202020204" pitchFamily="34" charset="0"/>
+                <a:ea typeface="Times New Roman" panose="02020603050405020304" pitchFamily="18" charset="0"/>
+                <a:cs typeface="Arial" panose="020B0604020202020204" pitchFamily="34" charset="0"/>
+              </a:rPr>
+              <a:t>AR:&lt;Auto Regressive&gt; </a:t>
+            </a:r>
+            <a:r>
+              <a:rPr lang="en-US" sz="1000" spc="-5" dirty="0">
+                <a:solidFill>
+                  <a:srgbClr val="292929"/>
+                </a:solidFill>
+                <a:effectLst/>
+                <a:latin typeface="Arial" panose="020B0604020202020204" pitchFamily="34" charset="0"/>
+                <a:ea typeface="Times New Roman" panose="02020603050405020304" pitchFamily="18" charset="0"/>
+                <a:cs typeface="Arial" panose="020B0604020202020204" pitchFamily="34" charset="0"/>
+              </a:rPr>
+              <a:t>uses the dependent relationship between an observation and some predefined number of lagged observations (also known as “time lag” or “lag”).</a:t>
+            </a:r>
+            <a:endParaRPr lang="en-US" sz="1000" dirty="0">
+              <a:effectLst/>
+              <a:latin typeface="Arial" panose="020B0604020202020204" pitchFamily="34" charset="0"/>
+              <a:ea typeface="Calibri" panose="020F0502020204030204" pitchFamily="34" charset="0"/>
+              <a:cs typeface="Arial" panose="020B0604020202020204" pitchFamily="34" charset="0"/>
+            </a:endParaRPr>
+          </a:p>
+          <a:p>
+            <a:pPr marL="342900" marR="0" lvl="0" indent="-342900">
+              <a:spcBef>
+                <a:spcPts val="1260"/>
+              </a:spcBef>
+              <a:spcAft>
+                <a:spcPts val="0"/>
+              </a:spcAft>
+              <a:buSzPts val="1000"/>
+              <a:buFont typeface="Symbol" panose="05050102010706020507" pitchFamily="18" charset="2"/>
+              <a:buChar char=""/>
+              <a:tabLst>
+                <a:tab pos="457200" algn="l"/>
+              </a:tabLst>
+            </a:pPr>
+            <a:r>
+              <a:rPr lang="en-US" sz="1000" b="1" spc="-5" dirty="0">
+                <a:solidFill>
+                  <a:srgbClr val="292929"/>
+                </a:solidFill>
+                <a:effectLst/>
+                <a:latin typeface="Arial" panose="020B0604020202020204" pitchFamily="34" charset="0"/>
+                <a:ea typeface="Times New Roman" panose="02020603050405020304" pitchFamily="18" charset="0"/>
+                <a:cs typeface="Arial" panose="020B0604020202020204" pitchFamily="34" charset="0"/>
+              </a:rPr>
+              <a:t>I:&lt; Integrated &gt;</a:t>
+            </a:r>
+            <a:r>
+              <a:rPr lang="en-US" sz="1000" spc="-5" dirty="0">
+                <a:solidFill>
+                  <a:srgbClr val="292929"/>
+                </a:solidFill>
+                <a:effectLst/>
+                <a:latin typeface="Arial" panose="020B0604020202020204" pitchFamily="34" charset="0"/>
+                <a:ea typeface="Times New Roman" panose="02020603050405020304" pitchFamily="18" charset="0"/>
+                <a:cs typeface="Arial" panose="020B0604020202020204" pitchFamily="34" charset="0"/>
+              </a:rPr>
+              <a:t> model employs </a:t>
+            </a:r>
+            <a:r>
+              <a:rPr lang="en-US" sz="1000" b="1" spc="-5" dirty="0">
+                <a:solidFill>
+                  <a:srgbClr val="292929"/>
+                </a:solidFill>
+                <a:effectLst/>
+                <a:latin typeface="Arial" panose="020B0604020202020204" pitchFamily="34" charset="0"/>
+                <a:ea typeface="Times New Roman" panose="02020603050405020304" pitchFamily="18" charset="0"/>
+                <a:cs typeface="Arial" panose="020B0604020202020204" pitchFamily="34" charset="0"/>
+              </a:rPr>
+              <a:t>differencing of raw observations</a:t>
+            </a:r>
+            <a:r>
+              <a:rPr lang="en-US" sz="1000" spc="-5" dirty="0">
+                <a:solidFill>
+                  <a:srgbClr val="292929"/>
+                </a:solidFill>
+                <a:effectLst/>
+                <a:latin typeface="Arial" panose="020B0604020202020204" pitchFamily="34" charset="0"/>
+                <a:ea typeface="Times New Roman" panose="02020603050405020304" pitchFamily="18" charset="0"/>
+                <a:cs typeface="Arial" panose="020B0604020202020204" pitchFamily="34" charset="0"/>
+              </a:rPr>
+              <a:t> (e.g. it subtracts an observation from an observation at the previous time step) in order to make the time-series </a:t>
+            </a:r>
+            <a:r>
+              <a:rPr lang="en-US" sz="1000" b="1" spc="-5" dirty="0">
+                <a:solidFill>
+                  <a:srgbClr val="292929"/>
+                </a:solidFill>
+                <a:effectLst/>
+                <a:latin typeface="Arial" panose="020B0604020202020204" pitchFamily="34" charset="0"/>
+                <a:ea typeface="Times New Roman" panose="02020603050405020304" pitchFamily="18" charset="0"/>
+                <a:cs typeface="Arial" panose="020B0604020202020204" pitchFamily="34" charset="0"/>
+              </a:rPr>
+              <a:t>stationary.MA</a:t>
+            </a:r>
+            <a:r>
+              <a:rPr lang="en-US" sz="1000" spc="-5" dirty="0">
+                <a:solidFill>
+                  <a:srgbClr val="292929"/>
+                </a:solidFill>
+                <a:effectLst/>
+                <a:latin typeface="Arial" panose="020B0604020202020204" pitchFamily="34" charset="0"/>
+                <a:ea typeface="Times New Roman" panose="02020603050405020304" pitchFamily="18" charset="0"/>
+                <a:cs typeface="Arial" panose="020B0604020202020204" pitchFamily="34" charset="0"/>
+              </a:rPr>
+              <a:t>:</a:t>
+            </a:r>
+            <a:endParaRPr lang="en-US" sz="1000" dirty="0">
+              <a:effectLst/>
+              <a:latin typeface="Arial" panose="020B0604020202020204" pitchFamily="34" charset="0"/>
+              <a:ea typeface="Calibri" panose="020F0502020204030204" pitchFamily="34" charset="0"/>
+              <a:cs typeface="Arial" panose="020B0604020202020204" pitchFamily="34" charset="0"/>
+            </a:endParaRPr>
+          </a:p>
+          <a:p>
+            <a:pPr marL="342900" marR="0" lvl="0" indent="-342900">
+              <a:spcBef>
+                <a:spcPts val="1260"/>
+              </a:spcBef>
+              <a:spcAft>
+                <a:spcPts val="0"/>
+              </a:spcAft>
+              <a:buSzPts val="1000"/>
+              <a:buFont typeface="Symbol" panose="05050102010706020507" pitchFamily="18" charset="2"/>
+              <a:buChar char=""/>
+              <a:tabLst>
+                <a:tab pos="457200" algn="l"/>
+              </a:tabLst>
+            </a:pPr>
+            <a:r>
+              <a:rPr lang="en-US" sz="1000" b="1" i="1" spc="-5" dirty="0">
+                <a:solidFill>
+                  <a:srgbClr val="292929"/>
+                </a:solidFill>
+                <a:effectLst/>
+                <a:latin typeface="Arial" panose="020B0604020202020204" pitchFamily="34" charset="0"/>
+                <a:ea typeface="Times New Roman" panose="02020603050405020304" pitchFamily="18" charset="0"/>
+                <a:cs typeface="Arial" panose="020B0604020202020204" pitchFamily="34" charset="0"/>
+              </a:rPr>
+              <a:t>MA: &lt; Moving Average &gt; </a:t>
+            </a:r>
+            <a:r>
+              <a:rPr lang="en-US" sz="1000" spc="-5" dirty="0">
+                <a:solidFill>
+                  <a:srgbClr val="292929"/>
+                </a:solidFill>
+                <a:effectLst/>
+                <a:latin typeface="Arial" panose="020B0604020202020204" pitchFamily="34" charset="0"/>
+                <a:ea typeface="Times New Roman" panose="02020603050405020304" pitchFamily="18" charset="0"/>
+                <a:cs typeface="Arial" panose="020B0604020202020204" pitchFamily="34" charset="0"/>
+              </a:rPr>
+              <a:t>model exploits the</a:t>
+            </a:r>
+            <a:r>
+              <a:rPr lang="en-US" sz="1000" b="1" spc="-5" dirty="0">
+                <a:solidFill>
+                  <a:srgbClr val="292929"/>
+                </a:solidFill>
+                <a:effectLst/>
+                <a:latin typeface="Arial" panose="020B0604020202020204" pitchFamily="34" charset="0"/>
+                <a:ea typeface="Times New Roman" panose="02020603050405020304" pitchFamily="18" charset="0"/>
+                <a:cs typeface="Arial" panose="020B0604020202020204" pitchFamily="34" charset="0"/>
+              </a:rPr>
+              <a:t> relationship between the residual error and the observations.</a:t>
+            </a:r>
+            <a:endParaRPr lang="en-US" sz="1000" b="1" spc="-5" dirty="0">
+              <a:latin typeface="Arial" panose="020B0604020202020204" pitchFamily="34" charset="0"/>
+              <a:ea typeface="Times New Roman" panose="02020603050405020304" pitchFamily="18" charset="0"/>
+              <a:cs typeface="Arial" panose="020B0604020202020204" pitchFamily="34" charset="0"/>
+            </a:endParaRPr>
+          </a:p>
+          <a:p>
+            <a:pPr marL="0" marR="0" lvl="0" indent="0">
+              <a:spcBef>
+                <a:spcPts val="1260"/>
+              </a:spcBef>
+              <a:spcAft>
+                <a:spcPts val="0"/>
+              </a:spcAft>
+              <a:buSzPts val="1000"/>
+              <a:buNone/>
+              <a:tabLst>
+                <a:tab pos="457200" algn="l"/>
+              </a:tabLst>
+            </a:pPr>
+            <a:r>
+              <a:rPr lang="en-US" sz="1000" b="1" dirty="0">
+                <a:solidFill>
+                  <a:srgbClr val="292929"/>
+                </a:solidFill>
+                <a:effectLst/>
+                <a:latin typeface="Arial" panose="020B0604020202020204" pitchFamily="34" charset="0"/>
+                <a:ea typeface="Times New Roman" panose="02020603050405020304" pitchFamily="18" charset="0"/>
+                <a:cs typeface="Arial" panose="020B0604020202020204" pitchFamily="34" charset="0"/>
+              </a:rPr>
+              <a:t>Model parameters </a:t>
+            </a:r>
+            <a:r>
+              <a:rPr lang="en-US" sz="1000" dirty="0">
+                <a:solidFill>
+                  <a:srgbClr val="292929"/>
+                </a:solidFill>
+                <a:effectLst/>
+                <a:latin typeface="Arial" panose="020B0604020202020204" pitchFamily="34" charset="0"/>
+                <a:ea typeface="Times New Roman" panose="02020603050405020304" pitchFamily="18" charset="0"/>
+                <a:cs typeface="Arial" panose="020B0604020202020204" pitchFamily="34" charset="0"/>
+              </a:rPr>
+              <a:t>- </a:t>
+            </a:r>
+            <a:r>
+              <a:rPr lang="en-US" sz="1000" spc="-5" dirty="0">
+                <a:solidFill>
+                  <a:srgbClr val="292929"/>
+                </a:solidFill>
+                <a:effectLst/>
+                <a:latin typeface="Arial" panose="020B0604020202020204" pitchFamily="34" charset="0"/>
+                <a:ea typeface="Times New Roman" panose="02020603050405020304" pitchFamily="18" charset="0"/>
+                <a:cs typeface="Arial" panose="020B0604020202020204" pitchFamily="34" charset="0"/>
+              </a:rPr>
+              <a:t>expect as input parameters 3 arguments (</a:t>
+            </a:r>
+            <a:r>
+              <a:rPr lang="en-US" sz="1000" spc="-5" dirty="0" err="1">
+                <a:solidFill>
+                  <a:srgbClr val="292929"/>
+                </a:solidFill>
+                <a:effectLst/>
+                <a:latin typeface="Arial" panose="020B0604020202020204" pitchFamily="34" charset="0"/>
+                <a:ea typeface="Times New Roman" panose="02020603050405020304" pitchFamily="18" charset="0"/>
+                <a:cs typeface="Arial" panose="020B0604020202020204" pitchFamily="34" charset="0"/>
+              </a:rPr>
+              <a:t>p,d,q</a:t>
+            </a:r>
+            <a:r>
+              <a:rPr lang="en-US" sz="1000" spc="-5" dirty="0">
+                <a:solidFill>
+                  <a:srgbClr val="292929"/>
+                </a:solidFill>
+                <a:effectLst/>
+                <a:latin typeface="Arial" panose="020B0604020202020204" pitchFamily="34" charset="0"/>
+                <a:ea typeface="Times New Roman" panose="02020603050405020304" pitchFamily="18" charset="0"/>
+                <a:cs typeface="Arial" panose="020B0604020202020204" pitchFamily="34" charset="0"/>
+              </a:rPr>
+              <a:t>)</a:t>
+            </a:r>
+            <a:endParaRPr lang="en-US" sz="1000" dirty="0">
+              <a:effectLst/>
+              <a:latin typeface="Arial" panose="020B0604020202020204" pitchFamily="34" charset="0"/>
+              <a:ea typeface="Calibri" panose="020F0502020204030204" pitchFamily="34" charset="0"/>
+              <a:cs typeface="Arial" panose="020B0604020202020204" pitchFamily="34" charset="0"/>
+            </a:endParaRPr>
+          </a:p>
+          <a:p>
+            <a:pPr marL="342900" marR="0" lvl="0" indent="-342900">
+              <a:spcBef>
+                <a:spcPts val="100"/>
+              </a:spcBef>
+              <a:spcAft>
+                <a:spcPts val="100"/>
+              </a:spcAft>
+              <a:buSzPts val="1000"/>
+              <a:buFont typeface="Symbol" panose="05050102010706020507" pitchFamily="18" charset="2"/>
+              <a:buChar char=""/>
+              <a:tabLst>
+                <a:tab pos="457200" algn="l"/>
+              </a:tabLst>
+            </a:pPr>
+            <a:r>
+              <a:rPr lang="en-US" sz="1000" b="1" spc="-5" dirty="0">
+                <a:solidFill>
+                  <a:srgbClr val="292929"/>
+                </a:solidFill>
+                <a:effectLst/>
+                <a:latin typeface="Arial" panose="020B0604020202020204" pitchFamily="34" charset="0"/>
+                <a:ea typeface="Times New Roman" panose="02020603050405020304" pitchFamily="18" charset="0"/>
+                <a:cs typeface="Arial" panose="020B0604020202020204" pitchFamily="34" charset="0"/>
+              </a:rPr>
+              <a:t>p</a:t>
+            </a:r>
+            <a:r>
+              <a:rPr lang="en-US" sz="1000" spc="-5" dirty="0">
+                <a:solidFill>
+                  <a:srgbClr val="292929"/>
+                </a:solidFill>
+                <a:effectLst/>
+                <a:latin typeface="Arial" panose="020B0604020202020204" pitchFamily="34" charset="0"/>
+                <a:ea typeface="Times New Roman" panose="02020603050405020304" pitchFamily="18" charset="0"/>
+                <a:cs typeface="Arial" panose="020B0604020202020204" pitchFamily="34" charset="0"/>
+              </a:rPr>
+              <a:t> is the </a:t>
+            </a:r>
+            <a:r>
+              <a:rPr lang="en-US" sz="1000" b="1" spc="-5" dirty="0">
+                <a:solidFill>
+                  <a:srgbClr val="292929"/>
+                </a:solidFill>
+                <a:effectLst/>
+                <a:latin typeface="Arial" panose="020B0604020202020204" pitchFamily="34" charset="0"/>
+                <a:ea typeface="Times New Roman" panose="02020603050405020304" pitchFamily="18" charset="0"/>
+                <a:cs typeface="Arial" panose="020B0604020202020204" pitchFamily="34" charset="0"/>
+              </a:rPr>
+              <a:t>number of lag observations</a:t>
+            </a:r>
+            <a:endParaRPr lang="en-US" sz="1000" dirty="0">
+              <a:effectLst/>
+              <a:latin typeface="Arial" panose="020B0604020202020204" pitchFamily="34" charset="0"/>
+              <a:ea typeface="Calibri" panose="020F0502020204030204" pitchFamily="34" charset="0"/>
+              <a:cs typeface="Arial" panose="020B0604020202020204" pitchFamily="34" charset="0"/>
+            </a:endParaRPr>
+          </a:p>
+          <a:p>
+            <a:pPr marL="342900" marR="0" lvl="0" indent="-342900">
+              <a:spcBef>
+                <a:spcPts val="100"/>
+              </a:spcBef>
+              <a:spcAft>
+                <a:spcPts val="100"/>
+              </a:spcAft>
+              <a:buSzPts val="1000"/>
+              <a:buFont typeface="Symbol" panose="05050102010706020507" pitchFamily="18" charset="2"/>
+              <a:buChar char=""/>
+              <a:tabLst>
+                <a:tab pos="457200" algn="l"/>
+              </a:tabLst>
+            </a:pPr>
+            <a:r>
+              <a:rPr lang="en-US" sz="1000" b="1" spc="-5" dirty="0">
+                <a:solidFill>
+                  <a:srgbClr val="292929"/>
+                </a:solidFill>
+                <a:effectLst/>
+                <a:latin typeface="Arial" panose="020B0604020202020204" pitchFamily="34" charset="0"/>
+                <a:ea typeface="Times New Roman" panose="02020603050405020304" pitchFamily="18" charset="0"/>
+                <a:cs typeface="Arial" panose="020B0604020202020204" pitchFamily="34" charset="0"/>
+              </a:rPr>
+              <a:t>d</a:t>
+            </a:r>
+            <a:r>
+              <a:rPr lang="en-US" sz="1000" spc="-5" dirty="0">
+                <a:solidFill>
+                  <a:srgbClr val="292929"/>
+                </a:solidFill>
+                <a:effectLst/>
+                <a:latin typeface="Arial" panose="020B0604020202020204" pitchFamily="34" charset="0"/>
+                <a:ea typeface="Times New Roman" panose="02020603050405020304" pitchFamily="18" charset="0"/>
+                <a:cs typeface="Arial" panose="020B0604020202020204" pitchFamily="34" charset="0"/>
+              </a:rPr>
+              <a:t> is the </a:t>
+            </a:r>
+            <a:r>
+              <a:rPr lang="en-US" sz="1000" b="1" spc="-5" dirty="0">
+                <a:solidFill>
+                  <a:srgbClr val="292929"/>
+                </a:solidFill>
+                <a:effectLst/>
+                <a:latin typeface="Arial" panose="020B0604020202020204" pitchFamily="34" charset="0"/>
+                <a:ea typeface="Times New Roman" panose="02020603050405020304" pitchFamily="18" charset="0"/>
+                <a:cs typeface="Arial" panose="020B0604020202020204" pitchFamily="34" charset="0"/>
+              </a:rPr>
+              <a:t>degree of differencing</a:t>
+            </a:r>
+            <a:endParaRPr lang="en-US" sz="1000" dirty="0">
+              <a:effectLst/>
+              <a:latin typeface="Arial" panose="020B0604020202020204" pitchFamily="34" charset="0"/>
+              <a:ea typeface="Calibri" panose="020F0502020204030204" pitchFamily="34" charset="0"/>
+              <a:cs typeface="Arial" panose="020B0604020202020204" pitchFamily="34" charset="0"/>
+            </a:endParaRPr>
+          </a:p>
+          <a:p>
+            <a:pPr marL="342900" marR="0" lvl="0" indent="-342900">
+              <a:spcBef>
+                <a:spcPts val="100"/>
+              </a:spcBef>
+              <a:spcAft>
+                <a:spcPts val="100"/>
+              </a:spcAft>
+              <a:buSzPts val="1000"/>
+              <a:buFont typeface="Symbol" panose="05050102010706020507" pitchFamily="18" charset="2"/>
+              <a:buChar char=""/>
+              <a:tabLst>
+                <a:tab pos="457200" algn="l"/>
+              </a:tabLst>
+            </a:pPr>
+            <a:r>
+              <a:rPr lang="en-US" sz="1000" b="1" spc="-5" dirty="0">
+                <a:solidFill>
+                  <a:srgbClr val="292929"/>
+                </a:solidFill>
+                <a:effectLst/>
+                <a:latin typeface="Arial" panose="020B0604020202020204" pitchFamily="34" charset="0"/>
+                <a:ea typeface="Times New Roman" panose="02020603050405020304" pitchFamily="18" charset="0"/>
+                <a:cs typeface="Arial" panose="020B0604020202020204" pitchFamily="34" charset="0"/>
+              </a:rPr>
+              <a:t>q </a:t>
+            </a:r>
+            <a:r>
+              <a:rPr lang="en-US" sz="1000" spc="-5" dirty="0">
+                <a:solidFill>
+                  <a:srgbClr val="292929"/>
+                </a:solidFill>
+                <a:effectLst/>
+                <a:latin typeface="Arial" panose="020B0604020202020204" pitchFamily="34" charset="0"/>
+                <a:ea typeface="Times New Roman" panose="02020603050405020304" pitchFamily="18" charset="0"/>
+                <a:cs typeface="Arial" panose="020B0604020202020204" pitchFamily="34" charset="0"/>
+              </a:rPr>
+              <a:t>is the </a:t>
+            </a:r>
+            <a:r>
+              <a:rPr lang="en-US" sz="1000" b="1" spc="-5" dirty="0">
+                <a:solidFill>
+                  <a:srgbClr val="292929"/>
+                </a:solidFill>
+                <a:effectLst/>
+                <a:latin typeface="Arial" panose="020B0604020202020204" pitchFamily="34" charset="0"/>
+                <a:ea typeface="Times New Roman" panose="02020603050405020304" pitchFamily="18" charset="0"/>
+                <a:cs typeface="Arial" panose="020B0604020202020204" pitchFamily="34" charset="0"/>
+              </a:rPr>
+              <a:t>size/width of the moving average window</a:t>
+            </a:r>
+            <a:endParaRPr lang="en-US" sz="1000" dirty="0">
+              <a:effectLst/>
+              <a:latin typeface="Arial" panose="020B0604020202020204" pitchFamily="34" charset="0"/>
+              <a:ea typeface="Calibri" panose="020F0502020204030204" pitchFamily="34" charset="0"/>
+              <a:cs typeface="Arial" panose="020B0604020202020204" pitchFamily="34" charset="0"/>
+            </a:endParaRPr>
+          </a:p>
+          <a:p>
+            <a:pPr marL="0" indent="0">
+              <a:buFont typeface="Arial"/>
+              <a:buNone/>
+            </a:pPr>
+            <a:endParaRPr lang="en-US" sz="1000" b="1" dirty="0">
+              <a:latin typeface="Arial" panose="020B0604020202020204" pitchFamily="34" charset="0"/>
+              <a:cs typeface="Arial" panose="020B0604020202020204" pitchFamily="34" charset="0"/>
+            </a:endParaRPr>
+          </a:p>
+          <a:p>
+            <a:endParaRPr lang="en-US" sz="1000" dirty="0">
+              <a:latin typeface="Arial" panose="020B0604020202020204" pitchFamily="34" charset="0"/>
+              <a:cs typeface="Arial" panose="020B0604020202020204" pitchFamily="34" charset="0"/>
+            </a:endParaRPr>
+          </a:p>
+          <a:p>
+            <a:endParaRPr lang="en-US" sz="1000" dirty="0">
+              <a:latin typeface="Arial" panose="020B0604020202020204" pitchFamily="34" charset="0"/>
+              <a:cs typeface="Arial" panose="020B0604020202020204" pitchFamily="34" charset="0"/>
+            </a:endParaRPr>
+          </a:p>
+          <a:p>
+            <a:endParaRPr lang="en-US" sz="1000" dirty="0">
+              <a:latin typeface="Arial" panose="020B0604020202020204" pitchFamily="34" charset="0"/>
+              <a:cs typeface="Arial" panose="020B0604020202020204" pitchFamily="34" charset="0"/>
+            </a:endParaRPr>
+          </a:p>
+        </p:txBody>
+      </p:sp>
+    </p:spTree>
+    <p:extLst>
+      <p:ext uri="{BB962C8B-B14F-4D97-AF65-F5344CB8AC3E}">
+        <p14:creationId xmlns:p14="http://schemas.microsoft.com/office/powerpoint/2010/main" val="3228446187"/>
+      </p:ext>
+    </p:extLst>
+  </p:cSld>
+  <p:clrMapOvr>
+    <a:masterClrMapping/>
+  </p:clrMapOvr>
+</p:sld>
+</file>
+
+<file path=ppt/slides/slide5.xml><?xml version="1.0" encoding="utf-8"?>
+<p:sld xmlns:a="http://schemas.openxmlformats.org/drawingml/2006/main" xmlns:r="http://schemas.openxmlformats.org/officeDocument/2006/relationships" xmlns:p="http://schemas.openxmlformats.org/presentationml/2006/main">
+  <p:cSld>
+    <p:spTree>
+      <p:nvGrpSpPr>
+        <p:cNvPr id="1" name=""/>
+        <p:cNvGrpSpPr/>
+        <p:nvPr/>
+      </p:nvGrpSpPr>
+      <p:grpSpPr>
+        <a:xfrm>
+          <a:off x="0" y="0"/>
+          <a:ext cx="0" cy="0"/>
+          <a:chOff x="0" y="0"/>
+          <a:chExt cx="0" cy="0"/>
+        </a:xfrm>
+      </p:grpSpPr>
+      <p:sp>
+        <p:nvSpPr>
           <p:cNvPr id="5" name="Title 4">
             <a:extLst>
               <a:ext uri="{FF2B5EF4-FFF2-40B4-BE49-F238E27FC236}">
@@ -5965,7 +7677,7 @@
             <a:fld id="{106E12CD-FCB1-464E-A775-0B83FDDACE03}" type="slidenum">
               <a:rPr lang="en-US" smtClean="0"/>
               <a:pPr/>
-              <a:t>3</a:t>
+              <a:t>4</a:t>
             </a:fld>
             <a:endParaRPr lang="en-US" dirty="0"/>
           </a:p>
@@ -6672,7 +8384,7 @@
 </p:sld>
 </file>
 
-<file path=ppt/slides/slide5.xml><?xml version="1.0" encoding="utf-8"?>
+<file path=ppt/slides/slide6.xml><?xml version="1.0" encoding="utf-8"?>
 <p:sld xmlns:a="http://schemas.openxmlformats.org/drawingml/2006/main" xmlns:r="http://schemas.openxmlformats.org/officeDocument/2006/relationships" xmlns:p="http://schemas.openxmlformats.org/presentationml/2006/main">
   <p:cSld>
     <p:spTree>
@@ -6793,7 +8505,7 @@
             <a:fld id="{106E12CD-FCB1-464E-A775-0B83FDDACE03}" type="slidenum">
               <a:rPr lang="en-US" smtClean="0"/>
               <a:pPr/>
-              <a:t>4</a:t>
+              <a:t>5</a:t>
             </a:fld>
             <a:endParaRPr lang="en-US"/>
           </a:p>
@@ -7537,7 +9249,7 @@
 </p:sld>
 </file>
 
-<file path=ppt/slides/slide6.xml><?xml version="1.0" encoding="utf-8"?>
+<file path=ppt/slides/slide7.xml><?xml version="1.0" encoding="utf-8"?>
 <p:sld xmlns:a="http://schemas.openxmlformats.org/drawingml/2006/main" xmlns:r="http://schemas.openxmlformats.org/officeDocument/2006/relationships" xmlns:p="http://schemas.openxmlformats.org/presentationml/2006/main">
   <p:cSld>
     <p:spTree>
@@ -7663,7 +9375,7 @@
             <a:fld id="{106E12CD-FCB1-464E-A775-0B83FDDACE03}" type="slidenum">
               <a:rPr lang="en-US" smtClean="0"/>
               <a:pPr/>
-              <a:t>5</a:t>
+              <a:t>6</a:t>
             </a:fld>
             <a:endParaRPr lang="en-US"/>
           </a:p>
@@ -8498,7 +10210,7 @@
 </p:sld>
 </file>
 
-<file path=ppt/slides/slide7.xml><?xml version="1.0" encoding="utf-8"?>
+<file path=ppt/slides/slide8.xml><?xml version="1.0" encoding="utf-8"?>
 <p:sld xmlns:a="http://schemas.openxmlformats.org/drawingml/2006/main" xmlns:r="http://schemas.openxmlformats.org/officeDocument/2006/relationships" xmlns:p="http://schemas.openxmlformats.org/presentationml/2006/main">
   <p:cSld>
     <p:spTree>
@@ -8561,7 +10273,7 @@
             <a:fld id="{106E12CD-FCB1-464E-A775-0B83FDDACE03}" type="slidenum">
               <a:rPr lang="en-US" smtClean="0"/>
               <a:pPr/>
-              <a:t>6</a:t>
+              <a:t>7</a:t>
             </a:fld>
             <a:endParaRPr lang="en-US" dirty="0"/>
           </a:p>
@@ -9202,836 +10914,6 @@
     <p:extLst>
       <p:ext uri="{BB962C8B-B14F-4D97-AF65-F5344CB8AC3E}">
         <p14:creationId xmlns:p14="http://schemas.microsoft.com/office/powerpoint/2010/main" val="375635131"/>
-      </p:ext>
-    </p:extLst>
-  </p:cSld>
-  <p:clrMapOvr>
-    <a:masterClrMapping/>
-  </p:clrMapOvr>
-</p:sld>
-</file>
-
-<file path=ppt/slides/slide8.xml><?xml version="1.0" encoding="utf-8"?>
-<p:sld xmlns:a="http://schemas.openxmlformats.org/drawingml/2006/main" xmlns:r="http://schemas.openxmlformats.org/officeDocument/2006/relationships" xmlns:p="http://schemas.openxmlformats.org/presentationml/2006/main">
-  <p:cSld>
-    <p:spTree>
-      <p:nvGrpSpPr>
-        <p:cNvPr id="1" name=""/>
-        <p:cNvGrpSpPr/>
-        <p:nvPr/>
-      </p:nvGrpSpPr>
-      <p:grpSpPr>
-        <a:xfrm>
-          <a:off x="0" y="0"/>
-          <a:ext cx="0" cy="0"/>
-          <a:chOff x="0" y="0"/>
-          <a:chExt cx="0" cy="0"/>
-        </a:xfrm>
-      </p:grpSpPr>
-      <p:sp>
-        <p:nvSpPr>
-          <p:cNvPr id="5" name="Title 4">
-            <a:extLst>
-              <a:ext uri="{FF2B5EF4-FFF2-40B4-BE49-F238E27FC236}">
-                <a16:creationId xmlns:a16="http://schemas.microsoft.com/office/drawing/2014/main" id="{D4296CC1-D52C-4736-AB4E-1D2D2C75C616}"/>
-              </a:ext>
-            </a:extLst>
-          </p:cNvPr>
-          <p:cNvSpPr>
-            <a:spLocks noGrp="1"/>
-          </p:cNvSpPr>
-          <p:nvPr>
-            <p:ph type="title"/>
-          </p:nvPr>
-        </p:nvSpPr>
-        <p:spPr/>
-        <p:txBody>
-          <a:bodyPr/>
-          <a:lstStyle/>
-          <a:p>
-            <a:r>
-              <a:rPr lang="en-US" dirty="0"/>
-              <a:t>Tweet Data</a:t>
-            </a:r>
-          </a:p>
-        </p:txBody>
-      </p:sp>
-      <p:sp>
-        <p:nvSpPr>
-          <p:cNvPr id="4" name="Slide Number Placeholder 3"/>
-          <p:cNvSpPr>
-            <a:spLocks noGrp="1"/>
-          </p:cNvSpPr>
-          <p:nvPr>
-            <p:ph type="sldNum" sz="quarter" idx="12"/>
-          </p:nvPr>
-        </p:nvSpPr>
-        <p:spPr/>
-        <p:txBody>
-          <a:bodyPr/>
-          <a:lstStyle/>
-          <a:p>
-            <a:fld id="{106E12CD-FCB1-464E-A775-0B83FDDACE03}" type="slidenum">
-              <a:rPr lang="en-US" smtClean="0"/>
-              <a:pPr/>
-              <a:t>7</a:t>
-            </a:fld>
-            <a:endParaRPr lang="en-US" dirty="0"/>
-          </a:p>
-        </p:txBody>
-      </p:sp>
-      <p:sp>
-        <p:nvSpPr>
-          <p:cNvPr id="3" name="Content Placeholder 2">
-            <a:extLst>
-              <a:ext uri="{FF2B5EF4-FFF2-40B4-BE49-F238E27FC236}">
-                <a16:creationId xmlns:a16="http://schemas.microsoft.com/office/drawing/2014/main" id="{68CB2294-DAA7-4004-8EFD-36F55B70ED9A}"/>
-              </a:ext>
-            </a:extLst>
-          </p:cNvPr>
-          <p:cNvSpPr>
-            <a:spLocks noGrp="1"/>
-          </p:cNvSpPr>
-          <p:nvPr>
-            <p:ph idx="1"/>
-          </p:nvPr>
-        </p:nvSpPr>
-        <p:spPr>
-          <a:xfrm>
-            <a:off x="350936" y="1528828"/>
-            <a:ext cx="3352256" cy="1581150"/>
-          </a:xfrm>
-        </p:spPr>
-        <p:txBody>
-          <a:bodyPr>
-            <a:noAutofit/>
-          </a:bodyPr>
-          <a:lstStyle/>
-          <a:p>
-            <a:pPr marL="0" indent="0">
-              <a:lnSpc>
-                <a:spcPct val="90000"/>
-              </a:lnSpc>
-              <a:buFont typeface="Arial"/>
-              <a:buNone/>
-            </a:pPr>
-            <a:r>
-              <a:rPr lang="en-US" sz="1400" dirty="0" err="1">
-                <a:hlinkClick r:id="rId2"/>
-              </a:rPr>
-              <a:t>Twint</a:t>
-            </a:r>
-            <a:r>
-              <a:rPr lang="en-US" sz="1400" dirty="0"/>
-              <a:t> – Tweet data feed for Twitter </a:t>
-            </a:r>
-          </a:p>
-          <a:p>
-            <a:pPr marL="0" indent="0">
-              <a:lnSpc>
-                <a:spcPct val="90000"/>
-              </a:lnSpc>
-              <a:buFont typeface="Arial"/>
-              <a:buNone/>
-            </a:pPr>
-            <a:r>
-              <a:rPr lang="en-US" sz="1400" dirty="0"/>
-              <a:t>	$pip install </a:t>
-            </a:r>
-            <a:r>
-              <a:rPr lang="en-US" sz="1400" dirty="0" err="1"/>
-              <a:t>twint</a:t>
-            </a:r>
-            <a:endParaRPr lang="en-US" sz="1400" dirty="0"/>
-          </a:p>
-          <a:p>
-            <a:pPr marL="0" indent="0">
-              <a:buNone/>
-            </a:pPr>
-            <a:r>
-              <a:rPr lang="en-US" sz="1400" dirty="0"/>
-              <a:t>Advanced Twitter scraping tool allowing for scraping from specific Twitter topics (almost all Tweets)</a:t>
-            </a:r>
-          </a:p>
-          <a:p>
-            <a:pPr marL="0" indent="0">
-              <a:buNone/>
-            </a:pPr>
-            <a:r>
-              <a:rPr lang="en-US" sz="1200" i="1" dirty="0"/>
-              <a:t>Note: Twitter’s API limits to 3200 Tweets</a:t>
-            </a:r>
-          </a:p>
-        </p:txBody>
-      </p:sp>
-      <p:sp>
-        <p:nvSpPr>
-          <p:cNvPr id="21" name="Speech Bubble: Rectangle 20">
-            <a:extLst>
-              <a:ext uri="{FF2B5EF4-FFF2-40B4-BE49-F238E27FC236}">
-                <a16:creationId xmlns:a16="http://schemas.microsoft.com/office/drawing/2014/main" id="{96DFCE6E-2ECF-437A-A066-11B2FA473E47}"/>
-              </a:ext>
-            </a:extLst>
-          </p:cNvPr>
-          <p:cNvSpPr/>
-          <p:nvPr/>
-        </p:nvSpPr>
-        <p:spPr>
-          <a:xfrm>
-            <a:off x="4139571" y="4238486"/>
-            <a:ext cx="1398258" cy="352425"/>
-          </a:xfrm>
-          <a:prstGeom prst="wedgeRectCallout">
-            <a:avLst>
-              <a:gd name="adj1" fmla="val -76179"/>
-              <a:gd name="adj2" fmla="val 25364"/>
-            </a:avLst>
-          </a:prstGeom>
-        </p:spPr>
-        <p:style>
-          <a:lnRef idx="1">
-            <a:schemeClr val="dk1"/>
-          </a:lnRef>
-          <a:fillRef idx="2">
-            <a:schemeClr val="dk1"/>
-          </a:fillRef>
-          <a:effectRef idx="1">
-            <a:schemeClr val="dk1"/>
-          </a:effectRef>
-          <a:fontRef idx="minor">
-            <a:schemeClr val="dk1"/>
-          </a:fontRef>
-        </p:style>
-        <p:txBody>
-          <a:bodyPr rtlCol="0" anchor="ctr"/>
-          <a:lstStyle/>
-          <a:p>
-            <a:pPr algn="ctr"/>
-            <a:r>
-              <a:rPr lang="en-US" sz="1000" dirty="0"/>
-              <a:t>Moved to CSV dataset</a:t>
-            </a:r>
-          </a:p>
-        </p:txBody>
-      </p:sp>
-      <p:sp>
-        <p:nvSpPr>
-          <p:cNvPr id="23" name="Arrow: Right 22">
-            <a:extLst>
-              <a:ext uri="{FF2B5EF4-FFF2-40B4-BE49-F238E27FC236}">
-                <a16:creationId xmlns:a16="http://schemas.microsoft.com/office/drawing/2014/main" id="{A0CAA4E0-D6BD-4462-9FA9-A2D604A52B25}"/>
-              </a:ext>
-            </a:extLst>
-          </p:cNvPr>
-          <p:cNvSpPr/>
-          <p:nvPr/>
-        </p:nvSpPr>
-        <p:spPr>
-          <a:xfrm rot="5400000">
-            <a:off x="3100085" y="3846140"/>
-            <a:ext cx="753379" cy="293257"/>
-          </a:xfrm>
-          <a:prstGeom prst="rightArrow">
-            <a:avLst/>
-          </a:prstGeom>
-        </p:spPr>
-        <p:style>
-          <a:lnRef idx="1">
-            <a:schemeClr val="accent1"/>
-          </a:lnRef>
-          <a:fillRef idx="3">
-            <a:schemeClr val="accent1"/>
-          </a:fillRef>
-          <a:effectRef idx="2">
-            <a:schemeClr val="accent1"/>
-          </a:effectRef>
-          <a:fontRef idx="minor">
-            <a:schemeClr val="lt1"/>
-          </a:fontRef>
-        </p:style>
-        <p:txBody>
-          <a:bodyPr rtlCol="0" anchor="ctr"/>
-          <a:lstStyle/>
-          <a:p>
-            <a:pPr algn="ctr"/>
-            <a:endParaRPr lang="en-US"/>
-          </a:p>
-        </p:txBody>
-      </p:sp>
-      <p:sp>
-        <p:nvSpPr>
-          <p:cNvPr id="25" name="Arrow: Right 24">
-            <a:extLst>
-              <a:ext uri="{FF2B5EF4-FFF2-40B4-BE49-F238E27FC236}">
-                <a16:creationId xmlns:a16="http://schemas.microsoft.com/office/drawing/2014/main" id="{ECED4934-94AB-4A34-940C-A165E9E7C3FC}"/>
-              </a:ext>
-            </a:extLst>
-          </p:cNvPr>
-          <p:cNvSpPr/>
-          <p:nvPr/>
-        </p:nvSpPr>
-        <p:spPr>
-          <a:xfrm rot="10800000">
-            <a:off x="5226797" y="3272200"/>
-            <a:ext cx="736563" cy="293257"/>
-          </a:xfrm>
-          <a:prstGeom prst="rightArrow">
-            <a:avLst/>
-          </a:prstGeom>
-        </p:spPr>
-        <p:style>
-          <a:lnRef idx="1">
-            <a:schemeClr val="accent1"/>
-          </a:lnRef>
-          <a:fillRef idx="3">
-            <a:schemeClr val="accent1"/>
-          </a:fillRef>
-          <a:effectRef idx="2">
-            <a:schemeClr val="accent1"/>
-          </a:effectRef>
-          <a:fontRef idx="minor">
-            <a:schemeClr val="lt1"/>
-          </a:fontRef>
-        </p:style>
-        <p:txBody>
-          <a:bodyPr rtlCol="0" anchor="ctr"/>
-          <a:lstStyle/>
-          <a:p>
-            <a:pPr algn="ctr"/>
-            <a:endParaRPr lang="en-US"/>
-          </a:p>
-        </p:txBody>
-      </p:sp>
-      <p:sp>
-        <p:nvSpPr>
-          <p:cNvPr id="22" name="Speech Bubble: Rectangle 21">
-            <a:extLst>
-              <a:ext uri="{FF2B5EF4-FFF2-40B4-BE49-F238E27FC236}">
-                <a16:creationId xmlns:a16="http://schemas.microsoft.com/office/drawing/2014/main" id="{D8CBBEA0-AAF4-401E-900D-36CA96287A44}"/>
-              </a:ext>
-            </a:extLst>
-          </p:cNvPr>
-          <p:cNvSpPr/>
-          <p:nvPr/>
-        </p:nvSpPr>
-        <p:spPr>
-          <a:xfrm>
-            <a:off x="3930651" y="2808377"/>
-            <a:ext cx="1003300" cy="299826"/>
-          </a:xfrm>
-          <a:prstGeom prst="wedgeRectCallout">
-            <a:avLst>
-              <a:gd name="adj1" fmla="val -17869"/>
-              <a:gd name="adj2" fmla="val 101362"/>
-            </a:avLst>
-          </a:prstGeom>
-        </p:spPr>
-        <p:style>
-          <a:lnRef idx="1">
-            <a:schemeClr val="dk1"/>
-          </a:lnRef>
-          <a:fillRef idx="2">
-            <a:schemeClr val="dk1"/>
-          </a:fillRef>
-          <a:effectRef idx="1">
-            <a:schemeClr val="dk1"/>
-          </a:effectRef>
-          <a:fontRef idx="minor">
-            <a:schemeClr val="dk1"/>
-          </a:fontRef>
-        </p:style>
-        <p:txBody>
-          <a:bodyPr rtlCol="0" anchor="ctr"/>
-          <a:lstStyle/>
-          <a:p>
-            <a:pPr algn="ctr"/>
-            <a:r>
-              <a:rPr lang="en-US" sz="1000" dirty="0"/>
-              <a:t>Strip time from time stamp</a:t>
-            </a:r>
-          </a:p>
-        </p:txBody>
-      </p:sp>
-      <p:sp>
-        <p:nvSpPr>
-          <p:cNvPr id="11" name="Speech Bubble: Rectangle 10">
-            <a:extLst>
-              <a:ext uri="{FF2B5EF4-FFF2-40B4-BE49-F238E27FC236}">
-                <a16:creationId xmlns:a16="http://schemas.microsoft.com/office/drawing/2014/main" id="{33A16886-DB0D-4279-B6CE-6C8A1249649B}"/>
-              </a:ext>
-            </a:extLst>
-          </p:cNvPr>
-          <p:cNvSpPr/>
-          <p:nvPr/>
-        </p:nvSpPr>
-        <p:spPr>
-          <a:xfrm>
-            <a:off x="2251076" y="988421"/>
-            <a:ext cx="1123244" cy="460301"/>
-          </a:xfrm>
-          <a:prstGeom prst="wedgeRectCallout">
-            <a:avLst>
-              <a:gd name="adj1" fmla="val 88070"/>
-              <a:gd name="adj2" fmla="val 40215"/>
-            </a:avLst>
-          </a:prstGeom>
-        </p:spPr>
-        <p:style>
-          <a:lnRef idx="1">
-            <a:schemeClr val="dk1"/>
-          </a:lnRef>
-          <a:fillRef idx="2">
-            <a:schemeClr val="dk1"/>
-          </a:fillRef>
-          <a:effectRef idx="1">
-            <a:schemeClr val="dk1"/>
-          </a:effectRef>
-          <a:fontRef idx="minor">
-            <a:schemeClr val="dk1"/>
-          </a:fontRef>
-        </p:style>
-        <p:txBody>
-          <a:bodyPr rtlCol="0" anchor="ctr"/>
-          <a:lstStyle/>
-          <a:p>
-            <a:pPr algn="ctr"/>
-            <a:r>
-              <a:rPr lang="en-US" sz="1000" dirty="0"/>
-              <a:t>Import stock Tweet activity: </a:t>
-            </a:r>
-            <a:r>
-              <a:rPr lang="en-US" sz="1000" dirty="0" err="1"/>
-              <a:t>twint.run.Search</a:t>
-            </a:r>
-            <a:r>
-              <a:rPr lang="en-US" sz="1000" dirty="0"/>
-              <a:t>()</a:t>
-            </a:r>
-          </a:p>
-        </p:txBody>
-      </p:sp>
-      <p:pic>
-        <p:nvPicPr>
-          <p:cNvPr id="7" name="Picture 6">
-            <a:extLst>
-              <a:ext uri="{FF2B5EF4-FFF2-40B4-BE49-F238E27FC236}">
-                <a16:creationId xmlns:a16="http://schemas.microsoft.com/office/drawing/2014/main" id="{B1855B5A-8660-4AF5-9624-CB6AA538BE9D}"/>
-              </a:ext>
-            </a:extLst>
-          </p:cNvPr>
-          <p:cNvPicPr>
-            <a:picLocks noChangeAspect="1"/>
-          </p:cNvPicPr>
-          <p:nvPr/>
-        </p:nvPicPr>
-        <p:blipFill>
-          <a:blip r:embed="rId3"/>
-          <a:stretch>
-            <a:fillRect/>
-          </a:stretch>
-        </p:blipFill>
-        <p:spPr>
-          <a:xfrm>
-            <a:off x="7054692" y="160152"/>
-            <a:ext cx="1957587" cy="1024675"/>
-          </a:xfrm>
-          <a:prstGeom prst="rect">
-            <a:avLst/>
-          </a:prstGeom>
-          <a:ln>
-            <a:noFill/>
-          </a:ln>
-          <a:effectLst>
-            <a:outerShdw blurRad="190500" algn="tl" rotWithShape="0">
-              <a:srgbClr val="000000">
-                <a:alpha val="70000"/>
-              </a:srgbClr>
-            </a:outerShdw>
-          </a:effectLst>
-        </p:spPr>
-      </p:pic>
-      <p:pic>
-        <p:nvPicPr>
-          <p:cNvPr id="10" name="Picture 9">
-            <a:extLst>
-              <a:ext uri="{FF2B5EF4-FFF2-40B4-BE49-F238E27FC236}">
-                <a16:creationId xmlns:a16="http://schemas.microsoft.com/office/drawing/2014/main" id="{ED2370A1-249F-4F28-BFF3-AA8336B38E07}"/>
-              </a:ext>
-            </a:extLst>
-          </p:cNvPr>
-          <p:cNvPicPr>
-            <a:picLocks noChangeAspect="1"/>
-          </p:cNvPicPr>
-          <p:nvPr/>
-        </p:nvPicPr>
-        <p:blipFill>
-          <a:blip r:embed="rId4"/>
-          <a:stretch>
-            <a:fillRect/>
-          </a:stretch>
-        </p:blipFill>
-        <p:spPr>
-          <a:xfrm>
-            <a:off x="515409" y="982281"/>
-            <a:ext cx="1314450" cy="342900"/>
-          </a:xfrm>
-          <a:prstGeom prst="rect">
-            <a:avLst/>
-          </a:prstGeom>
-          <a:ln>
-            <a:noFill/>
-          </a:ln>
-          <a:effectLst>
-            <a:outerShdw blurRad="190500" algn="tl" rotWithShape="0">
-              <a:srgbClr val="000000">
-                <a:alpha val="70000"/>
-              </a:srgbClr>
-            </a:outerShdw>
-          </a:effectLst>
-        </p:spPr>
-      </p:pic>
-      <p:pic>
-        <p:nvPicPr>
-          <p:cNvPr id="18" name="Picture 17">
-            <a:extLst>
-              <a:ext uri="{FF2B5EF4-FFF2-40B4-BE49-F238E27FC236}">
-                <a16:creationId xmlns:a16="http://schemas.microsoft.com/office/drawing/2014/main" id="{41B48F70-6AE8-435C-9C9A-C3A24A4FCB9F}"/>
-              </a:ext>
-            </a:extLst>
-          </p:cNvPr>
-          <p:cNvPicPr>
-            <a:picLocks noChangeAspect="1"/>
-          </p:cNvPicPr>
-          <p:nvPr/>
-        </p:nvPicPr>
-        <p:blipFill>
-          <a:blip r:embed="rId5"/>
-          <a:stretch>
-            <a:fillRect/>
-          </a:stretch>
-        </p:blipFill>
-        <p:spPr>
-          <a:xfrm>
-            <a:off x="654798" y="3272201"/>
-            <a:ext cx="4572000" cy="352425"/>
-          </a:xfrm>
-          <a:prstGeom prst="rect">
-            <a:avLst/>
-          </a:prstGeom>
-          <a:ln>
-            <a:noFill/>
-          </a:ln>
-          <a:effectLst>
-            <a:outerShdw blurRad="190500" algn="tl" rotWithShape="0">
-              <a:srgbClr val="000000">
-                <a:alpha val="70000"/>
-              </a:srgbClr>
-            </a:outerShdw>
-          </a:effectLst>
-        </p:spPr>
-      </p:pic>
-      <p:pic>
-        <p:nvPicPr>
-          <p:cNvPr id="20" name="Picture 19">
-            <a:extLst>
-              <a:ext uri="{FF2B5EF4-FFF2-40B4-BE49-F238E27FC236}">
-                <a16:creationId xmlns:a16="http://schemas.microsoft.com/office/drawing/2014/main" id="{48D98650-28A3-4632-9682-672B6C93CBC6}"/>
-              </a:ext>
-            </a:extLst>
-          </p:cNvPr>
-          <p:cNvPicPr>
-            <a:picLocks noChangeAspect="1"/>
-          </p:cNvPicPr>
-          <p:nvPr/>
-        </p:nvPicPr>
-        <p:blipFill>
-          <a:blip r:embed="rId6"/>
-          <a:stretch>
-            <a:fillRect/>
-          </a:stretch>
-        </p:blipFill>
-        <p:spPr>
-          <a:xfrm>
-            <a:off x="793749" y="4378004"/>
-            <a:ext cx="2990850" cy="276225"/>
-          </a:xfrm>
-          <a:prstGeom prst="rect">
-            <a:avLst/>
-          </a:prstGeom>
-          <a:ln>
-            <a:noFill/>
-          </a:ln>
-          <a:effectLst>
-            <a:outerShdw blurRad="190500" algn="tl" rotWithShape="0">
-              <a:srgbClr val="000000">
-                <a:alpha val="70000"/>
-              </a:srgbClr>
-            </a:outerShdw>
-          </a:effectLst>
-        </p:spPr>
-      </p:pic>
-      <p:pic>
-        <p:nvPicPr>
-          <p:cNvPr id="27" name="Picture 26">
-            <a:extLst>
-              <a:ext uri="{FF2B5EF4-FFF2-40B4-BE49-F238E27FC236}">
-                <a16:creationId xmlns:a16="http://schemas.microsoft.com/office/drawing/2014/main" id="{5A2178A7-10E4-4489-88EF-827273A1653B}"/>
-              </a:ext>
-            </a:extLst>
-          </p:cNvPr>
-          <p:cNvPicPr>
-            <a:picLocks noChangeAspect="1"/>
-          </p:cNvPicPr>
-          <p:nvPr/>
-        </p:nvPicPr>
-        <p:blipFill>
-          <a:blip r:embed="rId7"/>
-          <a:stretch>
-            <a:fillRect/>
-          </a:stretch>
-        </p:blipFill>
-        <p:spPr>
-          <a:xfrm>
-            <a:off x="3795537" y="1063229"/>
-            <a:ext cx="1847850" cy="1581150"/>
-          </a:xfrm>
-          <a:prstGeom prst="rect">
-            <a:avLst/>
-          </a:prstGeom>
-          <a:ln>
-            <a:noFill/>
-          </a:ln>
-          <a:effectLst>
-            <a:outerShdw blurRad="190500" algn="tl" rotWithShape="0">
-              <a:srgbClr val="000000">
-                <a:alpha val="70000"/>
-              </a:srgbClr>
-            </a:outerShdw>
-          </a:effectLst>
-        </p:spPr>
-      </p:pic>
-      <p:sp>
-        <p:nvSpPr>
-          <p:cNvPr id="28" name="Arrow: Right 27">
-            <a:extLst>
-              <a:ext uri="{FF2B5EF4-FFF2-40B4-BE49-F238E27FC236}">
-                <a16:creationId xmlns:a16="http://schemas.microsoft.com/office/drawing/2014/main" id="{CBF939A1-4265-4E89-8146-677DBF1068D7}"/>
-              </a:ext>
-            </a:extLst>
-          </p:cNvPr>
-          <p:cNvSpPr/>
-          <p:nvPr/>
-        </p:nvSpPr>
-        <p:spPr>
-          <a:xfrm>
-            <a:off x="5654325" y="1891299"/>
-            <a:ext cx="600425" cy="293257"/>
-          </a:xfrm>
-          <a:prstGeom prst="rightArrow">
-            <a:avLst/>
-          </a:prstGeom>
-        </p:spPr>
-        <p:style>
-          <a:lnRef idx="1">
-            <a:schemeClr val="accent1"/>
-          </a:lnRef>
-          <a:fillRef idx="3">
-            <a:schemeClr val="accent1"/>
-          </a:fillRef>
-          <a:effectRef idx="2">
-            <a:schemeClr val="accent1"/>
-          </a:effectRef>
-          <a:fontRef idx="minor">
-            <a:schemeClr val="lt1"/>
-          </a:fontRef>
-        </p:style>
-        <p:txBody>
-          <a:bodyPr rtlCol="0" anchor="ctr"/>
-          <a:lstStyle/>
-          <a:p>
-            <a:pPr algn="ctr"/>
-            <a:endParaRPr lang="en-US"/>
-          </a:p>
-        </p:txBody>
-      </p:sp>
-      <p:pic>
-        <p:nvPicPr>
-          <p:cNvPr id="33" name="Picture 32">
-            <a:extLst>
-              <a:ext uri="{FF2B5EF4-FFF2-40B4-BE49-F238E27FC236}">
-                <a16:creationId xmlns:a16="http://schemas.microsoft.com/office/drawing/2014/main" id="{5CAD0208-1D7F-44B2-A253-F47AA3FF394D}"/>
-              </a:ext>
-            </a:extLst>
-          </p:cNvPr>
-          <p:cNvPicPr>
-            <a:picLocks noChangeAspect="1"/>
-          </p:cNvPicPr>
-          <p:nvPr/>
-        </p:nvPicPr>
-        <p:blipFill>
-          <a:blip r:embed="rId8"/>
-          <a:stretch>
-            <a:fillRect/>
-          </a:stretch>
-        </p:blipFill>
-        <p:spPr>
-          <a:xfrm>
-            <a:off x="6254750" y="1457419"/>
-            <a:ext cx="1550098" cy="1542189"/>
-          </a:xfrm>
-          <a:prstGeom prst="rect">
-            <a:avLst/>
-          </a:prstGeom>
-          <a:ln>
-            <a:noFill/>
-          </a:ln>
-          <a:effectLst>
-            <a:outerShdw blurRad="190500" algn="tl" rotWithShape="0">
-              <a:srgbClr val="000000">
-                <a:alpha val="70000"/>
-              </a:srgbClr>
-            </a:outerShdw>
-          </a:effectLst>
-        </p:spPr>
-      </p:pic>
-      <p:pic>
-        <p:nvPicPr>
-          <p:cNvPr id="34" name="Picture 33">
-            <a:extLst>
-              <a:ext uri="{FF2B5EF4-FFF2-40B4-BE49-F238E27FC236}">
-                <a16:creationId xmlns:a16="http://schemas.microsoft.com/office/drawing/2014/main" id="{C1F1A31B-F554-459F-9931-0C67A6A549E2}"/>
-              </a:ext>
-            </a:extLst>
-          </p:cNvPr>
-          <p:cNvPicPr>
-            <a:picLocks noChangeAspect="1"/>
-          </p:cNvPicPr>
-          <p:nvPr/>
-        </p:nvPicPr>
-        <p:blipFill>
-          <a:blip r:embed="rId9"/>
-          <a:stretch>
-            <a:fillRect/>
-          </a:stretch>
-        </p:blipFill>
-        <p:spPr>
-          <a:xfrm>
-            <a:off x="5963360" y="3193572"/>
-            <a:ext cx="1872540" cy="1443558"/>
-          </a:xfrm>
-          <a:prstGeom prst="rect">
-            <a:avLst/>
-          </a:prstGeom>
-          <a:ln>
-            <a:noFill/>
-          </a:ln>
-          <a:effectLst>
-            <a:outerShdw blurRad="190500" algn="tl" rotWithShape="0">
-              <a:srgbClr val="000000">
-                <a:alpha val="70000"/>
-              </a:srgbClr>
-            </a:outerShdw>
-          </a:effectLst>
-        </p:spPr>
-      </p:pic>
-      <p:sp>
-        <p:nvSpPr>
-          <p:cNvPr id="35" name="Arrow: Right 34">
-            <a:extLst>
-              <a:ext uri="{FF2B5EF4-FFF2-40B4-BE49-F238E27FC236}">
-                <a16:creationId xmlns:a16="http://schemas.microsoft.com/office/drawing/2014/main" id="{7C5F19DA-E918-4EB6-AFCF-1279F894248E}"/>
-              </a:ext>
-            </a:extLst>
-          </p:cNvPr>
-          <p:cNvSpPr/>
-          <p:nvPr/>
-        </p:nvSpPr>
-        <p:spPr>
-          <a:xfrm rot="5400000">
-            <a:off x="6784011" y="3035052"/>
-            <a:ext cx="364145" cy="293257"/>
-          </a:xfrm>
-          <a:prstGeom prst="rightArrow">
-            <a:avLst/>
-          </a:prstGeom>
-        </p:spPr>
-        <p:style>
-          <a:lnRef idx="1">
-            <a:schemeClr val="accent1"/>
-          </a:lnRef>
-          <a:fillRef idx="3">
-            <a:schemeClr val="accent1"/>
-          </a:fillRef>
-          <a:effectRef idx="2">
-            <a:schemeClr val="accent1"/>
-          </a:effectRef>
-          <a:fontRef idx="minor">
-            <a:schemeClr val="lt1"/>
-          </a:fontRef>
-        </p:style>
-        <p:txBody>
-          <a:bodyPr rtlCol="0" anchor="ctr"/>
-          <a:lstStyle/>
-          <a:p>
-            <a:pPr algn="ctr"/>
-            <a:endParaRPr lang="en-US"/>
-          </a:p>
-        </p:txBody>
-      </p:sp>
-      <p:sp>
-        <p:nvSpPr>
-          <p:cNvPr id="24" name="Speech Bubble: Rectangle 23">
-            <a:extLst>
-              <a:ext uri="{FF2B5EF4-FFF2-40B4-BE49-F238E27FC236}">
-                <a16:creationId xmlns:a16="http://schemas.microsoft.com/office/drawing/2014/main" id="{18839427-4D33-48A4-9276-05F412E7AE8B}"/>
-              </a:ext>
-            </a:extLst>
-          </p:cNvPr>
-          <p:cNvSpPr/>
-          <p:nvPr/>
-        </p:nvSpPr>
-        <p:spPr>
-          <a:xfrm>
-            <a:off x="8095725" y="3410803"/>
-            <a:ext cx="786954" cy="299826"/>
-          </a:xfrm>
-          <a:prstGeom prst="wedgeRectCallout">
-            <a:avLst>
-              <a:gd name="adj1" fmla="val -91298"/>
-              <a:gd name="adj2" fmla="val -4533"/>
-            </a:avLst>
-          </a:prstGeom>
-        </p:spPr>
-        <p:style>
-          <a:lnRef idx="1">
-            <a:schemeClr val="dk1"/>
-          </a:lnRef>
-          <a:fillRef idx="2">
-            <a:schemeClr val="dk1"/>
-          </a:fillRef>
-          <a:effectRef idx="1">
-            <a:schemeClr val="dk1"/>
-          </a:effectRef>
-          <a:fontRef idx="minor">
-            <a:schemeClr val="dk1"/>
-          </a:fontRef>
-        </p:style>
-        <p:txBody>
-          <a:bodyPr rtlCol="0" anchor="ctr"/>
-          <a:lstStyle/>
-          <a:p>
-            <a:pPr algn="ctr"/>
-            <a:r>
-              <a:rPr lang="en-US" sz="1000" dirty="0"/>
-              <a:t>Required Fields</a:t>
-            </a:r>
-          </a:p>
-        </p:txBody>
-      </p:sp>
-    </p:spTree>
-    <p:extLst>
-      <p:ext uri="{BB962C8B-B14F-4D97-AF65-F5344CB8AC3E}">
-        <p14:creationId xmlns:p14="http://schemas.microsoft.com/office/powerpoint/2010/main" val="337191531"/>
       </p:ext>
     </p:extLst>
   </p:cSld>
@@ -10076,14 +10958,12 @@
         </p:nvSpPr>
         <p:spPr/>
         <p:txBody>
-          <a:bodyPr>
-            <a:normAutofit/>
-          </a:bodyPr>
+          <a:bodyPr/>
           <a:lstStyle/>
           <a:p>
             <a:r>
-              <a:rPr lang="en-US" sz="3600" dirty="0"/>
-              <a:t>Merging Stock, Trend, and Tweet Data</a:t>
+              <a:rPr lang="en-US" dirty="0"/>
+              <a:t>Tweet Data</a:t>
             </a:r>
           </a:p>
         </p:txBody>
@@ -10130,8 +11010,8 @@
         </p:nvSpPr>
         <p:spPr>
           <a:xfrm>
-            <a:off x="4611952" y="935535"/>
-            <a:ext cx="3864530" cy="1013671"/>
+            <a:off x="350936" y="1528828"/>
+            <a:ext cx="3352256" cy="1581150"/>
           </a:xfrm>
         </p:spPr>
         <p:txBody>
@@ -10140,13 +11020,59 @@
           </a:bodyPr>
           <a:lstStyle/>
           <a:p>
+            <a:pPr marL="0" indent="0">
+              <a:lnSpc>
+                <a:spcPct val="90000"/>
+              </a:lnSpc>
+              <a:buFont typeface="Arial"/>
+              <a:buNone/>
+            </a:pPr>
+            <a:r>
+              <a:rPr lang="en-US" sz="1400" dirty="0" err="1">
+                <a:hlinkClick r:id="rId2"/>
+              </a:rPr>
+              <a:t>Twint</a:t>
+            </a:r>
             <a:r>
               <a:rPr lang="en-US" sz="1400" dirty="0"/>
-              <a:t>Incoming dates are transformed, or Yearly/Weekly grains added to conform the time frequency to its lowest-time grain across both sources – weekly.</a:t>
-            </a:r>
-          </a:p>
-          <a:p>
+              <a:t> – Tweet data feed for Twitter </a:t>
+            </a:r>
+          </a:p>
+          <a:p>
+            <a:pPr marL="0" indent="0">
+              <a:lnSpc>
+                <a:spcPct val="90000"/>
+              </a:lnSpc>
+              <a:buFont typeface="Arial"/>
+              <a:buNone/>
+            </a:pPr>
+            <a:r>
+              <a:rPr lang="en-US" sz="1400" dirty="0"/>
+              <a:t>	$pip install </a:t>
+            </a:r>
+            <a:r>
+              <a:rPr lang="en-US" sz="1400" dirty="0" err="1"/>
+              <a:t>twint</a:t>
+            </a:r>
             <a:endParaRPr lang="en-US" sz="1400" dirty="0"/>
+          </a:p>
+          <a:p>
+            <a:pPr marL="0" indent="0">
+              <a:buNone/>
+            </a:pPr>
+            <a:r>
+              <a:rPr lang="en-US" sz="1400" dirty="0"/>
+              <a:t>Advanced Twitter scraping tool allowing for scraping from specific Twitter topics (almost all Tweets)</a:t>
+            </a:r>
+          </a:p>
+          <a:p>
+            <a:pPr marL="0" indent="0">
+              <a:buNone/>
+            </a:pPr>
+            <a:r>
+              <a:rPr lang="en-US" sz="1200" i="1" dirty="0"/>
+              <a:t>Note: Twitter’s API limits to 3200 Tweets</a:t>
+            </a:r>
           </a:p>
         </p:txBody>
       </p:sp>
@@ -10164,13 +11090,13 @@
         </p:nvSpPr>
         <p:spPr>
           <a:xfrm>
-            <a:off x="3290069" y="3571333"/>
-            <a:ext cx="1398258" cy="451934"/>
+            <a:off x="4139571" y="4238486"/>
+            <a:ext cx="1398258" cy="352425"/>
           </a:xfrm>
           <a:prstGeom prst="wedgeRectCallout">
             <a:avLst>
-              <a:gd name="adj1" fmla="val 19190"/>
-              <a:gd name="adj2" fmla="val 85782"/>
+              <a:gd name="adj1" fmla="val -76179"/>
+              <a:gd name="adj2" fmla="val 25364"/>
             </a:avLst>
           </a:prstGeom>
         </p:spPr>
@@ -10195,57 +11121,17 @@
             <a:pPr algn="ctr"/>
             <a:r>
               <a:rPr lang="en-US" sz="1000" dirty="0"/>
-              <a:t>Stock CSV and Trend CSV data is merged to a single dataset</a:t>
-            </a:r>
-          </a:p>
-        </p:txBody>
-      </p:sp>
-      <p:pic>
-        <p:nvPicPr>
-          <p:cNvPr id="7" name="Picture 6">
+              <a:t>Moved to CSV dataset</a:t>
+            </a:r>
+          </a:p>
+        </p:txBody>
+      </p:sp>
+      <p:sp>
+        <p:nvSpPr>
+          <p:cNvPr id="23" name="Arrow: Right 22">
             <a:extLst>
               <a:ext uri="{FF2B5EF4-FFF2-40B4-BE49-F238E27FC236}">
-                <a16:creationId xmlns:a16="http://schemas.microsoft.com/office/drawing/2014/main" id="{DF8BAE08-B392-4E44-A00F-874B510E7DCA}"/>
-              </a:ext>
-            </a:extLst>
-          </p:cNvPr>
-          <p:cNvPicPr>
-            <a:picLocks noChangeAspect="1"/>
-          </p:cNvPicPr>
-          <p:nvPr/>
-        </p:nvPicPr>
-        <p:blipFill>
-          <a:blip r:embed="rId2"/>
-          <a:stretch>
-            <a:fillRect/>
-          </a:stretch>
-        </p:blipFill>
-        <p:spPr>
-          <a:xfrm>
-            <a:off x="294640" y="1063230"/>
-            <a:ext cx="4317312" cy="1749820"/>
-          </a:xfrm>
-          <a:prstGeom prst="rect">
-            <a:avLst/>
-          </a:prstGeom>
-          <a:ln>
-            <a:noFill/>
-          </a:ln>
-          <a:effectLst>
-            <a:outerShdw blurRad="190500" algn="tl" rotWithShape="0">
-              <a:srgbClr val="000000">
-                <a:alpha val="70000"/>
-              </a:srgbClr>
-            </a:outerShdw>
-          </a:effectLst>
-        </p:spPr>
-      </p:pic>
-      <p:sp>
-        <p:nvSpPr>
-          <p:cNvPr id="20" name="Speech Bubble: Rectangle 19">
-            <a:extLst>
-              <a:ext uri="{FF2B5EF4-FFF2-40B4-BE49-F238E27FC236}">
-                <a16:creationId xmlns:a16="http://schemas.microsoft.com/office/drawing/2014/main" id="{DF67AC7C-1856-41A1-B123-48DF0E93AB70}"/>
+                <a16:creationId xmlns:a16="http://schemas.microsoft.com/office/drawing/2014/main" id="{A0CAA4E0-D6BD-4462-9FA9-A2D604A52B25}"/>
               </a:ext>
             </a:extLst>
           </p:cNvPr>
@@ -10253,14 +11139,102 @@
           <p:nvPr/>
         </p:nvSpPr>
         <p:spPr>
-          <a:xfrm>
-            <a:off x="667518" y="3001935"/>
-            <a:ext cx="1624831" cy="451934"/>
+          <a:xfrm rot="5400000">
+            <a:off x="3100085" y="3846140"/>
+            <a:ext cx="753379" cy="293257"/>
+          </a:xfrm>
+          <a:prstGeom prst="rightArrow">
+            <a:avLst/>
+          </a:prstGeom>
+        </p:spPr>
+        <p:style>
+          <a:lnRef idx="1">
+            <a:schemeClr val="accent1"/>
+          </a:lnRef>
+          <a:fillRef idx="3">
+            <a:schemeClr val="accent1"/>
+          </a:fillRef>
+          <a:effectRef idx="2">
+            <a:schemeClr val="accent1"/>
+          </a:effectRef>
+          <a:fontRef idx="minor">
+            <a:schemeClr val="lt1"/>
+          </a:fontRef>
+        </p:style>
+        <p:txBody>
+          <a:bodyPr rtlCol="0" anchor="ctr"/>
+          <a:lstStyle/>
+          <a:p>
+            <a:pPr algn="ctr"/>
+            <a:endParaRPr lang="en-US"/>
+          </a:p>
+        </p:txBody>
+      </p:sp>
+      <p:sp>
+        <p:nvSpPr>
+          <p:cNvPr id="25" name="Arrow: Right 24">
+            <a:extLst>
+              <a:ext uri="{FF2B5EF4-FFF2-40B4-BE49-F238E27FC236}">
+                <a16:creationId xmlns:a16="http://schemas.microsoft.com/office/drawing/2014/main" id="{ECED4934-94AB-4A34-940C-A165E9E7C3FC}"/>
+              </a:ext>
+            </a:extLst>
+          </p:cNvPr>
+          <p:cNvSpPr/>
+          <p:nvPr/>
+        </p:nvSpPr>
+        <p:spPr>
+          <a:xfrm rot="10800000">
+            <a:off x="5226797" y="3272200"/>
+            <a:ext cx="736563" cy="293257"/>
+          </a:xfrm>
+          <a:prstGeom prst="rightArrow">
+            <a:avLst/>
+          </a:prstGeom>
+        </p:spPr>
+        <p:style>
+          <a:lnRef idx="1">
+            <a:schemeClr val="accent1"/>
+          </a:lnRef>
+          <a:fillRef idx="3">
+            <a:schemeClr val="accent1"/>
+          </a:fillRef>
+          <a:effectRef idx="2">
+            <a:schemeClr val="accent1"/>
+          </a:effectRef>
+          <a:fontRef idx="minor">
+            <a:schemeClr val="lt1"/>
+          </a:fontRef>
+        </p:style>
+        <p:txBody>
+          <a:bodyPr rtlCol="0" anchor="ctr"/>
+          <a:lstStyle/>
+          <a:p>
+            <a:pPr algn="ctr"/>
+            <a:endParaRPr lang="en-US"/>
+          </a:p>
+        </p:txBody>
+      </p:sp>
+      <p:sp>
+        <p:nvSpPr>
+          <p:cNvPr id="22" name="Speech Bubble: Rectangle 21">
+            <a:extLst>
+              <a:ext uri="{FF2B5EF4-FFF2-40B4-BE49-F238E27FC236}">
+                <a16:creationId xmlns:a16="http://schemas.microsoft.com/office/drawing/2014/main" id="{D8CBBEA0-AAF4-401E-900D-36CA96287A44}"/>
+              </a:ext>
+            </a:extLst>
+          </p:cNvPr>
+          <p:cNvSpPr/>
+          <p:nvPr/>
+        </p:nvSpPr>
+        <p:spPr>
+          <a:xfrm>
+            <a:off x="3930651" y="2808377"/>
+            <a:ext cx="1003300" cy="299826"/>
           </a:xfrm>
           <a:prstGeom prst="wedgeRectCallout">
             <a:avLst>
-              <a:gd name="adj1" fmla="val 20392"/>
-              <a:gd name="adj2" fmla="val -95472"/>
+              <a:gd name="adj1" fmla="val -17869"/>
+              <a:gd name="adj2" fmla="val 101362"/>
             </a:avLst>
           </a:prstGeom>
         </p:spPr>
@@ -10282,19 +11256,78 @@
           <a:bodyPr rtlCol="0" anchor="ctr"/>
           <a:lstStyle/>
           <a:p>
+            <a:pPr algn="ctr"/>
             <a:r>
               <a:rPr lang="en-US" sz="1000" dirty="0"/>
-              <a:t>Weekly grain converted to ISO, Monday start of week </a:t>
+              <a:t>Strip time from time stamp</a:t>
+            </a:r>
+          </a:p>
+        </p:txBody>
+      </p:sp>
+      <p:sp>
+        <p:nvSpPr>
+          <p:cNvPr id="11" name="Speech Bubble: Rectangle 10">
+            <a:extLst>
+              <a:ext uri="{FF2B5EF4-FFF2-40B4-BE49-F238E27FC236}">
+                <a16:creationId xmlns:a16="http://schemas.microsoft.com/office/drawing/2014/main" id="{33A16886-DB0D-4279-B6CE-6C8A1249649B}"/>
+              </a:ext>
+            </a:extLst>
+          </p:cNvPr>
+          <p:cNvSpPr/>
+          <p:nvPr/>
+        </p:nvSpPr>
+        <p:spPr>
+          <a:xfrm>
+            <a:off x="2251076" y="988421"/>
+            <a:ext cx="1123244" cy="460301"/>
+          </a:xfrm>
+          <a:prstGeom prst="wedgeRectCallout">
+            <a:avLst>
+              <a:gd name="adj1" fmla="val 88070"/>
+              <a:gd name="adj2" fmla="val 40215"/>
+            </a:avLst>
+          </a:prstGeom>
+        </p:spPr>
+        <p:style>
+          <a:lnRef idx="1">
+            <a:schemeClr val="dk1"/>
+          </a:lnRef>
+          <a:fillRef idx="2">
+            <a:schemeClr val="dk1"/>
+          </a:fillRef>
+          <a:effectRef idx="1">
+            <a:schemeClr val="dk1"/>
+          </a:effectRef>
+          <a:fontRef idx="minor">
+            <a:schemeClr val="dk1"/>
+          </a:fontRef>
+        </p:style>
+        <p:txBody>
+          <a:bodyPr rtlCol="0" anchor="ctr"/>
+          <a:lstStyle/>
+          <a:p>
+            <a:pPr algn="ctr"/>
+            <a:r>
+              <a:rPr lang="en-US" sz="1000" dirty="0"/>
+              <a:t>Import stock Tweet activity: </a:t>
+            </a:r>
+            <a:r>
+              <a:rPr lang="en-US" sz="1000" dirty="0" err="1"/>
+              <a:t>twint.run.Search</a:t>
+            </a:r>
+            <a:r>
+              <a:rPr lang="en-US" sz="1000" dirty="0"/>
+              <a:t>()</a:t>
             </a:r>
           </a:p>
         </p:txBody>
       </p:sp>
       <p:pic>
         <p:nvPicPr>
-          <p:cNvPr id="14" name="Picture 13">
+          <p:cNvPr id="7" name="Picture 6">
             <a:extLst>
               <a:ext uri="{FF2B5EF4-FFF2-40B4-BE49-F238E27FC236}">
-                <a16:creationId xmlns:a16="http://schemas.microsoft.com/office/drawing/2014/main" id="{5976E6D0-7B12-4B64-9BC9-A06643D4541B}"/>
+                <a16:creationId xmlns:a16="http://schemas.microsoft.com/office/drawing/2014/main" id="{B1855B5A-8660-4AF5-9624-CB6AA538BE9D}"/>
               </a:ext>
             </a:extLst>
           </p:cNvPr>
@@ -10311,8 +11344,8 @@
         </p:blipFill>
         <p:spPr>
           <a:xfrm>
-            <a:off x="143367" y="4186113"/>
-            <a:ext cx="8559800" cy="390125"/>
+            <a:off x="7054692" y="160152"/>
+            <a:ext cx="1957587" cy="1024675"/>
           </a:xfrm>
           <a:prstGeom prst="rect">
             <a:avLst/>
@@ -10329,12 +11362,172 @@
           </a:effectLst>
         </p:spPr>
       </p:pic>
-      <p:sp>
-        <p:nvSpPr>
-          <p:cNvPr id="11" name="Arrow: Right 10">
+      <p:pic>
+        <p:nvPicPr>
+          <p:cNvPr id="10" name="Picture 9">
             <a:extLst>
               <a:ext uri="{FF2B5EF4-FFF2-40B4-BE49-F238E27FC236}">
-                <a16:creationId xmlns:a16="http://schemas.microsoft.com/office/drawing/2014/main" id="{926503CA-C28A-4A58-98EB-4F55454ADEE1}"/>
+                <a16:creationId xmlns:a16="http://schemas.microsoft.com/office/drawing/2014/main" id="{ED2370A1-249F-4F28-BFF3-AA8336B38E07}"/>
+              </a:ext>
+            </a:extLst>
+          </p:cNvPr>
+          <p:cNvPicPr>
+            <a:picLocks noChangeAspect="1"/>
+          </p:cNvPicPr>
+          <p:nvPr/>
+        </p:nvPicPr>
+        <p:blipFill>
+          <a:blip r:embed="rId4"/>
+          <a:stretch>
+            <a:fillRect/>
+          </a:stretch>
+        </p:blipFill>
+        <p:spPr>
+          <a:xfrm>
+            <a:off x="515409" y="982281"/>
+            <a:ext cx="1314450" cy="342900"/>
+          </a:xfrm>
+          <a:prstGeom prst="rect">
+            <a:avLst/>
+          </a:prstGeom>
+          <a:ln>
+            <a:noFill/>
+          </a:ln>
+          <a:effectLst>
+            <a:outerShdw blurRad="190500" algn="tl" rotWithShape="0">
+              <a:srgbClr val="000000">
+                <a:alpha val="70000"/>
+              </a:srgbClr>
+            </a:outerShdw>
+          </a:effectLst>
+        </p:spPr>
+      </p:pic>
+      <p:pic>
+        <p:nvPicPr>
+          <p:cNvPr id="18" name="Picture 17">
+            <a:extLst>
+              <a:ext uri="{FF2B5EF4-FFF2-40B4-BE49-F238E27FC236}">
+                <a16:creationId xmlns:a16="http://schemas.microsoft.com/office/drawing/2014/main" id="{41B48F70-6AE8-435C-9C9A-C3A24A4FCB9F}"/>
+              </a:ext>
+            </a:extLst>
+          </p:cNvPr>
+          <p:cNvPicPr>
+            <a:picLocks noChangeAspect="1"/>
+          </p:cNvPicPr>
+          <p:nvPr/>
+        </p:nvPicPr>
+        <p:blipFill>
+          <a:blip r:embed="rId5"/>
+          <a:stretch>
+            <a:fillRect/>
+          </a:stretch>
+        </p:blipFill>
+        <p:spPr>
+          <a:xfrm>
+            <a:off x="654798" y="3272201"/>
+            <a:ext cx="4572000" cy="352425"/>
+          </a:xfrm>
+          <a:prstGeom prst="rect">
+            <a:avLst/>
+          </a:prstGeom>
+          <a:ln>
+            <a:noFill/>
+          </a:ln>
+          <a:effectLst>
+            <a:outerShdw blurRad="190500" algn="tl" rotWithShape="0">
+              <a:srgbClr val="000000">
+                <a:alpha val="70000"/>
+              </a:srgbClr>
+            </a:outerShdw>
+          </a:effectLst>
+        </p:spPr>
+      </p:pic>
+      <p:pic>
+        <p:nvPicPr>
+          <p:cNvPr id="20" name="Picture 19">
+            <a:extLst>
+              <a:ext uri="{FF2B5EF4-FFF2-40B4-BE49-F238E27FC236}">
+                <a16:creationId xmlns:a16="http://schemas.microsoft.com/office/drawing/2014/main" id="{48D98650-28A3-4632-9682-672B6C93CBC6}"/>
+              </a:ext>
+            </a:extLst>
+          </p:cNvPr>
+          <p:cNvPicPr>
+            <a:picLocks noChangeAspect="1"/>
+          </p:cNvPicPr>
+          <p:nvPr/>
+        </p:nvPicPr>
+        <p:blipFill>
+          <a:blip r:embed="rId6"/>
+          <a:stretch>
+            <a:fillRect/>
+          </a:stretch>
+        </p:blipFill>
+        <p:spPr>
+          <a:xfrm>
+            <a:off x="793749" y="4378004"/>
+            <a:ext cx="2990850" cy="276225"/>
+          </a:xfrm>
+          <a:prstGeom prst="rect">
+            <a:avLst/>
+          </a:prstGeom>
+          <a:ln>
+            <a:noFill/>
+          </a:ln>
+          <a:effectLst>
+            <a:outerShdw blurRad="190500" algn="tl" rotWithShape="0">
+              <a:srgbClr val="000000">
+                <a:alpha val="70000"/>
+              </a:srgbClr>
+            </a:outerShdw>
+          </a:effectLst>
+        </p:spPr>
+      </p:pic>
+      <p:pic>
+        <p:nvPicPr>
+          <p:cNvPr id="27" name="Picture 26">
+            <a:extLst>
+              <a:ext uri="{FF2B5EF4-FFF2-40B4-BE49-F238E27FC236}">
+                <a16:creationId xmlns:a16="http://schemas.microsoft.com/office/drawing/2014/main" id="{5A2178A7-10E4-4489-88EF-827273A1653B}"/>
+              </a:ext>
+            </a:extLst>
+          </p:cNvPr>
+          <p:cNvPicPr>
+            <a:picLocks noChangeAspect="1"/>
+          </p:cNvPicPr>
+          <p:nvPr/>
+        </p:nvPicPr>
+        <p:blipFill>
+          <a:blip r:embed="rId7"/>
+          <a:stretch>
+            <a:fillRect/>
+          </a:stretch>
+        </p:blipFill>
+        <p:spPr>
+          <a:xfrm>
+            <a:off x="3795537" y="1063229"/>
+            <a:ext cx="1847850" cy="1581150"/>
+          </a:xfrm>
+          <a:prstGeom prst="rect">
+            <a:avLst/>
+          </a:prstGeom>
+          <a:ln>
+            <a:noFill/>
+          </a:ln>
+          <a:effectLst>
+            <a:outerShdw blurRad="190500" algn="tl" rotWithShape="0">
+              <a:srgbClr val="000000">
+                <a:alpha val="70000"/>
+              </a:srgbClr>
+            </a:outerShdw>
+          </a:effectLst>
+        </p:spPr>
+      </p:pic>
+      <p:sp>
+        <p:nvSpPr>
+          <p:cNvPr id="28" name="Arrow: Right 27">
+            <a:extLst>
+              <a:ext uri="{FF2B5EF4-FFF2-40B4-BE49-F238E27FC236}">
+                <a16:creationId xmlns:a16="http://schemas.microsoft.com/office/drawing/2014/main" id="{CBF939A1-4265-4E89-8146-677DBF1068D7}"/>
               </a:ext>
             </a:extLst>
           </p:cNvPr>
@@ -10342,9 +11535,9 @@
           <p:nvPr/>
         </p:nvSpPr>
         <p:spPr>
-          <a:xfrm rot="5400000">
-            <a:off x="1980622" y="3342492"/>
-            <a:ext cx="1352141" cy="293257"/>
+          <a:xfrm>
+            <a:off x="5654325" y="1891299"/>
+            <a:ext cx="600425" cy="293257"/>
           </a:xfrm>
           <a:prstGeom prst="rightArrow">
             <a:avLst/>
@@ -10375,10 +11568,10 @@
       </p:sp>
       <p:pic>
         <p:nvPicPr>
-          <p:cNvPr id="8" name="Picture 7">
+          <p:cNvPr id="33" name="Picture 32">
             <a:extLst>
               <a:ext uri="{FF2B5EF4-FFF2-40B4-BE49-F238E27FC236}">
-                <a16:creationId xmlns:a16="http://schemas.microsoft.com/office/drawing/2014/main" id="{CE6732C6-6E01-4536-BCFD-8E0E044E59B1}"/>
+                <a16:creationId xmlns:a16="http://schemas.microsoft.com/office/drawing/2014/main" id="{5CAD0208-1D7F-44B2-A253-F47AA3FF394D}"/>
               </a:ext>
             </a:extLst>
           </p:cNvPr>
@@ -10388,15 +11581,15 @@
           <p:nvPr/>
         </p:nvPicPr>
         <p:blipFill>
-          <a:blip r:embed="rId4"/>
+          <a:blip r:embed="rId8"/>
           <a:stretch>
             <a:fillRect/>
           </a:stretch>
         </p:blipFill>
         <p:spPr>
           <a:xfrm>
-            <a:off x="4901591" y="1906558"/>
-            <a:ext cx="3680050" cy="2116709"/>
+            <a:off x="6254750" y="1457419"/>
+            <a:ext cx="1550098" cy="1542189"/>
           </a:xfrm>
           <a:prstGeom prst="rect">
             <a:avLst/>
@@ -10413,10 +11606,144 @@
           </a:effectLst>
         </p:spPr>
       </p:pic>
+      <p:pic>
+        <p:nvPicPr>
+          <p:cNvPr id="34" name="Picture 33">
+            <a:extLst>
+              <a:ext uri="{FF2B5EF4-FFF2-40B4-BE49-F238E27FC236}">
+                <a16:creationId xmlns:a16="http://schemas.microsoft.com/office/drawing/2014/main" id="{C1F1A31B-F554-459F-9931-0C67A6A549E2}"/>
+              </a:ext>
+            </a:extLst>
+          </p:cNvPr>
+          <p:cNvPicPr>
+            <a:picLocks noChangeAspect="1"/>
+          </p:cNvPicPr>
+          <p:nvPr/>
+        </p:nvPicPr>
+        <p:blipFill>
+          <a:blip r:embed="rId9"/>
+          <a:stretch>
+            <a:fillRect/>
+          </a:stretch>
+        </p:blipFill>
+        <p:spPr>
+          <a:xfrm>
+            <a:off x="5963360" y="3193572"/>
+            <a:ext cx="1872540" cy="1443558"/>
+          </a:xfrm>
+          <a:prstGeom prst="rect">
+            <a:avLst/>
+          </a:prstGeom>
+          <a:ln>
+            <a:noFill/>
+          </a:ln>
+          <a:effectLst>
+            <a:outerShdw blurRad="190500" algn="tl" rotWithShape="0">
+              <a:srgbClr val="000000">
+                <a:alpha val="70000"/>
+              </a:srgbClr>
+            </a:outerShdw>
+          </a:effectLst>
+        </p:spPr>
+      </p:pic>
+      <p:sp>
+        <p:nvSpPr>
+          <p:cNvPr id="35" name="Arrow: Right 34">
+            <a:extLst>
+              <a:ext uri="{FF2B5EF4-FFF2-40B4-BE49-F238E27FC236}">
+                <a16:creationId xmlns:a16="http://schemas.microsoft.com/office/drawing/2014/main" id="{7C5F19DA-E918-4EB6-AFCF-1279F894248E}"/>
+              </a:ext>
+            </a:extLst>
+          </p:cNvPr>
+          <p:cNvSpPr/>
+          <p:nvPr/>
+        </p:nvSpPr>
+        <p:spPr>
+          <a:xfrm rot="5400000">
+            <a:off x="6784011" y="3035052"/>
+            <a:ext cx="364145" cy="293257"/>
+          </a:xfrm>
+          <a:prstGeom prst="rightArrow">
+            <a:avLst/>
+          </a:prstGeom>
+        </p:spPr>
+        <p:style>
+          <a:lnRef idx="1">
+            <a:schemeClr val="accent1"/>
+          </a:lnRef>
+          <a:fillRef idx="3">
+            <a:schemeClr val="accent1"/>
+          </a:fillRef>
+          <a:effectRef idx="2">
+            <a:schemeClr val="accent1"/>
+          </a:effectRef>
+          <a:fontRef idx="minor">
+            <a:schemeClr val="lt1"/>
+          </a:fontRef>
+        </p:style>
+        <p:txBody>
+          <a:bodyPr rtlCol="0" anchor="ctr"/>
+          <a:lstStyle/>
+          <a:p>
+            <a:pPr algn="ctr"/>
+            <a:endParaRPr lang="en-US"/>
+          </a:p>
+        </p:txBody>
+      </p:sp>
+      <p:sp>
+        <p:nvSpPr>
+          <p:cNvPr id="24" name="Speech Bubble: Rectangle 23">
+            <a:extLst>
+              <a:ext uri="{FF2B5EF4-FFF2-40B4-BE49-F238E27FC236}">
+                <a16:creationId xmlns:a16="http://schemas.microsoft.com/office/drawing/2014/main" id="{18839427-4D33-48A4-9276-05F412E7AE8B}"/>
+              </a:ext>
+            </a:extLst>
+          </p:cNvPr>
+          <p:cNvSpPr/>
+          <p:nvPr/>
+        </p:nvSpPr>
+        <p:spPr>
+          <a:xfrm>
+            <a:off x="8095725" y="3410803"/>
+            <a:ext cx="786954" cy="299826"/>
+          </a:xfrm>
+          <a:prstGeom prst="wedgeRectCallout">
+            <a:avLst>
+              <a:gd name="adj1" fmla="val -91298"/>
+              <a:gd name="adj2" fmla="val -4533"/>
+            </a:avLst>
+          </a:prstGeom>
+        </p:spPr>
+        <p:style>
+          <a:lnRef idx="1">
+            <a:schemeClr val="dk1"/>
+          </a:lnRef>
+          <a:fillRef idx="2">
+            <a:schemeClr val="dk1"/>
+          </a:fillRef>
+          <a:effectRef idx="1">
+            <a:schemeClr val="dk1"/>
+          </a:effectRef>
+          <a:fontRef idx="minor">
+            <a:schemeClr val="dk1"/>
+          </a:fontRef>
+        </p:style>
+        <p:txBody>
+          <a:bodyPr rtlCol="0" anchor="ctr"/>
+          <a:lstStyle/>
+          <a:p>
+            <a:pPr algn="ctr"/>
+            <a:r>
+              <a:rPr lang="en-US" sz="1000" dirty="0"/>
+              <a:t>Required Fields</a:t>
+            </a:r>
+          </a:p>
+        </p:txBody>
+      </p:sp>
     </p:spTree>
     <p:extLst>
       <p:ext uri="{BB962C8B-B14F-4D97-AF65-F5344CB8AC3E}">
-        <p14:creationId xmlns:p14="http://schemas.microsoft.com/office/powerpoint/2010/main" val="3322100970"/>
+        <p14:creationId xmlns:p14="http://schemas.microsoft.com/office/powerpoint/2010/main" val="337191531"/>
       </p:ext>
     </p:extLst>
   </p:cSld>

--- a/draft0_NU-FinalProject_Stocks.pptx
+++ b/draft0_NU-FinalProject_Stocks.pptx
@@ -5,10 +5,10 @@
     <p:sldMasterId id="2147483648" r:id="rId1"/>
   </p:sldMasterIdLst>
   <p:notesMasterIdLst>
-    <p:notesMasterId r:id="rId14"/>
+    <p:notesMasterId r:id="rId10"/>
   </p:notesMasterIdLst>
   <p:handoutMasterIdLst>
-    <p:handoutMasterId r:id="rId15"/>
+    <p:handoutMasterId r:id="rId11"/>
   </p:handoutMasterIdLst>
   <p:sldIdLst>
     <p:sldId id="256" r:id="rId2"/>
@@ -16,13 +16,9 @@
     <p:sldId id="262" r:id="rId4"/>
     <p:sldId id="326" r:id="rId5"/>
     <p:sldId id="276" r:id="rId6"/>
-    <p:sldId id="324" r:id="rId7"/>
-    <p:sldId id="325" r:id="rId8"/>
-    <p:sldId id="300" r:id="rId9"/>
-    <p:sldId id="302" r:id="rId10"/>
-    <p:sldId id="301" r:id="rId11"/>
-    <p:sldId id="266" r:id="rId12"/>
-    <p:sldId id="296" r:id="rId13"/>
+    <p:sldId id="301" r:id="rId7"/>
+    <p:sldId id="266" r:id="rId8"/>
+    <p:sldId id="296" r:id="rId9"/>
   </p:sldIdLst>
   <p:sldSz cx="9144000" cy="5143500" type="screen16x9"/>
   <p:notesSz cx="6858000" cy="9144000"/>
@@ -131,10 +127,6 @@
             <p14:sldId id="262"/>
             <p14:sldId id="326"/>
             <p14:sldId id="276"/>
-            <p14:sldId id="324"/>
-            <p14:sldId id="325"/>
-            <p14:sldId id="300"/>
-            <p14:sldId id="302"/>
             <p14:sldId id="301"/>
             <p14:sldId id="266"/>
             <p14:sldId id="296"/>
@@ -4356,706 +4348,6 @@
 </p:sld>
 </file>
 
-<file path=ppt/slides/slide10.xml><?xml version="1.0" encoding="utf-8"?>
-<p:sld xmlns:a="http://schemas.openxmlformats.org/drawingml/2006/main" xmlns:r="http://schemas.openxmlformats.org/officeDocument/2006/relationships" xmlns:p="http://schemas.openxmlformats.org/presentationml/2006/main">
-  <p:cSld>
-    <p:spTree>
-      <p:nvGrpSpPr>
-        <p:cNvPr id="1" name=""/>
-        <p:cNvGrpSpPr/>
-        <p:nvPr/>
-      </p:nvGrpSpPr>
-      <p:grpSpPr>
-        <a:xfrm>
-          <a:off x="0" y="0"/>
-          <a:ext cx="0" cy="0"/>
-          <a:chOff x="0" y="0"/>
-          <a:chExt cx="0" cy="0"/>
-        </a:xfrm>
-      </p:grpSpPr>
-      <p:sp>
-        <p:nvSpPr>
-          <p:cNvPr id="5" name="Title 4">
-            <a:extLst>
-              <a:ext uri="{FF2B5EF4-FFF2-40B4-BE49-F238E27FC236}">
-                <a16:creationId xmlns:a16="http://schemas.microsoft.com/office/drawing/2014/main" id="{D4296CC1-D52C-4736-AB4E-1D2D2C75C616}"/>
-              </a:ext>
-            </a:extLst>
-          </p:cNvPr>
-          <p:cNvSpPr>
-            <a:spLocks noGrp="1"/>
-          </p:cNvSpPr>
-          <p:nvPr>
-            <p:ph type="title"/>
-          </p:nvPr>
-        </p:nvSpPr>
-        <p:spPr/>
-        <p:txBody>
-          <a:bodyPr>
-            <a:normAutofit/>
-          </a:bodyPr>
-          <a:lstStyle/>
-          <a:p>
-            <a:r>
-              <a:rPr lang="en-US" sz="3600" dirty="0"/>
-              <a:t>Merging Stock, Trend, and Tweet Data</a:t>
-            </a:r>
-          </a:p>
-        </p:txBody>
-      </p:sp>
-      <p:sp>
-        <p:nvSpPr>
-          <p:cNvPr id="4" name="Slide Number Placeholder 3"/>
-          <p:cNvSpPr>
-            <a:spLocks noGrp="1"/>
-          </p:cNvSpPr>
-          <p:nvPr>
-            <p:ph type="sldNum" sz="quarter" idx="12"/>
-          </p:nvPr>
-        </p:nvSpPr>
-        <p:spPr/>
-        <p:txBody>
-          <a:bodyPr/>
-          <a:lstStyle/>
-          <a:p>
-            <a:fld id="{106E12CD-FCB1-464E-A775-0B83FDDACE03}" type="slidenum">
-              <a:rPr lang="en-US" smtClean="0"/>
-              <a:pPr/>
-              <a:t>9</a:t>
-            </a:fld>
-            <a:endParaRPr lang="en-US" dirty="0"/>
-          </a:p>
-        </p:txBody>
-      </p:sp>
-      <p:sp>
-        <p:nvSpPr>
-          <p:cNvPr id="3" name="Content Placeholder 2">
-            <a:extLst>
-              <a:ext uri="{FF2B5EF4-FFF2-40B4-BE49-F238E27FC236}">
-                <a16:creationId xmlns:a16="http://schemas.microsoft.com/office/drawing/2014/main" id="{68CB2294-DAA7-4004-8EFD-36F55B70ED9A}"/>
-              </a:ext>
-            </a:extLst>
-          </p:cNvPr>
-          <p:cNvSpPr>
-            <a:spLocks noGrp="1"/>
-          </p:cNvSpPr>
-          <p:nvPr>
-            <p:ph idx="1"/>
-          </p:nvPr>
-        </p:nvSpPr>
-        <p:spPr>
-          <a:xfrm>
-            <a:off x="4611952" y="935535"/>
-            <a:ext cx="3864530" cy="1013671"/>
-          </a:xfrm>
-        </p:spPr>
-        <p:txBody>
-          <a:bodyPr>
-            <a:noAutofit/>
-          </a:bodyPr>
-          <a:lstStyle/>
-          <a:p>
-            <a:r>
-              <a:rPr lang="en-US" sz="1400" dirty="0"/>
-              <a:t>Incoming dates are transformed, or Yearly/Weekly grains added to conform the time frequency to its lowest-time grain across both sources – weekly.</a:t>
-            </a:r>
-          </a:p>
-          <a:p>
-            <a:endParaRPr lang="en-US" sz="1400" dirty="0"/>
-          </a:p>
-        </p:txBody>
-      </p:sp>
-      <p:sp>
-        <p:nvSpPr>
-          <p:cNvPr id="21" name="Speech Bubble: Rectangle 20">
-            <a:extLst>
-              <a:ext uri="{FF2B5EF4-FFF2-40B4-BE49-F238E27FC236}">
-                <a16:creationId xmlns:a16="http://schemas.microsoft.com/office/drawing/2014/main" id="{96DFCE6E-2ECF-437A-A066-11B2FA473E47}"/>
-              </a:ext>
-            </a:extLst>
-          </p:cNvPr>
-          <p:cNvSpPr/>
-          <p:nvPr/>
-        </p:nvSpPr>
-        <p:spPr>
-          <a:xfrm>
-            <a:off x="3290069" y="3571333"/>
-            <a:ext cx="1398258" cy="451934"/>
-          </a:xfrm>
-          <a:prstGeom prst="wedgeRectCallout">
-            <a:avLst>
-              <a:gd name="adj1" fmla="val 19190"/>
-              <a:gd name="adj2" fmla="val 85782"/>
-            </a:avLst>
-          </a:prstGeom>
-        </p:spPr>
-        <p:style>
-          <a:lnRef idx="1">
-            <a:schemeClr val="dk1"/>
-          </a:lnRef>
-          <a:fillRef idx="2">
-            <a:schemeClr val="dk1"/>
-          </a:fillRef>
-          <a:effectRef idx="1">
-            <a:schemeClr val="dk1"/>
-          </a:effectRef>
-          <a:fontRef idx="minor">
-            <a:schemeClr val="dk1"/>
-          </a:fontRef>
-        </p:style>
-        <p:txBody>
-          <a:bodyPr rtlCol="0" anchor="ctr"/>
-          <a:lstStyle/>
-          <a:p>
-            <a:pPr algn="ctr"/>
-            <a:r>
-              <a:rPr lang="en-US" sz="1000" dirty="0"/>
-              <a:t>Stock CSV and Trend CSV data is merged to a single dataset</a:t>
-            </a:r>
-          </a:p>
-        </p:txBody>
-      </p:sp>
-      <p:pic>
-        <p:nvPicPr>
-          <p:cNvPr id="7" name="Picture 6">
-            <a:extLst>
-              <a:ext uri="{FF2B5EF4-FFF2-40B4-BE49-F238E27FC236}">
-                <a16:creationId xmlns:a16="http://schemas.microsoft.com/office/drawing/2014/main" id="{DF8BAE08-B392-4E44-A00F-874B510E7DCA}"/>
-              </a:ext>
-            </a:extLst>
-          </p:cNvPr>
-          <p:cNvPicPr>
-            <a:picLocks noChangeAspect="1"/>
-          </p:cNvPicPr>
-          <p:nvPr/>
-        </p:nvPicPr>
-        <p:blipFill>
-          <a:blip r:embed="rId2"/>
-          <a:stretch>
-            <a:fillRect/>
-          </a:stretch>
-        </p:blipFill>
-        <p:spPr>
-          <a:xfrm>
-            <a:off x="294640" y="1063230"/>
-            <a:ext cx="4317312" cy="1749820"/>
-          </a:xfrm>
-          <a:prstGeom prst="rect">
-            <a:avLst/>
-          </a:prstGeom>
-          <a:ln>
-            <a:noFill/>
-          </a:ln>
-          <a:effectLst>
-            <a:outerShdw blurRad="190500" algn="tl" rotWithShape="0">
-              <a:srgbClr val="000000">
-                <a:alpha val="70000"/>
-              </a:srgbClr>
-            </a:outerShdw>
-          </a:effectLst>
-        </p:spPr>
-      </p:pic>
-      <p:sp>
-        <p:nvSpPr>
-          <p:cNvPr id="20" name="Speech Bubble: Rectangle 19">
-            <a:extLst>
-              <a:ext uri="{FF2B5EF4-FFF2-40B4-BE49-F238E27FC236}">
-                <a16:creationId xmlns:a16="http://schemas.microsoft.com/office/drawing/2014/main" id="{DF67AC7C-1856-41A1-B123-48DF0E93AB70}"/>
-              </a:ext>
-            </a:extLst>
-          </p:cNvPr>
-          <p:cNvSpPr/>
-          <p:nvPr/>
-        </p:nvSpPr>
-        <p:spPr>
-          <a:xfrm>
-            <a:off x="667518" y="3001935"/>
-            <a:ext cx="1624831" cy="451934"/>
-          </a:xfrm>
-          <a:prstGeom prst="wedgeRectCallout">
-            <a:avLst>
-              <a:gd name="adj1" fmla="val 20392"/>
-              <a:gd name="adj2" fmla="val -95472"/>
-            </a:avLst>
-          </a:prstGeom>
-        </p:spPr>
-        <p:style>
-          <a:lnRef idx="1">
-            <a:schemeClr val="dk1"/>
-          </a:lnRef>
-          <a:fillRef idx="2">
-            <a:schemeClr val="dk1"/>
-          </a:fillRef>
-          <a:effectRef idx="1">
-            <a:schemeClr val="dk1"/>
-          </a:effectRef>
-          <a:fontRef idx="minor">
-            <a:schemeClr val="dk1"/>
-          </a:fontRef>
-        </p:style>
-        <p:txBody>
-          <a:bodyPr rtlCol="0" anchor="ctr"/>
-          <a:lstStyle/>
-          <a:p>
-            <a:r>
-              <a:rPr lang="en-US" sz="1000" dirty="0"/>
-              <a:t>Weekly grain converted to ISO, Monday start of week </a:t>
-            </a:r>
-          </a:p>
-        </p:txBody>
-      </p:sp>
-      <p:pic>
-        <p:nvPicPr>
-          <p:cNvPr id="14" name="Picture 13">
-            <a:extLst>
-              <a:ext uri="{FF2B5EF4-FFF2-40B4-BE49-F238E27FC236}">
-                <a16:creationId xmlns:a16="http://schemas.microsoft.com/office/drawing/2014/main" id="{5976E6D0-7B12-4B64-9BC9-A06643D4541B}"/>
-              </a:ext>
-            </a:extLst>
-          </p:cNvPr>
-          <p:cNvPicPr>
-            <a:picLocks noChangeAspect="1"/>
-          </p:cNvPicPr>
-          <p:nvPr/>
-        </p:nvPicPr>
-        <p:blipFill>
-          <a:blip r:embed="rId3"/>
-          <a:stretch>
-            <a:fillRect/>
-          </a:stretch>
-        </p:blipFill>
-        <p:spPr>
-          <a:xfrm>
-            <a:off x="143367" y="4186113"/>
-            <a:ext cx="8559800" cy="390125"/>
-          </a:xfrm>
-          <a:prstGeom prst="rect">
-            <a:avLst/>
-          </a:prstGeom>
-          <a:ln>
-            <a:noFill/>
-          </a:ln>
-          <a:effectLst>
-            <a:outerShdw blurRad="190500" algn="tl" rotWithShape="0">
-              <a:srgbClr val="000000">
-                <a:alpha val="70000"/>
-              </a:srgbClr>
-            </a:outerShdw>
-          </a:effectLst>
-        </p:spPr>
-      </p:pic>
-      <p:sp>
-        <p:nvSpPr>
-          <p:cNvPr id="11" name="Arrow: Right 10">
-            <a:extLst>
-              <a:ext uri="{FF2B5EF4-FFF2-40B4-BE49-F238E27FC236}">
-                <a16:creationId xmlns:a16="http://schemas.microsoft.com/office/drawing/2014/main" id="{926503CA-C28A-4A58-98EB-4F55454ADEE1}"/>
-              </a:ext>
-            </a:extLst>
-          </p:cNvPr>
-          <p:cNvSpPr/>
-          <p:nvPr/>
-        </p:nvSpPr>
-        <p:spPr>
-          <a:xfrm rot="5400000">
-            <a:off x="1980622" y="3342492"/>
-            <a:ext cx="1352141" cy="293257"/>
-          </a:xfrm>
-          <a:prstGeom prst="rightArrow">
-            <a:avLst/>
-          </a:prstGeom>
-        </p:spPr>
-        <p:style>
-          <a:lnRef idx="1">
-            <a:schemeClr val="accent1"/>
-          </a:lnRef>
-          <a:fillRef idx="3">
-            <a:schemeClr val="accent1"/>
-          </a:fillRef>
-          <a:effectRef idx="2">
-            <a:schemeClr val="accent1"/>
-          </a:effectRef>
-          <a:fontRef idx="minor">
-            <a:schemeClr val="lt1"/>
-          </a:fontRef>
-        </p:style>
-        <p:txBody>
-          <a:bodyPr rtlCol="0" anchor="ctr"/>
-          <a:lstStyle/>
-          <a:p>
-            <a:pPr algn="ctr"/>
-            <a:endParaRPr lang="en-US"/>
-          </a:p>
-        </p:txBody>
-      </p:sp>
-      <p:pic>
-        <p:nvPicPr>
-          <p:cNvPr id="8" name="Picture 7">
-            <a:extLst>
-              <a:ext uri="{FF2B5EF4-FFF2-40B4-BE49-F238E27FC236}">
-                <a16:creationId xmlns:a16="http://schemas.microsoft.com/office/drawing/2014/main" id="{CE6732C6-6E01-4536-BCFD-8E0E044E59B1}"/>
-              </a:ext>
-            </a:extLst>
-          </p:cNvPr>
-          <p:cNvPicPr>
-            <a:picLocks noChangeAspect="1"/>
-          </p:cNvPicPr>
-          <p:nvPr/>
-        </p:nvPicPr>
-        <p:blipFill>
-          <a:blip r:embed="rId4"/>
-          <a:stretch>
-            <a:fillRect/>
-          </a:stretch>
-        </p:blipFill>
-        <p:spPr>
-          <a:xfrm>
-            <a:off x="4901591" y="1906558"/>
-            <a:ext cx="3680050" cy="2116709"/>
-          </a:xfrm>
-          <a:prstGeom prst="rect">
-            <a:avLst/>
-          </a:prstGeom>
-          <a:ln>
-            <a:noFill/>
-          </a:ln>
-          <a:effectLst>
-            <a:outerShdw blurRad="190500" algn="tl" rotWithShape="0">
-              <a:srgbClr val="000000">
-                <a:alpha val="70000"/>
-              </a:srgbClr>
-            </a:outerShdw>
-          </a:effectLst>
-        </p:spPr>
-      </p:pic>
-    </p:spTree>
-    <p:extLst>
-      <p:ext uri="{BB962C8B-B14F-4D97-AF65-F5344CB8AC3E}">
-        <p14:creationId xmlns:p14="http://schemas.microsoft.com/office/powerpoint/2010/main" val="3322100970"/>
-      </p:ext>
-    </p:extLst>
-  </p:cSld>
-  <p:clrMapOvr>
-    <a:masterClrMapping/>
-  </p:clrMapOvr>
-</p:sld>
-</file>
-
-<file path=ppt/slides/slide11.xml><?xml version="1.0" encoding="utf-8"?>
-<p:sld xmlns:a="http://schemas.openxmlformats.org/drawingml/2006/main" xmlns:r="http://schemas.openxmlformats.org/officeDocument/2006/relationships" xmlns:p="http://schemas.openxmlformats.org/presentationml/2006/main">
-  <p:cSld>
-    <p:spTree>
-      <p:nvGrpSpPr>
-        <p:cNvPr id="1" name=""/>
-        <p:cNvGrpSpPr/>
-        <p:nvPr/>
-      </p:nvGrpSpPr>
-      <p:grpSpPr>
-        <a:xfrm>
-          <a:off x="0" y="0"/>
-          <a:ext cx="0" cy="0"/>
-          <a:chOff x="0" y="0"/>
-          <a:chExt cx="0" cy="0"/>
-        </a:xfrm>
-      </p:grpSpPr>
-      <p:sp>
-        <p:nvSpPr>
-          <p:cNvPr id="5" name="Title 4">
-            <a:extLst>
-              <a:ext uri="{FF2B5EF4-FFF2-40B4-BE49-F238E27FC236}">
-                <a16:creationId xmlns:a16="http://schemas.microsoft.com/office/drawing/2014/main" id="{D4296CC1-D52C-4736-AB4E-1D2D2C75C616}"/>
-              </a:ext>
-            </a:extLst>
-          </p:cNvPr>
-          <p:cNvSpPr>
-            <a:spLocks noGrp="1"/>
-          </p:cNvSpPr>
-          <p:nvPr>
-            <p:ph type="title"/>
-          </p:nvPr>
-        </p:nvSpPr>
-        <p:spPr/>
-        <p:txBody>
-          <a:bodyPr/>
-          <a:lstStyle/>
-          <a:p>
-            <a:r>
-              <a:rPr lang="en-US" dirty="0"/>
-              <a:t>Potential Next Steps</a:t>
-            </a:r>
-          </a:p>
-        </p:txBody>
-      </p:sp>
-      <p:sp>
-        <p:nvSpPr>
-          <p:cNvPr id="4" name="Slide Number Placeholder 3"/>
-          <p:cNvSpPr>
-            <a:spLocks noGrp="1"/>
-          </p:cNvSpPr>
-          <p:nvPr>
-            <p:ph type="sldNum" sz="quarter" idx="12"/>
-          </p:nvPr>
-        </p:nvSpPr>
-        <p:spPr/>
-        <p:txBody>
-          <a:bodyPr/>
-          <a:lstStyle/>
-          <a:p>
-            <a:fld id="{106E12CD-FCB1-464E-A775-0B83FDDACE03}" type="slidenum">
-              <a:rPr lang="en-US" smtClean="0"/>
-              <a:pPr/>
-              <a:t>10</a:t>
-            </a:fld>
-            <a:endParaRPr lang="en-US" dirty="0"/>
-          </a:p>
-        </p:txBody>
-      </p:sp>
-      <p:sp>
-        <p:nvSpPr>
-          <p:cNvPr id="7" name="Content Placeholder 6">
-            <a:extLst>
-              <a:ext uri="{FF2B5EF4-FFF2-40B4-BE49-F238E27FC236}">
-                <a16:creationId xmlns:a16="http://schemas.microsoft.com/office/drawing/2014/main" id="{B7837073-5C1D-46BB-A1F0-03E5003E8F35}"/>
-              </a:ext>
-            </a:extLst>
-          </p:cNvPr>
-          <p:cNvSpPr>
-            <a:spLocks noGrp="1"/>
-          </p:cNvSpPr>
-          <p:nvPr>
-            <p:ph idx="1"/>
-          </p:nvPr>
-        </p:nvSpPr>
-        <p:spPr/>
-        <p:txBody>
-          <a:bodyPr>
-            <a:normAutofit/>
-          </a:bodyPr>
-          <a:lstStyle/>
-          <a:p>
-            <a:pPr>
-              <a:spcAft>
-                <a:spcPts val="600"/>
-              </a:spcAft>
-            </a:pPr>
-            <a:r>
-              <a:rPr lang="en-US" sz="1800" dirty="0"/>
-              <a:t>Additional historical stock data such as short activity to focus on potential GameStop(GME) or AMC activity.  </a:t>
-            </a:r>
-          </a:p>
-          <a:p>
-            <a:pPr>
-              <a:spcAft>
-                <a:spcPts val="600"/>
-              </a:spcAft>
-            </a:pPr>
-            <a:r>
-              <a:rPr lang="en-US" sz="1800" dirty="0"/>
-              <a:t>If data can’t be found, warehouse daily to build missing data – screen-scaping(beautiful-soup) is an option from sites such as </a:t>
-            </a:r>
-            <a:r>
-              <a:rPr lang="en-US" sz="1800" dirty="0" err="1">
-                <a:hlinkClick r:id="rId2"/>
-              </a:rPr>
-              <a:t>shortsqueeze</a:t>
-            </a:r>
-            <a:r>
-              <a:rPr lang="en-US" sz="1800" dirty="0"/>
-              <a:t> and/or </a:t>
-            </a:r>
-            <a:r>
-              <a:rPr lang="en-US" sz="1800" dirty="0">
-                <a:hlinkClick r:id="rId3"/>
-              </a:rPr>
-              <a:t>Daily Short Sale Volume</a:t>
-            </a:r>
-            <a:r>
-              <a:rPr lang="en-US" sz="1800" dirty="0"/>
-              <a:t>.</a:t>
-            </a:r>
-          </a:p>
-          <a:p>
-            <a:pPr>
-              <a:spcAft>
-                <a:spcPts val="600"/>
-              </a:spcAft>
-            </a:pPr>
-            <a:r>
-              <a:rPr lang="en-US" sz="1800" dirty="0"/>
-              <a:t>Build additional charts and dashboards</a:t>
-            </a:r>
-          </a:p>
-          <a:p>
-            <a:pPr>
-              <a:spcAft>
-                <a:spcPts val="600"/>
-              </a:spcAft>
-            </a:pPr>
-            <a:r>
-              <a:rPr lang="en-US" sz="1800" dirty="0"/>
-              <a:t>Reduce time grain to hourly, minute for automated trading/prescription reporting (take automatic action on report).</a:t>
-            </a:r>
-          </a:p>
-          <a:p>
-            <a:pPr>
-              <a:spcAft>
-                <a:spcPts val="600"/>
-              </a:spcAft>
-            </a:pPr>
-            <a:endParaRPr lang="en-US" sz="1800" dirty="0"/>
-          </a:p>
-          <a:p>
-            <a:pPr>
-              <a:spcAft>
-                <a:spcPts val="600"/>
-              </a:spcAft>
-            </a:pPr>
-            <a:endParaRPr lang="en-US" sz="1800" dirty="0"/>
-          </a:p>
-          <a:p>
-            <a:pPr>
-              <a:spcAft>
-                <a:spcPts val="600"/>
-              </a:spcAft>
-            </a:pPr>
-            <a:endParaRPr lang="en-US" sz="1800" dirty="0"/>
-          </a:p>
-          <a:p>
-            <a:pPr>
-              <a:spcAft>
-                <a:spcPts val="600"/>
-              </a:spcAft>
-            </a:pPr>
-            <a:endParaRPr lang="en-US" sz="1800" dirty="0"/>
-          </a:p>
-        </p:txBody>
-      </p:sp>
-    </p:spTree>
-    <p:extLst>
-      <p:ext uri="{BB962C8B-B14F-4D97-AF65-F5344CB8AC3E}">
-        <p14:creationId xmlns:p14="http://schemas.microsoft.com/office/powerpoint/2010/main" val="1352665434"/>
-      </p:ext>
-    </p:extLst>
-  </p:cSld>
-  <p:clrMapOvr>
-    <a:masterClrMapping/>
-  </p:clrMapOvr>
-</p:sld>
-</file>
-
-<file path=ppt/slides/slide12.xml><?xml version="1.0" encoding="utf-8"?>
-<p:sld xmlns:a="http://schemas.openxmlformats.org/drawingml/2006/main" xmlns:r="http://schemas.openxmlformats.org/officeDocument/2006/relationships" xmlns:p="http://schemas.openxmlformats.org/presentationml/2006/main">
-  <p:cSld>
-    <p:spTree>
-      <p:nvGrpSpPr>
-        <p:cNvPr id="1" name=""/>
-        <p:cNvGrpSpPr/>
-        <p:nvPr/>
-      </p:nvGrpSpPr>
-      <p:grpSpPr>
-        <a:xfrm>
-          <a:off x="0" y="0"/>
-          <a:ext cx="0" cy="0"/>
-          <a:chOff x="0" y="0"/>
-          <a:chExt cx="0" cy="0"/>
-        </a:xfrm>
-      </p:grpSpPr>
-      <p:sp>
-        <p:nvSpPr>
-          <p:cNvPr id="5" name="Title 4">
-            <a:extLst>
-              <a:ext uri="{FF2B5EF4-FFF2-40B4-BE49-F238E27FC236}">
-                <a16:creationId xmlns:a16="http://schemas.microsoft.com/office/drawing/2014/main" id="{6229D272-CD8F-44E9-8790-217BC2FFC777}"/>
-              </a:ext>
-            </a:extLst>
-          </p:cNvPr>
-          <p:cNvSpPr>
-            <a:spLocks noGrp="1"/>
-          </p:cNvSpPr>
-          <p:nvPr>
-            <p:ph type="title"/>
-          </p:nvPr>
-        </p:nvSpPr>
-        <p:spPr/>
-        <p:txBody>
-          <a:bodyPr/>
-          <a:lstStyle/>
-          <a:p>
-            <a:r>
-              <a:rPr lang="en-US" dirty="0"/>
-              <a:t>Questions?</a:t>
-            </a:r>
-          </a:p>
-        </p:txBody>
-      </p:sp>
-      <p:sp>
-        <p:nvSpPr>
-          <p:cNvPr id="6" name="Text Placeholder 5">
-            <a:extLst>
-              <a:ext uri="{FF2B5EF4-FFF2-40B4-BE49-F238E27FC236}">
-                <a16:creationId xmlns:a16="http://schemas.microsoft.com/office/drawing/2014/main" id="{D7DC2AC3-222C-406D-B69B-1802F4ED9C1B}"/>
-              </a:ext>
-            </a:extLst>
-          </p:cNvPr>
-          <p:cNvSpPr>
-            <a:spLocks noGrp="1"/>
-          </p:cNvSpPr>
-          <p:nvPr>
-            <p:ph type="body" idx="1"/>
-          </p:nvPr>
-        </p:nvSpPr>
-        <p:spPr/>
-        <p:txBody>
-          <a:bodyPr/>
-          <a:lstStyle/>
-          <a:p>
-            <a:endParaRPr lang="en-US" dirty="0"/>
-          </a:p>
-        </p:txBody>
-      </p:sp>
-      <p:sp>
-        <p:nvSpPr>
-          <p:cNvPr id="4" name="Slide Number Placeholder 3">
-            <a:extLst>
-              <a:ext uri="{FF2B5EF4-FFF2-40B4-BE49-F238E27FC236}">
-                <a16:creationId xmlns:a16="http://schemas.microsoft.com/office/drawing/2014/main" id="{8A126BAB-AD9D-4CD8-A7EA-15B31EA7F368}"/>
-              </a:ext>
-            </a:extLst>
-          </p:cNvPr>
-          <p:cNvSpPr>
-            <a:spLocks noGrp="1"/>
-          </p:cNvSpPr>
-          <p:nvPr>
-            <p:ph type="sldNum" sz="quarter" idx="12"/>
-          </p:nvPr>
-        </p:nvSpPr>
-        <p:spPr/>
-        <p:txBody>
-          <a:bodyPr/>
-          <a:lstStyle/>
-          <a:p>
-            <a:fld id="{106E12CD-FCB1-464E-A775-0B83FDDACE03}" type="slidenum">
-              <a:rPr lang="en-US" smtClean="0"/>
-              <a:pPr/>
-              <a:t>11</a:t>
-            </a:fld>
-            <a:endParaRPr lang="en-US"/>
-          </a:p>
-        </p:txBody>
-      </p:sp>
-    </p:spTree>
-    <p:extLst>
-      <p:ext uri="{BB962C8B-B14F-4D97-AF65-F5344CB8AC3E}">
-        <p14:creationId xmlns:p14="http://schemas.microsoft.com/office/powerpoint/2010/main" val="1876129600"/>
-      </p:ext>
-    </p:extLst>
-  </p:cSld>
-  <p:clrMapOvr>
-    <a:masterClrMapping/>
-  </p:clrMapOvr>
-</p:sld>
-</file>
-
 <file path=ppt/slides/slide2.xml><?xml version="1.0" encoding="utf-8"?>
 <p:sld xmlns:a="http://schemas.openxmlformats.org/drawingml/2006/main" xmlns:r="http://schemas.openxmlformats.org/officeDocument/2006/relationships" xmlns:p="http://schemas.openxmlformats.org/presentationml/2006/main">
   <p:cSld>
@@ -5992,8 +5284,59 @@
             </a:pPr>
             <a:r>
               <a:rPr lang="en-US" sz="1100" dirty="0"/>
-              <a:t>		</a:t>
-            </a:r>
+              <a:t>	</a:t>
+            </a:r>
+            <a:r>
+              <a:rPr lang="en-US" sz="1100" dirty="0">
+                <a:hlinkClick r:id="rId5"/>
+              </a:rPr>
+              <a:t>snowflake</a:t>
+            </a:r>
+            <a:endParaRPr lang="en-US" sz="1100" dirty="0"/>
+          </a:p>
+          <a:p>
+            <a:pPr marL="0" indent="0">
+              <a:lnSpc>
+                <a:spcPct val="90000"/>
+              </a:lnSpc>
+              <a:buFont typeface="Arial"/>
+              <a:buNone/>
+            </a:pPr>
+            <a:r>
+              <a:rPr lang="en-US" sz="1100" dirty="0"/>
+              <a:t>	- </a:t>
+            </a:r>
+            <a:r>
+              <a:rPr lang="en-US" sz="1100" dirty="0" err="1"/>
+              <a:t>kaggal</a:t>
+            </a:r>
+            <a:r>
+              <a:rPr lang="en-US" sz="1100" dirty="0"/>
+              <a:t>/Reddit - download</a:t>
+            </a:r>
+          </a:p>
+          <a:p>
+            <a:pPr marL="0" indent="0">
+              <a:lnSpc>
+                <a:spcPct val="90000"/>
+              </a:lnSpc>
+              <a:buFont typeface="Arial"/>
+              <a:buNone/>
+            </a:pPr>
+            <a:r>
+              <a:rPr lang="en-US" sz="1100" dirty="0"/>
+              <a:t>	- Reddit/API	</a:t>
+            </a:r>
+          </a:p>
+          <a:p>
+            <a:pPr marL="0" indent="0">
+              <a:lnSpc>
+                <a:spcPct val="90000"/>
+              </a:lnSpc>
+              <a:buFont typeface="Arial"/>
+              <a:buNone/>
+            </a:pPr>
+            <a:endParaRPr lang="en-US" sz="1100" dirty="0"/>
           </a:p>
           <a:p>
             <a:pPr marL="0" indent="0">
@@ -6223,7 +5566,7 @@
           <p:nvPr/>
         </p:nvPicPr>
         <p:blipFill>
-          <a:blip r:embed="rId5"/>
+          <a:blip r:embed="rId6"/>
           <a:stretch>
             <a:fillRect/>
           </a:stretch>
@@ -6276,6 +5619,246 @@
           </a:p>
         </p:txBody>
       </p:sp>
+      <p:pic>
+        <p:nvPicPr>
+          <p:cNvPr id="10" name="Picture 9">
+            <a:extLst>
+              <a:ext uri="{FF2B5EF4-FFF2-40B4-BE49-F238E27FC236}">
+                <a16:creationId xmlns:a16="http://schemas.microsoft.com/office/drawing/2014/main" id="{0FB55EB7-6F32-4EAA-9E43-6C6BB02C533A}"/>
+              </a:ext>
+            </a:extLst>
+          </p:cNvPr>
+          <p:cNvPicPr>
+            <a:picLocks noChangeAspect="1"/>
+          </p:cNvPicPr>
+          <p:nvPr/>
+        </p:nvPicPr>
+        <p:blipFill>
+          <a:blip r:embed="rId7"/>
+          <a:stretch>
+            <a:fillRect/>
+          </a:stretch>
+        </p:blipFill>
+        <p:spPr>
+          <a:xfrm>
+            <a:off x="6286945" y="1280321"/>
+            <a:ext cx="3522341" cy="2331839"/>
+          </a:xfrm>
+          <a:prstGeom prst="rect">
+            <a:avLst/>
+          </a:prstGeom>
+          <a:ln>
+            <a:noFill/>
+          </a:ln>
+          <a:effectLst>
+            <a:outerShdw blurRad="190500" algn="tl" rotWithShape="0">
+              <a:srgbClr val="000000">
+                <a:alpha val="70000"/>
+              </a:srgbClr>
+            </a:outerShdw>
+          </a:effectLst>
+        </p:spPr>
+      </p:pic>
+      <p:pic>
+        <p:nvPicPr>
+          <p:cNvPr id="16" name="Picture 15">
+            <a:extLst>
+              <a:ext uri="{FF2B5EF4-FFF2-40B4-BE49-F238E27FC236}">
+                <a16:creationId xmlns:a16="http://schemas.microsoft.com/office/drawing/2014/main" id="{881328B8-A29D-434B-9CD6-8427F47AC88D}"/>
+              </a:ext>
+            </a:extLst>
+          </p:cNvPr>
+          <p:cNvPicPr>
+            <a:picLocks noChangeAspect="1"/>
+          </p:cNvPicPr>
+          <p:nvPr/>
+        </p:nvPicPr>
+        <p:blipFill>
+          <a:blip r:embed="rId8"/>
+          <a:stretch>
+            <a:fillRect/>
+          </a:stretch>
+        </p:blipFill>
+        <p:spPr>
+          <a:xfrm>
+            <a:off x="2599519" y="501255"/>
+            <a:ext cx="3160376" cy="2017913"/>
+          </a:xfrm>
+          <a:prstGeom prst="rect">
+            <a:avLst/>
+          </a:prstGeom>
+          <a:ln>
+            <a:noFill/>
+          </a:ln>
+          <a:effectLst>
+            <a:outerShdw blurRad="190500" algn="tl" rotWithShape="0">
+              <a:srgbClr val="000000">
+                <a:alpha val="70000"/>
+              </a:srgbClr>
+            </a:outerShdw>
+          </a:effectLst>
+        </p:spPr>
+      </p:pic>
+      <p:pic>
+        <p:nvPicPr>
+          <p:cNvPr id="20" name="Picture 19">
+            <a:extLst>
+              <a:ext uri="{FF2B5EF4-FFF2-40B4-BE49-F238E27FC236}">
+                <a16:creationId xmlns:a16="http://schemas.microsoft.com/office/drawing/2014/main" id="{225F34D0-83F9-4710-AB71-33155AABA9F3}"/>
+              </a:ext>
+            </a:extLst>
+          </p:cNvPr>
+          <p:cNvPicPr>
+            <a:picLocks noChangeAspect="1"/>
+          </p:cNvPicPr>
+          <p:nvPr/>
+        </p:nvPicPr>
+        <p:blipFill>
+          <a:blip r:embed="rId9"/>
+          <a:stretch>
+            <a:fillRect/>
+          </a:stretch>
+        </p:blipFill>
+        <p:spPr>
+          <a:xfrm>
+            <a:off x="4172173" y="3590527"/>
+            <a:ext cx="723900" cy="323850"/>
+          </a:xfrm>
+          <a:prstGeom prst="rect">
+            <a:avLst/>
+          </a:prstGeom>
+          <a:ln>
+            <a:noFill/>
+          </a:ln>
+          <a:effectLst>
+            <a:outerShdw blurRad="190500" algn="tl" rotWithShape="0">
+              <a:srgbClr val="000000">
+                <a:alpha val="70000"/>
+              </a:srgbClr>
+            </a:outerShdw>
+          </a:effectLst>
+        </p:spPr>
+      </p:pic>
+      <p:pic>
+        <p:nvPicPr>
+          <p:cNvPr id="22" name="Picture 21">
+            <a:extLst>
+              <a:ext uri="{FF2B5EF4-FFF2-40B4-BE49-F238E27FC236}">
+                <a16:creationId xmlns:a16="http://schemas.microsoft.com/office/drawing/2014/main" id="{02D2872E-B51A-4894-9D90-B7A9ACD840DC}"/>
+              </a:ext>
+            </a:extLst>
+          </p:cNvPr>
+          <p:cNvPicPr>
+            <a:picLocks noChangeAspect="1"/>
+          </p:cNvPicPr>
+          <p:nvPr/>
+        </p:nvPicPr>
+        <p:blipFill>
+          <a:blip r:embed="rId10"/>
+          <a:stretch>
+            <a:fillRect/>
+          </a:stretch>
+        </p:blipFill>
+        <p:spPr>
+          <a:xfrm>
+            <a:off x="2667895" y="2780906"/>
+            <a:ext cx="2874760" cy="2017914"/>
+          </a:xfrm>
+          <a:prstGeom prst="rect">
+            <a:avLst/>
+          </a:prstGeom>
+          <a:ln>
+            <a:noFill/>
+          </a:ln>
+          <a:effectLst>
+            <a:outerShdw blurRad="190500" algn="tl" rotWithShape="0">
+              <a:srgbClr val="000000">
+                <a:alpha val="70000"/>
+              </a:srgbClr>
+            </a:outerShdw>
+          </a:effectLst>
+        </p:spPr>
+      </p:pic>
+      <p:pic>
+        <p:nvPicPr>
+          <p:cNvPr id="24" name="Picture 23">
+            <a:extLst>
+              <a:ext uri="{FF2B5EF4-FFF2-40B4-BE49-F238E27FC236}">
+                <a16:creationId xmlns:a16="http://schemas.microsoft.com/office/drawing/2014/main" id="{FD9585CA-A313-4DC5-AF7E-29C2E068D8C2}"/>
+              </a:ext>
+            </a:extLst>
+          </p:cNvPr>
+          <p:cNvPicPr>
+            <a:picLocks noChangeAspect="1"/>
+          </p:cNvPicPr>
+          <p:nvPr/>
+        </p:nvPicPr>
+        <p:blipFill>
+          <a:blip r:embed="rId11"/>
+          <a:stretch>
+            <a:fillRect/>
+          </a:stretch>
+        </p:blipFill>
+        <p:spPr>
+          <a:xfrm>
+            <a:off x="5076957" y="2218332"/>
+            <a:ext cx="3799039" cy="2099841"/>
+          </a:xfrm>
+          <a:prstGeom prst="rect">
+            <a:avLst/>
+          </a:prstGeom>
+          <a:ln>
+            <a:noFill/>
+          </a:ln>
+          <a:effectLst>
+            <a:outerShdw blurRad="190500" algn="tl" rotWithShape="0">
+              <a:srgbClr val="000000">
+                <a:alpha val="70000"/>
+              </a:srgbClr>
+            </a:outerShdw>
+          </a:effectLst>
+        </p:spPr>
+      </p:pic>
+      <p:pic>
+        <p:nvPicPr>
+          <p:cNvPr id="26" name="Picture 25">
+            <a:extLst>
+              <a:ext uri="{FF2B5EF4-FFF2-40B4-BE49-F238E27FC236}">
+                <a16:creationId xmlns:a16="http://schemas.microsoft.com/office/drawing/2014/main" id="{EAB2783C-9DFC-49A1-9446-CA99A953486C}"/>
+              </a:ext>
+            </a:extLst>
+          </p:cNvPr>
+          <p:cNvPicPr>
+            <a:picLocks noChangeAspect="1"/>
+          </p:cNvPicPr>
+          <p:nvPr/>
+        </p:nvPicPr>
+        <p:blipFill>
+          <a:blip r:embed="rId12"/>
+          <a:stretch>
+            <a:fillRect/>
+          </a:stretch>
+        </p:blipFill>
+        <p:spPr>
+          <a:xfrm>
+            <a:off x="-25400" y="1235412"/>
+            <a:ext cx="2898463" cy="1447720"/>
+          </a:xfrm>
+          <a:prstGeom prst="rect">
+            <a:avLst/>
+          </a:prstGeom>
+          <a:ln>
+            <a:noFill/>
+          </a:ln>
+          <a:effectLst>
+            <a:outerShdw blurRad="190500" algn="tl" rotWithShape="0">
+              <a:srgbClr val="000000">
+                <a:alpha val="70000"/>
+              </a:srgbClr>
+            </a:outerShdw>
+          </a:effectLst>
+        </p:spPr>
+      </p:pic>
     </p:spTree>
     <p:extLst>
       <p:ext uri="{BB962C8B-B14F-4D97-AF65-F5344CB8AC3E}">
@@ -7123,7 +6706,7 @@
                 <a:latin typeface="Arial" panose="020B0604020202020204" pitchFamily="34" charset="0"/>
                 <a:cs typeface="Arial" panose="020B0604020202020204" pitchFamily="34" charset="0"/>
               </a:rPr>
-              <a:t> Integrated Moving Average.</a:t>
+              <a:t> Integrated Moving Average</a:t>
             </a:r>
             <a:endParaRPr lang="en-US" sz="1000" b="0" i="0" dirty="0">
               <a:solidFill>
@@ -8401,12 +7984,154 @@
           <a:chExt cx="0" cy="0"/>
         </a:xfrm>
       </p:grpSpPr>
+      <p:sp>
+        <p:nvSpPr>
+          <p:cNvPr id="5" name="Title 4">
+            <a:extLst>
+              <a:ext uri="{FF2B5EF4-FFF2-40B4-BE49-F238E27FC236}">
+                <a16:creationId xmlns:a16="http://schemas.microsoft.com/office/drawing/2014/main" id="{D4296CC1-D52C-4736-AB4E-1D2D2C75C616}"/>
+              </a:ext>
+            </a:extLst>
+          </p:cNvPr>
+          <p:cNvSpPr>
+            <a:spLocks noGrp="1"/>
+          </p:cNvSpPr>
+          <p:nvPr>
+            <p:ph type="title"/>
+          </p:nvPr>
+        </p:nvSpPr>
+        <p:spPr/>
+        <p:txBody>
+          <a:bodyPr>
+            <a:normAutofit/>
+          </a:bodyPr>
+          <a:lstStyle/>
+          <a:p>
+            <a:r>
+              <a:rPr lang="en-US" sz="3600" dirty="0"/>
+              <a:t>Merging Stock, Trend, and Tweet Data</a:t>
+            </a:r>
+          </a:p>
+        </p:txBody>
+      </p:sp>
+      <p:sp>
+        <p:nvSpPr>
+          <p:cNvPr id="4" name="Slide Number Placeholder 3"/>
+          <p:cNvSpPr>
+            <a:spLocks noGrp="1"/>
+          </p:cNvSpPr>
+          <p:nvPr>
+            <p:ph type="sldNum" sz="quarter" idx="12"/>
+          </p:nvPr>
+        </p:nvSpPr>
+        <p:spPr/>
+        <p:txBody>
+          <a:bodyPr/>
+          <a:lstStyle/>
+          <a:p>
+            <a:fld id="{106E12CD-FCB1-464E-A775-0B83FDDACE03}" type="slidenum">
+              <a:rPr lang="en-US" smtClean="0"/>
+              <a:pPr/>
+              <a:t>5</a:t>
+            </a:fld>
+            <a:endParaRPr lang="en-US" dirty="0"/>
+          </a:p>
+        </p:txBody>
+      </p:sp>
+      <p:sp>
+        <p:nvSpPr>
+          <p:cNvPr id="3" name="Content Placeholder 2">
+            <a:extLst>
+              <a:ext uri="{FF2B5EF4-FFF2-40B4-BE49-F238E27FC236}">
+                <a16:creationId xmlns:a16="http://schemas.microsoft.com/office/drawing/2014/main" id="{68CB2294-DAA7-4004-8EFD-36F55B70ED9A}"/>
+              </a:ext>
+            </a:extLst>
+          </p:cNvPr>
+          <p:cNvSpPr>
+            <a:spLocks noGrp="1"/>
+          </p:cNvSpPr>
+          <p:nvPr>
+            <p:ph idx="1"/>
+          </p:nvPr>
+        </p:nvSpPr>
+        <p:spPr>
+          <a:xfrm>
+            <a:off x="4611952" y="935535"/>
+            <a:ext cx="3864530" cy="1013671"/>
+          </a:xfrm>
+        </p:spPr>
+        <p:txBody>
+          <a:bodyPr>
+            <a:noAutofit/>
+          </a:bodyPr>
+          <a:lstStyle/>
+          <a:p>
+            <a:r>
+              <a:rPr lang="en-US" sz="1400" dirty="0"/>
+              <a:t>Incoming dates are transformed, or Yearly/Weekly grains added to conform the time frequency to its lowest-time grain across both sources – weekly.</a:t>
+            </a:r>
+          </a:p>
+          <a:p>
+            <a:endParaRPr lang="en-US" sz="1400" dirty="0"/>
+          </a:p>
+        </p:txBody>
+      </p:sp>
+      <p:sp>
+        <p:nvSpPr>
+          <p:cNvPr id="21" name="Speech Bubble: Rectangle 20">
+            <a:extLst>
+              <a:ext uri="{FF2B5EF4-FFF2-40B4-BE49-F238E27FC236}">
+                <a16:creationId xmlns:a16="http://schemas.microsoft.com/office/drawing/2014/main" id="{96DFCE6E-2ECF-437A-A066-11B2FA473E47}"/>
+              </a:ext>
+            </a:extLst>
+          </p:cNvPr>
+          <p:cNvSpPr/>
+          <p:nvPr/>
+        </p:nvSpPr>
+        <p:spPr>
+          <a:xfrm>
+            <a:off x="3290069" y="3571333"/>
+            <a:ext cx="1398258" cy="451934"/>
+          </a:xfrm>
+          <a:prstGeom prst="wedgeRectCallout">
+            <a:avLst>
+              <a:gd name="adj1" fmla="val 19190"/>
+              <a:gd name="adj2" fmla="val 85782"/>
+            </a:avLst>
+          </a:prstGeom>
+        </p:spPr>
+        <p:style>
+          <a:lnRef idx="1">
+            <a:schemeClr val="dk1"/>
+          </a:lnRef>
+          <a:fillRef idx="2">
+            <a:schemeClr val="dk1"/>
+          </a:fillRef>
+          <a:effectRef idx="1">
+            <a:schemeClr val="dk1"/>
+          </a:effectRef>
+          <a:fontRef idx="minor">
+            <a:schemeClr val="dk1"/>
+          </a:fontRef>
+        </p:style>
+        <p:txBody>
+          <a:bodyPr rtlCol="0" anchor="ctr"/>
+          <a:lstStyle/>
+          <a:p>
+            <a:pPr algn="ctr"/>
+            <a:r>
+              <a:rPr lang="en-US" sz="1000" dirty="0"/>
+              <a:t>Stock CSV and Trend CSV data is merged to a single dataset</a:t>
+            </a:r>
+          </a:p>
+        </p:txBody>
+      </p:sp>
       <p:pic>
         <p:nvPicPr>
-          <p:cNvPr id="44" name="Picture 43">
+          <p:cNvPr id="7" name="Picture 6">
             <a:extLst>
               <a:ext uri="{FF2B5EF4-FFF2-40B4-BE49-F238E27FC236}">
-                <a16:creationId xmlns:a16="http://schemas.microsoft.com/office/drawing/2014/main" id="{15C29EC5-B9AA-438C-8607-732024F7D376}"/>
+                <a16:creationId xmlns:a16="http://schemas.microsoft.com/office/drawing/2014/main" id="{DF8BAE08-B392-4E44-A00F-874B510E7DCA}"/>
               </a:ext>
             </a:extLst>
           </p:cNvPr>
@@ -8423,100 +8148,79 @@
         </p:blipFill>
         <p:spPr>
           <a:xfrm>
-            <a:off x="4943762" y="963784"/>
-            <a:ext cx="2904838" cy="1275044"/>
+            <a:off x="294640" y="1063230"/>
+            <a:ext cx="4317312" cy="1749820"/>
           </a:xfrm>
           <a:prstGeom prst="rect">
             <a:avLst/>
           </a:prstGeom>
           <a:ln>
-            <a:solidFill>
-              <a:schemeClr val="tx1">
-                <a:lumMod val="50000"/>
-                <a:lumOff val="50000"/>
-              </a:schemeClr>
-            </a:solidFill>
+            <a:noFill/>
           </a:ln>
           <a:effectLst>
-            <a:outerShdw blurRad="50800" dist="38100" dir="2700000" algn="tl" rotWithShape="0">
-              <a:prstClr val="black">
-                <a:alpha val="40000"/>
-              </a:prstClr>
+            <a:outerShdw blurRad="190500" algn="tl" rotWithShape="0">
+              <a:srgbClr val="000000">
+                <a:alpha val="70000"/>
+              </a:srgbClr>
             </a:outerShdw>
           </a:effectLst>
         </p:spPr>
       </p:pic>
       <p:sp>
         <p:nvSpPr>
-          <p:cNvPr id="2" name="Title 1">
+          <p:cNvPr id="20" name="Speech Bubble: Rectangle 19">
             <a:extLst>
               <a:ext uri="{FF2B5EF4-FFF2-40B4-BE49-F238E27FC236}">
-                <a16:creationId xmlns:a16="http://schemas.microsoft.com/office/drawing/2014/main" id="{E5231849-7978-485C-A8D7-CBC894E507B2}"/>
+                <a16:creationId xmlns:a16="http://schemas.microsoft.com/office/drawing/2014/main" id="{DF67AC7C-1856-41A1-B123-48DF0E93AB70}"/>
               </a:ext>
             </a:extLst>
           </p:cNvPr>
-          <p:cNvSpPr>
-            <a:spLocks noGrp="1"/>
-          </p:cNvSpPr>
-          <p:nvPr>
-            <p:ph type="title"/>
-          </p:nvPr>
-        </p:nvSpPr>
-        <p:spPr/>
-        <p:txBody>
-          <a:bodyPr>
-            <a:normAutofit/>
-          </a:bodyPr>
+          <p:cNvSpPr/>
+          <p:nvPr/>
+        </p:nvSpPr>
+        <p:spPr>
+          <a:xfrm>
+            <a:off x="667518" y="3001935"/>
+            <a:ext cx="1624831" cy="451934"/>
+          </a:xfrm>
+          <a:prstGeom prst="wedgeRectCallout">
+            <a:avLst>
+              <a:gd name="adj1" fmla="val 20392"/>
+              <a:gd name="adj2" fmla="val -95472"/>
+            </a:avLst>
+          </a:prstGeom>
+        </p:spPr>
+        <p:style>
+          <a:lnRef idx="1">
+            <a:schemeClr val="dk1"/>
+          </a:lnRef>
+          <a:fillRef idx="2">
+            <a:schemeClr val="dk1"/>
+          </a:fillRef>
+          <a:effectRef idx="1">
+            <a:schemeClr val="dk1"/>
+          </a:effectRef>
+          <a:fontRef idx="minor">
+            <a:schemeClr val="dk1"/>
+          </a:fontRef>
+        </p:style>
+        <p:txBody>
+          <a:bodyPr rtlCol="0" anchor="ctr"/>
           <a:lstStyle/>
           <a:p>
             <a:r>
-              <a:rPr lang="en-US" sz="3200" dirty="0"/>
-              <a:t>Grooming Data for Top-N</a:t>
-            </a:r>
-          </a:p>
-        </p:txBody>
-      </p:sp>
-      <p:sp>
-        <p:nvSpPr>
-          <p:cNvPr id="7" name="Slide Number Placeholder 6">
+              <a:rPr lang="en-US" sz="1000" dirty="0"/>
+              <a:t>Weekly grain converted to ISO, Monday start of week </a:t>
+            </a:r>
+          </a:p>
+        </p:txBody>
+      </p:sp>
+      <p:pic>
+        <p:nvPicPr>
+          <p:cNvPr id="14" name="Picture 13">
             <a:extLst>
               <a:ext uri="{FF2B5EF4-FFF2-40B4-BE49-F238E27FC236}">
-                <a16:creationId xmlns:a16="http://schemas.microsoft.com/office/drawing/2014/main" id="{0F7BF415-C94B-479F-B943-3DCDD0AC17A7}"/>
-              </a:ext>
-            </a:extLst>
-          </p:cNvPr>
-          <p:cNvSpPr>
-            <a:spLocks noGrp="1"/>
-          </p:cNvSpPr>
-          <p:nvPr>
-            <p:ph type="sldNum" sz="quarter" idx="12"/>
-          </p:nvPr>
-        </p:nvSpPr>
-        <p:spPr>
-          <a:xfrm>
-            <a:off x="8339169" y="4691063"/>
-            <a:ext cx="597573" cy="273844"/>
-          </a:xfrm>
-        </p:spPr>
-        <p:txBody>
-          <a:bodyPr/>
-          <a:lstStyle/>
-          <a:p>
-            <a:fld id="{106E12CD-FCB1-464E-A775-0B83FDDACE03}" type="slidenum">
-              <a:rPr lang="en-US" smtClean="0"/>
-              <a:pPr/>
-              <a:t>5</a:t>
-            </a:fld>
-            <a:endParaRPr lang="en-US"/>
-          </a:p>
-        </p:txBody>
-      </p:sp>
-      <p:pic>
-        <p:nvPicPr>
-          <p:cNvPr id="5" name="Picture 4">
-            <a:extLst>
-              <a:ext uri="{FF2B5EF4-FFF2-40B4-BE49-F238E27FC236}">
-                <a16:creationId xmlns:a16="http://schemas.microsoft.com/office/drawing/2014/main" id="{780C5927-8F78-4F20-8776-2C182CB44982}"/>
+                <a16:creationId xmlns:a16="http://schemas.microsoft.com/office/drawing/2014/main" id="{5976E6D0-7B12-4B64-9BC9-A06643D4541B}"/>
               </a:ext>
             </a:extLst>
           </p:cNvPr>
@@ -8533,27 +8237,74 @@
         </p:blipFill>
         <p:spPr>
           <a:xfrm>
-            <a:off x="426242" y="2525991"/>
-            <a:ext cx="5274007" cy="995357"/>
+            <a:off x="143367" y="4186113"/>
+            <a:ext cx="8559800" cy="390125"/>
           </a:xfrm>
           <a:prstGeom prst="rect">
             <a:avLst/>
           </a:prstGeom>
+          <a:ln>
+            <a:noFill/>
+          </a:ln>
           <a:effectLst>
-            <a:outerShdw blurRad="50800" dist="38100" dir="2700000" algn="tl" rotWithShape="0">
-              <a:prstClr val="black">
-                <a:alpha val="40000"/>
-              </a:prstClr>
+            <a:outerShdw blurRad="190500" algn="tl" rotWithShape="0">
+              <a:srgbClr val="000000">
+                <a:alpha val="70000"/>
+              </a:srgbClr>
             </a:outerShdw>
           </a:effectLst>
         </p:spPr>
       </p:pic>
+      <p:sp>
+        <p:nvSpPr>
+          <p:cNvPr id="11" name="Arrow: Right 10">
+            <a:extLst>
+              <a:ext uri="{FF2B5EF4-FFF2-40B4-BE49-F238E27FC236}">
+                <a16:creationId xmlns:a16="http://schemas.microsoft.com/office/drawing/2014/main" id="{926503CA-C28A-4A58-98EB-4F55454ADEE1}"/>
+              </a:ext>
+            </a:extLst>
+          </p:cNvPr>
+          <p:cNvSpPr/>
+          <p:nvPr/>
+        </p:nvSpPr>
+        <p:spPr>
+          <a:xfrm rot="5400000">
+            <a:off x="1980622" y="3342492"/>
+            <a:ext cx="1352141" cy="293257"/>
+          </a:xfrm>
+          <a:prstGeom prst="rightArrow">
+            <a:avLst/>
+          </a:prstGeom>
+        </p:spPr>
+        <p:style>
+          <a:lnRef idx="1">
+            <a:schemeClr val="accent1"/>
+          </a:lnRef>
+          <a:fillRef idx="3">
+            <a:schemeClr val="accent1"/>
+          </a:fillRef>
+          <a:effectRef idx="2">
+            <a:schemeClr val="accent1"/>
+          </a:effectRef>
+          <a:fontRef idx="minor">
+            <a:schemeClr val="lt1"/>
+          </a:fontRef>
+        </p:style>
+        <p:txBody>
+          <a:bodyPr rtlCol="0" anchor="ctr"/>
+          <a:lstStyle/>
+          <a:p>
+            <a:pPr algn="ctr"/>
+            <a:endParaRPr lang="en-US"/>
+          </a:p>
+        </p:txBody>
+      </p:sp>
       <p:pic>
         <p:nvPicPr>
           <p:cNvPr id="8" name="Picture 7">
             <a:extLst>
               <a:ext uri="{FF2B5EF4-FFF2-40B4-BE49-F238E27FC236}">
-                <a16:creationId xmlns:a16="http://schemas.microsoft.com/office/drawing/2014/main" id="{30903887-A661-46A8-9785-B833D46F3238}"/>
+                <a16:creationId xmlns:a16="http://schemas.microsoft.com/office/drawing/2014/main" id="{CE6732C6-6E01-4536-BCFD-8E0E044E59B1}"/>
               </a:ext>
             </a:extLst>
           </p:cNvPr>
@@ -8570,668 +8321,20 @@
         </p:blipFill>
         <p:spPr>
           <a:xfrm>
-            <a:off x="426243" y="1768048"/>
-            <a:ext cx="5188971" cy="638175"/>
-          </a:xfrm>
-          <a:prstGeom prst="rect">
-            <a:avLst/>
-          </a:prstGeom>
-          <a:effectLst>
-            <a:outerShdw blurRad="50800" dist="38100" dir="2700000" algn="tl" rotWithShape="0">
-              <a:prstClr val="black">
-                <a:alpha val="40000"/>
-              </a:prstClr>
-            </a:outerShdw>
-          </a:effectLst>
-        </p:spPr>
-      </p:pic>
-      <p:pic>
-        <p:nvPicPr>
-          <p:cNvPr id="23" name="Picture 22">
-            <a:extLst>
-              <a:ext uri="{FF2B5EF4-FFF2-40B4-BE49-F238E27FC236}">
-                <a16:creationId xmlns:a16="http://schemas.microsoft.com/office/drawing/2014/main" id="{1F4AD81F-F425-410B-B52B-709DE2B5EE71}"/>
-              </a:ext>
-            </a:extLst>
-          </p:cNvPr>
-          <p:cNvPicPr>
-            <a:picLocks noChangeAspect="1"/>
-          </p:cNvPicPr>
-          <p:nvPr/>
-        </p:nvPicPr>
-        <p:blipFill>
-          <a:blip r:embed="rId5"/>
-          <a:stretch>
-            <a:fillRect/>
-          </a:stretch>
-        </p:blipFill>
-        <p:spPr>
-          <a:xfrm>
-            <a:off x="5184055" y="1595167"/>
-            <a:ext cx="2749387" cy="946433"/>
+            <a:off x="4901591" y="1906558"/>
+            <a:ext cx="3680050" cy="2116709"/>
           </a:xfrm>
           <a:prstGeom prst="rect">
             <a:avLst/>
           </a:prstGeom>
           <a:ln>
-            <a:solidFill>
-              <a:schemeClr val="tx1">
-                <a:lumMod val="50000"/>
-                <a:lumOff val="50000"/>
-              </a:schemeClr>
-            </a:solidFill>
+            <a:noFill/>
           </a:ln>
           <a:effectLst>
-            <a:outerShdw blurRad="50800" dist="38100" dir="2700000" algn="tl" rotWithShape="0">
-              <a:prstClr val="black">
-                <a:alpha val="40000"/>
-              </a:prstClr>
-            </a:outerShdw>
-          </a:effectLst>
-        </p:spPr>
-      </p:pic>
-      <p:pic>
-        <p:nvPicPr>
-          <p:cNvPr id="24" name="Picture 23">
-            <a:extLst>
-              <a:ext uri="{FF2B5EF4-FFF2-40B4-BE49-F238E27FC236}">
-                <a16:creationId xmlns:a16="http://schemas.microsoft.com/office/drawing/2014/main" id="{A76296D9-AC35-4A3C-8A12-8EEE41AC3C95}"/>
-              </a:ext>
-            </a:extLst>
-          </p:cNvPr>
-          <p:cNvPicPr>
-            <a:picLocks noChangeAspect="1"/>
-          </p:cNvPicPr>
-          <p:nvPr/>
-        </p:nvPicPr>
-        <p:blipFill>
-          <a:blip r:embed="rId6"/>
-          <a:stretch>
-            <a:fillRect/>
-          </a:stretch>
-        </p:blipFill>
-        <p:spPr>
-          <a:xfrm>
-            <a:off x="5589782" y="2427721"/>
-            <a:ext cx="2749387" cy="1030401"/>
-          </a:xfrm>
-          <a:prstGeom prst="rect">
-            <a:avLst/>
-          </a:prstGeom>
-          <a:ln>
-            <a:solidFill>
-              <a:schemeClr val="tx1">
-                <a:lumMod val="50000"/>
-                <a:lumOff val="50000"/>
-              </a:schemeClr>
-            </a:solidFill>
-          </a:ln>
-          <a:effectLst>
-            <a:outerShdw blurRad="50800" dist="38100" dir="2700000" algn="tl" rotWithShape="0">
-              <a:prstClr val="black">
-                <a:alpha val="40000"/>
-              </a:prstClr>
-            </a:outerShdw>
-          </a:effectLst>
-        </p:spPr>
-      </p:pic>
-      <p:pic>
-        <p:nvPicPr>
-          <p:cNvPr id="26" name="Picture 25">
-            <a:extLst>
-              <a:ext uri="{FF2B5EF4-FFF2-40B4-BE49-F238E27FC236}">
-                <a16:creationId xmlns:a16="http://schemas.microsoft.com/office/drawing/2014/main" id="{12BBA8BD-90CD-4E40-8311-97A6AE7F2E7D}"/>
-              </a:ext>
-            </a:extLst>
-          </p:cNvPr>
-          <p:cNvPicPr>
-            <a:picLocks noChangeAspect="1"/>
-          </p:cNvPicPr>
-          <p:nvPr/>
-        </p:nvPicPr>
-        <p:blipFill>
-          <a:blip r:embed="rId7"/>
-          <a:stretch>
-            <a:fillRect/>
-          </a:stretch>
-        </p:blipFill>
-        <p:spPr>
-          <a:xfrm>
-            <a:off x="424225" y="3652501"/>
-            <a:ext cx="5353050" cy="638175"/>
-          </a:xfrm>
-          <a:prstGeom prst="rect">
-            <a:avLst/>
-          </a:prstGeom>
-        </p:spPr>
-      </p:pic>
-      <p:pic>
-        <p:nvPicPr>
-          <p:cNvPr id="27" name="Picture 26">
-            <a:extLst>
-              <a:ext uri="{FF2B5EF4-FFF2-40B4-BE49-F238E27FC236}">
-                <a16:creationId xmlns:a16="http://schemas.microsoft.com/office/drawing/2014/main" id="{6EA4C713-ADF7-4BBD-AD51-1DE806EC76DF}"/>
-              </a:ext>
-            </a:extLst>
-          </p:cNvPr>
-          <p:cNvPicPr>
-            <a:picLocks noChangeAspect="1"/>
-          </p:cNvPicPr>
-          <p:nvPr/>
-        </p:nvPicPr>
-        <p:blipFill>
-          <a:blip r:embed="rId8"/>
-          <a:stretch>
-            <a:fillRect/>
-          </a:stretch>
-        </p:blipFill>
-        <p:spPr>
-          <a:xfrm>
-            <a:off x="5888568" y="3286489"/>
-            <a:ext cx="2749387" cy="981924"/>
-          </a:xfrm>
-          <a:prstGeom prst="rect">
-            <a:avLst/>
-          </a:prstGeom>
-          <a:ln>
-            <a:solidFill>
-              <a:schemeClr val="tx1">
-                <a:lumMod val="50000"/>
-                <a:lumOff val="50000"/>
-              </a:schemeClr>
-            </a:solidFill>
-          </a:ln>
-          <a:effectLst>
-            <a:outerShdw blurRad="50800" dist="38100" dir="2700000" algn="tl" rotWithShape="0">
-              <a:prstClr val="black">
-                <a:alpha val="40000"/>
-              </a:prstClr>
-            </a:outerShdw>
-          </a:effectLst>
-        </p:spPr>
-      </p:pic>
-      <p:cxnSp>
-        <p:nvCxnSpPr>
-          <p:cNvPr id="29" name="Straight Arrow Connector 28">
-            <a:extLst>
-              <a:ext uri="{FF2B5EF4-FFF2-40B4-BE49-F238E27FC236}">
-                <a16:creationId xmlns:a16="http://schemas.microsoft.com/office/drawing/2014/main" id="{C99E3DEC-A816-4630-886B-0DAAD694BAFF}"/>
-              </a:ext>
-            </a:extLst>
-          </p:cNvPr>
-          <p:cNvCxnSpPr>
-            <a:cxnSpLocks/>
-          </p:cNvCxnSpPr>
-          <p:nvPr/>
-        </p:nvCxnSpPr>
-        <p:spPr>
-          <a:xfrm>
-            <a:off x="5285944" y="4145964"/>
-            <a:ext cx="906462" cy="0"/>
-          </a:xfrm>
-          <a:prstGeom prst="straightConnector1">
-            <a:avLst/>
-          </a:prstGeom>
-          <a:ln w="57150">
-            <a:solidFill>
-              <a:srgbClr val="FF0000"/>
-            </a:solidFill>
-            <a:tailEnd type="triangle"/>
-          </a:ln>
-          <a:effectLst>
-            <a:outerShdw blurRad="50800" dist="38100" dir="2700000" algn="tl" rotWithShape="0">
-              <a:prstClr val="black">
-                <a:alpha val="40000"/>
-              </a:prstClr>
-            </a:outerShdw>
-          </a:effectLst>
-        </p:spPr>
-        <p:style>
-          <a:lnRef idx="1">
-            <a:schemeClr val="accent1"/>
-          </a:lnRef>
-          <a:fillRef idx="0">
-            <a:schemeClr val="accent1"/>
-          </a:fillRef>
-          <a:effectRef idx="0">
-            <a:schemeClr val="accent1"/>
-          </a:effectRef>
-          <a:fontRef idx="minor">
-            <a:schemeClr val="tx1"/>
-          </a:fontRef>
-        </p:style>
-      </p:cxnSp>
-      <p:cxnSp>
-        <p:nvCxnSpPr>
-          <p:cNvPr id="31" name="Straight Arrow Connector 30">
-            <a:extLst>
-              <a:ext uri="{FF2B5EF4-FFF2-40B4-BE49-F238E27FC236}">
-                <a16:creationId xmlns:a16="http://schemas.microsoft.com/office/drawing/2014/main" id="{DA4709B5-FF6E-43FF-A68B-7A0AEF0B5FF1}"/>
-              </a:ext>
-            </a:extLst>
-          </p:cNvPr>
-          <p:cNvCxnSpPr>
-            <a:cxnSpLocks/>
-          </p:cNvCxnSpPr>
-          <p:nvPr/>
-        </p:nvCxnSpPr>
-        <p:spPr>
-          <a:xfrm>
-            <a:off x="5310188" y="3117264"/>
-            <a:ext cx="363266" cy="0"/>
-          </a:xfrm>
-          <a:prstGeom prst="straightConnector1">
-            <a:avLst/>
-          </a:prstGeom>
-          <a:ln w="57150">
-            <a:solidFill>
-              <a:srgbClr val="FF0000"/>
-            </a:solidFill>
-            <a:tailEnd type="triangle"/>
-          </a:ln>
-          <a:effectLst>
-            <a:outerShdw blurRad="50800" dist="38100" dir="2700000" algn="tl" rotWithShape="0">
-              <a:prstClr val="black">
-                <a:alpha val="40000"/>
-              </a:prstClr>
-            </a:outerShdw>
-          </a:effectLst>
-        </p:spPr>
-        <p:style>
-          <a:lnRef idx="1">
-            <a:schemeClr val="accent1"/>
-          </a:lnRef>
-          <a:fillRef idx="0">
-            <a:schemeClr val="accent1"/>
-          </a:fillRef>
-          <a:effectRef idx="0">
-            <a:schemeClr val="accent1"/>
-          </a:effectRef>
-          <a:fontRef idx="minor">
-            <a:schemeClr val="tx1"/>
-          </a:fontRef>
-        </p:style>
-      </p:cxnSp>
-      <p:cxnSp>
-        <p:nvCxnSpPr>
-          <p:cNvPr id="33" name="Straight Arrow Connector 32">
-            <a:extLst>
-              <a:ext uri="{FF2B5EF4-FFF2-40B4-BE49-F238E27FC236}">
-                <a16:creationId xmlns:a16="http://schemas.microsoft.com/office/drawing/2014/main" id="{F37282DC-E360-4923-B3CE-D1005A8E8CF2}"/>
-              </a:ext>
-            </a:extLst>
-          </p:cNvPr>
-          <p:cNvCxnSpPr>
-            <a:cxnSpLocks/>
-          </p:cNvCxnSpPr>
-          <p:nvPr/>
-        </p:nvCxnSpPr>
-        <p:spPr>
-          <a:xfrm>
-            <a:off x="5002422" y="2202864"/>
-            <a:ext cx="363266" cy="0"/>
-          </a:xfrm>
-          <a:prstGeom prst="straightConnector1">
-            <a:avLst/>
-          </a:prstGeom>
-          <a:ln w="57150">
-            <a:solidFill>
-              <a:srgbClr val="FF0000"/>
-            </a:solidFill>
-            <a:tailEnd type="triangle"/>
-          </a:ln>
-          <a:effectLst>
-            <a:outerShdw blurRad="50800" dist="38100" dir="2700000" algn="tl" rotWithShape="0">
-              <a:prstClr val="black">
-                <a:alpha val="40000"/>
-              </a:prstClr>
-            </a:outerShdw>
-          </a:effectLst>
-        </p:spPr>
-        <p:style>
-          <a:lnRef idx="1">
-            <a:schemeClr val="accent1"/>
-          </a:lnRef>
-          <a:fillRef idx="0">
-            <a:schemeClr val="accent1"/>
-          </a:fillRef>
-          <a:effectRef idx="0">
-            <a:schemeClr val="accent1"/>
-          </a:effectRef>
-          <a:fontRef idx="minor">
-            <a:schemeClr val="tx1"/>
-          </a:fontRef>
-        </p:style>
-      </p:cxnSp>
-      <p:pic>
-        <p:nvPicPr>
-          <p:cNvPr id="34" name="Picture 33">
-            <a:extLst>
-              <a:ext uri="{FF2B5EF4-FFF2-40B4-BE49-F238E27FC236}">
-                <a16:creationId xmlns:a16="http://schemas.microsoft.com/office/drawing/2014/main" id="{CB9C9D54-D6E5-45E2-BFAE-069D9AFCF3D0}"/>
-              </a:ext>
-            </a:extLst>
-          </p:cNvPr>
-          <p:cNvPicPr>
-            <a:picLocks noChangeAspect="1"/>
-          </p:cNvPicPr>
-          <p:nvPr/>
-        </p:nvPicPr>
-        <p:blipFill>
-          <a:blip r:embed="rId9"/>
-          <a:stretch>
-            <a:fillRect/>
-          </a:stretch>
-        </p:blipFill>
-        <p:spPr>
-          <a:xfrm>
-            <a:off x="426243" y="1404159"/>
-            <a:ext cx="4429125" cy="266700"/>
-          </a:xfrm>
-          <a:prstGeom prst="rect">
-            <a:avLst/>
-          </a:prstGeom>
-          <a:effectLst>
-            <a:outerShdw blurRad="50800" dist="38100" dir="2700000" algn="tl" rotWithShape="0">
-              <a:prstClr val="black">
-                <a:alpha val="40000"/>
-              </a:prstClr>
-            </a:outerShdw>
-          </a:effectLst>
-        </p:spPr>
-      </p:pic>
-      <p:cxnSp>
-        <p:nvCxnSpPr>
-          <p:cNvPr id="38" name="Straight Arrow Connector 37">
-            <a:extLst>
-              <a:ext uri="{FF2B5EF4-FFF2-40B4-BE49-F238E27FC236}">
-                <a16:creationId xmlns:a16="http://schemas.microsoft.com/office/drawing/2014/main" id="{333F9828-A598-4696-BC81-F268E267440B}"/>
-              </a:ext>
-            </a:extLst>
-          </p:cNvPr>
-          <p:cNvCxnSpPr>
-            <a:cxnSpLocks/>
-          </p:cNvCxnSpPr>
-          <p:nvPr/>
-        </p:nvCxnSpPr>
-        <p:spPr>
-          <a:xfrm flipH="1">
-            <a:off x="3327400" y="4139302"/>
-            <a:ext cx="470912" cy="0"/>
-          </a:xfrm>
-          <a:prstGeom prst="straightConnector1">
-            <a:avLst/>
-          </a:prstGeom>
-          <a:ln w="57150">
-            <a:solidFill>
-              <a:srgbClr val="FF0000"/>
-            </a:solidFill>
-            <a:tailEnd type="triangle"/>
-          </a:ln>
-          <a:effectLst>
-            <a:outerShdw blurRad="50800" dist="38100" dir="2700000" algn="tl" rotWithShape="0">
-              <a:prstClr val="black">
-                <a:alpha val="40000"/>
-              </a:prstClr>
-            </a:outerShdw>
-          </a:effectLst>
-        </p:spPr>
-        <p:style>
-          <a:lnRef idx="1">
-            <a:schemeClr val="accent1"/>
-          </a:lnRef>
-          <a:fillRef idx="0">
-            <a:schemeClr val="accent1"/>
-          </a:fillRef>
-          <a:effectRef idx="0">
-            <a:schemeClr val="accent1"/>
-          </a:effectRef>
-          <a:fontRef idx="minor">
-            <a:schemeClr val="tx1"/>
-          </a:fontRef>
-        </p:style>
-      </p:cxnSp>
-      <p:pic>
-        <p:nvPicPr>
-          <p:cNvPr id="28" name="Picture 27">
-            <a:extLst>
-              <a:ext uri="{FF2B5EF4-FFF2-40B4-BE49-F238E27FC236}">
-                <a16:creationId xmlns:a16="http://schemas.microsoft.com/office/drawing/2014/main" id="{5816CAAC-4693-4A23-8ACB-4FB1EECFC56F}"/>
-              </a:ext>
-            </a:extLst>
-          </p:cNvPr>
-          <p:cNvPicPr>
-            <a:picLocks noChangeAspect="1"/>
-          </p:cNvPicPr>
-          <p:nvPr/>
-        </p:nvPicPr>
-        <p:blipFill>
-          <a:blip r:embed="rId10"/>
-          <a:stretch>
-            <a:fillRect/>
-          </a:stretch>
-        </p:blipFill>
-        <p:spPr>
-          <a:xfrm>
-            <a:off x="3798312" y="4070038"/>
-            <a:ext cx="1547376" cy="324572"/>
-          </a:xfrm>
-          <a:prstGeom prst="rect">
-            <a:avLst/>
-          </a:prstGeom>
-          <a:ln>
-            <a:solidFill>
-              <a:schemeClr val="tx1">
-                <a:lumMod val="50000"/>
-                <a:lumOff val="50000"/>
-              </a:schemeClr>
-            </a:solidFill>
-          </a:ln>
-          <a:effectLst>
-            <a:outerShdw blurRad="50800" dist="38100" dir="2700000" algn="tl" rotWithShape="0">
-              <a:prstClr val="black">
-                <a:alpha val="40000"/>
-              </a:prstClr>
-            </a:outerShdw>
-          </a:effectLst>
-        </p:spPr>
-      </p:pic>
-      <p:cxnSp>
-        <p:nvCxnSpPr>
-          <p:cNvPr id="45" name="Straight Arrow Connector 44">
-            <a:extLst>
-              <a:ext uri="{FF2B5EF4-FFF2-40B4-BE49-F238E27FC236}">
-                <a16:creationId xmlns:a16="http://schemas.microsoft.com/office/drawing/2014/main" id="{DE9BB909-3949-4513-BD55-6F6EFDCE7027}"/>
-              </a:ext>
-            </a:extLst>
-          </p:cNvPr>
-          <p:cNvCxnSpPr>
-            <a:cxnSpLocks/>
-          </p:cNvCxnSpPr>
-          <p:nvPr/>
-        </p:nvCxnSpPr>
-        <p:spPr>
-          <a:xfrm>
-            <a:off x="4743450" y="1498014"/>
-            <a:ext cx="440605" cy="0"/>
-          </a:xfrm>
-          <a:prstGeom prst="straightConnector1">
-            <a:avLst/>
-          </a:prstGeom>
-          <a:ln w="57150">
-            <a:solidFill>
-              <a:srgbClr val="FF0000"/>
-            </a:solidFill>
-            <a:tailEnd type="triangle"/>
-          </a:ln>
-          <a:effectLst>
-            <a:outerShdw blurRad="50800" dist="38100" dir="2700000" algn="tl" rotWithShape="0">
-              <a:prstClr val="black">
-                <a:alpha val="40000"/>
-              </a:prstClr>
-            </a:outerShdw>
-          </a:effectLst>
-        </p:spPr>
-        <p:style>
-          <a:lnRef idx="1">
-            <a:schemeClr val="accent1"/>
-          </a:lnRef>
-          <a:fillRef idx="0">
-            <a:schemeClr val="accent1"/>
-          </a:fillRef>
-          <a:effectRef idx="0">
-            <a:schemeClr val="accent1"/>
-          </a:effectRef>
-          <a:fontRef idx="minor">
-            <a:schemeClr val="tx1"/>
-          </a:fontRef>
-        </p:style>
-      </p:cxnSp>
-      <p:pic>
-        <p:nvPicPr>
-          <p:cNvPr id="49" name="Picture 48">
-            <a:extLst>
-              <a:ext uri="{FF2B5EF4-FFF2-40B4-BE49-F238E27FC236}">
-                <a16:creationId xmlns:a16="http://schemas.microsoft.com/office/drawing/2014/main" id="{5D50524E-728D-43A5-A97E-9771637ACC58}"/>
-              </a:ext>
-            </a:extLst>
-          </p:cNvPr>
-          <p:cNvPicPr>
-            <a:picLocks noChangeAspect="1"/>
-          </p:cNvPicPr>
-          <p:nvPr/>
-        </p:nvPicPr>
-        <p:blipFill>
-          <a:blip r:embed="rId11"/>
-          <a:stretch>
-            <a:fillRect/>
-          </a:stretch>
-        </p:blipFill>
-        <p:spPr>
-          <a:xfrm>
-            <a:off x="2050310" y="1047752"/>
-            <a:ext cx="2823044" cy="272399"/>
-          </a:xfrm>
-          <a:prstGeom prst="rect">
-            <a:avLst/>
-          </a:prstGeom>
-          <a:effectLst>
-            <a:outerShdw blurRad="50800" dist="38100" dir="2700000" algn="tl" rotWithShape="0">
-              <a:prstClr val="black">
-                <a:alpha val="40000"/>
-              </a:prstClr>
-            </a:outerShdw>
-          </a:effectLst>
-        </p:spPr>
-      </p:pic>
-      <p:pic>
-        <p:nvPicPr>
-          <p:cNvPr id="50" name="Picture 49">
-            <a:extLst>
-              <a:ext uri="{FF2B5EF4-FFF2-40B4-BE49-F238E27FC236}">
-                <a16:creationId xmlns:a16="http://schemas.microsoft.com/office/drawing/2014/main" id="{CE624DF2-7A5B-4DD4-B800-C14C2264EFD3}"/>
-              </a:ext>
-            </a:extLst>
-          </p:cNvPr>
-          <p:cNvPicPr>
-            <a:picLocks noChangeAspect="1"/>
-          </p:cNvPicPr>
-          <p:nvPr/>
-        </p:nvPicPr>
-        <p:blipFill>
-          <a:blip r:embed="rId12"/>
-          <a:stretch>
-            <a:fillRect/>
-          </a:stretch>
-        </p:blipFill>
-        <p:spPr>
-          <a:xfrm>
-            <a:off x="431800" y="373919"/>
-            <a:ext cx="1478758" cy="927182"/>
-          </a:xfrm>
-          <a:prstGeom prst="rect">
-            <a:avLst/>
-          </a:prstGeom>
-          <a:effectLst>
-            <a:outerShdw blurRad="50800" dist="38100" dir="2700000" algn="tl" rotWithShape="0">
-              <a:prstClr val="black">
-                <a:alpha val="40000"/>
-              </a:prstClr>
-            </a:outerShdw>
-          </a:effectLst>
-        </p:spPr>
-      </p:pic>
-      <p:pic>
-        <p:nvPicPr>
-          <p:cNvPr id="52" name="Picture 51">
-            <a:extLst>
-              <a:ext uri="{FF2B5EF4-FFF2-40B4-BE49-F238E27FC236}">
-                <a16:creationId xmlns:a16="http://schemas.microsoft.com/office/drawing/2014/main" id="{0D3DC88A-ED12-4E9D-94F2-CB98F7CA5AC3}"/>
-              </a:ext>
-            </a:extLst>
-          </p:cNvPr>
-          <p:cNvPicPr>
-            <a:picLocks noChangeAspect="1"/>
-          </p:cNvPicPr>
-          <p:nvPr/>
-        </p:nvPicPr>
-        <p:blipFill>
-          <a:blip r:embed="rId13"/>
-          <a:stretch>
-            <a:fillRect/>
-          </a:stretch>
-        </p:blipFill>
-        <p:spPr>
-          <a:xfrm>
-            <a:off x="2897344" y="3095902"/>
-            <a:ext cx="1128976" cy="273691"/>
-          </a:xfrm>
-          <a:prstGeom prst="rect">
-            <a:avLst/>
-          </a:prstGeom>
-        </p:spPr>
-      </p:pic>
-      <p:pic>
-        <p:nvPicPr>
-          <p:cNvPr id="57" name="Picture 56">
-            <a:extLst>
-              <a:ext uri="{FF2B5EF4-FFF2-40B4-BE49-F238E27FC236}">
-                <a16:creationId xmlns:a16="http://schemas.microsoft.com/office/drawing/2014/main" id="{AD7060B8-5745-44CD-B96D-67E414CA24A0}"/>
-              </a:ext>
-            </a:extLst>
-          </p:cNvPr>
-          <p:cNvPicPr>
-            <a:picLocks noChangeAspect="1"/>
-          </p:cNvPicPr>
-          <p:nvPr/>
-        </p:nvPicPr>
-        <p:blipFill>
-          <a:blip r:embed="rId14"/>
-          <a:stretch>
-            <a:fillRect/>
-          </a:stretch>
-        </p:blipFill>
-        <p:spPr>
-          <a:xfrm>
-            <a:off x="6708934" y="4139302"/>
-            <a:ext cx="1888715" cy="551760"/>
-          </a:xfrm>
-          <a:prstGeom prst="rect">
-            <a:avLst/>
-          </a:prstGeom>
-          <a:ln>
-            <a:solidFill>
-              <a:schemeClr val="tx1">
-                <a:lumMod val="50000"/>
-                <a:lumOff val="50000"/>
-              </a:schemeClr>
-            </a:solidFill>
-          </a:ln>
-          <a:effectLst>
-            <a:outerShdw blurRad="50800" dist="38100" dir="2700000" algn="tl" rotWithShape="0">
-              <a:prstClr val="black">
-                <a:alpha val="40000"/>
-              </a:prstClr>
+            <a:outerShdw blurRad="190500" algn="tl" rotWithShape="0">
+              <a:srgbClr val="000000">
+                <a:alpha val="70000"/>
+              </a:srgbClr>
             </a:outerShdw>
           </a:effectLst>
         </p:spPr>
@@ -9239,7 +8342,7 @@
     </p:spTree>
     <p:extLst>
       <p:ext uri="{BB962C8B-B14F-4D97-AF65-F5344CB8AC3E}">
-        <p14:creationId xmlns:p14="http://schemas.microsoft.com/office/powerpoint/2010/main" val="3372747598"/>
+        <p14:creationId xmlns:p14="http://schemas.microsoft.com/office/powerpoint/2010/main" val="3322100970"/>
       </p:ext>
     </p:extLst>
   </p:cSld>
@@ -9268,93 +8371,35 @@
       </p:grpSpPr>
       <p:sp>
         <p:nvSpPr>
-          <p:cNvPr id="11" name="Rectangle 10">
+          <p:cNvPr id="5" name="Title 4">
             <a:extLst>
               <a:ext uri="{FF2B5EF4-FFF2-40B4-BE49-F238E27FC236}">
-                <a16:creationId xmlns:a16="http://schemas.microsoft.com/office/drawing/2014/main" id="{AD2BAF41-BDCB-44A9-A225-755B75B6BBA8}"/>
+                <a16:creationId xmlns:a16="http://schemas.microsoft.com/office/drawing/2014/main" id="{D4296CC1-D52C-4736-AB4E-1D2D2C75C616}"/>
               </a:ext>
             </a:extLst>
           </p:cNvPr>
-          <p:cNvSpPr/>
-          <p:nvPr/>
-        </p:nvSpPr>
-        <p:spPr>
-          <a:xfrm>
-            <a:off x="228600" y="906446"/>
-            <a:ext cx="2647950" cy="2046773"/>
-          </a:xfrm>
-          <a:prstGeom prst="rect">
-            <a:avLst/>
-          </a:prstGeom>
-          <a:noFill/>
-          <a:ln>
-            <a:solidFill>
-              <a:schemeClr val="accent2"/>
-            </a:solidFill>
-          </a:ln>
-        </p:spPr>
-        <p:style>
-          <a:lnRef idx="1">
-            <a:schemeClr val="accent1"/>
-          </a:lnRef>
-          <a:fillRef idx="3">
-            <a:schemeClr val="accent1"/>
-          </a:fillRef>
-          <a:effectRef idx="2">
-            <a:schemeClr val="accent1"/>
-          </a:effectRef>
-          <a:fontRef idx="minor">
-            <a:schemeClr val="lt1"/>
-          </a:fontRef>
-        </p:style>
-        <p:txBody>
-          <a:bodyPr rtlCol="0" anchor="ctr"/>
+          <p:cNvSpPr>
+            <a:spLocks noGrp="1"/>
+          </p:cNvSpPr>
+          <p:nvPr>
+            <p:ph type="title"/>
+          </p:nvPr>
+        </p:nvSpPr>
+        <p:spPr/>
+        <p:txBody>
+          <a:bodyPr/>
           <a:lstStyle/>
           <a:p>
-            <a:pPr algn="ctr"/>
-            <a:endParaRPr lang="en-US"/>
-          </a:p>
-        </p:txBody>
-      </p:sp>
-      <p:pic>
-        <p:nvPicPr>
-          <p:cNvPr id="61" name="Picture 60">
-            <a:extLst>
-              <a:ext uri="{FF2B5EF4-FFF2-40B4-BE49-F238E27FC236}">
-                <a16:creationId xmlns:a16="http://schemas.microsoft.com/office/drawing/2014/main" id="{1F98FF02-1228-4271-BA6E-FFE6BC70DDD1}"/>
-              </a:ext>
-            </a:extLst>
-          </p:cNvPr>
-          <p:cNvPicPr>
-            <a:picLocks noChangeAspect="1"/>
-          </p:cNvPicPr>
-          <p:nvPr/>
-        </p:nvPicPr>
-        <p:blipFill>
-          <a:blip r:embed="rId2"/>
-          <a:stretch>
-            <a:fillRect/>
-          </a:stretch>
-        </p:blipFill>
-        <p:spPr>
-          <a:xfrm>
-            <a:off x="1896021" y="2953219"/>
-            <a:ext cx="1368990" cy="846285"/>
-          </a:xfrm>
-          <a:prstGeom prst="rect">
-            <a:avLst/>
-          </a:prstGeom>
-        </p:spPr>
-      </p:pic>
-      <p:sp>
-        <p:nvSpPr>
-          <p:cNvPr id="7" name="Slide Number Placeholder 6">
-            <a:extLst>
-              <a:ext uri="{FF2B5EF4-FFF2-40B4-BE49-F238E27FC236}">
-                <a16:creationId xmlns:a16="http://schemas.microsoft.com/office/drawing/2014/main" id="{0F7BF415-C94B-479F-B943-3DCDD0AC17A7}"/>
-              </a:ext>
-            </a:extLst>
-          </p:cNvPr>
+            <a:r>
+              <a:rPr lang="en-US" dirty="0"/>
+              <a:t>Potential Next Steps</a:t>
+            </a:r>
+          </a:p>
+        </p:txBody>
+      </p:sp>
+      <p:sp>
+        <p:nvSpPr>
+          <p:cNvPr id="4" name="Slide Number Placeholder 3"/>
           <p:cNvSpPr>
             <a:spLocks noGrp="1"/>
           </p:cNvSpPr>
@@ -9362,12 +8407,7 @@
             <p:ph type="sldNum" sz="quarter" idx="12"/>
           </p:nvPr>
         </p:nvSpPr>
-        <p:spPr>
-          <a:xfrm>
-            <a:off x="8339169" y="4691063"/>
-            <a:ext cx="597573" cy="273844"/>
-          </a:xfrm>
-        </p:spPr>
+        <p:spPr/>
         <p:txBody>
           <a:bodyPr/>
           <a:lstStyle/>
@@ -9377,765 +8417,24 @@
               <a:pPr/>
               <a:t>6</a:t>
             </a:fld>
-            <a:endParaRPr lang="en-US"/>
-          </a:p>
-        </p:txBody>
-      </p:sp>
-      <p:pic>
-        <p:nvPicPr>
-          <p:cNvPr id="25" name="Picture 24">
+            <a:endParaRPr lang="en-US" dirty="0"/>
+          </a:p>
+        </p:txBody>
+      </p:sp>
+      <p:sp>
+        <p:nvSpPr>
+          <p:cNvPr id="7" name="Content Placeholder 6">
             <a:extLst>
               <a:ext uri="{FF2B5EF4-FFF2-40B4-BE49-F238E27FC236}">
-                <a16:creationId xmlns:a16="http://schemas.microsoft.com/office/drawing/2014/main" id="{DC1D568F-EB22-4435-862F-5B0E9D92B85D}"/>
+                <a16:creationId xmlns:a16="http://schemas.microsoft.com/office/drawing/2014/main" id="{B7837073-5C1D-46BB-A1F0-03E5003E8F35}"/>
               </a:ext>
             </a:extLst>
           </p:cNvPr>
-          <p:cNvPicPr>
-            <a:picLocks noChangeAspect="1"/>
-          </p:cNvPicPr>
-          <p:nvPr/>
-        </p:nvPicPr>
-        <p:blipFill>
-          <a:blip r:embed="rId3"/>
-          <a:stretch>
-            <a:fillRect/>
-          </a:stretch>
-        </p:blipFill>
-        <p:spPr>
-          <a:xfrm>
-            <a:off x="7766665" y="241322"/>
-            <a:ext cx="1085850" cy="517673"/>
-          </a:xfrm>
-          <a:prstGeom prst="rect">
-            <a:avLst/>
-          </a:prstGeom>
-          <a:effectLst>
-            <a:outerShdw blurRad="50800" dist="38100" dir="2700000" algn="tl" rotWithShape="0">
-              <a:prstClr val="black">
-                <a:alpha val="40000"/>
-              </a:prstClr>
-            </a:outerShdw>
-          </a:effectLst>
-        </p:spPr>
-      </p:pic>
-      <p:pic>
-        <p:nvPicPr>
-          <p:cNvPr id="36" name="Picture 35">
-            <a:extLst>
-              <a:ext uri="{FF2B5EF4-FFF2-40B4-BE49-F238E27FC236}">
-                <a16:creationId xmlns:a16="http://schemas.microsoft.com/office/drawing/2014/main" id="{73ECD9DD-1D3B-4905-BBBC-88E0EF7A5003}"/>
-              </a:ext>
-            </a:extLst>
-          </p:cNvPr>
-          <p:cNvPicPr>
-            <a:picLocks noChangeAspect="1"/>
-          </p:cNvPicPr>
-          <p:nvPr/>
-        </p:nvPicPr>
-        <p:blipFill>
-          <a:blip r:embed="rId4"/>
-          <a:stretch>
-            <a:fillRect/>
-          </a:stretch>
-        </p:blipFill>
-        <p:spPr>
-          <a:xfrm>
-            <a:off x="2927350" y="906446"/>
-            <a:ext cx="3426038" cy="2148126"/>
-          </a:xfrm>
-          <a:prstGeom prst="rect">
-            <a:avLst/>
-          </a:prstGeom>
-          <a:effectLst>
-            <a:outerShdw blurRad="50800" dist="38100" dir="2700000" algn="tl" rotWithShape="0">
-              <a:prstClr val="black">
-                <a:alpha val="40000"/>
-              </a:prstClr>
-            </a:outerShdw>
-          </a:effectLst>
-        </p:spPr>
-      </p:pic>
-      <p:pic>
-        <p:nvPicPr>
-          <p:cNvPr id="40" name="Picture 39">
-            <a:extLst>
-              <a:ext uri="{FF2B5EF4-FFF2-40B4-BE49-F238E27FC236}">
-                <a16:creationId xmlns:a16="http://schemas.microsoft.com/office/drawing/2014/main" id="{97E5969F-1957-4ACD-A43B-6427A5944248}"/>
-              </a:ext>
-            </a:extLst>
-          </p:cNvPr>
-          <p:cNvPicPr>
-            <a:picLocks noChangeAspect="1"/>
-          </p:cNvPicPr>
-          <p:nvPr/>
-        </p:nvPicPr>
-        <p:blipFill>
-          <a:blip r:embed="rId5"/>
-          <a:stretch>
-            <a:fillRect/>
-          </a:stretch>
-        </p:blipFill>
-        <p:spPr>
-          <a:xfrm>
-            <a:off x="5959223" y="1168050"/>
-            <a:ext cx="2749387" cy="981924"/>
-          </a:xfrm>
-          <a:prstGeom prst="rect">
-            <a:avLst/>
-          </a:prstGeom>
-          <a:ln>
-            <a:solidFill>
-              <a:schemeClr val="tx1">
-                <a:lumMod val="50000"/>
-                <a:lumOff val="50000"/>
-              </a:schemeClr>
-            </a:solidFill>
-          </a:ln>
-          <a:effectLst>
-            <a:outerShdw blurRad="50800" dist="38100" dir="2700000" algn="tl" rotWithShape="0">
-              <a:prstClr val="black">
-                <a:alpha val="40000"/>
-              </a:prstClr>
-            </a:outerShdw>
-          </a:effectLst>
-        </p:spPr>
-      </p:pic>
-      <p:pic>
-        <p:nvPicPr>
-          <p:cNvPr id="46" name="Picture 45">
-            <a:extLst>
-              <a:ext uri="{FF2B5EF4-FFF2-40B4-BE49-F238E27FC236}">
-                <a16:creationId xmlns:a16="http://schemas.microsoft.com/office/drawing/2014/main" id="{81FA6013-AE9B-43A3-AA72-EFC9469008CC}"/>
-              </a:ext>
-            </a:extLst>
-          </p:cNvPr>
-          <p:cNvPicPr>
-            <a:picLocks noChangeAspect="1"/>
-          </p:cNvPicPr>
-          <p:nvPr/>
-        </p:nvPicPr>
-        <p:blipFill>
-          <a:blip r:embed="rId6"/>
-          <a:stretch>
-            <a:fillRect/>
-          </a:stretch>
-        </p:blipFill>
-        <p:spPr>
-          <a:xfrm>
-            <a:off x="401687" y="1566104"/>
-            <a:ext cx="2236478" cy="862471"/>
-          </a:xfrm>
-          <a:prstGeom prst="rect">
-            <a:avLst/>
-          </a:prstGeom>
-          <a:effectLst>
-            <a:outerShdw blurRad="50800" dist="38100" dir="2700000" algn="tl" rotWithShape="0">
-              <a:prstClr val="black">
-                <a:alpha val="40000"/>
-              </a:prstClr>
-            </a:outerShdw>
-          </a:effectLst>
-        </p:spPr>
-      </p:pic>
-      <p:cxnSp>
-        <p:nvCxnSpPr>
-          <p:cNvPr id="48" name="Straight Arrow Connector 47">
-            <a:extLst>
-              <a:ext uri="{FF2B5EF4-FFF2-40B4-BE49-F238E27FC236}">
-                <a16:creationId xmlns:a16="http://schemas.microsoft.com/office/drawing/2014/main" id="{06179A01-297A-432F-B5C7-4A22C6C2DA7B}"/>
-              </a:ext>
-            </a:extLst>
-          </p:cNvPr>
-          <p:cNvCxnSpPr>
-            <a:cxnSpLocks/>
-          </p:cNvCxnSpPr>
-          <p:nvPr/>
-        </p:nvCxnSpPr>
-        <p:spPr>
-          <a:xfrm flipH="1" flipV="1">
-            <a:off x="2310586" y="1393938"/>
-            <a:ext cx="640977" cy="1"/>
-          </a:xfrm>
-          <a:prstGeom prst="straightConnector1">
-            <a:avLst/>
-          </a:prstGeom>
-          <a:ln w="57150">
-            <a:solidFill>
-              <a:srgbClr val="FF0000"/>
-            </a:solidFill>
-            <a:tailEnd type="triangle"/>
-          </a:ln>
-          <a:effectLst>
-            <a:outerShdw blurRad="50800" dist="38100" dir="2700000" algn="tl" rotWithShape="0">
-              <a:prstClr val="black">
-                <a:alpha val="40000"/>
-              </a:prstClr>
-            </a:outerShdw>
-          </a:effectLst>
-        </p:spPr>
-        <p:style>
-          <a:lnRef idx="1">
-            <a:schemeClr val="accent1"/>
-          </a:lnRef>
-          <a:fillRef idx="0">
-            <a:schemeClr val="accent1"/>
-          </a:fillRef>
-          <a:effectRef idx="0">
-            <a:schemeClr val="accent1"/>
-          </a:effectRef>
-          <a:fontRef idx="minor">
-            <a:schemeClr val="tx1"/>
-          </a:fontRef>
-        </p:style>
-      </p:cxnSp>
-      <p:cxnSp>
-        <p:nvCxnSpPr>
-          <p:cNvPr id="50" name="Straight Arrow Connector 49">
-            <a:extLst>
-              <a:ext uri="{FF2B5EF4-FFF2-40B4-BE49-F238E27FC236}">
-                <a16:creationId xmlns:a16="http://schemas.microsoft.com/office/drawing/2014/main" id="{70846BCD-EAAA-48F8-93D9-8F10337F786C}"/>
-              </a:ext>
-            </a:extLst>
-          </p:cNvPr>
-          <p:cNvCxnSpPr>
-            <a:cxnSpLocks/>
-          </p:cNvCxnSpPr>
-          <p:nvPr/>
-        </p:nvCxnSpPr>
-        <p:spPr>
-          <a:xfrm flipV="1">
-            <a:off x="2787743" y="2566274"/>
-            <a:ext cx="1806029" cy="976595"/>
-          </a:xfrm>
-          <a:prstGeom prst="straightConnector1">
-            <a:avLst/>
-          </a:prstGeom>
-          <a:ln w="57150">
-            <a:solidFill>
-              <a:srgbClr val="FF0000"/>
-            </a:solidFill>
-            <a:tailEnd type="triangle"/>
-          </a:ln>
-          <a:effectLst>
-            <a:outerShdw blurRad="50800" dist="38100" dir="2700000" algn="tl" rotWithShape="0">
-              <a:prstClr val="black">
-                <a:alpha val="40000"/>
-              </a:prstClr>
-            </a:outerShdw>
-          </a:effectLst>
-        </p:spPr>
-        <p:style>
-          <a:lnRef idx="1">
-            <a:schemeClr val="accent1"/>
-          </a:lnRef>
-          <a:fillRef idx="0">
-            <a:schemeClr val="accent1"/>
-          </a:fillRef>
-          <a:effectRef idx="0">
-            <a:schemeClr val="accent1"/>
-          </a:effectRef>
-          <a:fontRef idx="minor">
-            <a:schemeClr val="tx1"/>
-          </a:fontRef>
-        </p:style>
-      </p:cxnSp>
-      <p:cxnSp>
-        <p:nvCxnSpPr>
-          <p:cNvPr id="51" name="Straight Arrow Connector 50">
-            <a:extLst>
-              <a:ext uri="{FF2B5EF4-FFF2-40B4-BE49-F238E27FC236}">
-                <a16:creationId xmlns:a16="http://schemas.microsoft.com/office/drawing/2014/main" id="{5F71FA2E-0715-40BF-AC7E-FE741DA0CC16}"/>
-              </a:ext>
-            </a:extLst>
-          </p:cNvPr>
-          <p:cNvCxnSpPr>
-            <a:cxnSpLocks/>
-          </p:cNvCxnSpPr>
-          <p:nvPr/>
-        </p:nvCxnSpPr>
-        <p:spPr>
-          <a:xfrm flipV="1">
-            <a:off x="2777845" y="2490055"/>
-            <a:ext cx="924205" cy="735745"/>
-          </a:xfrm>
-          <a:prstGeom prst="straightConnector1">
-            <a:avLst/>
-          </a:prstGeom>
-          <a:ln w="57150">
-            <a:solidFill>
-              <a:srgbClr val="FF0000"/>
-            </a:solidFill>
-            <a:tailEnd type="triangle"/>
-          </a:ln>
-          <a:effectLst>
-            <a:outerShdw blurRad="50800" dist="38100" dir="2700000" algn="tl" rotWithShape="0">
-              <a:prstClr val="black">
-                <a:alpha val="40000"/>
-              </a:prstClr>
-            </a:outerShdw>
-          </a:effectLst>
-        </p:spPr>
-        <p:style>
-          <a:lnRef idx="1">
-            <a:schemeClr val="accent1"/>
-          </a:lnRef>
-          <a:fillRef idx="0">
-            <a:schemeClr val="accent1"/>
-          </a:fillRef>
-          <a:effectRef idx="0">
-            <a:schemeClr val="accent1"/>
-          </a:effectRef>
-          <a:fontRef idx="minor">
-            <a:schemeClr val="tx1"/>
-          </a:fontRef>
-        </p:style>
-      </p:cxnSp>
-      <p:pic>
-        <p:nvPicPr>
-          <p:cNvPr id="19" name="Picture 18" descr="Shape&#10;&#10;Description automatically generated with medium confidence">
-            <a:extLst>
-              <a:ext uri="{FF2B5EF4-FFF2-40B4-BE49-F238E27FC236}">
-                <a16:creationId xmlns:a16="http://schemas.microsoft.com/office/drawing/2014/main" id="{9C408CF1-7F4A-4867-9030-7FAB6A2E2513}"/>
-              </a:ext>
-            </a:extLst>
-          </p:cNvPr>
-          <p:cNvPicPr>
-            <a:picLocks noChangeAspect="1"/>
-          </p:cNvPicPr>
-          <p:nvPr/>
-        </p:nvPicPr>
-        <p:blipFill>
-          <a:blip r:embed="rId7">
-            <a:extLst>
-              <a:ext uri="{837473B0-CC2E-450A-ABE3-18F120FF3D39}">
-                <a1611:picAttrSrcUrl xmlns:a1611="http://schemas.microsoft.com/office/drawing/2016/11/main" r:id="rId8"/>
-              </a:ext>
-            </a:extLst>
-          </a:blip>
-          <a:stretch>
-            <a:fillRect/>
-          </a:stretch>
-        </p:blipFill>
-        <p:spPr>
-          <a:xfrm>
-            <a:off x="4782455" y="2400965"/>
-            <a:ext cx="163509" cy="177135"/>
-          </a:xfrm>
-          <a:prstGeom prst="rect">
-            <a:avLst/>
-          </a:prstGeom>
-          <a:effectLst>
-            <a:outerShdw blurRad="50800" dist="38100" dir="2700000" algn="tl" rotWithShape="0">
-              <a:prstClr val="black">
-                <a:alpha val="40000"/>
-              </a:prstClr>
-            </a:outerShdw>
-          </a:effectLst>
-        </p:spPr>
-      </p:pic>
-      <p:grpSp>
-        <p:nvGrpSpPr>
-          <p:cNvPr id="53" name="Group 52">
-            <a:extLst>
-              <a:ext uri="{FF2B5EF4-FFF2-40B4-BE49-F238E27FC236}">
-                <a16:creationId xmlns:a16="http://schemas.microsoft.com/office/drawing/2014/main" id="{6D2E8C1C-96F9-406C-A8D1-3C180E6C9BE4}"/>
-              </a:ext>
-            </a:extLst>
-          </p:cNvPr>
-          <p:cNvGrpSpPr/>
-          <p:nvPr/>
-        </p:nvGrpSpPr>
-        <p:grpSpPr>
-          <a:xfrm>
-            <a:off x="538774" y="981427"/>
-            <a:ext cx="1187330" cy="547778"/>
-            <a:chOff x="492496" y="797277"/>
-            <a:chExt cx="1263650" cy="624932"/>
-          </a:xfrm>
-        </p:grpSpPr>
-        <p:pic>
-          <p:nvPicPr>
-            <p:cNvPr id="4" name="Picture 3">
-              <a:extLst>
-                <a:ext uri="{FF2B5EF4-FFF2-40B4-BE49-F238E27FC236}">
-                  <a16:creationId xmlns:a16="http://schemas.microsoft.com/office/drawing/2014/main" id="{EFA307EC-DE27-4BA0-AE6B-62F7B321B9C1}"/>
-                </a:ext>
-              </a:extLst>
-            </p:cNvPr>
-            <p:cNvPicPr>
-              <a:picLocks noChangeAspect="1"/>
-            </p:cNvPicPr>
-            <p:nvPr/>
-          </p:nvPicPr>
-          <p:blipFill>
-            <a:blip r:embed="rId9"/>
-            <a:stretch>
-              <a:fillRect/>
-            </a:stretch>
-          </p:blipFill>
-          <p:spPr>
-            <a:xfrm>
-              <a:off x="492496" y="797277"/>
-              <a:ext cx="1263650" cy="624932"/>
-            </a:xfrm>
-            <a:prstGeom prst="rect">
-              <a:avLst/>
-            </a:prstGeom>
-            <a:ln>
-              <a:solidFill>
-                <a:schemeClr val="tx1">
-                  <a:lumMod val="65000"/>
-                  <a:lumOff val="35000"/>
-                </a:schemeClr>
-              </a:solidFill>
-            </a:ln>
-            <a:effectLst>
-              <a:outerShdw blurRad="50800" dist="38100" dir="2700000" algn="tl" rotWithShape="0">
-                <a:prstClr val="black">
-                  <a:alpha val="40000"/>
-                </a:prstClr>
-              </a:outerShdw>
-            </a:effectLst>
-          </p:spPr>
-        </p:pic>
-        <p:pic>
-          <p:nvPicPr>
-            <p:cNvPr id="52" name="Picture 51" descr="Shape&#10;&#10;Description automatically generated with medium confidence">
-              <a:extLst>
-                <a:ext uri="{FF2B5EF4-FFF2-40B4-BE49-F238E27FC236}">
-                  <a16:creationId xmlns:a16="http://schemas.microsoft.com/office/drawing/2014/main" id="{45B78ED2-FF3E-4FD5-8B74-B2B0D3376778}"/>
-                </a:ext>
-              </a:extLst>
-            </p:cNvPr>
-            <p:cNvPicPr>
-              <a:picLocks noChangeAspect="1"/>
-            </p:cNvPicPr>
-            <p:nvPr/>
-          </p:nvPicPr>
-          <p:blipFill>
-            <a:blip r:embed="rId7">
-              <a:extLst>
-                <a:ext uri="{837473B0-CC2E-450A-ABE3-18F120FF3D39}">
-                  <a1611:picAttrSrcUrl xmlns:a1611="http://schemas.microsoft.com/office/drawing/2016/11/main" r:id="rId8"/>
-                </a:ext>
-              </a:extLst>
-            </a:blip>
-            <a:stretch>
-              <a:fillRect/>
-            </a:stretch>
-          </p:blipFill>
-          <p:spPr>
-            <a:xfrm>
-              <a:off x="1185784" y="1114774"/>
-              <a:ext cx="163509" cy="177135"/>
-            </a:xfrm>
-            <a:prstGeom prst="rect">
-              <a:avLst/>
-            </a:prstGeom>
-            <a:effectLst>
-              <a:outerShdw blurRad="50800" dist="38100" dir="2700000" algn="tl" rotWithShape="0">
-                <a:prstClr val="black">
-                  <a:alpha val="40000"/>
-                </a:prstClr>
-              </a:outerShdw>
-            </a:effectLst>
-          </p:spPr>
-        </p:pic>
-      </p:grpSp>
-      <p:cxnSp>
-        <p:nvCxnSpPr>
-          <p:cNvPr id="64" name="Straight Arrow Connector 63">
-            <a:extLst>
-              <a:ext uri="{FF2B5EF4-FFF2-40B4-BE49-F238E27FC236}">
-                <a16:creationId xmlns:a16="http://schemas.microsoft.com/office/drawing/2014/main" id="{27513F56-6A83-4E9C-BFFF-3992B7C858F5}"/>
-              </a:ext>
-            </a:extLst>
-          </p:cNvPr>
-          <p:cNvCxnSpPr>
-            <a:cxnSpLocks/>
-          </p:cNvCxnSpPr>
-          <p:nvPr/>
-        </p:nvCxnSpPr>
-        <p:spPr>
-          <a:xfrm flipH="1" flipV="1">
-            <a:off x="4682579" y="2058554"/>
-            <a:ext cx="26964" cy="1260182"/>
-          </a:xfrm>
-          <a:prstGeom prst="straightConnector1">
-            <a:avLst/>
-          </a:prstGeom>
-          <a:ln w="57150">
-            <a:solidFill>
-              <a:srgbClr val="FF0000"/>
-            </a:solidFill>
-            <a:tailEnd type="triangle"/>
-          </a:ln>
-          <a:effectLst>
-            <a:outerShdw blurRad="50800" dist="38100" dir="2700000" algn="tl" rotWithShape="0">
-              <a:prstClr val="black">
-                <a:alpha val="40000"/>
-              </a:prstClr>
-            </a:outerShdw>
-          </a:effectLst>
-        </p:spPr>
-        <p:style>
-          <a:lnRef idx="1">
-            <a:schemeClr val="accent1"/>
-          </a:lnRef>
-          <a:fillRef idx="0">
-            <a:schemeClr val="accent1"/>
-          </a:fillRef>
-          <a:effectRef idx="0">
-            <a:schemeClr val="accent1"/>
-          </a:effectRef>
-          <a:fontRef idx="minor">
-            <a:schemeClr val="tx1"/>
-          </a:fontRef>
-        </p:style>
-      </p:cxnSp>
-      <p:pic>
-        <p:nvPicPr>
-          <p:cNvPr id="59" name="Picture 58">
-            <a:extLst>
-              <a:ext uri="{FF2B5EF4-FFF2-40B4-BE49-F238E27FC236}">
-                <a16:creationId xmlns:a16="http://schemas.microsoft.com/office/drawing/2014/main" id="{6F9F9F1B-D8FE-4FEE-8AED-4F007C600A1C}"/>
-              </a:ext>
-            </a:extLst>
-          </p:cNvPr>
-          <p:cNvPicPr>
-            <a:picLocks noChangeAspect="1"/>
-          </p:cNvPicPr>
-          <p:nvPr/>
-        </p:nvPicPr>
-        <p:blipFill>
-          <a:blip r:embed="rId10"/>
-          <a:stretch>
-            <a:fillRect/>
-          </a:stretch>
-        </p:blipFill>
-        <p:spPr>
-          <a:xfrm>
-            <a:off x="3702050" y="3237530"/>
-            <a:ext cx="2429543" cy="1243868"/>
-          </a:xfrm>
-          <a:prstGeom prst="rect">
-            <a:avLst/>
-          </a:prstGeom>
-        </p:spPr>
-      </p:pic>
-      <p:pic>
-        <p:nvPicPr>
-          <p:cNvPr id="70" name="Picture 69">
-            <a:extLst>
-              <a:ext uri="{FF2B5EF4-FFF2-40B4-BE49-F238E27FC236}">
-                <a16:creationId xmlns:a16="http://schemas.microsoft.com/office/drawing/2014/main" id="{ECD04F9C-1A60-4EB9-BFE2-C8D3BC155A62}"/>
-              </a:ext>
-            </a:extLst>
-          </p:cNvPr>
-          <p:cNvPicPr>
-            <a:picLocks noChangeAspect="1"/>
-          </p:cNvPicPr>
-          <p:nvPr/>
-        </p:nvPicPr>
-        <p:blipFill>
-          <a:blip r:embed="rId11"/>
-          <a:stretch>
-            <a:fillRect/>
-          </a:stretch>
-        </p:blipFill>
-        <p:spPr>
-          <a:xfrm>
-            <a:off x="546472" y="3920302"/>
-            <a:ext cx="5262308" cy="267749"/>
-          </a:xfrm>
-          <a:prstGeom prst="rect">
-            <a:avLst/>
-          </a:prstGeom>
-          <a:effectLst>
-            <a:outerShdw blurRad="50800" dist="38100" dir="2700000" algn="tl" rotWithShape="0">
-              <a:prstClr val="black">
-                <a:alpha val="40000"/>
-              </a:prstClr>
-            </a:outerShdw>
-          </a:effectLst>
-        </p:spPr>
-      </p:pic>
-      <p:pic>
-        <p:nvPicPr>
-          <p:cNvPr id="72" name="Picture 71">
-            <a:extLst>
-              <a:ext uri="{FF2B5EF4-FFF2-40B4-BE49-F238E27FC236}">
-                <a16:creationId xmlns:a16="http://schemas.microsoft.com/office/drawing/2014/main" id="{50171DDD-8589-4D35-9F66-E26151589726}"/>
-              </a:ext>
-            </a:extLst>
-          </p:cNvPr>
-          <p:cNvPicPr>
-            <a:picLocks noChangeAspect="1"/>
-          </p:cNvPicPr>
-          <p:nvPr/>
-        </p:nvPicPr>
-        <p:blipFill>
-          <a:blip r:embed="rId12"/>
-          <a:stretch>
-            <a:fillRect/>
-          </a:stretch>
-        </p:blipFill>
-        <p:spPr>
-          <a:xfrm>
-            <a:off x="6377929" y="2638987"/>
-            <a:ext cx="2233530" cy="1385135"/>
-          </a:xfrm>
-          <a:prstGeom prst="rect">
-            <a:avLst/>
-          </a:prstGeom>
-        </p:spPr>
-      </p:pic>
-      <p:cxnSp>
-        <p:nvCxnSpPr>
-          <p:cNvPr id="73" name="Straight Arrow Connector 72">
-            <a:extLst>
-              <a:ext uri="{FF2B5EF4-FFF2-40B4-BE49-F238E27FC236}">
-                <a16:creationId xmlns:a16="http://schemas.microsoft.com/office/drawing/2014/main" id="{31B95B25-DE91-4925-8296-4BE1EC3462EF}"/>
-              </a:ext>
-            </a:extLst>
-          </p:cNvPr>
-          <p:cNvCxnSpPr>
-            <a:cxnSpLocks/>
-          </p:cNvCxnSpPr>
-          <p:nvPr/>
-        </p:nvCxnSpPr>
-        <p:spPr>
-          <a:xfrm flipH="1" flipV="1">
-            <a:off x="4811873" y="2144219"/>
-            <a:ext cx="1598567" cy="713708"/>
-          </a:xfrm>
-          <a:prstGeom prst="straightConnector1">
-            <a:avLst/>
-          </a:prstGeom>
-          <a:ln w="57150">
-            <a:solidFill>
-              <a:srgbClr val="FF0000"/>
-            </a:solidFill>
-            <a:tailEnd type="triangle"/>
-          </a:ln>
-          <a:effectLst>
-            <a:outerShdw blurRad="50800" dist="38100" dir="2700000" algn="tl" rotWithShape="0">
-              <a:prstClr val="black">
-                <a:alpha val="40000"/>
-              </a:prstClr>
-            </a:outerShdw>
-          </a:effectLst>
-        </p:spPr>
-        <p:style>
-          <a:lnRef idx="1">
-            <a:schemeClr val="accent1"/>
-          </a:lnRef>
-          <a:fillRef idx="0">
-            <a:schemeClr val="accent1"/>
-          </a:fillRef>
-          <a:effectRef idx="0">
-            <a:schemeClr val="accent1"/>
-          </a:effectRef>
-          <a:fontRef idx="minor">
-            <a:schemeClr val="tx1"/>
-          </a:fontRef>
-        </p:style>
-      </p:cxnSp>
-      <p:pic>
-        <p:nvPicPr>
-          <p:cNvPr id="77" name="Picture 76">
-            <a:extLst>
-              <a:ext uri="{FF2B5EF4-FFF2-40B4-BE49-F238E27FC236}">
-                <a16:creationId xmlns:a16="http://schemas.microsoft.com/office/drawing/2014/main" id="{0EA5FFA9-44A0-4BE3-9905-307B37ED2C2D}"/>
-              </a:ext>
-            </a:extLst>
-          </p:cNvPr>
-          <p:cNvPicPr>
-            <a:picLocks noChangeAspect="1"/>
-          </p:cNvPicPr>
-          <p:nvPr/>
-        </p:nvPicPr>
-        <p:blipFill>
-          <a:blip r:embed="rId13"/>
-          <a:stretch>
-            <a:fillRect/>
-          </a:stretch>
-        </p:blipFill>
-        <p:spPr>
-          <a:xfrm>
-            <a:off x="6439858" y="2321202"/>
-            <a:ext cx="1128976" cy="273691"/>
-          </a:xfrm>
-          <a:prstGeom prst="rect">
-            <a:avLst/>
-          </a:prstGeom>
-        </p:spPr>
-      </p:pic>
-      <p:cxnSp>
-        <p:nvCxnSpPr>
-          <p:cNvPr id="78" name="Straight Arrow Connector 77">
-            <a:extLst>
-              <a:ext uri="{FF2B5EF4-FFF2-40B4-BE49-F238E27FC236}">
-                <a16:creationId xmlns:a16="http://schemas.microsoft.com/office/drawing/2014/main" id="{DDBC6C35-CE33-4276-8207-0503AAFB4E05}"/>
-              </a:ext>
-            </a:extLst>
-          </p:cNvPr>
-          <p:cNvCxnSpPr>
-            <a:cxnSpLocks/>
-          </p:cNvCxnSpPr>
-          <p:nvPr/>
-        </p:nvCxnSpPr>
-        <p:spPr>
-          <a:xfrm flipH="1">
-            <a:off x="5541574" y="1651516"/>
-            <a:ext cx="534412" cy="0"/>
-          </a:xfrm>
-          <a:prstGeom prst="straightConnector1">
-            <a:avLst/>
-          </a:prstGeom>
-          <a:ln w="57150">
-            <a:solidFill>
-              <a:srgbClr val="FF0000"/>
-            </a:solidFill>
-            <a:tailEnd type="triangle"/>
-          </a:ln>
-          <a:effectLst>
-            <a:outerShdw blurRad="50800" dist="38100" dir="2700000" algn="tl" rotWithShape="0">
-              <a:prstClr val="black">
-                <a:alpha val="40000"/>
-              </a:prstClr>
-            </a:outerShdw>
-          </a:effectLst>
-        </p:spPr>
-        <p:style>
-          <a:lnRef idx="1">
-            <a:schemeClr val="accent1"/>
-          </a:lnRef>
-          <a:fillRef idx="0">
-            <a:schemeClr val="accent1"/>
-          </a:fillRef>
-          <a:effectRef idx="0">
-            <a:schemeClr val="accent1"/>
-          </a:effectRef>
-          <a:fontRef idx="minor">
-            <a:schemeClr val="tx1"/>
-          </a:fontRef>
-        </p:style>
-      </p:cxnSp>
-      <p:sp>
-        <p:nvSpPr>
-          <p:cNvPr id="2" name="Title 1">
-            <a:extLst>
-              <a:ext uri="{FF2B5EF4-FFF2-40B4-BE49-F238E27FC236}">
-                <a16:creationId xmlns:a16="http://schemas.microsoft.com/office/drawing/2014/main" id="{E5231849-7978-485C-A8D7-CBC894E507B2}"/>
-              </a:ext>
-            </a:extLst>
-          </p:cNvPr>
           <p:cNvSpPr>
             <a:spLocks noGrp="1"/>
           </p:cNvSpPr>
           <p:nvPr>
-            <p:ph type="title"/>
+            <p:ph idx="1"/>
           </p:nvPr>
         </p:nvSpPr>
         <p:spPr/>
@@ -10145,62 +8444,107 @@
           </a:bodyPr>
           <a:lstStyle/>
           <a:p>
-            <a:r>
-              <a:rPr lang="en-US" sz="3200" dirty="0"/>
-              <a:t>Charting Top-N with D3/SVG</a:t>
-            </a:r>
-          </a:p>
-        </p:txBody>
-      </p:sp>
-      <p:pic>
-        <p:nvPicPr>
-          <p:cNvPr id="83" name="Picture 82">
-            <a:extLst>
-              <a:ext uri="{FF2B5EF4-FFF2-40B4-BE49-F238E27FC236}">
-                <a16:creationId xmlns:a16="http://schemas.microsoft.com/office/drawing/2014/main" id="{56989E28-7D31-48EB-B299-E9BAECE9BA08}"/>
-              </a:ext>
-            </a:extLst>
-          </p:cNvPr>
-          <p:cNvPicPr>
-            <a:picLocks noChangeAspect="1"/>
-          </p:cNvPicPr>
-          <p:nvPr/>
-        </p:nvPicPr>
-        <p:blipFill>
-          <a:blip r:embed="rId14"/>
-          <a:stretch>
-            <a:fillRect/>
-          </a:stretch>
-        </p:blipFill>
-        <p:spPr>
-          <a:xfrm>
-            <a:off x="1886122" y="2485260"/>
-            <a:ext cx="925129" cy="426983"/>
-          </a:xfrm>
-          <a:prstGeom prst="rect">
-            <a:avLst/>
-          </a:prstGeom>
-          <a:ln>
-            <a:solidFill>
-              <a:schemeClr val="tx1">
-                <a:lumMod val="50000"/>
-                <a:lumOff val="50000"/>
-              </a:schemeClr>
-            </a:solidFill>
-          </a:ln>
-          <a:effectLst>
-            <a:outerShdw blurRad="50800" dist="38100" dir="2700000" algn="tl" rotWithShape="0">
-              <a:prstClr val="black">
-                <a:alpha val="40000"/>
-              </a:prstClr>
-            </a:outerShdw>
-          </a:effectLst>
-        </p:spPr>
-      </p:pic>
+            <a:pPr>
+              <a:spcAft>
+                <a:spcPts val="600"/>
+              </a:spcAft>
+            </a:pPr>
+            <a:r>
+              <a:rPr lang="en-US" sz="1800" dirty="0"/>
+              <a:t>Additional historical stock data such as short activity to focus on potential GameStop(GME) or AMC activity.  </a:t>
+            </a:r>
+          </a:p>
+          <a:p>
+            <a:pPr>
+              <a:spcAft>
+                <a:spcPts val="600"/>
+              </a:spcAft>
+            </a:pPr>
+            <a:r>
+              <a:rPr lang="en-US" sz="1800" dirty="0"/>
+              <a:t>If data can’t be found, warehouse daily to build missing data – screen-scaping(beautiful-soup) is an option from sites such as </a:t>
+            </a:r>
+            <a:r>
+              <a:rPr lang="en-US" sz="1800" dirty="0" err="1">
+                <a:hlinkClick r:id="rId2"/>
+              </a:rPr>
+              <a:t>shortsqueeze</a:t>
+            </a:r>
+            <a:r>
+              <a:rPr lang="en-US" sz="1800" dirty="0"/>
+              <a:t> and/or </a:t>
+            </a:r>
+            <a:r>
+              <a:rPr lang="en-US" sz="1800" dirty="0">
+                <a:hlinkClick r:id="rId3"/>
+              </a:rPr>
+              <a:t>Daily Short Sale Volume</a:t>
+            </a:r>
+            <a:r>
+              <a:rPr lang="en-US" sz="1800" dirty="0"/>
+              <a:t>.</a:t>
+            </a:r>
+          </a:p>
+          <a:p>
+            <a:pPr>
+              <a:spcAft>
+                <a:spcPts val="600"/>
+              </a:spcAft>
+            </a:pPr>
+            <a:r>
+              <a:rPr lang="en-US" sz="1800" dirty="0"/>
+              <a:t>Build additional charts and dashboards</a:t>
+            </a:r>
+          </a:p>
+          <a:p>
+            <a:pPr>
+              <a:spcAft>
+                <a:spcPts val="600"/>
+              </a:spcAft>
+            </a:pPr>
+            <a:r>
+              <a:rPr lang="en-US" sz="1800" dirty="0"/>
+              <a:t>Reduce time grain to hourly, minute for automated trading/prescription reporting (take automatic action on report).</a:t>
+            </a:r>
+          </a:p>
+          <a:p>
+            <a:pPr>
+              <a:spcAft>
+                <a:spcPts val="600"/>
+              </a:spcAft>
+            </a:pPr>
+            <a:endParaRPr lang="en-US" sz="1800" dirty="0"/>
+          </a:p>
+          <a:p>
+            <a:pPr>
+              <a:spcAft>
+                <a:spcPts val="600"/>
+              </a:spcAft>
+            </a:pPr>
+            <a:endParaRPr lang="en-US" sz="1800" dirty="0"/>
+          </a:p>
+          <a:p>
+            <a:pPr>
+              <a:spcAft>
+                <a:spcPts val="600"/>
+              </a:spcAft>
+            </a:pPr>
+            <a:endParaRPr lang="en-US" sz="1800" dirty="0"/>
+          </a:p>
+          <a:p>
+            <a:pPr>
+              <a:spcAft>
+                <a:spcPts val="600"/>
+              </a:spcAft>
+            </a:pPr>
+            <a:endParaRPr lang="en-US" sz="1800" dirty="0"/>
+          </a:p>
+        </p:txBody>
+      </p:sp>
     </p:spTree>
     <p:extLst>
       <p:ext uri="{BB962C8B-B14F-4D97-AF65-F5344CB8AC3E}">
-        <p14:creationId xmlns:p14="http://schemas.microsoft.com/office/powerpoint/2010/main" val="2389822022"/>
+        <p14:creationId xmlns:p14="http://schemas.microsoft.com/office/powerpoint/2010/main" val="1352665434"/>
       </p:ext>
     </p:extLst>
   </p:cSld>
@@ -10232,7 +8576,7 @@
           <p:cNvPr id="5" name="Title 4">
             <a:extLst>
               <a:ext uri="{FF2B5EF4-FFF2-40B4-BE49-F238E27FC236}">
-                <a16:creationId xmlns:a16="http://schemas.microsoft.com/office/drawing/2014/main" id="{D4296CC1-D52C-4736-AB4E-1D2D2C75C616}"/>
+                <a16:creationId xmlns:a16="http://schemas.microsoft.com/office/drawing/2014/main" id="{6229D272-CD8F-44E9-8790-217BC2FFC777}"/>
               </a:ext>
             </a:extLst>
           </p:cNvPr>
@@ -10250,14 +8594,45 @@
           <a:p>
             <a:r>
               <a:rPr lang="en-US" dirty="0"/>
-              <a:t>Trend Data</a:t>
-            </a:r>
-          </a:p>
-        </p:txBody>
-      </p:sp>
-      <p:sp>
-        <p:nvSpPr>
-          <p:cNvPr id="4" name="Slide Number Placeholder 3"/>
+              <a:t>Questions?</a:t>
+            </a:r>
+          </a:p>
+        </p:txBody>
+      </p:sp>
+      <p:sp>
+        <p:nvSpPr>
+          <p:cNvPr id="6" name="Text Placeholder 5">
+            <a:extLst>
+              <a:ext uri="{FF2B5EF4-FFF2-40B4-BE49-F238E27FC236}">
+                <a16:creationId xmlns:a16="http://schemas.microsoft.com/office/drawing/2014/main" id="{D7DC2AC3-222C-406D-B69B-1802F4ED9C1B}"/>
+              </a:ext>
+            </a:extLst>
+          </p:cNvPr>
+          <p:cNvSpPr>
+            <a:spLocks noGrp="1"/>
+          </p:cNvSpPr>
+          <p:nvPr>
+            <p:ph type="body" idx="1"/>
+          </p:nvPr>
+        </p:nvSpPr>
+        <p:spPr/>
+        <p:txBody>
+          <a:bodyPr/>
+          <a:lstStyle/>
+          <a:p>
+            <a:endParaRPr lang="en-US" dirty="0"/>
+          </a:p>
+        </p:txBody>
+      </p:sp>
+      <p:sp>
+        <p:nvSpPr>
+          <p:cNvPr id="4" name="Slide Number Placeholder 3">
+            <a:extLst>
+              <a:ext uri="{FF2B5EF4-FFF2-40B4-BE49-F238E27FC236}">
+                <a16:creationId xmlns:a16="http://schemas.microsoft.com/office/drawing/2014/main" id="{8A126BAB-AD9D-4CD8-A7EA-15B31EA7F368}"/>
+              </a:ext>
+            </a:extLst>
+          </p:cNvPr>
           <p:cNvSpPr>
             <a:spLocks noGrp="1"/>
           </p:cNvSpPr>
@@ -10275,1475 +8650,14 @@
               <a:pPr/>
               <a:t>7</a:t>
             </a:fld>
-            <a:endParaRPr lang="en-US" dirty="0"/>
-          </a:p>
-        </p:txBody>
-      </p:sp>
-      <p:sp>
-        <p:nvSpPr>
-          <p:cNvPr id="3" name="Content Placeholder 2">
-            <a:extLst>
-              <a:ext uri="{FF2B5EF4-FFF2-40B4-BE49-F238E27FC236}">
-                <a16:creationId xmlns:a16="http://schemas.microsoft.com/office/drawing/2014/main" id="{68CB2294-DAA7-4004-8EFD-36F55B70ED9A}"/>
-              </a:ext>
-            </a:extLst>
-          </p:cNvPr>
-          <p:cNvSpPr>
-            <a:spLocks noGrp="1"/>
-          </p:cNvSpPr>
-          <p:nvPr>
-            <p:ph idx="1"/>
-          </p:nvPr>
-        </p:nvSpPr>
-        <p:spPr>
-          <a:xfrm>
-            <a:off x="577381" y="2251187"/>
-            <a:ext cx="4146550" cy="1337294"/>
-          </a:xfrm>
-        </p:spPr>
-        <p:txBody>
-          <a:bodyPr>
-            <a:normAutofit/>
-          </a:bodyPr>
-          <a:lstStyle/>
-          <a:p>
-            <a:pPr marL="0" indent="0">
-              <a:lnSpc>
-                <a:spcPct val="90000"/>
-              </a:lnSpc>
-              <a:buFont typeface="Arial"/>
-              <a:buNone/>
-            </a:pPr>
-            <a:r>
-              <a:rPr lang="en-US" sz="1600" dirty="0" err="1">
-                <a:hlinkClick r:id="rId2"/>
-              </a:rPr>
-              <a:t>pytrends</a:t>
-            </a:r>
-            <a:r>
-              <a:rPr lang="en-US" sz="1600" dirty="0"/>
-              <a:t> - Unofficial API for Google Trends		$pip install </a:t>
-            </a:r>
-            <a:r>
-              <a:rPr lang="en-US" sz="1600" dirty="0" err="1"/>
-              <a:t>pytrends</a:t>
-            </a:r>
-            <a:endParaRPr lang="en-US" sz="1600" dirty="0"/>
-          </a:p>
-          <a:p>
-            <a:pPr marL="0" indent="0">
-              <a:lnSpc>
-                <a:spcPct val="90000"/>
-              </a:lnSpc>
-              <a:buFont typeface="Arial"/>
-              <a:buNone/>
-            </a:pPr>
-            <a:r>
-              <a:rPr lang="en-US" sz="1600" dirty="0"/>
-              <a:t>- Interface for automating downloads of reports from Google Trends</a:t>
-            </a:r>
-          </a:p>
-          <a:p>
-            <a:endParaRPr lang="en-US" sz="1600" dirty="0"/>
-          </a:p>
-        </p:txBody>
-      </p:sp>
-      <p:sp>
-        <p:nvSpPr>
-          <p:cNvPr id="17" name="Arrow: Right 16">
-            <a:extLst>
-              <a:ext uri="{FF2B5EF4-FFF2-40B4-BE49-F238E27FC236}">
-                <a16:creationId xmlns:a16="http://schemas.microsoft.com/office/drawing/2014/main" id="{AD226FA7-6C6A-4DFA-84C0-2E4EB5133A85}"/>
-              </a:ext>
-            </a:extLst>
-          </p:cNvPr>
-          <p:cNvSpPr/>
-          <p:nvPr/>
-        </p:nvSpPr>
-        <p:spPr>
-          <a:xfrm rot="1195432">
-            <a:off x="5708132" y="1649180"/>
-            <a:ext cx="565062" cy="293257"/>
-          </a:xfrm>
-          <a:prstGeom prst="rightArrow">
-            <a:avLst/>
-          </a:prstGeom>
-        </p:spPr>
-        <p:style>
-          <a:lnRef idx="1">
-            <a:schemeClr val="accent1"/>
-          </a:lnRef>
-          <a:fillRef idx="3">
-            <a:schemeClr val="accent1"/>
-          </a:fillRef>
-          <a:effectRef idx="2">
-            <a:schemeClr val="accent1"/>
-          </a:effectRef>
-          <a:fontRef idx="minor">
-            <a:schemeClr val="lt1"/>
-          </a:fontRef>
-        </p:style>
-        <p:txBody>
-          <a:bodyPr rtlCol="0" anchor="ctr"/>
-          <a:lstStyle/>
-          <a:p>
-            <a:pPr algn="ctr"/>
             <a:endParaRPr lang="en-US"/>
-          </a:p>
-        </p:txBody>
-      </p:sp>
-      <p:sp>
-        <p:nvSpPr>
-          <p:cNvPr id="21" name="Speech Bubble: Rectangle 20">
-            <a:extLst>
-              <a:ext uri="{FF2B5EF4-FFF2-40B4-BE49-F238E27FC236}">
-                <a16:creationId xmlns:a16="http://schemas.microsoft.com/office/drawing/2014/main" id="{96DFCE6E-2ECF-437A-A066-11B2FA473E47}"/>
-              </a:ext>
-            </a:extLst>
-          </p:cNvPr>
-          <p:cNvSpPr/>
-          <p:nvPr/>
-        </p:nvSpPr>
-        <p:spPr>
-          <a:xfrm>
-            <a:off x="3646153" y="3691291"/>
-            <a:ext cx="1398258" cy="451934"/>
-          </a:xfrm>
-          <a:prstGeom prst="wedgeRectCallout">
-            <a:avLst>
-              <a:gd name="adj1" fmla="val 79136"/>
-              <a:gd name="adj2" fmla="val 75947"/>
-            </a:avLst>
-          </a:prstGeom>
-        </p:spPr>
-        <p:style>
-          <a:lnRef idx="1">
-            <a:schemeClr val="dk1"/>
-          </a:lnRef>
-          <a:fillRef idx="2">
-            <a:schemeClr val="dk1"/>
-          </a:fillRef>
-          <a:effectRef idx="1">
-            <a:schemeClr val="dk1"/>
-          </a:effectRef>
-          <a:fontRef idx="minor">
-            <a:schemeClr val="dk1"/>
-          </a:fontRef>
-        </p:style>
-        <p:txBody>
-          <a:bodyPr rtlCol="0" anchor="ctr"/>
-          <a:lstStyle/>
-          <a:p>
-            <a:pPr algn="ctr"/>
-            <a:r>
-              <a:rPr lang="en-US" sz="1000" dirty="0"/>
-              <a:t>Each stock’s CSV data merged with complete CSV dataset</a:t>
-            </a:r>
-          </a:p>
-        </p:txBody>
-      </p:sp>
-      <p:sp>
-        <p:nvSpPr>
-          <p:cNvPr id="23" name="Arrow: Right 22">
-            <a:extLst>
-              <a:ext uri="{FF2B5EF4-FFF2-40B4-BE49-F238E27FC236}">
-                <a16:creationId xmlns:a16="http://schemas.microsoft.com/office/drawing/2014/main" id="{A0CAA4E0-D6BD-4462-9FA9-A2D604A52B25}"/>
-              </a:ext>
-            </a:extLst>
-          </p:cNvPr>
-          <p:cNvSpPr/>
-          <p:nvPr/>
-        </p:nvSpPr>
-        <p:spPr>
-          <a:xfrm rot="5400000">
-            <a:off x="5966426" y="3994272"/>
-            <a:ext cx="269106" cy="293257"/>
-          </a:xfrm>
-          <a:prstGeom prst="rightArrow">
-            <a:avLst/>
-          </a:prstGeom>
-        </p:spPr>
-        <p:style>
-          <a:lnRef idx="1">
-            <a:schemeClr val="accent1"/>
-          </a:lnRef>
-          <a:fillRef idx="3">
-            <a:schemeClr val="accent1"/>
-          </a:fillRef>
-          <a:effectRef idx="2">
-            <a:schemeClr val="accent1"/>
-          </a:effectRef>
-          <a:fontRef idx="minor">
-            <a:schemeClr val="lt1"/>
-          </a:fontRef>
-        </p:style>
-        <p:txBody>
-          <a:bodyPr rtlCol="0" anchor="ctr"/>
-          <a:lstStyle/>
-          <a:p>
-            <a:pPr algn="ctr"/>
-            <a:endParaRPr lang="en-US"/>
-          </a:p>
-        </p:txBody>
-      </p:sp>
-      <p:pic>
-        <p:nvPicPr>
-          <p:cNvPr id="6" name="Picture 5">
-            <a:extLst>
-              <a:ext uri="{FF2B5EF4-FFF2-40B4-BE49-F238E27FC236}">
-                <a16:creationId xmlns:a16="http://schemas.microsoft.com/office/drawing/2014/main" id="{7D0BF0D9-0BF4-45CC-9AA0-AA05C74239C7}"/>
-              </a:ext>
-            </a:extLst>
-          </p:cNvPr>
-          <p:cNvPicPr>
-            <a:picLocks noChangeAspect="1"/>
-          </p:cNvPicPr>
-          <p:nvPr/>
-        </p:nvPicPr>
-        <p:blipFill>
-          <a:blip r:embed="rId3"/>
-          <a:stretch>
-            <a:fillRect/>
-          </a:stretch>
-        </p:blipFill>
-        <p:spPr>
-          <a:xfrm>
-            <a:off x="545188" y="1064433"/>
-            <a:ext cx="2790825" cy="266700"/>
-          </a:xfrm>
-          <a:prstGeom prst="rect">
-            <a:avLst/>
-          </a:prstGeom>
-          <a:ln>
-            <a:noFill/>
-          </a:ln>
-          <a:effectLst>
-            <a:outerShdw blurRad="190500" algn="tl" rotWithShape="0">
-              <a:srgbClr val="000000">
-                <a:alpha val="70000"/>
-              </a:srgbClr>
-            </a:outerShdw>
-          </a:effectLst>
-        </p:spPr>
-      </p:pic>
-      <p:pic>
-        <p:nvPicPr>
-          <p:cNvPr id="9" name="Picture 8">
-            <a:extLst>
-              <a:ext uri="{FF2B5EF4-FFF2-40B4-BE49-F238E27FC236}">
-                <a16:creationId xmlns:a16="http://schemas.microsoft.com/office/drawing/2014/main" id="{9E08612F-D9DD-4238-832F-AD9D8D690569}"/>
-              </a:ext>
-            </a:extLst>
-          </p:cNvPr>
-          <p:cNvPicPr>
-            <a:picLocks noChangeAspect="1"/>
-          </p:cNvPicPr>
-          <p:nvPr/>
-        </p:nvPicPr>
-        <p:blipFill>
-          <a:blip r:embed="rId4"/>
-          <a:stretch>
-            <a:fillRect/>
-          </a:stretch>
-        </p:blipFill>
-        <p:spPr>
-          <a:xfrm>
-            <a:off x="545188" y="1475090"/>
-            <a:ext cx="5227637" cy="469252"/>
-          </a:xfrm>
-          <a:prstGeom prst="rect">
-            <a:avLst/>
-          </a:prstGeom>
-          <a:ln>
-            <a:noFill/>
-          </a:ln>
-          <a:effectLst>
-            <a:outerShdw blurRad="190500" algn="tl" rotWithShape="0">
-              <a:srgbClr val="000000">
-                <a:alpha val="70000"/>
-              </a:srgbClr>
-            </a:outerShdw>
-          </a:effectLst>
-        </p:spPr>
-      </p:pic>
-      <p:pic>
-        <p:nvPicPr>
-          <p:cNvPr id="12" name="Picture 11">
-            <a:extLst>
-              <a:ext uri="{FF2B5EF4-FFF2-40B4-BE49-F238E27FC236}">
-                <a16:creationId xmlns:a16="http://schemas.microsoft.com/office/drawing/2014/main" id="{22192D9F-6971-42A4-9452-03C7D333D617}"/>
-              </a:ext>
-            </a:extLst>
-          </p:cNvPr>
-          <p:cNvPicPr>
-            <a:picLocks noChangeAspect="1"/>
-          </p:cNvPicPr>
-          <p:nvPr/>
-        </p:nvPicPr>
-        <p:blipFill>
-          <a:blip r:embed="rId5"/>
-          <a:stretch>
-            <a:fillRect/>
-          </a:stretch>
-        </p:blipFill>
-        <p:spPr>
-          <a:xfrm>
-            <a:off x="6268183" y="1243713"/>
-            <a:ext cx="1783174" cy="1167630"/>
-          </a:xfrm>
-          <a:prstGeom prst="rect">
-            <a:avLst/>
-          </a:prstGeom>
-          <a:ln>
-            <a:noFill/>
-          </a:ln>
-          <a:effectLst>
-            <a:outerShdw blurRad="190500" algn="tl" rotWithShape="0">
-              <a:srgbClr val="000000">
-                <a:alpha val="70000"/>
-              </a:srgbClr>
-            </a:outerShdw>
-          </a:effectLst>
-        </p:spPr>
-      </p:pic>
-      <p:pic>
-        <p:nvPicPr>
-          <p:cNvPr id="16" name="Picture 15">
-            <a:extLst>
-              <a:ext uri="{FF2B5EF4-FFF2-40B4-BE49-F238E27FC236}">
-                <a16:creationId xmlns:a16="http://schemas.microsoft.com/office/drawing/2014/main" id="{CD74513E-0594-4664-83A3-E0792EB2CBD9}"/>
-              </a:ext>
-            </a:extLst>
-          </p:cNvPr>
-          <p:cNvPicPr>
-            <a:picLocks noChangeAspect="1"/>
-          </p:cNvPicPr>
-          <p:nvPr/>
-        </p:nvPicPr>
-        <p:blipFill>
-          <a:blip r:embed="rId6"/>
-          <a:stretch>
-            <a:fillRect/>
-          </a:stretch>
-        </p:blipFill>
-        <p:spPr>
-          <a:xfrm>
-            <a:off x="5322675" y="2671486"/>
-            <a:ext cx="2143125" cy="1334861"/>
-          </a:xfrm>
-          <a:prstGeom prst="rect">
-            <a:avLst/>
-          </a:prstGeom>
-          <a:ln>
-            <a:noFill/>
-          </a:ln>
-          <a:effectLst>
-            <a:outerShdw blurRad="190500" algn="tl" rotWithShape="0">
-              <a:srgbClr val="000000">
-                <a:alpha val="70000"/>
-              </a:srgbClr>
-            </a:outerShdw>
-          </a:effectLst>
-        </p:spPr>
-      </p:pic>
-      <p:pic>
-        <p:nvPicPr>
-          <p:cNvPr id="24" name="Picture 23">
-            <a:extLst>
-              <a:ext uri="{FF2B5EF4-FFF2-40B4-BE49-F238E27FC236}">
-                <a16:creationId xmlns:a16="http://schemas.microsoft.com/office/drawing/2014/main" id="{437D3942-F6CF-4C2D-980D-EBE5629A2E1C}"/>
-              </a:ext>
-            </a:extLst>
-          </p:cNvPr>
-          <p:cNvPicPr>
-            <a:picLocks noChangeAspect="1"/>
-          </p:cNvPicPr>
-          <p:nvPr/>
-        </p:nvPicPr>
-        <p:blipFill>
-          <a:blip r:embed="rId7"/>
-          <a:stretch>
-            <a:fillRect/>
-          </a:stretch>
-        </p:blipFill>
-        <p:spPr>
-          <a:xfrm>
-            <a:off x="432033" y="4266491"/>
-            <a:ext cx="6653419" cy="269106"/>
-          </a:xfrm>
-          <a:prstGeom prst="rect">
-            <a:avLst/>
-          </a:prstGeom>
-        </p:spPr>
-      </p:pic>
-      <p:sp>
-        <p:nvSpPr>
-          <p:cNvPr id="25" name="Arrow: Right 24">
-            <a:extLst>
-              <a:ext uri="{FF2B5EF4-FFF2-40B4-BE49-F238E27FC236}">
-                <a16:creationId xmlns:a16="http://schemas.microsoft.com/office/drawing/2014/main" id="{ECED4934-94AB-4A34-940C-A165E9E7C3FC}"/>
-              </a:ext>
-            </a:extLst>
-          </p:cNvPr>
-          <p:cNvSpPr/>
-          <p:nvPr/>
-        </p:nvSpPr>
-        <p:spPr>
-          <a:xfrm rot="5400000">
-            <a:off x="6475346" y="2460020"/>
-            <a:ext cx="424297" cy="293257"/>
-          </a:xfrm>
-          <a:prstGeom prst="rightArrow">
-            <a:avLst/>
-          </a:prstGeom>
-        </p:spPr>
-        <p:style>
-          <a:lnRef idx="1">
-            <a:schemeClr val="accent1"/>
-          </a:lnRef>
-          <a:fillRef idx="3">
-            <a:schemeClr val="accent1"/>
-          </a:fillRef>
-          <a:effectRef idx="2">
-            <a:schemeClr val="accent1"/>
-          </a:effectRef>
-          <a:fontRef idx="minor">
-            <a:schemeClr val="lt1"/>
-          </a:fontRef>
-        </p:style>
-        <p:txBody>
-          <a:bodyPr rtlCol="0" anchor="ctr"/>
-          <a:lstStyle/>
-          <a:p>
-            <a:pPr algn="ctr"/>
-            <a:endParaRPr lang="en-US"/>
-          </a:p>
-        </p:txBody>
-      </p:sp>
-      <p:sp>
-        <p:nvSpPr>
-          <p:cNvPr id="22" name="Speech Bubble: Rectangle 21">
-            <a:extLst>
-              <a:ext uri="{FF2B5EF4-FFF2-40B4-BE49-F238E27FC236}">
-                <a16:creationId xmlns:a16="http://schemas.microsoft.com/office/drawing/2014/main" id="{D8CBBEA0-AAF4-401E-900D-36CA96287A44}"/>
-              </a:ext>
-            </a:extLst>
-          </p:cNvPr>
-          <p:cNvSpPr/>
-          <p:nvPr/>
-        </p:nvSpPr>
-        <p:spPr>
-          <a:xfrm>
-            <a:off x="7552215" y="3389924"/>
-            <a:ext cx="786954" cy="299826"/>
-          </a:xfrm>
-          <a:prstGeom prst="wedgeRectCallout">
-            <a:avLst>
-              <a:gd name="adj1" fmla="val -91298"/>
-              <a:gd name="adj2" fmla="val -4533"/>
-            </a:avLst>
-          </a:prstGeom>
-        </p:spPr>
-        <p:style>
-          <a:lnRef idx="1">
-            <a:schemeClr val="dk1"/>
-          </a:lnRef>
-          <a:fillRef idx="2">
-            <a:schemeClr val="dk1"/>
-          </a:fillRef>
-          <a:effectRef idx="1">
-            <a:schemeClr val="dk1"/>
-          </a:effectRef>
-          <a:fontRef idx="minor">
-            <a:schemeClr val="dk1"/>
-          </a:fontRef>
-        </p:style>
-        <p:txBody>
-          <a:bodyPr rtlCol="0" anchor="ctr"/>
-          <a:lstStyle/>
-          <a:p>
-            <a:pPr algn="ctr"/>
-            <a:r>
-              <a:rPr lang="en-US" sz="1000" dirty="0"/>
-              <a:t>Required Fields</a:t>
-            </a:r>
-          </a:p>
-        </p:txBody>
-      </p:sp>
-      <p:sp>
-        <p:nvSpPr>
-          <p:cNvPr id="11" name="Speech Bubble: Rectangle 10">
-            <a:extLst>
-              <a:ext uri="{FF2B5EF4-FFF2-40B4-BE49-F238E27FC236}">
-                <a16:creationId xmlns:a16="http://schemas.microsoft.com/office/drawing/2014/main" id="{33A16886-DB0D-4279-B6CE-6C8A1249649B}"/>
-              </a:ext>
-            </a:extLst>
-          </p:cNvPr>
-          <p:cNvSpPr/>
-          <p:nvPr/>
-        </p:nvSpPr>
-        <p:spPr>
-          <a:xfrm>
-            <a:off x="4394200" y="1089666"/>
-            <a:ext cx="1560149" cy="299826"/>
-          </a:xfrm>
-          <a:prstGeom prst="wedgeRectCallout">
-            <a:avLst>
-              <a:gd name="adj1" fmla="val -60611"/>
-              <a:gd name="adj2" fmla="val 111951"/>
-            </a:avLst>
-          </a:prstGeom>
-        </p:spPr>
-        <p:style>
-          <a:lnRef idx="1">
-            <a:schemeClr val="dk1"/>
-          </a:lnRef>
-          <a:fillRef idx="2">
-            <a:schemeClr val="dk1"/>
-          </a:fillRef>
-          <a:effectRef idx="1">
-            <a:schemeClr val="dk1"/>
-          </a:effectRef>
-          <a:fontRef idx="minor">
-            <a:schemeClr val="dk1"/>
-          </a:fontRef>
-        </p:style>
-        <p:txBody>
-          <a:bodyPr rtlCol="0" anchor="ctr"/>
-          <a:lstStyle/>
-          <a:p>
-            <a:pPr algn="ctr"/>
-            <a:r>
-              <a:rPr lang="en-US" sz="1000" dirty="0"/>
-              <a:t>Import Daily Trend of key word (stock/ticker)</a:t>
-            </a:r>
-          </a:p>
-        </p:txBody>
-      </p:sp>
-      <p:pic>
-        <p:nvPicPr>
-          <p:cNvPr id="7" name="Picture 6">
-            <a:extLst>
-              <a:ext uri="{FF2B5EF4-FFF2-40B4-BE49-F238E27FC236}">
-                <a16:creationId xmlns:a16="http://schemas.microsoft.com/office/drawing/2014/main" id="{7881404B-B6A4-48DF-A552-983890822024}"/>
-              </a:ext>
-            </a:extLst>
-          </p:cNvPr>
-          <p:cNvPicPr>
-            <a:picLocks noChangeAspect="1"/>
-          </p:cNvPicPr>
-          <p:nvPr/>
-        </p:nvPicPr>
-        <p:blipFill>
-          <a:blip r:embed="rId8"/>
-          <a:stretch>
-            <a:fillRect/>
-          </a:stretch>
-        </p:blipFill>
-        <p:spPr>
-          <a:xfrm>
-            <a:off x="6633502" y="210268"/>
-            <a:ext cx="2271490" cy="833911"/>
-          </a:xfrm>
-          <a:prstGeom prst="rect">
-            <a:avLst/>
-          </a:prstGeom>
-          <a:ln>
-            <a:noFill/>
-          </a:ln>
-          <a:effectLst>
-            <a:outerShdw blurRad="190500" algn="tl" rotWithShape="0">
-              <a:srgbClr val="000000">
-                <a:alpha val="70000"/>
-              </a:srgbClr>
-            </a:outerShdw>
-          </a:effectLst>
-        </p:spPr>
-      </p:pic>
-      <p:sp>
-        <p:nvSpPr>
-          <p:cNvPr id="18" name="Speech Bubble: Rectangle 17">
-            <a:extLst>
-              <a:ext uri="{FF2B5EF4-FFF2-40B4-BE49-F238E27FC236}">
-                <a16:creationId xmlns:a16="http://schemas.microsoft.com/office/drawing/2014/main" id="{9762F26C-2963-48CE-9FCB-6296882B566E}"/>
-              </a:ext>
-            </a:extLst>
-          </p:cNvPr>
-          <p:cNvSpPr/>
-          <p:nvPr/>
-        </p:nvSpPr>
-        <p:spPr>
-          <a:xfrm>
-            <a:off x="7942547" y="1714253"/>
-            <a:ext cx="501494" cy="299826"/>
-          </a:xfrm>
-          <a:prstGeom prst="wedgeRectCallout">
-            <a:avLst>
-              <a:gd name="adj1" fmla="val -85983"/>
-              <a:gd name="adj2" fmla="val -32651"/>
-            </a:avLst>
-          </a:prstGeom>
-        </p:spPr>
-        <p:style>
-          <a:lnRef idx="1">
-            <a:schemeClr val="dk1"/>
-          </a:lnRef>
-          <a:fillRef idx="2">
-            <a:schemeClr val="dk1"/>
-          </a:fillRef>
-          <a:effectRef idx="1">
-            <a:schemeClr val="dk1"/>
-          </a:effectRef>
-          <a:fontRef idx="minor">
-            <a:schemeClr val="dk1"/>
-          </a:fontRef>
-        </p:style>
-        <p:txBody>
-          <a:bodyPr rtlCol="0" anchor="ctr"/>
-          <a:lstStyle/>
-          <a:p>
-            <a:pPr algn="ctr"/>
-            <a:r>
-              <a:rPr lang="en-US" sz="1000" dirty="0"/>
-              <a:t>Raw data</a:t>
-            </a:r>
           </a:p>
         </p:txBody>
       </p:sp>
     </p:spTree>
     <p:extLst>
       <p:ext uri="{BB962C8B-B14F-4D97-AF65-F5344CB8AC3E}">
-        <p14:creationId xmlns:p14="http://schemas.microsoft.com/office/powerpoint/2010/main" val="375635131"/>
-      </p:ext>
-    </p:extLst>
-  </p:cSld>
-  <p:clrMapOvr>
-    <a:masterClrMapping/>
-  </p:clrMapOvr>
-</p:sld>
-</file>
-
-<file path=ppt/slides/slide9.xml><?xml version="1.0" encoding="utf-8"?>
-<p:sld xmlns:a="http://schemas.openxmlformats.org/drawingml/2006/main" xmlns:r="http://schemas.openxmlformats.org/officeDocument/2006/relationships" xmlns:p="http://schemas.openxmlformats.org/presentationml/2006/main">
-  <p:cSld>
-    <p:spTree>
-      <p:nvGrpSpPr>
-        <p:cNvPr id="1" name=""/>
-        <p:cNvGrpSpPr/>
-        <p:nvPr/>
-      </p:nvGrpSpPr>
-      <p:grpSpPr>
-        <a:xfrm>
-          <a:off x="0" y="0"/>
-          <a:ext cx="0" cy="0"/>
-          <a:chOff x="0" y="0"/>
-          <a:chExt cx="0" cy="0"/>
-        </a:xfrm>
-      </p:grpSpPr>
-      <p:sp>
-        <p:nvSpPr>
-          <p:cNvPr id="5" name="Title 4">
-            <a:extLst>
-              <a:ext uri="{FF2B5EF4-FFF2-40B4-BE49-F238E27FC236}">
-                <a16:creationId xmlns:a16="http://schemas.microsoft.com/office/drawing/2014/main" id="{D4296CC1-D52C-4736-AB4E-1D2D2C75C616}"/>
-              </a:ext>
-            </a:extLst>
-          </p:cNvPr>
-          <p:cNvSpPr>
-            <a:spLocks noGrp="1"/>
-          </p:cNvSpPr>
-          <p:nvPr>
-            <p:ph type="title"/>
-          </p:nvPr>
-        </p:nvSpPr>
-        <p:spPr/>
-        <p:txBody>
-          <a:bodyPr/>
-          <a:lstStyle/>
-          <a:p>
-            <a:r>
-              <a:rPr lang="en-US" dirty="0"/>
-              <a:t>Tweet Data</a:t>
-            </a:r>
-          </a:p>
-        </p:txBody>
-      </p:sp>
-      <p:sp>
-        <p:nvSpPr>
-          <p:cNvPr id="4" name="Slide Number Placeholder 3"/>
-          <p:cNvSpPr>
-            <a:spLocks noGrp="1"/>
-          </p:cNvSpPr>
-          <p:nvPr>
-            <p:ph type="sldNum" sz="quarter" idx="12"/>
-          </p:nvPr>
-        </p:nvSpPr>
-        <p:spPr/>
-        <p:txBody>
-          <a:bodyPr/>
-          <a:lstStyle/>
-          <a:p>
-            <a:fld id="{106E12CD-FCB1-464E-A775-0B83FDDACE03}" type="slidenum">
-              <a:rPr lang="en-US" smtClean="0"/>
-              <a:pPr/>
-              <a:t>8</a:t>
-            </a:fld>
-            <a:endParaRPr lang="en-US" dirty="0"/>
-          </a:p>
-        </p:txBody>
-      </p:sp>
-      <p:sp>
-        <p:nvSpPr>
-          <p:cNvPr id="3" name="Content Placeholder 2">
-            <a:extLst>
-              <a:ext uri="{FF2B5EF4-FFF2-40B4-BE49-F238E27FC236}">
-                <a16:creationId xmlns:a16="http://schemas.microsoft.com/office/drawing/2014/main" id="{68CB2294-DAA7-4004-8EFD-36F55B70ED9A}"/>
-              </a:ext>
-            </a:extLst>
-          </p:cNvPr>
-          <p:cNvSpPr>
-            <a:spLocks noGrp="1"/>
-          </p:cNvSpPr>
-          <p:nvPr>
-            <p:ph idx="1"/>
-          </p:nvPr>
-        </p:nvSpPr>
-        <p:spPr>
-          <a:xfrm>
-            <a:off x="350936" y="1528828"/>
-            <a:ext cx="3352256" cy="1581150"/>
-          </a:xfrm>
-        </p:spPr>
-        <p:txBody>
-          <a:bodyPr>
-            <a:noAutofit/>
-          </a:bodyPr>
-          <a:lstStyle/>
-          <a:p>
-            <a:pPr marL="0" indent="0">
-              <a:lnSpc>
-                <a:spcPct val="90000"/>
-              </a:lnSpc>
-              <a:buFont typeface="Arial"/>
-              <a:buNone/>
-            </a:pPr>
-            <a:r>
-              <a:rPr lang="en-US" sz="1400" dirty="0" err="1">
-                <a:hlinkClick r:id="rId2"/>
-              </a:rPr>
-              <a:t>Twint</a:t>
-            </a:r>
-            <a:r>
-              <a:rPr lang="en-US" sz="1400" dirty="0"/>
-              <a:t> – Tweet data feed for Twitter </a:t>
-            </a:r>
-          </a:p>
-          <a:p>
-            <a:pPr marL="0" indent="0">
-              <a:lnSpc>
-                <a:spcPct val="90000"/>
-              </a:lnSpc>
-              <a:buFont typeface="Arial"/>
-              <a:buNone/>
-            </a:pPr>
-            <a:r>
-              <a:rPr lang="en-US" sz="1400" dirty="0"/>
-              <a:t>	$pip install </a:t>
-            </a:r>
-            <a:r>
-              <a:rPr lang="en-US" sz="1400" dirty="0" err="1"/>
-              <a:t>twint</a:t>
-            </a:r>
-            <a:endParaRPr lang="en-US" sz="1400" dirty="0"/>
-          </a:p>
-          <a:p>
-            <a:pPr marL="0" indent="0">
-              <a:buNone/>
-            </a:pPr>
-            <a:r>
-              <a:rPr lang="en-US" sz="1400" dirty="0"/>
-              <a:t>Advanced Twitter scraping tool allowing for scraping from specific Twitter topics (almost all Tweets)</a:t>
-            </a:r>
-          </a:p>
-          <a:p>
-            <a:pPr marL="0" indent="0">
-              <a:buNone/>
-            </a:pPr>
-            <a:r>
-              <a:rPr lang="en-US" sz="1200" i="1" dirty="0"/>
-              <a:t>Note: Twitter’s API limits to 3200 Tweets</a:t>
-            </a:r>
-          </a:p>
-        </p:txBody>
-      </p:sp>
-      <p:sp>
-        <p:nvSpPr>
-          <p:cNvPr id="21" name="Speech Bubble: Rectangle 20">
-            <a:extLst>
-              <a:ext uri="{FF2B5EF4-FFF2-40B4-BE49-F238E27FC236}">
-                <a16:creationId xmlns:a16="http://schemas.microsoft.com/office/drawing/2014/main" id="{96DFCE6E-2ECF-437A-A066-11B2FA473E47}"/>
-              </a:ext>
-            </a:extLst>
-          </p:cNvPr>
-          <p:cNvSpPr/>
-          <p:nvPr/>
-        </p:nvSpPr>
-        <p:spPr>
-          <a:xfrm>
-            <a:off x="4139571" y="4238486"/>
-            <a:ext cx="1398258" cy="352425"/>
-          </a:xfrm>
-          <a:prstGeom prst="wedgeRectCallout">
-            <a:avLst>
-              <a:gd name="adj1" fmla="val -76179"/>
-              <a:gd name="adj2" fmla="val 25364"/>
-            </a:avLst>
-          </a:prstGeom>
-        </p:spPr>
-        <p:style>
-          <a:lnRef idx="1">
-            <a:schemeClr val="dk1"/>
-          </a:lnRef>
-          <a:fillRef idx="2">
-            <a:schemeClr val="dk1"/>
-          </a:fillRef>
-          <a:effectRef idx="1">
-            <a:schemeClr val="dk1"/>
-          </a:effectRef>
-          <a:fontRef idx="minor">
-            <a:schemeClr val="dk1"/>
-          </a:fontRef>
-        </p:style>
-        <p:txBody>
-          <a:bodyPr rtlCol="0" anchor="ctr"/>
-          <a:lstStyle/>
-          <a:p>
-            <a:pPr algn="ctr"/>
-            <a:r>
-              <a:rPr lang="en-US" sz="1000" dirty="0"/>
-              <a:t>Moved to CSV dataset</a:t>
-            </a:r>
-          </a:p>
-        </p:txBody>
-      </p:sp>
-      <p:sp>
-        <p:nvSpPr>
-          <p:cNvPr id="23" name="Arrow: Right 22">
-            <a:extLst>
-              <a:ext uri="{FF2B5EF4-FFF2-40B4-BE49-F238E27FC236}">
-                <a16:creationId xmlns:a16="http://schemas.microsoft.com/office/drawing/2014/main" id="{A0CAA4E0-D6BD-4462-9FA9-A2D604A52B25}"/>
-              </a:ext>
-            </a:extLst>
-          </p:cNvPr>
-          <p:cNvSpPr/>
-          <p:nvPr/>
-        </p:nvSpPr>
-        <p:spPr>
-          <a:xfrm rot="5400000">
-            <a:off x="3100085" y="3846140"/>
-            <a:ext cx="753379" cy="293257"/>
-          </a:xfrm>
-          <a:prstGeom prst="rightArrow">
-            <a:avLst/>
-          </a:prstGeom>
-        </p:spPr>
-        <p:style>
-          <a:lnRef idx="1">
-            <a:schemeClr val="accent1"/>
-          </a:lnRef>
-          <a:fillRef idx="3">
-            <a:schemeClr val="accent1"/>
-          </a:fillRef>
-          <a:effectRef idx="2">
-            <a:schemeClr val="accent1"/>
-          </a:effectRef>
-          <a:fontRef idx="minor">
-            <a:schemeClr val="lt1"/>
-          </a:fontRef>
-        </p:style>
-        <p:txBody>
-          <a:bodyPr rtlCol="0" anchor="ctr"/>
-          <a:lstStyle/>
-          <a:p>
-            <a:pPr algn="ctr"/>
-            <a:endParaRPr lang="en-US"/>
-          </a:p>
-        </p:txBody>
-      </p:sp>
-      <p:sp>
-        <p:nvSpPr>
-          <p:cNvPr id="25" name="Arrow: Right 24">
-            <a:extLst>
-              <a:ext uri="{FF2B5EF4-FFF2-40B4-BE49-F238E27FC236}">
-                <a16:creationId xmlns:a16="http://schemas.microsoft.com/office/drawing/2014/main" id="{ECED4934-94AB-4A34-940C-A165E9E7C3FC}"/>
-              </a:ext>
-            </a:extLst>
-          </p:cNvPr>
-          <p:cNvSpPr/>
-          <p:nvPr/>
-        </p:nvSpPr>
-        <p:spPr>
-          <a:xfrm rot="10800000">
-            <a:off x="5226797" y="3272200"/>
-            <a:ext cx="736563" cy="293257"/>
-          </a:xfrm>
-          <a:prstGeom prst="rightArrow">
-            <a:avLst/>
-          </a:prstGeom>
-        </p:spPr>
-        <p:style>
-          <a:lnRef idx="1">
-            <a:schemeClr val="accent1"/>
-          </a:lnRef>
-          <a:fillRef idx="3">
-            <a:schemeClr val="accent1"/>
-          </a:fillRef>
-          <a:effectRef idx="2">
-            <a:schemeClr val="accent1"/>
-          </a:effectRef>
-          <a:fontRef idx="minor">
-            <a:schemeClr val="lt1"/>
-          </a:fontRef>
-        </p:style>
-        <p:txBody>
-          <a:bodyPr rtlCol="0" anchor="ctr"/>
-          <a:lstStyle/>
-          <a:p>
-            <a:pPr algn="ctr"/>
-            <a:endParaRPr lang="en-US"/>
-          </a:p>
-        </p:txBody>
-      </p:sp>
-      <p:sp>
-        <p:nvSpPr>
-          <p:cNvPr id="22" name="Speech Bubble: Rectangle 21">
-            <a:extLst>
-              <a:ext uri="{FF2B5EF4-FFF2-40B4-BE49-F238E27FC236}">
-                <a16:creationId xmlns:a16="http://schemas.microsoft.com/office/drawing/2014/main" id="{D8CBBEA0-AAF4-401E-900D-36CA96287A44}"/>
-              </a:ext>
-            </a:extLst>
-          </p:cNvPr>
-          <p:cNvSpPr/>
-          <p:nvPr/>
-        </p:nvSpPr>
-        <p:spPr>
-          <a:xfrm>
-            <a:off x="3930651" y="2808377"/>
-            <a:ext cx="1003300" cy="299826"/>
-          </a:xfrm>
-          <a:prstGeom prst="wedgeRectCallout">
-            <a:avLst>
-              <a:gd name="adj1" fmla="val -17869"/>
-              <a:gd name="adj2" fmla="val 101362"/>
-            </a:avLst>
-          </a:prstGeom>
-        </p:spPr>
-        <p:style>
-          <a:lnRef idx="1">
-            <a:schemeClr val="dk1"/>
-          </a:lnRef>
-          <a:fillRef idx="2">
-            <a:schemeClr val="dk1"/>
-          </a:fillRef>
-          <a:effectRef idx="1">
-            <a:schemeClr val="dk1"/>
-          </a:effectRef>
-          <a:fontRef idx="minor">
-            <a:schemeClr val="dk1"/>
-          </a:fontRef>
-        </p:style>
-        <p:txBody>
-          <a:bodyPr rtlCol="0" anchor="ctr"/>
-          <a:lstStyle/>
-          <a:p>
-            <a:pPr algn="ctr"/>
-            <a:r>
-              <a:rPr lang="en-US" sz="1000" dirty="0"/>
-              <a:t>Strip time from time stamp</a:t>
-            </a:r>
-          </a:p>
-        </p:txBody>
-      </p:sp>
-      <p:sp>
-        <p:nvSpPr>
-          <p:cNvPr id="11" name="Speech Bubble: Rectangle 10">
-            <a:extLst>
-              <a:ext uri="{FF2B5EF4-FFF2-40B4-BE49-F238E27FC236}">
-                <a16:creationId xmlns:a16="http://schemas.microsoft.com/office/drawing/2014/main" id="{33A16886-DB0D-4279-B6CE-6C8A1249649B}"/>
-              </a:ext>
-            </a:extLst>
-          </p:cNvPr>
-          <p:cNvSpPr/>
-          <p:nvPr/>
-        </p:nvSpPr>
-        <p:spPr>
-          <a:xfrm>
-            <a:off x="2251076" y="988421"/>
-            <a:ext cx="1123244" cy="460301"/>
-          </a:xfrm>
-          <a:prstGeom prst="wedgeRectCallout">
-            <a:avLst>
-              <a:gd name="adj1" fmla="val 88070"/>
-              <a:gd name="adj2" fmla="val 40215"/>
-            </a:avLst>
-          </a:prstGeom>
-        </p:spPr>
-        <p:style>
-          <a:lnRef idx="1">
-            <a:schemeClr val="dk1"/>
-          </a:lnRef>
-          <a:fillRef idx="2">
-            <a:schemeClr val="dk1"/>
-          </a:fillRef>
-          <a:effectRef idx="1">
-            <a:schemeClr val="dk1"/>
-          </a:effectRef>
-          <a:fontRef idx="minor">
-            <a:schemeClr val="dk1"/>
-          </a:fontRef>
-        </p:style>
-        <p:txBody>
-          <a:bodyPr rtlCol="0" anchor="ctr"/>
-          <a:lstStyle/>
-          <a:p>
-            <a:pPr algn="ctr"/>
-            <a:r>
-              <a:rPr lang="en-US" sz="1000" dirty="0"/>
-              <a:t>Import stock Tweet activity: </a:t>
-            </a:r>
-            <a:r>
-              <a:rPr lang="en-US" sz="1000" dirty="0" err="1"/>
-              <a:t>twint.run.Search</a:t>
-            </a:r>
-            <a:r>
-              <a:rPr lang="en-US" sz="1000" dirty="0"/>
-              <a:t>()</a:t>
-            </a:r>
-          </a:p>
-        </p:txBody>
-      </p:sp>
-      <p:pic>
-        <p:nvPicPr>
-          <p:cNvPr id="7" name="Picture 6">
-            <a:extLst>
-              <a:ext uri="{FF2B5EF4-FFF2-40B4-BE49-F238E27FC236}">
-                <a16:creationId xmlns:a16="http://schemas.microsoft.com/office/drawing/2014/main" id="{B1855B5A-8660-4AF5-9624-CB6AA538BE9D}"/>
-              </a:ext>
-            </a:extLst>
-          </p:cNvPr>
-          <p:cNvPicPr>
-            <a:picLocks noChangeAspect="1"/>
-          </p:cNvPicPr>
-          <p:nvPr/>
-        </p:nvPicPr>
-        <p:blipFill>
-          <a:blip r:embed="rId3"/>
-          <a:stretch>
-            <a:fillRect/>
-          </a:stretch>
-        </p:blipFill>
-        <p:spPr>
-          <a:xfrm>
-            <a:off x="7054692" y="160152"/>
-            <a:ext cx="1957587" cy="1024675"/>
-          </a:xfrm>
-          <a:prstGeom prst="rect">
-            <a:avLst/>
-          </a:prstGeom>
-          <a:ln>
-            <a:noFill/>
-          </a:ln>
-          <a:effectLst>
-            <a:outerShdw blurRad="190500" algn="tl" rotWithShape="0">
-              <a:srgbClr val="000000">
-                <a:alpha val="70000"/>
-              </a:srgbClr>
-            </a:outerShdw>
-          </a:effectLst>
-        </p:spPr>
-      </p:pic>
-      <p:pic>
-        <p:nvPicPr>
-          <p:cNvPr id="10" name="Picture 9">
-            <a:extLst>
-              <a:ext uri="{FF2B5EF4-FFF2-40B4-BE49-F238E27FC236}">
-                <a16:creationId xmlns:a16="http://schemas.microsoft.com/office/drawing/2014/main" id="{ED2370A1-249F-4F28-BFF3-AA8336B38E07}"/>
-              </a:ext>
-            </a:extLst>
-          </p:cNvPr>
-          <p:cNvPicPr>
-            <a:picLocks noChangeAspect="1"/>
-          </p:cNvPicPr>
-          <p:nvPr/>
-        </p:nvPicPr>
-        <p:blipFill>
-          <a:blip r:embed="rId4"/>
-          <a:stretch>
-            <a:fillRect/>
-          </a:stretch>
-        </p:blipFill>
-        <p:spPr>
-          <a:xfrm>
-            <a:off x="515409" y="982281"/>
-            <a:ext cx="1314450" cy="342900"/>
-          </a:xfrm>
-          <a:prstGeom prst="rect">
-            <a:avLst/>
-          </a:prstGeom>
-          <a:ln>
-            <a:noFill/>
-          </a:ln>
-          <a:effectLst>
-            <a:outerShdw blurRad="190500" algn="tl" rotWithShape="0">
-              <a:srgbClr val="000000">
-                <a:alpha val="70000"/>
-              </a:srgbClr>
-            </a:outerShdw>
-          </a:effectLst>
-        </p:spPr>
-      </p:pic>
-      <p:pic>
-        <p:nvPicPr>
-          <p:cNvPr id="18" name="Picture 17">
-            <a:extLst>
-              <a:ext uri="{FF2B5EF4-FFF2-40B4-BE49-F238E27FC236}">
-                <a16:creationId xmlns:a16="http://schemas.microsoft.com/office/drawing/2014/main" id="{41B48F70-6AE8-435C-9C9A-C3A24A4FCB9F}"/>
-              </a:ext>
-            </a:extLst>
-          </p:cNvPr>
-          <p:cNvPicPr>
-            <a:picLocks noChangeAspect="1"/>
-          </p:cNvPicPr>
-          <p:nvPr/>
-        </p:nvPicPr>
-        <p:blipFill>
-          <a:blip r:embed="rId5"/>
-          <a:stretch>
-            <a:fillRect/>
-          </a:stretch>
-        </p:blipFill>
-        <p:spPr>
-          <a:xfrm>
-            <a:off x="654798" y="3272201"/>
-            <a:ext cx="4572000" cy="352425"/>
-          </a:xfrm>
-          <a:prstGeom prst="rect">
-            <a:avLst/>
-          </a:prstGeom>
-          <a:ln>
-            <a:noFill/>
-          </a:ln>
-          <a:effectLst>
-            <a:outerShdw blurRad="190500" algn="tl" rotWithShape="0">
-              <a:srgbClr val="000000">
-                <a:alpha val="70000"/>
-              </a:srgbClr>
-            </a:outerShdw>
-          </a:effectLst>
-        </p:spPr>
-      </p:pic>
-      <p:pic>
-        <p:nvPicPr>
-          <p:cNvPr id="20" name="Picture 19">
-            <a:extLst>
-              <a:ext uri="{FF2B5EF4-FFF2-40B4-BE49-F238E27FC236}">
-                <a16:creationId xmlns:a16="http://schemas.microsoft.com/office/drawing/2014/main" id="{48D98650-28A3-4632-9682-672B6C93CBC6}"/>
-              </a:ext>
-            </a:extLst>
-          </p:cNvPr>
-          <p:cNvPicPr>
-            <a:picLocks noChangeAspect="1"/>
-          </p:cNvPicPr>
-          <p:nvPr/>
-        </p:nvPicPr>
-        <p:blipFill>
-          <a:blip r:embed="rId6"/>
-          <a:stretch>
-            <a:fillRect/>
-          </a:stretch>
-        </p:blipFill>
-        <p:spPr>
-          <a:xfrm>
-            <a:off x="793749" y="4378004"/>
-            <a:ext cx="2990850" cy="276225"/>
-          </a:xfrm>
-          <a:prstGeom prst="rect">
-            <a:avLst/>
-          </a:prstGeom>
-          <a:ln>
-            <a:noFill/>
-          </a:ln>
-          <a:effectLst>
-            <a:outerShdw blurRad="190500" algn="tl" rotWithShape="0">
-              <a:srgbClr val="000000">
-                <a:alpha val="70000"/>
-              </a:srgbClr>
-            </a:outerShdw>
-          </a:effectLst>
-        </p:spPr>
-      </p:pic>
-      <p:pic>
-        <p:nvPicPr>
-          <p:cNvPr id="27" name="Picture 26">
-            <a:extLst>
-              <a:ext uri="{FF2B5EF4-FFF2-40B4-BE49-F238E27FC236}">
-                <a16:creationId xmlns:a16="http://schemas.microsoft.com/office/drawing/2014/main" id="{5A2178A7-10E4-4489-88EF-827273A1653B}"/>
-              </a:ext>
-            </a:extLst>
-          </p:cNvPr>
-          <p:cNvPicPr>
-            <a:picLocks noChangeAspect="1"/>
-          </p:cNvPicPr>
-          <p:nvPr/>
-        </p:nvPicPr>
-        <p:blipFill>
-          <a:blip r:embed="rId7"/>
-          <a:stretch>
-            <a:fillRect/>
-          </a:stretch>
-        </p:blipFill>
-        <p:spPr>
-          <a:xfrm>
-            <a:off x="3795537" y="1063229"/>
-            <a:ext cx="1847850" cy="1581150"/>
-          </a:xfrm>
-          <a:prstGeom prst="rect">
-            <a:avLst/>
-          </a:prstGeom>
-          <a:ln>
-            <a:noFill/>
-          </a:ln>
-          <a:effectLst>
-            <a:outerShdw blurRad="190500" algn="tl" rotWithShape="0">
-              <a:srgbClr val="000000">
-                <a:alpha val="70000"/>
-              </a:srgbClr>
-            </a:outerShdw>
-          </a:effectLst>
-        </p:spPr>
-      </p:pic>
-      <p:sp>
-        <p:nvSpPr>
-          <p:cNvPr id="28" name="Arrow: Right 27">
-            <a:extLst>
-              <a:ext uri="{FF2B5EF4-FFF2-40B4-BE49-F238E27FC236}">
-                <a16:creationId xmlns:a16="http://schemas.microsoft.com/office/drawing/2014/main" id="{CBF939A1-4265-4E89-8146-677DBF1068D7}"/>
-              </a:ext>
-            </a:extLst>
-          </p:cNvPr>
-          <p:cNvSpPr/>
-          <p:nvPr/>
-        </p:nvSpPr>
-        <p:spPr>
-          <a:xfrm>
-            <a:off x="5654325" y="1891299"/>
-            <a:ext cx="600425" cy="293257"/>
-          </a:xfrm>
-          <a:prstGeom prst="rightArrow">
-            <a:avLst/>
-          </a:prstGeom>
-        </p:spPr>
-        <p:style>
-          <a:lnRef idx="1">
-            <a:schemeClr val="accent1"/>
-          </a:lnRef>
-          <a:fillRef idx="3">
-            <a:schemeClr val="accent1"/>
-          </a:fillRef>
-          <a:effectRef idx="2">
-            <a:schemeClr val="accent1"/>
-          </a:effectRef>
-          <a:fontRef idx="minor">
-            <a:schemeClr val="lt1"/>
-          </a:fontRef>
-        </p:style>
-        <p:txBody>
-          <a:bodyPr rtlCol="0" anchor="ctr"/>
-          <a:lstStyle/>
-          <a:p>
-            <a:pPr algn="ctr"/>
-            <a:endParaRPr lang="en-US"/>
-          </a:p>
-        </p:txBody>
-      </p:sp>
-      <p:pic>
-        <p:nvPicPr>
-          <p:cNvPr id="33" name="Picture 32">
-            <a:extLst>
-              <a:ext uri="{FF2B5EF4-FFF2-40B4-BE49-F238E27FC236}">
-                <a16:creationId xmlns:a16="http://schemas.microsoft.com/office/drawing/2014/main" id="{5CAD0208-1D7F-44B2-A253-F47AA3FF394D}"/>
-              </a:ext>
-            </a:extLst>
-          </p:cNvPr>
-          <p:cNvPicPr>
-            <a:picLocks noChangeAspect="1"/>
-          </p:cNvPicPr>
-          <p:nvPr/>
-        </p:nvPicPr>
-        <p:blipFill>
-          <a:blip r:embed="rId8"/>
-          <a:stretch>
-            <a:fillRect/>
-          </a:stretch>
-        </p:blipFill>
-        <p:spPr>
-          <a:xfrm>
-            <a:off x="6254750" y="1457419"/>
-            <a:ext cx="1550098" cy="1542189"/>
-          </a:xfrm>
-          <a:prstGeom prst="rect">
-            <a:avLst/>
-          </a:prstGeom>
-          <a:ln>
-            <a:noFill/>
-          </a:ln>
-          <a:effectLst>
-            <a:outerShdw blurRad="190500" algn="tl" rotWithShape="0">
-              <a:srgbClr val="000000">
-                <a:alpha val="70000"/>
-              </a:srgbClr>
-            </a:outerShdw>
-          </a:effectLst>
-        </p:spPr>
-      </p:pic>
-      <p:pic>
-        <p:nvPicPr>
-          <p:cNvPr id="34" name="Picture 33">
-            <a:extLst>
-              <a:ext uri="{FF2B5EF4-FFF2-40B4-BE49-F238E27FC236}">
-                <a16:creationId xmlns:a16="http://schemas.microsoft.com/office/drawing/2014/main" id="{C1F1A31B-F554-459F-9931-0C67A6A549E2}"/>
-              </a:ext>
-            </a:extLst>
-          </p:cNvPr>
-          <p:cNvPicPr>
-            <a:picLocks noChangeAspect="1"/>
-          </p:cNvPicPr>
-          <p:nvPr/>
-        </p:nvPicPr>
-        <p:blipFill>
-          <a:blip r:embed="rId9"/>
-          <a:stretch>
-            <a:fillRect/>
-          </a:stretch>
-        </p:blipFill>
-        <p:spPr>
-          <a:xfrm>
-            <a:off x="5963360" y="3193572"/>
-            <a:ext cx="1872540" cy="1443558"/>
-          </a:xfrm>
-          <a:prstGeom prst="rect">
-            <a:avLst/>
-          </a:prstGeom>
-          <a:ln>
-            <a:noFill/>
-          </a:ln>
-          <a:effectLst>
-            <a:outerShdw blurRad="190500" algn="tl" rotWithShape="0">
-              <a:srgbClr val="000000">
-                <a:alpha val="70000"/>
-              </a:srgbClr>
-            </a:outerShdw>
-          </a:effectLst>
-        </p:spPr>
-      </p:pic>
-      <p:sp>
-        <p:nvSpPr>
-          <p:cNvPr id="35" name="Arrow: Right 34">
-            <a:extLst>
-              <a:ext uri="{FF2B5EF4-FFF2-40B4-BE49-F238E27FC236}">
-                <a16:creationId xmlns:a16="http://schemas.microsoft.com/office/drawing/2014/main" id="{7C5F19DA-E918-4EB6-AFCF-1279F894248E}"/>
-              </a:ext>
-            </a:extLst>
-          </p:cNvPr>
-          <p:cNvSpPr/>
-          <p:nvPr/>
-        </p:nvSpPr>
-        <p:spPr>
-          <a:xfrm rot="5400000">
-            <a:off x="6784011" y="3035052"/>
-            <a:ext cx="364145" cy="293257"/>
-          </a:xfrm>
-          <a:prstGeom prst="rightArrow">
-            <a:avLst/>
-          </a:prstGeom>
-        </p:spPr>
-        <p:style>
-          <a:lnRef idx="1">
-            <a:schemeClr val="accent1"/>
-          </a:lnRef>
-          <a:fillRef idx="3">
-            <a:schemeClr val="accent1"/>
-          </a:fillRef>
-          <a:effectRef idx="2">
-            <a:schemeClr val="accent1"/>
-          </a:effectRef>
-          <a:fontRef idx="minor">
-            <a:schemeClr val="lt1"/>
-          </a:fontRef>
-        </p:style>
-        <p:txBody>
-          <a:bodyPr rtlCol="0" anchor="ctr"/>
-          <a:lstStyle/>
-          <a:p>
-            <a:pPr algn="ctr"/>
-            <a:endParaRPr lang="en-US"/>
-          </a:p>
-        </p:txBody>
-      </p:sp>
-      <p:sp>
-        <p:nvSpPr>
-          <p:cNvPr id="24" name="Speech Bubble: Rectangle 23">
-            <a:extLst>
-              <a:ext uri="{FF2B5EF4-FFF2-40B4-BE49-F238E27FC236}">
-                <a16:creationId xmlns:a16="http://schemas.microsoft.com/office/drawing/2014/main" id="{18839427-4D33-48A4-9276-05F412E7AE8B}"/>
-              </a:ext>
-            </a:extLst>
-          </p:cNvPr>
-          <p:cNvSpPr/>
-          <p:nvPr/>
-        </p:nvSpPr>
-        <p:spPr>
-          <a:xfrm>
-            <a:off x="8095725" y="3410803"/>
-            <a:ext cx="786954" cy="299826"/>
-          </a:xfrm>
-          <a:prstGeom prst="wedgeRectCallout">
-            <a:avLst>
-              <a:gd name="adj1" fmla="val -91298"/>
-              <a:gd name="adj2" fmla="val -4533"/>
-            </a:avLst>
-          </a:prstGeom>
-        </p:spPr>
-        <p:style>
-          <a:lnRef idx="1">
-            <a:schemeClr val="dk1"/>
-          </a:lnRef>
-          <a:fillRef idx="2">
-            <a:schemeClr val="dk1"/>
-          </a:fillRef>
-          <a:effectRef idx="1">
-            <a:schemeClr val="dk1"/>
-          </a:effectRef>
-          <a:fontRef idx="minor">
-            <a:schemeClr val="dk1"/>
-          </a:fontRef>
-        </p:style>
-        <p:txBody>
-          <a:bodyPr rtlCol="0" anchor="ctr"/>
-          <a:lstStyle/>
-          <a:p>
-            <a:pPr algn="ctr"/>
-            <a:r>
-              <a:rPr lang="en-US" sz="1000" dirty="0"/>
-              <a:t>Required Fields</a:t>
-            </a:r>
-          </a:p>
-        </p:txBody>
-      </p:sp>
-    </p:spTree>
-    <p:extLst>
-      <p:ext uri="{BB962C8B-B14F-4D97-AF65-F5344CB8AC3E}">
-        <p14:creationId xmlns:p14="http://schemas.microsoft.com/office/powerpoint/2010/main" val="337191531"/>
+        <p14:creationId xmlns:p14="http://schemas.microsoft.com/office/powerpoint/2010/main" val="1876129600"/>
       </p:ext>
     </p:extLst>
   </p:cSld>

--- a/draft0_NU-FinalProject_Stocks.pptx
+++ b/draft0_NU-FinalProject_Stocks.pptx
@@ -5,20 +5,21 @@
     <p:sldMasterId id="2147483648" r:id="rId1"/>
   </p:sldMasterIdLst>
   <p:notesMasterIdLst>
-    <p:notesMasterId r:id="rId10"/>
+    <p:notesMasterId r:id="rId11"/>
   </p:notesMasterIdLst>
   <p:handoutMasterIdLst>
-    <p:handoutMasterId r:id="rId11"/>
+    <p:handoutMasterId r:id="rId12"/>
   </p:handoutMasterIdLst>
   <p:sldIdLst>
     <p:sldId id="256" r:id="rId2"/>
     <p:sldId id="257" r:id="rId3"/>
     <p:sldId id="262" r:id="rId4"/>
-    <p:sldId id="326" r:id="rId5"/>
-    <p:sldId id="276" r:id="rId6"/>
-    <p:sldId id="301" r:id="rId7"/>
-    <p:sldId id="266" r:id="rId8"/>
-    <p:sldId id="296" r:id="rId9"/>
+    <p:sldId id="327" r:id="rId5"/>
+    <p:sldId id="326" r:id="rId6"/>
+    <p:sldId id="330" r:id="rId7"/>
+    <p:sldId id="329" r:id="rId8"/>
+    <p:sldId id="266" r:id="rId9"/>
+    <p:sldId id="296" r:id="rId10"/>
   </p:sldIdLst>
   <p:sldSz cx="9144000" cy="5143500" type="screen16x9"/>
   <p:notesSz cx="6858000" cy="9144000"/>
@@ -125,9 +126,10 @@
             <p14:sldId id="256"/>
             <p14:sldId id="257"/>
             <p14:sldId id="262"/>
+            <p14:sldId id="327"/>
             <p14:sldId id="326"/>
-            <p14:sldId id="276"/>
-            <p14:sldId id="301"/>
+            <p14:sldId id="330"/>
+            <p14:sldId id="329"/>
             <p14:sldId id="266"/>
             <p14:sldId id="296"/>
           </p14:sldIdLst>
@@ -152,6 +154,18 @@
 </p:presentation>
 </file>
 
+<file path=ppt/commentAuthors.xml><?xml version="1.0" encoding="utf-8"?>
+<p:cmAuthorLst xmlns:a="http://schemas.openxmlformats.org/drawingml/2006/main" xmlns:r="http://schemas.openxmlformats.org/officeDocument/2006/relationships" xmlns:p="http://schemas.openxmlformats.org/presentationml/2006/main">
+  <p:cmAuthor id="1" name="Carl Coffman" initials="CC" lastIdx="1" clrIdx="0">
+    <p:extLst>
+      <p:ext uri="{19B8F6BF-5375-455C-9EA6-DF929625EA0E}">
+        <p15:presenceInfo xmlns:p15="http://schemas.microsoft.com/office/powerpoint/2012/main" userId="395c5dd763efd17d" providerId="Windows Live"/>
+      </p:ext>
+    </p:extLst>
+  </p:cmAuthor>
+</p:cmAuthorLst>
+</file>
+
 <file path=ppt/handoutMasters/handoutMaster1.xml><?xml version="1.0" encoding="utf-8"?>
 <p:handoutMaster xmlns:a="http://schemas.openxmlformats.org/drawingml/2006/main" xmlns:r="http://schemas.openxmlformats.org/officeDocument/2006/relationships" xmlns:p="http://schemas.openxmlformats.org/presentationml/2006/main">
   <p:cSld>
@@ -234,7 +248,7 @@
           <a:p>
             <a:fld id="{DE6D1952-4C8C-594A-8D47-CC3EBD31CD69}" type="datetimeFigureOut">
               <a:rPr lang="en-US" smtClean="0"/>
-              <a:t>3/8/2021</a:t>
+              <a:t>3/9/2021</a:t>
             </a:fld>
             <a:endParaRPr lang="en-US"/>
           </a:p>
@@ -400,7 +414,7 @@
           <a:p>
             <a:fld id="{5AE82BA9-193E-D440-8A2C-9653656F2AE3}" type="datetimeFigureOut">
               <a:rPr lang="en-US" smtClean="0"/>
-              <a:t>3/8/2021</a:t>
+              <a:t>3/9/2021</a:t>
             </a:fld>
             <a:endParaRPr lang="en-US"/>
           </a:p>
@@ -1031,7 +1045,7 @@
             <a:fld id="{B362BA78-8688-C546-A03A-2A39F84C0B58}" type="datetime1">
               <a:rPr lang="en-US" smtClean="0"/>
               <a:pPr/>
-              <a:t>3/8/2021</a:t>
+              <a:t>3/9/2021</a:t>
             </a:fld>
             <a:endParaRPr lang="en-US"/>
           </a:p>
@@ -1251,7 +1265,7 @@
             <a:fld id="{EF5B9135-15EF-DE46-84CC-16626B0FAF7F}" type="datetime1">
               <a:rPr lang="en-US" smtClean="0"/>
               <a:pPr/>
-              <a:t>3/8/2021</a:t>
+              <a:t>3/9/2021</a:t>
             </a:fld>
             <a:endParaRPr lang="en-US"/>
           </a:p>
@@ -1499,7 +1513,7 @@
           <a:p>
             <a:fld id="{99477ADD-011F-3541-9724-9C7FC92455D5}" type="datetime1">
               <a:rPr lang="en-US" smtClean="0"/>
-              <a:t>3/8/2021</a:t>
+              <a:t>3/9/2021</a:t>
             </a:fld>
             <a:endParaRPr lang="en-US"/>
           </a:p>
@@ -1613,7 +1627,7 @@
             <a:fld id="{D3421027-4EC0-9C48-8CFB-B8A3104CB056}" type="datetime1">
               <a:rPr lang="en-US" smtClean="0"/>
               <a:pPr/>
-              <a:t>3/8/2021</a:t>
+              <a:t>3/9/2021</a:t>
             </a:fld>
             <a:endParaRPr lang="en-US"/>
           </a:p>
@@ -1879,7 +1893,7 @@
           <a:p>
             <a:fld id="{FA5DAB8B-8178-D047-869E-5A62AF236443}" type="datetime1">
               <a:rPr lang="en-US" smtClean="0"/>
-              <a:t>3/8/2021</a:t>
+              <a:t>3/9/2021</a:t>
             </a:fld>
             <a:endParaRPr lang="en-US" dirty="0"/>
           </a:p>
@@ -2093,7 +2107,7 @@
             <a:fld id="{B9AB8213-A564-3C44-8CA0-968996562138}" type="datetime1">
               <a:rPr lang="en-US" smtClean="0"/>
               <a:pPr/>
-              <a:t>3/8/2021</a:t>
+              <a:t>3/9/2021</a:t>
             </a:fld>
             <a:endParaRPr lang="en-US"/>
           </a:p>
@@ -2363,7 +2377,7 @@
             <a:fld id="{0A83DA12-03A5-114A-ABAE-78CD6BB6AC19}" type="datetime1">
               <a:rPr lang="en-US" smtClean="0"/>
               <a:pPr/>
-              <a:t>3/8/2021</a:t>
+              <a:t>3/9/2021</a:t>
             </a:fld>
             <a:endParaRPr lang="en-US"/>
           </a:p>
@@ -2694,7 +2708,7 @@
             <a:fld id="{1FFF386F-14E4-954A-9EC2-E277FFD66D49}" type="datetime1">
               <a:rPr lang="en-US" smtClean="0"/>
               <a:pPr/>
-              <a:t>3/8/2021</a:t>
+              <a:t>3/9/2021</a:t>
             </a:fld>
             <a:endParaRPr lang="en-US"/>
           </a:p>
@@ -3163,7 +3177,7 @@
             <a:fld id="{D8FFCF06-3344-8345-BEA6-DDAEFCC6ECCE}" type="datetime1">
               <a:rPr lang="en-US" smtClean="0"/>
               <a:pPr/>
-              <a:t>3/8/2021</a:t>
+              <a:t>3/9/2021</a:t>
             </a:fld>
             <a:endParaRPr lang="en-US"/>
           </a:p>
@@ -3306,7 +3320,7 @@
             <a:fld id="{84C6D879-35D4-554E-9D6D-93E8130AA922}" type="datetime1">
               <a:rPr lang="en-US" smtClean="0"/>
               <a:pPr/>
-              <a:t>3/8/2021</a:t>
+              <a:t>3/9/2021</a:t>
             </a:fld>
             <a:endParaRPr lang="en-US"/>
           </a:p>
@@ -3615,7 +3629,7 @@
             <a:fld id="{AB182AE3-760A-8E44-AB65-03A533386DFC}" type="datetime1">
               <a:rPr lang="en-US" smtClean="0"/>
               <a:pPr/>
-              <a:t>3/8/2021</a:t>
+              <a:t>3/9/2021</a:t>
             </a:fld>
             <a:endParaRPr lang="en-US"/>
           </a:p>
@@ -3869,7 +3883,7 @@
           <a:p>
             <a:fld id="{D98C176C-065F-124D-AAA4-94F2B7A2EC7C}" type="datetime1">
               <a:rPr lang="en-US" smtClean="0"/>
-              <a:t>3/8/2021</a:t>
+              <a:t>3/9/2021</a:t>
             </a:fld>
             <a:endParaRPr lang="en-US"/>
           </a:p>
@@ -4762,8 +4776,8 @@
         </p:nvSpPr>
         <p:spPr>
           <a:xfrm>
-            <a:off x="501650" y="1586706"/>
-            <a:ext cx="3543300" cy="745133"/>
+            <a:off x="501650" y="2847279"/>
+            <a:ext cx="3282950" cy="970458"/>
           </a:xfrm>
         </p:spPr>
         <p:txBody>
@@ -4778,8 +4792,12 @@
               </a:lnSpc>
             </a:pPr>
             <a:r>
+              <a:rPr lang="en-US" sz="1100" dirty="0"/>
+              <a:t>Stock Predictor (ccc-gh.github.io) </a:t>
+            </a:r>
+            <a:r>
               <a:rPr lang="en-US" sz="900" dirty="0"/>
-              <a:t>Stock Predictor (ccc-gh.github.io) 	</a:t>
+              <a:t>	</a:t>
             </a:r>
           </a:p>
           <a:p>
@@ -4795,6 +4813,17 @@
               </a:rPr>
               <a:t>https://ccc-gh.github.io/FinalProject-Stock/</a:t>
             </a:r>
+          </a:p>
+          <a:p>
+            <a:pPr marL="457200" lvl="1" indent="0">
+              <a:lnSpc>
+                <a:spcPct val="90000"/>
+              </a:lnSpc>
+              <a:buNone/>
+            </a:pPr>
+            <a:endParaRPr lang="en-US" sz="900" dirty="0">
+              <a:hlinkClick r:id="rId2"/>
+            </a:endParaRPr>
           </a:p>
           <a:p>
             <a:pPr>
@@ -4803,7 +4832,7 @@
               </a:lnSpc>
             </a:pPr>
             <a:r>
-              <a:rPr lang="en-US" sz="900" dirty="0"/>
+              <a:rPr lang="en-US" sz="1100" dirty="0"/>
               <a:t>GitHub Code Repository</a:t>
             </a:r>
           </a:p>
@@ -4825,89 +4854,6 @@
               <a:t>https://github.com/CCC-GH/FinalProject-Stock</a:t>
             </a:r>
             <a:endParaRPr lang="en-US" sz="900" dirty="0"/>
-          </a:p>
-        </p:txBody>
-      </p:sp>
-      <p:sp>
-        <p:nvSpPr>
-          <p:cNvPr id="11" name="Text Placeholder 4">
-            <a:extLst>
-              <a:ext uri="{FF2B5EF4-FFF2-40B4-BE49-F238E27FC236}">
-                <a16:creationId xmlns:a16="http://schemas.microsoft.com/office/drawing/2014/main" id="{45702F7B-FD44-4CE8-ACD0-1B11D372421E}"/>
-              </a:ext>
-            </a:extLst>
-          </p:cNvPr>
-          <p:cNvSpPr>
-            <a:spLocks noGrp="1"/>
-          </p:cNvSpPr>
-          <p:nvPr>
-            <p:ph type="body" sz="quarter" idx="3"/>
-          </p:nvPr>
-        </p:nvSpPr>
-        <p:spPr>
-          <a:xfrm>
-            <a:off x="4572000" y="1106885"/>
-            <a:ext cx="4041775" cy="479822"/>
-          </a:xfrm>
-        </p:spPr>
-        <p:txBody>
-          <a:bodyPr>
-            <a:normAutofit/>
-          </a:bodyPr>
-          <a:lstStyle/>
-          <a:p>
-            <a:r>
-              <a:rPr lang="en-US" dirty="0"/>
-              <a:t>Project Team Challenges</a:t>
-            </a:r>
-          </a:p>
-        </p:txBody>
-      </p:sp>
-      <p:sp>
-        <p:nvSpPr>
-          <p:cNvPr id="13" name="Content Placeholder 5">
-            <a:extLst>
-              <a:ext uri="{FF2B5EF4-FFF2-40B4-BE49-F238E27FC236}">
-                <a16:creationId xmlns:a16="http://schemas.microsoft.com/office/drawing/2014/main" id="{A5DE8453-C6E8-423E-B621-DF286B3A12C1}"/>
-              </a:ext>
-            </a:extLst>
-          </p:cNvPr>
-          <p:cNvSpPr>
-            <a:spLocks noGrp="1"/>
-          </p:cNvSpPr>
-          <p:nvPr>
-            <p:ph sz="quarter" idx="4"/>
-          </p:nvPr>
-        </p:nvSpPr>
-        <p:spPr>
-          <a:xfrm>
-            <a:off x="4229100" y="1586705"/>
-            <a:ext cx="4260850" cy="2963466"/>
-          </a:xfrm>
-        </p:spPr>
-        <p:txBody>
-          <a:bodyPr>
-            <a:normAutofit/>
-          </a:bodyPr>
-          <a:lstStyle/>
-          <a:p>
-            <a:r>
-              <a:rPr lang="en-US" sz="1100" dirty="0"/>
-              <a:t>Finding “free” historical data source for a particular stock’s short activity – current (.info) and basic-historical (.history) is made available: open, close, volume, high, low social activity or amount of noise and its trend.</a:t>
-            </a:r>
-            <a:endParaRPr lang="en-US" sz="1200" dirty="0"/>
-          </a:p>
-          <a:p>
-            <a:pPr marL="0" indent="0">
-              <a:buNone/>
-            </a:pPr>
-            <a:r>
-              <a:rPr lang="en-US" sz="1200" dirty="0"/>
-              <a:t> </a:t>
-            </a:r>
-          </a:p>
-          <a:p>
-            <a:endParaRPr lang="en-US" sz="1200" dirty="0"/>
           </a:p>
         </p:txBody>
       </p:sp>
@@ -4979,8 +4925,8 @@
         </p:nvSpPr>
         <p:spPr>
           <a:xfrm>
-            <a:off x="495300" y="2598538"/>
-            <a:ext cx="4040188" cy="2017912"/>
+            <a:off x="3992464" y="1490860"/>
+            <a:ext cx="4649885" cy="2017912"/>
           </a:xfrm>
           <a:prstGeom prst="rect">
             <a:avLst/>
@@ -5149,96 +5095,112 @@
             </a:r>
           </a:p>
           <a:p>
+            <a:pPr>
+              <a:lnSpc>
+                <a:spcPct val="90000"/>
+              </a:lnSpc>
+            </a:pPr>
+            <a:r>
+              <a:rPr lang="en-US" sz="1100" dirty="0"/>
+              <a:t>	</a:t>
+            </a:r>
+            <a:r>
+              <a:rPr lang="en-US" sz="1100" dirty="0" err="1">
+                <a:hlinkClick r:id="rId3"/>
+              </a:rPr>
+              <a:t>yfinance</a:t>
+            </a:r>
+            <a:r>
+              <a:rPr lang="en-US" sz="1100" dirty="0"/>
+              <a:t> - # Yahoo! Finance market data </a:t>
+            </a:r>
+          </a:p>
+          <a:p>
             <a:pPr marL="0" indent="0">
               <a:lnSpc>
                 <a:spcPct val="90000"/>
               </a:lnSpc>
-              <a:buFont typeface="Arial"/>
               <a:buNone/>
             </a:pPr>
             <a:r>
-              <a:rPr lang="en-US" sz="1100" dirty="0"/>
-              <a:t>	</a:t>
-            </a:r>
-            <a:r>
-              <a:rPr lang="en-US" sz="1100" dirty="0" err="1">
-                <a:hlinkClick r:id="rId3"/>
-              </a:rPr>
+              <a:rPr lang="en-US" sz="900" dirty="0"/>
+              <a:t>		$ pip install </a:t>
+            </a:r>
+            <a:r>
+              <a:rPr lang="en-US" sz="900" dirty="0" err="1"/>
               <a:t>yfinance</a:t>
             </a:r>
-            <a:r>
-              <a:rPr lang="en-US" sz="1100" dirty="0"/>
-              <a:t> - # Yahoo! Finance market data </a:t>
-            </a:r>
+            <a:endParaRPr lang="en-US" sz="900" dirty="0"/>
           </a:p>
           <a:p>
             <a:pPr marL="0" indent="0">
               <a:lnSpc>
                 <a:spcPct val="90000"/>
               </a:lnSpc>
-              <a:buFont typeface="Arial"/>
               <a:buNone/>
             </a:pPr>
             <a:r>
-              <a:rPr lang="en-US" sz="1100" dirty="0"/>
-              <a:t>		$ pip install </a:t>
-            </a:r>
-            <a:r>
-              <a:rPr lang="en-US" sz="1100" dirty="0" err="1"/>
+              <a:rPr lang="en-US" sz="900" dirty="0"/>
+              <a:t>		import </a:t>
+            </a:r>
+            <a:r>
+              <a:rPr lang="en-US" sz="900" dirty="0" err="1"/>
               <a:t>yfinance</a:t>
             </a:r>
-            <a:endParaRPr lang="en-US" sz="1100" dirty="0"/>
+            <a:endParaRPr lang="en-US" sz="900" dirty="0"/>
           </a:p>
           <a:p>
             <a:pPr marL="0" indent="0">
               <a:lnSpc>
                 <a:spcPct val="90000"/>
               </a:lnSpc>
-              <a:buFont typeface="Arial"/>
               <a:buNone/>
             </a:pPr>
+            <a:endParaRPr lang="en-US" sz="500" dirty="0"/>
+          </a:p>
+          <a:p>
+            <a:pPr>
+              <a:lnSpc>
+                <a:spcPct val="90000"/>
+              </a:lnSpc>
+            </a:pPr>
             <a:r>
               <a:rPr lang="en-US" sz="1100" dirty="0"/>
-              <a:t>		</a:t>
-            </a:r>
-            <a:r>
-              <a:rPr lang="en-US" sz="1000" dirty="0"/>
-              <a:t>import </a:t>
-            </a:r>
-            <a:r>
-              <a:rPr lang="en-US" sz="1000" dirty="0" err="1"/>
-              <a:t>yfinance</a:t>
-            </a:r>
-            <a:endParaRPr lang="en-US" sz="1100" dirty="0"/>
+              <a:t>	</a:t>
+            </a:r>
+            <a:r>
+              <a:rPr lang="en-US" sz="1100" dirty="0">
+                <a:hlinkClick r:id="rId4"/>
+              </a:rPr>
+              <a:t>pandas-</a:t>
+            </a:r>
+            <a:r>
+              <a:rPr lang="en-US" sz="1100" dirty="0" err="1">
+                <a:hlinkClick r:id="rId4"/>
+              </a:rPr>
+              <a:t>datareader</a:t>
+            </a:r>
+            <a:r>
+              <a:rPr lang="en-US" sz="1100" dirty="0"/>
+              <a:t> – Tweet data feed</a:t>
+            </a:r>
           </a:p>
           <a:p>
             <a:pPr marL="0" indent="0">
               <a:lnSpc>
                 <a:spcPct val="90000"/>
               </a:lnSpc>
-              <a:buFont typeface="Arial"/>
               <a:buNone/>
             </a:pPr>
             <a:r>
-              <a:rPr lang="en-US" sz="1100" dirty="0"/>
-              <a:t>	</a:t>
-            </a:r>
-            <a:r>
-              <a:rPr lang="en-US" sz="1100" dirty="0">
-                <a:hlinkClick r:id="rId4"/>
-              </a:rPr>
-              <a:t>pandas-</a:t>
-            </a:r>
-            <a:r>
-              <a:rPr lang="en-US" sz="1100" dirty="0" err="1">
-                <a:hlinkClick r:id="rId4"/>
-              </a:rPr>
+              <a:rPr lang="en-US" sz="900" dirty="0"/>
+              <a:t>		$pip install pandas-</a:t>
+            </a:r>
+            <a:r>
+              <a:rPr lang="en-US" sz="900" dirty="0" err="1"/>
               <a:t>datareader</a:t>
             </a:r>
-            <a:r>
-              <a:rPr lang="en-US" sz="1100" dirty="0"/>
-              <a:t> – Tweet data feed for Twitter </a:t>
-            </a:r>
+            <a:endParaRPr lang="en-US" sz="900" dirty="0"/>
           </a:p>
           <a:p>
             <a:pPr marL="0" indent="0">
@@ -5248,14 +5210,14 @@
               <a:buNone/>
             </a:pPr>
             <a:r>
-              <a:rPr lang="en-US" sz="1100" dirty="0"/>
-              <a:t>		$pip install pandas-</a:t>
-            </a:r>
-            <a:r>
-              <a:rPr lang="en-US" sz="1100" dirty="0" err="1"/>
-              <a:t>datareader</a:t>
-            </a:r>
-            <a:endParaRPr lang="en-US" sz="1100" dirty="0"/>
+              <a:rPr lang="en-US" sz="900" dirty="0"/>
+              <a:t>		import </a:t>
+            </a:r>
+            <a:r>
+              <a:rPr lang="en-US" sz="900" dirty="0" err="1"/>
+              <a:t>pandas_datareader</a:t>
+            </a:r>
+            <a:endParaRPr lang="en-US" sz="900" dirty="0"/>
           </a:p>
           <a:p>
             <a:pPr marL="0" indent="0">
@@ -5264,13 +5226,94 @@
               </a:lnSpc>
               <a:buNone/>
             </a:pPr>
+            <a:endParaRPr lang="en-US" sz="500" dirty="0"/>
+          </a:p>
+          <a:p>
+            <a:pPr>
+              <a:lnSpc>
+                <a:spcPct val="90000"/>
+              </a:lnSpc>
+            </a:pPr>
             <a:r>
               <a:rPr lang="en-US" sz="1100" dirty="0"/>
-              <a:t>		import </a:t>
+              <a:t>	</a:t>
+            </a:r>
+            <a:r>
+              <a:rPr lang="en-US" sz="1100" dirty="0">
+                <a:hlinkClick r:id="rId5"/>
+              </a:rPr>
+              <a:t>Reddit</a:t>
+            </a:r>
+            <a:r>
+              <a:rPr lang="en-US" sz="1100" dirty="0"/>
+              <a:t> – user-generated bulletins</a:t>
+            </a:r>
+          </a:p>
+          <a:p>
+            <a:pPr marL="914400" lvl="2" indent="0">
+              <a:lnSpc>
+                <a:spcPct val="90000"/>
+              </a:lnSpc>
+              <a:buNone/>
+            </a:pPr>
+            <a:r>
+              <a:rPr lang="en-US" sz="800" dirty="0">
+                <a:hlinkClick r:id="rId6"/>
+              </a:rPr>
+              <a:t>https://www.reddit.com/r/datasets/</a:t>
+            </a:r>
+            <a:endParaRPr lang="en-US" sz="200" dirty="0"/>
+          </a:p>
+          <a:p>
+            <a:pPr marL="914400" lvl="2" indent="0">
+              <a:lnSpc>
+                <a:spcPct val="90000"/>
+              </a:lnSpc>
+              <a:buNone/>
+            </a:pPr>
+            <a:endParaRPr lang="en-US" sz="500" dirty="0"/>
+          </a:p>
+          <a:p>
+            <a:pPr>
+              <a:lnSpc>
+                <a:spcPct val="90000"/>
+              </a:lnSpc>
+            </a:pPr>
+            <a:r>
+              <a:rPr lang="en-US" sz="1100" dirty="0"/>
+              <a:t>	</a:t>
+            </a:r>
+            <a:r>
+              <a:rPr lang="en-US" sz="1100" dirty="0">
+                <a:hlinkClick r:id="rId7"/>
+              </a:rPr>
+              <a:t>Kaggle</a:t>
+            </a:r>
+            <a:r>
+              <a:rPr lang="en-US" sz="1100" dirty="0"/>
+              <a:t> – </a:t>
             </a:r>
             <a:r>
               <a:rPr lang="en-US" sz="1100" dirty="0" err="1"/>
-              <a:t>pandas_datareader</a:t>
+              <a:t>WallStreetBest</a:t>
+            </a:r>
+            <a:r>
+              <a:rPr lang="en-US" sz="1100" dirty="0"/>
+              <a:t> posts</a:t>
+            </a:r>
+          </a:p>
+          <a:p>
+            <a:pPr marL="914400" lvl="2" indent="0">
+              <a:lnSpc>
+                <a:spcPct val="90000"/>
+              </a:lnSpc>
+              <a:buNone/>
+            </a:pPr>
+            <a:r>
+              <a:rPr lang="en-US" sz="900" dirty="0">
+                <a:hlinkClick r:id="rId8"/>
+              </a:rPr>
+              <a:t>https://www.kaggle.com/datasets</a:t>
             </a:r>
             <a:endParaRPr lang="en-US" sz="1100" dirty="0"/>
           </a:p>
@@ -5282,17 +5325,7 @@
               <a:buFont typeface="Arial"/>
               <a:buNone/>
             </a:pPr>
-            <a:r>
-              <a:rPr lang="en-US" sz="1100" dirty="0"/>
-              <a:t>	</a:t>
-            </a:r>
-            <a:r>
-              <a:rPr lang="en-US" sz="1100" dirty="0">
-                <a:hlinkClick r:id="rId5"/>
-              </a:rPr>
-              <a:t>snowflake</a:t>
-            </a:r>
-            <a:endParaRPr lang="en-US" sz="1100" dirty="0"/>
+            <a:endParaRPr lang="en-US" sz="1000" dirty="0"/>
           </a:p>
           <a:p>
             <a:pPr marL="0" indent="0">
@@ -5304,15 +5337,28 @@
             </a:pPr>
             <a:r>
               <a:rPr lang="en-US" sz="1100" dirty="0"/>
-              <a:t>	- </a:t>
-            </a:r>
-            <a:r>
-              <a:rPr lang="en-US" sz="1100" dirty="0" err="1"/>
-              <a:t>kaggal</a:t>
-            </a:r>
+              <a:t>Reviewed:</a:t>
+            </a:r>
+          </a:p>
+          <a:p>
+            <a:pPr>
+              <a:lnSpc>
+                <a:spcPct val="90000"/>
+              </a:lnSpc>
+            </a:pPr>
             <a:r>
               <a:rPr lang="en-US" sz="1100" dirty="0"/>
-              <a:t>/Reddit - download</a:t>
+              <a:t>	</a:t>
+            </a:r>
+            <a:r>
+              <a:rPr lang="en-US" sz="1100" dirty="0">
+                <a:hlinkClick r:id="rId9"/>
+              </a:rPr>
+              <a:t>snowflake</a:t>
+            </a:r>
+            <a:r>
+              <a:rPr lang="en-US" sz="1100" dirty="0"/>
+              <a:t> – great data cloud connectivity store/retrieve, but no 	access given to stock-shorting data.</a:t>
             </a:r>
           </a:p>
           <a:p>
@@ -5323,10 +5369,7 @@
               <a:buFont typeface="Arial"/>
               <a:buNone/>
             </a:pPr>
-            <a:r>
-              <a:rPr lang="en-US" sz="1100" dirty="0"/>
-              <a:t>	- Reddit/API	</a:t>
-            </a:r>
+            <a:endParaRPr lang="en-US" sz="1100" dirty="0"/>
           </a:p>
           <a:p>
             <a:pPr marL="0" indent="0">
@@ -5395,7 +5438,7 @@
         </p:nvSpPr>
         <p:spPr>
           <a:xfrm>
-            <a:off x="488950" y="2331839"/>
+            <a:off x="3975100" y="1085849"/>
             <a:ext cx="4040188" cy="479822"/>
           </a:xfrm>
           <a:prstGeom prst="rect">
@@ -5566,14 +5609,14 @@
           <p:nvPr/>
         </p:nvPicPr>
         <p:blipFill>
-          <a:blip r:embed="rId6"/>
+          <a:blip r:embed="rId10"/>
           <a:stretch>
             <a:fillRect/>
           </a:stretch>
         </p:blipFill>
         <p:spPr>
           <a:xfrm>
-            <a:off x="3805171" y="3039169"/>
+            <a:off x="7291321" y="1793179"/>
             <a:ext cx="847857" cy="323850"/>
           </a:xfrm>
           <a:prstGeom prst="rect">
@@ -5607,24 +5650,29 @@
             <p:ph type="body" idx="1"/>
           </p:nvPr>
         </p:nvSpPr>
-        <p:spPr/>
+        <p:spPr>
+          <a:xfrm>
+            <a:off x="457200" y="2316658"/>
+            <a:ext cx="3327400" cy="479822"/>
+          </a:xfrm>
+        </p:spPr>
         <p:txBody>
           <a:bodyPr/>
           <a:lstStyle/>
           <a:p>
             <a:r>
               <a:rPr lang="en-US" dirty="0"/>
-              <a:t>Hosted Project Sites</a:t>
+              <a:t>Site Hosts</a:t>
             </a:r>
           </a:p>
         </p:txBody>
       </p:sp>
       <p:pic>
         <p:nvPicPr>
-          <p:cNvPr id="10" name="Picture 9">
+          <p:cNvPr id="20" name="Picture 19">
             <a:extLst>
               <a:ext uri="{FF2B5EF4-FFF2-40B4-BE49-F238E27FC236}">
-                <a16:creationId xmlns:a16="http://schemas.microsoft.com/office/drawing/2014/main" id="{0FB55EB7-6F32-4EAA-9E43-6C6BB02C533A}"/>
+                <a16:creationId xmlns:a16="http://schemas.microsoft.com/office/drawing/2014/main" id="{225F34D0-83F9-4710-AB71-33155AABA9F3}"/>
               </a:ext>
             </a:extLst>
           </p:cNvPr>
@@ -5634,15 +5682,15 @@
           <p:nvPr/>
         </p:nvPicPr>
         <p:blipFill>
-          <a:blip r:embed="rId7"/>
+          <a:blip r:embed="rId11"/>
           <a:stretch>
             <a:fillRect/>
           </a:stretch>
         </p:blipFill>
         <p:spPr>
           <a:xfrm>
-            <a:off x="6286945" y="1280321"/>
-            <a:ext cx="3522341" cy="2331839"/>
+            <a:off x="6775320" y="3164780"/>
+            <a:ext cx="723900" cy="323850"/>
           </a:xfrm>
           <a:prstGeom prst="rect">
             <a:avLst/>
@@ -5661,10 +5709,10 @@
       </p:pic>
       <p:pic>
         <p:nvPicPr>
-          <p:cNvPr id="16" name="Picture 15">
+          <p:cNvPr id="8" name="Picture 7">
             <a:extLst>
               <a:ext uri="{FF2B5EF4-FFF2-40B4-BE49-F238E27FC236}">
-                <a16:creationId xmlns:a16="http://schemas.microsoft.com/office/drawing/2014/main" id="{881328B8-A29D-434B-9CD6-8427F47AC88D}"/>
+                <a16:creationId xmlns:a16="http://schemas.microsoft.com/office/drawing/2014/main" id="{86C9EC9E-5C71-44EB-9C6F-DD0018C86292}"/>
               </a:ext>
             </a:extLst>
           </p:cNvPr>
@@ -5674,15 +5722,409 @@
           <p:nvPr/>
         </p:nvPicPr>
         <p:blipFill>
-          <a:blip r:embed="rId8"/>
+          <a:blip r:embed="rId12"/>
           <a:stretch>
             <a:fillRect/>
           </a:stretch>
         </p:blipFill>
         <p:spPr>
           <a:xfrm>
-            <a:off x="2599519" y="501255"/>
-            <a:ext cx="3160376" cy="2017913"/>
+            <a:off x="7101589" y="2401899"/>
+            <a:ext cx="432057" cy="479822"/>
+          </a:xfrm>
+          <a:prstGeom prst="rect">
+            <a:avLst/>
+          </a:prstGeom>
+          <a:ln>
+            <a:noFill/>
+          </a:ln>
+          <a:effectLst>
+            <a:outerShdw blurRad="190500" algn="tl" rotWithShape="0">
+              <a:srgbClr val="000000">
+                <a:alpha val="70000"/>
+              </a:srgbClr>
+            </a:outerShdw>
+          </a:effectLst>
+        </p:spPr>
+      </p:pic>
+      <p:sp>
+        <p:nvSpPr>
+          <p:cNvPr id="19" name="Text Placeholder 6">
+            <a:extLst>
+              <a:ext uri="{FF2B5EF4-FFF2-40B4-BE49-F238E27FC236}">
+                <a16:creationId xmlns:a16="http://schemas.microsoft.com/office/drawing/2014/main" id="{41029777-C980-4457-905B-A69678295BF2}"/>
+              </a:ext>
+            </a:extLst>
+          </p:cNvPr>
+          <p:cNvSpPr txBox="1">
+            <a:spLocks/>
+          </p:cNvSpPr>
+          <p:nvPr/>
+        </p:nvSpPr>
+        <p:spPr>
+          <a:xfrm>
+            <a:off x="457200" y="1085849"/>
+            <a:ext cx="3437947" cy="479822"/>
+          </a:xfrm>
+          <a:prstGeom prst="rect">
+            <a:avLst/>
+          </a:prstGeom>
+        </p:spPr>
+        <p:txBody>
+          <a:bodyPr vert="horz" lIns="91440" tIns="45720" rIns="91440" bIns="45720" rtlCol="0" anchor="b">
+            <a:normAutofit/>
+          </a:bodyPr>
+          <a:lstStyle>
+            <a:lvl1pPr marL="0" indent="0" algn="l" defTabSz="457200" rtl="0" eaLnBrk="1" latinLnBrk="0" hangingPunct="1">
+              <a:spcBef>
+                <a:spcPct val="20000"/>
+              </a:spcBef>
+              <a:buFont typeface="Arial"/>
+              <a:buNone/>
+              <a:defRPr sz="2000" b="1" kern="1200">
+                <a:solidFill>
+                  <a:schemeClr val="tx1"/>
+                </a:solidFill>
+                <a:latin typeface="Arial"/>
+                <a:ea typeface="+mn-ea"/>
+                <a:cs typeface="Arial"/>
+              </a:defRPr>
+            </a:lvl1pPr>
+            <a:lvl2pPr marL="457200" indent="0" algn="l" defTabSz="457200" rtl="0" eaLnBrk="1" latinLnBrk="0" hangingPunct="1">
+              <a:spcBef>
+                <a:spcPct val="20000"/>
+              </a:spcBef>
+              <a:buFont typeface="Arial"/>
+              <a:buNone/>
+              <a:defRPr sz="2000" b="1" kern="1200">
+                <a:solidFill>
+                  <a:schemeClr val="tx1"/>
+                </a:solidFill>
+                <a:latin typeface="Arial"/>
+                <a:ea typeface="+mn-ea"/>
+                <a:cs typeface="Arial"/>
+              </a:defRPr>
+            </a:lvl2pPr>
+            <a:lvl3pPr marL="914400" indent="0" algn="l" defTabSz="457200" rtl="0" eaLnBrk="1" latinLnBrk="0" hangingPunct="1">
+              <a:spcBef>
+                <a:spcPct val="20000"/>
+              </a:spcBef>
+              <a:buFont typeface="Arial"/>
+              <a:buNone/>
+              <a:defRPr sz="1800" b="1" kern="1200">
+                <a:solidFill>
+                  <a:schemeClr val="tx1"/>
+                </a:solidFill>
+                <a:latin typeface="Arial"/>
+                <a:ea typeface="+mn-ea"/>
+                <a:cs typeface="Arial"/>
+              </a:defRPr>
+            </a:lvl3pPr>
+            <a:lvl4pPr marL="1371600" indent="0" algn="l" defTabSz="457200" rtl="0" eaLnBrk="1" latinLnBrk="0" hangingPunct="1">
+              <a:spcBef>
+                <a:spcPct val="20000"/>
+              </a:spcBef>
+              <a:buFont typeface="Arial"/>
+              <a:buNone/>
+              <a:defRPr sz="1600" b="1" kern="1200">
+                <a:solidFill>
+                  <a:schemeClr val="tx1"/>
+                </a:solidFill>
+                <a:latin typeface="Arial"/>
+                <a:ea typeface="+mn-ea"/>
+                <a:cs typeface="Arial"/>
+              </a:defRPr>
+            </a:lvl4pPr>
+            <a:lvl5pPr marL="1828800" indent="0" algn="l" defTabSz="457200" rtl="0" eaLnBrk="1" latinLnBrk="0" hangingPunct="1">
+              <a:spcBef>
+                <a:spcPct val="20000"/>
+              </a:spcBef>
+              <a:buFont typeface="Arial"/>
+              <a:buNone/>
+              <a:defRPr sz="1600" b="1" kern="1200">
+                <a:solidFill>
+                  <a:schemeClr val="tx1"/>
+                </a:solidFill>
+                <a:latin typeface="Arial"/>
+                <a:ea typeface="+mn-ea"/>
+                <a:cs typeface="Arial"/>
+              </a:defRPr>
+            </a:lvl5pPr>
+            <a:lvl6pPr marL="2286000" indent="0" algn="l" defTabSz="457200" rtl="0" eaLnBrk="1" latinLnBrk="0" hangingPunct="1">
+              <a:spcBef>
+                <a:spcPct val="20000"/>
+              </a:spcBef>
+              <a:buFont typeface="Arial"/>
+              <a:buNone/>
+              <a:defRPr sz="1600" b="1" kern="1200">
+                <a:solidFill>
+                  <a:schemeClr val="tx1"/>
+                </a:solidFill>
+                <a:latin typeface="+mn-lt"/>
+                <a:ea typeface="+mn-ea"/>
+                <a:cs typeface="+mn-cs"/>
+              </a:defRPr>
+            </a:lvl6pPr>
+            <a:lvl7pPr marL="2743200" indent="0" algn="l" defTabSz="457200" rtl="0" eaLnBrk="1" latinLnBrk="0" hangingPunct="1">
+              <a:spcBef>
+                <a:spcPct val="20000"/>
+              </a:spcBef>
+              <a:buFont typeface="Arial"/>
+              <a:buNone/>
+              <a:defRPr sz="1600" b="1" kern="1200">
+                <a:solidFill>
+                  <a:schemeClr val="tx1"/>
+                </a:solidFill>
+                <a:latin typeface="+mn-lt"/>
+                <a:ea typeface="+mn-ea"/>
+                <a:cs typeface="+mn-cs"/>
+              </a:defRPr>
+            </a:lvl7pPr>
+            <a:lvl8pPr marL="3200400" indent="0" algn="l" defTabSz="457200" rtl="0" eaLnBrk="1" latinLnBrk="0" hangingPunct="1">
+              <a:spcBef>
+                <a:spcPct val="20000"/>
+              </a:spcBef>
+              <a:buFont typeface="Arial"/>
+              <a:buNone/>
+              <a:defRPr sz="1600" b="1" kern="1200">
+                <a:solidFill>
+                  <a:schemeClr val="tx1"/>
+                </a:solidFill>
+                <a:latin typeface="+mn-lt"/>
+                <a:ea typeface="+mn-ea"/>
+                <a:cs typeface="+mn-cs"/>
+              </a:defRPr>
+            </a:lvl8pPr>
+            <a:lvl9pPr marL="3657600" indent="0" algn="l" defTabSz="457200" rtl="0" eaLnBrk="1" latinLnBrk="0" hangingPunct="1">
+              <a:spcBef>
+                <a:spcPct val="20000"/>
+              </a:spcBef>
+              <a:buFont typeface="Arial"/>
+              <a:buNone/>
+              <a:defRPr sz="1600" b="1" kern="1200">
+                <a:solidFill>
+                  <a:schemeClr val="tx1"/>
+                </a:solidFill>
+                <a:latin typeface="+mn-lt"/>
+                <a:ea typeface="+mn-ea"/>
+                <a:cs typeface="+mn-cs"/>
+              </a:defRPr>
+            </a:lvl9pPr>
+          </a:lstStyle>
+          <a:p>
+            <a:r>
+              <a:rPr lang="en-US" dirty="0"/>
+              <a:t>Project Scope</a:t>
+            </a:r>
+          </a:p>
+        </p:txBody>
+      </p:sp>
+      <p:sp>
+        <p:nvSpPr>
+          <p:cNvPr id="23" name="Content Placeholder 5">
+            <a:extLst>
+              <a:ext uri="{FF2B5EF4-FFF2-40B4-BE49-F238E27FC236}">
+                <a16:creationId xmlns:a16="http://schemas.microsoft.com/office/drawing/2014/main" id="{1BECEC00-C765-4257-AFAC-3F4BEBA1C22E}"/>
+              </a:ext>
+            </a:extLst>
+          </p:cNvPr>
+          <p:cNvSpPr txBox="1">
+            <a:spLocks/>
+          </p:cNvSpPr>
+          <p:nvPr/>
+        </p:nvSpPr>
+        <p:spPr>
+          <a:xfrm>
+            <a:off x="500699" y="1619049"/>
+            <a:ext cx="3234722" cy="708127"/>
+          </a:xfrm>
+          <a:prstGeom prst="rect">
+            <a:avLst/>
+          </a:prstGeom>
+        </p:spPr>
+        <p:txBody>
+          <a:bodyPr vert="horz" lIns="91440" tIns="45720" rIns="91440" bIns="45720" rtlCol="0">
+            <a:normAutofit lnSpcReduction="10000"/>
+          </a:bodyPr>
+          <a:lstStyle>
+            <a:lvl1pPr marL="342900" indent="-342900" algn="l" defTabSz="457200" rtl="0" eaLnBrk="1" latinLnBrk="0" hangingPunct="1">
+              <a:spcBef>
+                <a:spcPct val="20000"/>
+              </a:spcBef>
+              <a:buFont typeface="Arial"/>
+              <a:buChar char="•"/>
+              <a:defRPr sz="2400" kern="1200">
+                <a:solidFill>
+                  <a:schemeClr val="tx1"/>
+                </a:solidFill>
+                <a:latin typeface="Arial"/>
+                <a:ea typeface="+mn-ea"/>
+                <a:cs typeface="Arial"/>
+              </a:defRPr>
+            </a:lvl1pPr>
+            <a:lvl2pPr marL="742950" indent="-285750" algn="l" defTabSz="457200" rtl="0" eaLnBrk="1" latinLnBrk="0" hangingPunct="1">
+              <a:spcBef>
+                <a:spcPct val="20000"/>
+              </a:spcBef>
+              <a:buFont typeface="Arial"/>
+              <a:buChar char="–"/>
+              <a:defRPr sz="2000" kern="1200">
+                <a:solidFill>
+                  <a:schemeClr val="tx1"/>
+                </a:solidFill>
+                <a:latin typeface="Arial"/>
+                <a:ea typeface="+mn-ea"/>
+                <a:cs typeface="Arial"/>
+              </a:defRPr>
+            </a:lvl2pPr>
+            <a:lvl3pPr marL="1143000" indent="-228600" algn="l" defTabSz="457200" rtl="0" eaLnBrk="1" latinLnBrk="0" hangingPunct="1">
+              <a:spcBef>
+                <a:spcPct val="20000"/>
+              </a:spcBef>
+              <a:buFont typeface="Arial"/>
+              <a:buChar char="•"/>
+              <a:defRPr sz="1800" kern="1200">
+                <a:solidFill>
+                  <a:schemeClr val="tx1"/>
+                </a:solidFill>
+                <a:latin typeface="Arial"/>
+                <a:ea typeface="+mn-ea"/>
+                <a:cs typeface="Arial"/>
+              </a:defRPr>
+            </a:lvl3pPr>
+            <a:lvl4pPr marL="1600200" indent="-228600" algn="l" defTabSz="457200" rtl="0" eaLnBrk="1" latinLnBrk="0" hangingPunct="1">
+              <a:spcBef>
+                <a:spcPct val="20000"/>
+              </a:spcBef>
+              <a:buFont typeface="Arial"/>
+              <a:buChar char="–"/>
+              <a:defRPr sz="1600" kern="1200">
+                <a:solidFill>
+                  <a:schemeClr val="tx1"/>
+                </a:solidFill>
+                <a:latin typeface="Arial"/>
+                <a:ea typeface="+mn-ea"/>
+                <a:cs typeface="Arial"/>
+              </a:defRPr>
+            </a:lvl4pPr>
+            <a:lvl5pPr marL="2057400" indent="-228600" algn="l" defTabSz="457200" rtl="0" eaLnBrk="1" latinLnBrk="0" hangingPunct="1">
+              <a:spcBef>
+                <a:spcPct val="20000"/>
+              </a:spcBef>
+              <a:buFont typeface="Arial"/>
+              <a:buChar char="»"/>
+              <a:defRPr sz="1600" kern="1200">
+                <a:solidFill>
+                  <a:schemeClr val="tx1"/>
+                </a:solidFill>
+                <a:latin typeface="Arial"/>
+                <a:ea typeface="+mn-ea"/>
+                <a:cs typeface="Arial"/>
+              </a:defRPr>
+            </a:lvl5pPr>
+            <a:lvl6pPr marL="2514600" indent="-228600" algn="l" defTabSz="457200" rtl="0" eaLnBrk="1" latinLnBrk="0" hangingPunct="1">
+              <a:spcBef>
+                <a:spcPct val="20000"/>
+              </a:spcBef>
+              <a:buFont typeface="Arial"/>
+              <a:buChar char="•"/>
+              <a:defRPr sz="1600" kern="1200">
+                <a:solidFill>
+                  <a:schemeClr val="tx1"/>
+                </a:solidFill>
+                <a:latin typeface="+mn-lt"/>
+                <a:ea typeface="+mn-ea"/>
+                <a:cs typeface="+mn-cs"/>
+              </a:defRPr>
+            </a:lvl6pPr>
+            <a:lvl7pPr marL="2971800" indent="-228600" algn="l" defTabSz="457200" rtl="0" eaLnBrk="1" latinLnBrk="0" hangingPunct="1">
+              <a:spcBef>
+                <a:spcPct val="20000"/>
+              </a:spcBef>
+              <a:buFont typeface="Arial"/>
+              <a:buChar char="•"/>
+              <a:defRPr sz="1600" kern="1200">
+                <a:solidFill>
+                  <a:schemeClr val="tx1"/>
+                </a:solidFill>
+                <a:latin typeface="+mn-lt"/>
+                <a:ea typeface="+mn-ea"/>
+                <a:cs typeface="+mn-cs"/>
+              </a:defRPr>
+            </a:lvl7pPr>
+            <a:lvl8pPr marL="3429000" indent="-228600" algn="l" defTabSz="457200" rtl="0" eaLnBrk="1" latinLnBrk="0" hangingPunct="1">
+              <a:spcBef>
+                <a:spcPct val="20000"/>
+              </a:spcBef>
+              <a:buFont typeface="Arial"/>
+              <a:buChar char="•"/>
+              <a:defRPr sz="1600" kern="1200">
+                <a:solidFill>
+                  <a:schemeClr val="tx1"/>
+                </a:solidFill>
+                <a:latin typeface="+mn-lt"/>
+                <a:ea typeface="+mn-ea"/>
+                <a:cs typeface="+mn-cs"/>
+              </a:defRPr>
+            </a:lvl8pPr>
+            <a:lvl9pPr marL="3886200" indent="-228600" algn="l" defTabSz="457200" rtl="0" eaLnBrk="1" latinLnBrk="0" hangingPunct="1">
+              <a:spcBef>
+                <a:spcPct val="20000"/>
+              </a:spcBef>
+              <a:buFont typeface="Arial"/>
+              <a:buChar char="•"/>
+              <a:defRPr sz="1600" kern="1200">
+                <a:solidFill>
+                  <a:schemeClr val="tx1"/>
+                </a:solidFill>
+                <a:latin typeface="+mn-lt"/>
+                <a:ea typeface="+mn-ea"/>
+                <a:cs typeface="+mn-cs"/>
+              </a:defRPr>
+            </a:lvl9pPr>
+          </a:lstStyle>
+          <a:p>
+            <a:r>
+              <a:rPr lang="en-US" sz="1100" dirty="0"/>
+              <a:t>Predict future stock price and how it may be influenced by social media noise – such as what had happened recently to GameStop and AMC.</a:t>
+            </a:r>
+            <a:endParaRPr lang="en-US" sz="1200" dirty="0"/>
+          </a:p>
+          <a:p>
+            <a:endParaRPr lang="en-US" sz="1200" dirty="0"/>
+          </a:p>
+          <a:p>
+            <a:pPr marL="0" indent="0">
+              <a:buNone/>
+            </a:pPr>
+            <a:endParaRPr lang="en-US" sz="1200" dirty="0"/>
+          </a:p>
+        </p:txBody>
+      </p:sp>
+      <p:pic>
+        <p:nvPicPr>
+          <p:cNvPr id="28" name="Picture 27">
+            <a:extLst>
+              <a:ext uri="{FF2B5EF4-FFF2-40B4-BE49-F238E27FC236}">
+                <a16:creationId xmlns:a16="http://schemas.microsoft.com/office/drawing/2014/main" id="{7079CF36-3033-4042-B7CE-FDA334A22E41}"/>
+              </a:ext>
+            </a:extLst>
+          </p:cNvPr>
+          <p:cNvPicPr>
+            <a:picLocks noChangeAspect="1"/>
+          </p:cNvPicPr>
+          <p:nvPr/>
+        </p:nvPicPr>
+        <p:blipFill>
+          <a:blip r:embed="rId13"/>
+          <a:stretch>
+            <a:fillRect/>
+          </a:stretch>
+        </p:blipFill>
+        <p:spPr>
+          <a:xfrm>
+            <a:off x="7175164" y="3771689"/>
+            <a:ext cx="1080169" cy="269302"/>
           </a:xfrm>
           <a:prstGeom prst="rect">
             <a:avLst/>
@@ -5701,10 +6143,10 @@
       </p:pic>
       <p:pic>
         <p:nvPicPr>
-          <p:cNvPr id="20" name="Picture 19">
+          <p:cNvPr id="31" name="Picture 30">
             <a:extLst>
               <a:ext uri="{FF2B5EF4-FFF2-40B4-BE49-F238E27FC236}">
-                <a16:creationId xmlns:a16="http://schemas.microsoft.com/office/drawing/2014/main" id="{225F34D0-83F9-4710-AB71-33155AABA9F3}"/>
+                <a16:creationId xmlns:a16="http://schemas.microsoft.com/office/drawing/2014/main" id="{5C134E6E-5194-4BAB-B987-63F80200F376}"/>
               </a:ext>
             </a:extLst>
           </p:cNvPr>
@@ -5714,15 +6156,312 @@
           <p:nvPr/>
         </p:nvPicPr>
         <p:blipFill>
-          <a:blip r:embed="rId9"/>
+          <a:blip r:embed="rId14"/>
           <a:stretch>
             <a:fillRect/>
           </a:stretch>
         </p:blipFill>
         <p:spPr>
           <a:xfrm>
-            <a:off x="4172173" y="3590527"/>
-            <a:ext cx="723900" cy="323850"/>
+            <a:off x="2282247" y="3880940"/>
+            <a:ext cx="1651000" cy="741551"/>
+          </a:xfrm>
+          <a:prstGeom prst="rect">
+            <a:avLst/>
+          </a:prstGeom>
+          <a:ln>
+            <a:noFill/>
+          </a:ln>
+          <a:effectLst>
+            <a:outerShdw blurRad="190500" algn="tl" rotWithShape="0">
+              <a:srgbClr val="000000">
+                <a:alpha val="70000"/>
+              </a:srgbClr>
+            </a:outerShdw>
+          </a:effectLst>
+        </p:spPr>
+      </p:pic>
+      <p:sp>
+        <p:nvSpPr>
+          <p:cNvPr id="32" name="Arrow: Right 31">
+            <a:extLst>
+              <a:ext uri="{FF2B5EF4-FFF2-40B4-BE49-F238E27FC236}">
+                <a16:creationId xmlns:a16="http://schemas.microsoft.com/office/drawing/2014/main" id="{C78AFFCF-7947-41BA-A6DA-13010A880046}"/>
+              </a:ext>
+            </a:extLst>
+          </p:cNvPr>
+          <p:cNvSpPr/>
+          <p:nvPr/>
+        </p:nvSpPr>
+        <p:spPr>
+          <a:xfrm rot="10800000">
+            <a:off x="3914198" y="4278591"/>
+            <a:ext cx="424297" cy="152898"/>
+          </a:xfrm>
+          <a:prstGeom prst="rightArrow">
+            <a:avLst/>
+          </a:prstGeom>
+        </p:spPr>
+        <p:style>
+          <a:lnRef idx="1">
+            <a:schemeClr val="accent1"/>
+          </a:lnRef>
+          <a:fillRef idx="3">
+            <a:schemeClr val="accent1"/>
+          </a:fillRef>
+          <a:effectRef idx="2">
+            <a:schemeClr val="accent1"/>
+          </a:effectRef>
+          <a:fontRef idx="minor">
+            <a:schemeClr val="lt1"/>
+          </a:fontRef>
+        </p:style>
+        <p:txBody>
+          <a:bodyPr rtlCol="0" anchor="ctr"/>
+          <a:lstStyle/>
+          <a:p>
+            <a:pPr algn="ctr"/>
+            <a:endParaRPr lang="en-US"/>
+          </a:p>
+        </p:txBody>
+      </p:sp>
+    </p:spTree>
+    <p:extLst>
+      <p:ext uri="{BB962C8B-B14F-4D97-AF65-F5344CB8AC3E}">
+        <p14:creationId xmlns:p14="http://schemas.microsoft.com/office/powerpoint/2010/main" val="319056691"/>
+      </p:ext>
+    </p:extLst>
+  </p:cSld>
+  <p:clrMapOvr>
+    <a:masterClrMapping/>
+  </p:clrMapOvr>
+</p:sld>
+</file>
+
+<file path=ppt/slides/slide4.xml><?xml version="1.0" encoding="utf-8"?>
+<p:sld xmlns:a="http://schemas.openxmlformats.org/drawingml/2006/main" xmlns:r="http://schemas.openxmlformats.org/officeDocument/2006/relationships" xmlns:p="http://schemas.openxmlformats.org/presentationml/2006/main">
+  <p:cSld>
+    <p:spTree>
+      <p:nvGrpSpPr>
+        <p:cNvPr id="1" name=""/>
+        <p:cNvGrpSpPr/>
+        <p:nvPr/>
+      </p:nvGrpSpPr>
+      <p:grpSpPr>
+        <a:xfrm>
+          <a:off x="0" y="0"/>
+          <a:ext cx="0" cy="0"/>
+          <a:chOff x="0" y="0"/>
+          <a:chExt cx="0" cy="0"/>
+        </a:xfrm>
+      </p:grpSpPr>
+      <p:sp>
+        <p:nvSpPr>
+          <p:cNvPr id="2" name="Title 1">
+            <a:extLst>
+              <a:ext uri="{FF2B5EF4-FFF2-40B4-BE49-F238E27FC236}">
+                <a16:creationId xmlns:a16="http://schemas.microsoft.com/office/drawing/2014/main" id="{727FFB98-7050-4567-81EF-5F3D129F901C}"/>
+              </a:ext>
+            </a:extLst>
+          </p:cNvPr>
+          <p:cNvSpPr>
+            <a:spLocks noGrp="1"/>
+          </p:cNvSpPr>
+          <p:nvPr>
+            <p:ph type="title"/>
+          </p:nvPr>
+        </p:nvSpPr>
+        <p:spPr>
+          <a:xfrm>
+            <a:off x="457200" y="205979"/>
+            <a:ext cx="8229600" cy="857250"/>
+          </a:xfrm>
+        </p:spPr>
+        <p:txBody>
+          <a:bodyPr anchor="ctr">
+            <a:normAutofit/>
+          </a:bodyPr>
+          <a:lstStyle/>
+          <a:p>
+            <a:r>
+              <a:rPr lang="en-US" dirty="0"/>
+              <a:t>Social Media and Cloud Data</a:t>
+            </a:r>
+          </a:p>
+        </p:txBody>
+      </p:sp>
+      <p:sp>
+        <p:nvSpPr>
+          <p:cNvPr id="11" name="Text Placeholder 4">
+            <a:extLst>
+              <a:ext uri="{FF2B5EF4-FFF2-40B4-BE49-F238E27FC236}">
+                <a16:creationId xmlns:a16="http://schemas.microsoft.com/office/drawing/2014/main" id="{45702F7B-FD44-4CE8-ACD0-1B11D372421E}"/>
+              </a:ext>
+            </a:extLst>
+          </p:cNvPr>
+          <p:cNvSpPr>
+            <a:spLocks noGrp="1"/>
+          </p:cNvSpPr>
+          <p:nvPr>
+            <p:ph type="body" sz="quarter" idx="3"/>
+          </p:nvPr>
+        </p:nvSpPr>
+        <p:spPr>
+          <a:xfrm>
+            <a:off x="3797299" y="956255"/>
+            <a:ext cx="3340101" cy="479822"/>
+          </a:xfrm>
+        </p:spPr>
+        <p:txBody>
+          <a:bodyPr>
+            <a:normAutofit/>
+          </a:bodyPr>
+          <a:lstStyle/>
+          <a:p>
+            <a:r>
+              <a:rPr lang="en-US" dirty="0"/>
+              <a:t>Data Challenges</a:t>
+            </a:r>
+          </a:p>
+        </p:txBody>
+      </p:sp>
+      <p:sp>
+        <p:nvSpPr>
+          <p:cNvPr id="13" name="Content Placeholder 5">
+            <a:extLst>
+              <a:ext uri="{FF2B5EF4-FFF2-40B4-BE49-F238E27FC236}">
+                <a16:creationId xmlns:a16="http://schemas.microsoft.com/office/drawing/2014/main" id="{A5DE8453-C6E8-423E-B621-DF286B3A12C1}"/>
+              </a:ext>
+            </a:extLst>
+          </p:cNvPr>
+          <p:cNvSpPr>
+            <a:spLocks noGrp="1"/>
+          </p:cNvSpPr>
+          <p:nvPr>
+            <p:ph sz="quarter" idx="4"/>
+          </p:nvPr>
+        </p:nvSpPr>
+        <p:spPr>
+          <a:xfrm>
+            <a:off x="3454399" y="1419506"/>
+            <a:ext cx="4260850" cy="1018894"/>
+          </a:xfrm>
+        </p:spPr>
+        <p:txBody>
+          <a:bodyPr>
+            <a:noAutofit/>
+          </a:bodyPr>
+          <a:lstStyle/>
+          <a:p>
+            <a:r>
+              <a:rPr lang="en-US" sz="1100" dirty="0"/>
+              <a:t>No historical warehouse for social media</a:t>
+            </a:r>
+          </a:p>
+          <a:p>
+            <a:r>
+              <a:rPr lang="en-US" sz="1100" dirty="0"/>
+              <a:t>Finding “free” historical data source for a particular stock’s short activity – current (.info) and </a:t>
+            </a:r>
+            <a:r>
+              <a:rPr lang="en-US" sz="1100" dirty="0" err="1"/>
+              <a:t>baic</a:t>
+            </a:r>
+            <a:r>
+              <a:rPr lang="en-US" sz="1100" dirty="0"/>
+              <a:t>-historical (.history) is made available: open, close, volume, high, low social activity or amount of noise and its trend.</a:t>
+            </a:r>
+          </a:p>
+          <a:p>
+            <a:pPr marL="0" indent="0">
+              <a:buNone/>
+            </a:pPr>
+            <a:r>
+              <a:rPr lang="en-US" sz="1100" dirty="0"/>
+              <a:t> </a:t>
+            </a:r>
+          </a:p>
+          <a:p>
+            <a:endParaRPr lang="en-US" sz="1100" dirty="0"/>
+          </a:p>
+        </p:txBody>
+      </p:sp>
+      <p:sp>
+        <p:nvSpPr>
+          <p:cNvPr id="4" name="Slide Number Placeholder 3">
+            <a:extLst>
+              <a:ext uri="{FF2B5EF4-FFF2-40B4-BE49-F238E27FC236}">
+                <a16:creationId xmlns:a16="http://schemas.microsoft.com/office/drawing/2014/main" id="{672557A4-C0B7-466E-BF35-A9ADF7D1DB2A}"/>
+              </a:ext>
+            </a:extLst>
+          </p:cNvPr>
+          <p:cNvSpPr>
+            <a:spLocks noGrp="1"/>
+          </p:cNvSpPr>
+          <p:nvPr>
+            <p:ph type="sldNum" sz="quarter" idx="12"/>
+          </p:nvPr>
+        </p:nvSpPr>
+        <p:spPr>
+          <a:xfrm>
+            <a:off x="8339169" y="4767263"/>
+            <a:ext cx="597573" cy="273844"/>
+          </a:xfrm>
+        </p:spPr>
+        <p:txBody>
+          <a:bodyPr anchor="ctr">
+            <a:normAutofit/>
+          </a:bodyPr>
+          <a:lstStyle/>
+          <a:p>
+            <a:pPr>
+              <a:lnSpc>
+                <a:spcPct val="90000"/>
+              </a:lnSpc>
+              <a:spcAft>
+                <a:spcPts val="600"/>
+              </a:spcAft>
+            </a:pPr>
+            <a:fld id="{106E12CD-FCB1-464E-A775-0B83FDDACE03}" type="slidenum">
+              <a:rPr lang="en-US" smtClean="0"/>
+              <a:pPr>
+                <a:lnSpc>
+                  <a:spcPct val="90000"/>
+                </a:lnSpc>
+                <a:spcAft>
+                  <a:spcPts val="600"/>
+                </a:spcAft>
+              </a:pPr>
+              <a:t>3</a:t>
+            </a:fld>
+            <a:endParaRPr lang="en-US"/>
+          </a:p>
+        </p:txBody>
+      </p:sp>
+      <p:pic>
+        <p:nvPicPr>
+          <p:cNvPr id="16" name="Picture 15">
+            <a:extLst>
+              <a:ext uri="{FF2B5EF4-FFF2-40B4-BE49-F238E27FC236}">
+                <a16:creationId xmlns:a16="http://schemas.microsoft.com/office/drawing/2014/main" id="{881328B8-A29D-434B-9CD6-8427F47AC88D}"/>
+              </a:ext>
+            </a:extLst>
+          </p:cNvPr>
+          <p:cNvPicPr>
+            <a:picLocks noChangeAspect="1"/>
+          </p:cNvPicPr>
+          <p:nvPr/>
+        </p:nvPicPr>
+        <p:blipFill>
+          <a:blip r:embed="rId2"/>
+          <a:stretch>
+            <a:fillRect/>
+          </a:stretch>
+        </p:blipFill>
+        <p:spPr>
+          <a:xfrm>
+            <a:off x="1753290" y="2992829"/>
+            <a:ext cx="2798881" cy="1687060"/>
           </a:xfrm>
           <a:prstGeom prst="rect">
             <a:avLst/>
@@ -5754,15 +6493,15 @@
           <p:nvPr/>
         </p:nvPicPr>
         <p:blipFill>
-          <a:blip r:embed="rId10"/>
+          <a:blip r:embed="rId3"/>
           <a:stretch>
             <a:fillRect/>
           </a:stretch>
         </p:blipFill>
         <p:spPr>
           <a:xfrm>
-            <a:off x="2667895" y="2780906"/>
-            <a:ext cx="2874760" cy="2017914"/>
+            <a:off x="488246" y="1253316"/>
+            <a:ext cx="2553404" cy="1614288"/>
           </a:xfrm>
           <a:prstGeom prst="rect">
             <a:avLst/>
@@ -5794,15 +6533,15 @@
           <p:nvPr/>
         </p:nvPicPr>
         <p:blipFill>
-          <a:blip r:embed="rId11"/>
+          <a:blip r:embed="rId4"/>
           <a:stretch>
             <a:fillRect/>
           </a:stretch>
         </p:blipFill>
         <p:spPr>
           <a:xfrm>
-            <a:off x="5076957" y="2218332"/>
-            <a:ext cx="3799039" cy="2099841"/>
+            <a:off x="5275290" y="2813443"/>
+            <a:ext cx="3259108" cy="1801405"/>
           </a:xfrm>
           <a:prstGeom prst="rect">
             <a:avLst/>
@@ -5819,682 +6558,12 @@
           </a:effectLst>
         </p:spPr>
       </p:pic>
-      <p:pic>
-        <p:nvPicPr>
-          <p:cNvPr id="26" name="Picture 25">
+      <p:sp>
+        <p:nvSpPr>
+          <p:cNvPr id="23" name="Content Placeholder 2">
             <a:extLst>
               <a:ext uri="{FF2B5EF4-FFF2-40B4-BE49-F238E27FC236}">
-                <a16:creationId xmlns:a16="http://schemas.microsoft.com/office/drawing/2014/main" id="{EAB2783C-9DFC-49A1-9446-CA99A953486C}"/>
-              </a:ext>
-            </a:extLst>
-          </p:cNvPr>
-          <p:cNvPicPr>
-            <a:picLocks noChangeAspect="1"/>
-          </p:cNvPicPr>
-          <p:nvPr/>
-        </p:nvPicPr>
-        <p:blipFill>
-          <a:blip r:embed="rId12"/>
-          <a:stretch>
-            <a:fillRect/>
-          </a:stretch>
-        </p:blipFill>
-        <p:spPr>
-          <a:xfrm>
-            <a:off x="-25400" y="1235412"/>
-            <a:ext cx="2898463" cy="1447720"/>
-          </a:xfrm>
-          <a:prstGeom prst="rect">
-            <a:avLst/>
-          </a:prstGeom>
-          <a:ln>
-            <a:noFill/>
-          </a:ln>
-          <a:effectLst>
-            <a:outerShdw blurRad="190500" algn="tl" rotWithShape="0">
-              <a:srgbClr val="000000">
-                <a:alpha val="70000"/>
-              </a:srgbClr>
-            </a:outerShdw>
-          </a:effectLst>
-        </p:spPr>
-      </p:pic>
-    </p:spTree>
-    <p:extLst>
-      <p:ext uri="{BB962C8B-B14F-4D97-AF65-F5344CB8AC3E}">
-        <p14:creationId xmlns:p14="http://schemas.microsoft.com/office/powerpoint/2010/main" val="319056691"/>
-      </p:ext>
-    </p:extLst>
-  </p:cSld>
-  <p:clrMapOvr>
-    <a:masterClrMapping/>
-  </p:clrMapOvr>
-</p:sld>
-</file>
-
-<file path=ppt/slides/slide4.xml><?xml version="1.0" encoding="utf-8"?>
-<p:sld xmlns:a="http://schemas.openxmlformats.org/drawingml/2006/main" xmlns:r="http://schemas.openxmlformats.org/officeDocument/2006/relationships" xmlns:p="http://schemas.openxmlformats.org/presentationml/2006/main">
-  <p:cSld>
-    <p:spTree>
-      <p:nvGrpSpPr>
-        <p:cNvPr id="1" name=""/>
-        <p:cNvGrpSpPr/>
-        <p:nvPr/>
-      </p:nvGrpSpPr>
-      <p:grpSpPr>
-        <a:xfrm>
-          <a:off x="0" y="0"/>
-          <a:ext cx="0" cy="0"/>
-          <a:chOff x="0" y="0"/>
-          <a:chExt cx="0" cy="0"/>
-        </a:xfrm>
-      </p:grpSpPr>
-      <p:sp>
-        <p:nvSpPr>
-          <p:cNvPr id="2" name="Title 1">
-            <a:extLst>
-              <a:ext uri="{FF2B5EF4-FFF2-40B4-BE49-F238E27FC236}">
-                <a16:creationId xmlns:a16="http://schemas.microsoft.com/office/drawing/2014/main" id="{727FFB98-7050-4567-81EF-5F3D129F901C}"/>
-              </a:ext>
-            </a:extLst>
-          </p:cNvPr>
-          <p:cNvSpPr>
-            <a:spLocks noGrp="1"/>
-          </p:cNvSpPr>
-          <p:nvPr>
-            <p:ph type="title"/>
-          </p:nvPr>
-        </p:nvSpPr>
-        <p:spPr>
-          <a:xfrm>
-            <a:off x="457200" y="205979"/>
-            <a:ext cx="8229600" cy="857250"/>
-          </a:xfrm>
-        </p:spPr>
-        <p:txBody>
-          <a:bodyPr anchor="ctr">
-            <a:normAutofit/>
-          </a:bodyPr>
-          <a:lstStyle/>
-          <a:p>
-            <a:r>
-              <a:rPr lang="en-US" dirty="0"/>
-              <a:t>Libraries Used</a:t>
-            </a:r>
-          </a:p>
-        </p:txBody>
-      </p:sp>
-      <p:sp>
-        <p:nvSpPr>
-          <p:cNvPr id="4" name="Slide Number Placeholder 3">
-            <a:extLst>
-              <a:ext uri="{FF2B5EF4-FFF2-40B4-BE49-F238E27FC236}">
-                <a16:creationId xmlns:a16="http://schemas.microsoft.com/office/drawing/2014/main" id="{672557A4-C0B7-466E-BF35-A9ADF7D1DB2A}"/>
-              </a:ext>
-            </a:extLst>
-          </p:cNvPr>
-          <p:cNvSpPr>
-            <a:spLocks noGrp="1"/>
-          </p:cNvSpPr>
-          <p:nvPr>
-            <p:ph type="sldNum" sz="quarter" idx="12"/>
-          </p:nvPr>
-        </p:nvSpPr>
-        <p:spPr>
-          <a:xfrm>
-            <a:off x="8339169" y="4767263"/>
-            <a:ext cx="597573" cy="273844"/>
-          </a:xfrm>
-        </p:spPr>
-        <p:txBody>
-          <a:bodyPr anchor="ctr">
-            <a:normAutofit/>
-          </a:bodyPr>
-          <a:lstStyle/>
-          <a:p>
-            <a:pPr>
-              <a:lnSpc>
-                <a:spcPct val="90000"/>
-              </a:lnSpc>
-              <a:spcAft>
-                <a:spcPts val="600"/>
-              </a:spcAft>
-            </a:pPr>
-            <a:fld id="{106E12CD-FCB1-464E-A775-0B83FDDACE03}" type="slidenum">
-              <a:rPr lang="en-US" smtClean="0"/>
-              <a:pPr>
-                <a:lnSpc>
-                  <a:spcPct val="90000"/>
-                </a:lnSpc>
-                <a:spcAft>
-                  <a:spcPts val="600"/>
-                </a:spcAft>
-              </a:pPr>
-              <a:t>3</a:t>
-            </a:fld>
-            <a:endParaRPr lang="en-US"/>
-          </a:p>
-        </p:txBody>
-      </p:sp>
-      <p:sp>
-        <p:nvSpPr>
-          <p:cNvPr id="10" name="Content Placeholder 9">
-            <a:extLst>
-              <a:ext uri="{FF2B5EF4-FFF2-40B4-BE49-F238E27FC236}">
-                <a16:creationId xmlns:a16="http://schemas.microsoft.com/office/drawing/2014/main" id="{2085D780-D21A-44AA-B8BD-F3CB87C5DFBD}"/>
-              </a:ext>
-            </a:extLst>
-          </p:cNvPr>
-          <p:cNvSpPr>
-            <a:spLocks noGrp="1"/>
-          </p:cNvSpPr>
-          <p:nvPr>
-            <p:ph sz="half" idx="2"/>
-          </p:nvPr>
-        </p:nvSpPr>
-        <p:spPr>
-          <a:xfrm>
-            <a:off x="488950" y="996052"/>
-            <a:ext cx="3389313" cy="3480698"/>
-          </a:xfrm>
-        </p:spPr>
-        <p:txBody>
-          <a:bodyPr>
-            <a:noAutofit/>
-          </a:bodyPr>
-          <a:lstStyle/>
-          <a:p>
-            <a:pPr marL="0" indent="0">
-              <a:buNone/>
-            </a:pPr>
-            <a:r>
-              <a:rPr lang="en-US" sz="1000" b="1" dirty="0">
-                <a:latin typeface="Arial" panose="020B0604020202020204" pitchFamily="34" charset="0"/>
-                <a:cs typeface="Arial" panose="020B0604020202020204" pitchFamily="34" charset="0"/>
-              </a:rPr>
-              <a:t>from </a:t>
-            </a:r>
-            <a:r>
-              <a:rPr lang="en-US" sz="1000" b="1" dirty="0" err="1">
-                <a:latin typeface="Arial" panose="020B0604020202020204" pitchFamily="34" charset="0"/>
-                <a:cs typeface="Arial" panose="020B0604020202020204" pitchFamily="34" charset="0"/>
-              </a:rPr>
-              <a:t>sklearn</a:t>
-            </a:r>
-            <a:r>
-              <a:rPr lang="en-US" sz="1000" b="1" dirty="0">
-                <a:latin typeface="Arial" panose="020B0604020202020204" pitchFamily="34" charset="0"/>
-                <a:cs typeface="Arial" panose="020B0604020202020204" pitchFamily="34" charset="0"/>
-              </a:rPr>
-              <a:t>:</a:t>
-            </a:r>
-          </a:p>
-          <a:p>
-            <a:r>
-              <a:rPr lang="en-US" sz="900" dirty="0" err="1">
-                <a:latin typeface="Arial" panose="020B0604020202020204" pitchFamily="34" charset="0"/>
-                <a:cs typeface="Arial" panose="020B0604020202020204" pitchFamily="34" charset="0"/>
-              </a:rPr>
-              <a:t>linear_model</a:t>
-            </a:r>
-            <a:r>
-              <a:rPr lang="en-US" sz="900" dirty="0">
-                <a:latin typeface="Arial" panose="020B0604020202020204" pitchFamily="34" charset="0"/>
-                <a:cs typeface="Arial" panose="020B0604020202020204" pitchFamily="34" charset="0"/>
-              </a:rPr>
-              <a:t> import </a:t>
-            </a:r>
-            <a:r>
-              <a:rPr lang="en-US" sz="900" dirty="0" err="1">
-                <a:latin typeface="Arial" panose="020B0604020202020204" pitchFamily="34" charset="0"/>
-                <a:cs typeface="Arial" panose="020B0604020202020204" pitchFamily="34" charset="0"/>
-              </a:rPr>
-              <a:t>LinearRegression</a:t>
-            </a:r>
-            <a:endParaRPr lang="en-US" sz="900" dirty="0">
-              <a:latin typeface="Arial" panose="020B0604020202020204" pitchFamily="34" charset="0"/>
-              <a:cs typeface="Arial" panose="020B0604020202020204" pitchFamily="34" charset="0"/>
-            </a:endParaRPr>
-          </a:p>
-          <a:p>
-            <a:r>
-              <a:rPr lang="en-US" sz="900" dirty="0">
-                <a:latin typeface="Arial" panose="020B0604020202020204" pitchFamily="34" charset="0"/>
-                <a:cs typeface="Arial" panose="020B0604020202020204" pitchFamily="34" charset="0"/>
-              </a:rPr>
-              <a:t>tree import </a:t>
-            </a:r>
-            <a:r>
-              <a:rPr lang="en-US" sz="900" dirty="0" err="1">
-                <a:latin typeface="Arial" panose="020B0604020202020204" pitchFamily="34" charset="0"/>
-                <a:cs typeface="Arial" panose="020B0604020202020204" pitchFamily="34" charset="0"/>
-              </a:rPr>
-              <a:t>DecisionTreeRegressor</a:t>
-            </a:r>
-            <a:endParaRPr lang="en-US" sz="900" dirty="0">
-              <a:latin typeface="Arial" panose="020B0604020202020204" pitchFamily="34" charset="0"/>
-              <a:cs typeface="Arial" panose="020B0604020202020204" pitchFamily="34" charset="0"/>
-            </a:endParaRPr>
-          </a:p>
-          <a:p>
-            <a:r>
-              <a:rPr lang="en-US" sz="900" dirty="0" err="1">
-                <a:latin typeface="Arial" panose="020B0604020202020204" pitchFamily="34" charset="0"/>
-                <a:cs typeface="Arial" panose="020B0604020202020204" pitchFamily="34" charset="0"/>
-              </a:rPr>
-              <a:t>model_selection</a:t>
-            </a:r>
-            <a:r>
-              <a:rPr lang="en-US" sz="900" dirty="0">
-                <a:latin typeface="Arial" panose="020B0604020202020204" pitchFamily="34" charset="0"/>
-                <a:cs typeface="Arial" panose="020B0604020202020204" pitchFamily="34" charset="0"/>
-              </a:rPr>
-              <a:t> import </a:t>
-            </a:r>
-            <a:r>
-              <a:rPr lang="en-US" sz="900" dirty="0" err="1">
-                <a:latin typeface="Arial" panose="020B0604020202020204" pitchFamily="34" charset="0"/>
-                <a:cs typeface="Arial" panose="020B0604020202020204" pitchFamily="34" charset="0"/>
-              </a:rPr>
-              <a:t>train_test_split</a:t>
-            </a:r>
-            <a:endParaRPr lang="en-US" sz="900" dirty="0">
-              <a:latin typeface="Arial" panose="020B0604020202020204" pitchFamily="34" charset="0"/>
-              <a:cs typeface="Arial" panose="020B0604020202020204" pitchFamily="34" charset="0"/>
-            </a:endParaRPr>
-          </a:p>
-          <a:p>
-            <a:r>
-              <a:rPr lang="en-US" sz="900" dirty="0">
-                <a:latin typeface="Arial" panose="020B0604020202020204" pitchFamily="34" charset="0"/>
-                <a:cs typeface="Arial" panose="020B0604020202020204" pitchFamily="34" charset="0"/>
-              </a:rPr>
-              <a:t>metrics import </a:t>
-            </a:r>
-            <a:r>
-              <a:rPr lang="en-US" sz="900" dirty="0" err="1">
-                <a:latin typeface="Arial" panose="020B0604020202020204" pitchFamily="34" charset="0"/>
-                <a:cs typeface="Arial" panose="020B0604020202020204" pitchFamily="34" charset="0"/>
-              </a:rPr>
-              <a:t>mean_squared_error</a:t>
-            </a:r>
-            <a:endParaRPr lang="en-US" sz="900" dirty="0">
-              <a:latin typeface="Arial" panose="020B0604020202020204" pitchFamily="34" charset="0"/>
-              <a:cs typeface="Arial" panose="020B0604020202020204" pitchFamily="34" charset="0"/>
-            </a:endParaRPr>
-          </a:p>
-          <a:p>
-            <a:endParaRPr lang="en-US" sz="900" dirty="0">
-              <a:latin typeface="Arial" panose="020B0604020202020204" pitchFamily="34" charset="0"/>
-              <a:cs typeface="Arial" panose="020B0604020202020204" pitchFamily="34" charset="0"/>
-            </a:endParaRPr>
-          </a:p>
-          <a:p>
-            <a:pPr marL="0" indent="0">
-              <a:buNone/>
-            </a:pPr>
-            <a:r>
-              <a:rPr lang="en-US" sz="900" b="1" dirty="0">
-                <a:latin typeface="Arial" panose="020B0604020202020204" pitchFamily="34" charset="0"/>
-                <a:cs typeface="Arial" panose="020B0604020202020204" pitchFamily="34" charset="0"/>
-              </a:rPr>
-              <a:t>*ARIMA </a:t>
-            </a:r>
-            <a:r>
-              <a:rPr lang="en-US" sz="900" dirty="0">
-                <a:latin typeface="Arial" panose="020B0604020202020204" pitchFamily="34" charset="0"/>
-                <a:cs typeface="Arial" panose="020B0604020202020204" pitchFamily="34" charset="0"/>
-              </a:rPr>
-              <a:t>- </a:t>
-            </a:r>
-            <a:r>
-              <a:rPr lang="en-US" sz="900" i="0" dirty="0">
-                <a:solidFill>
-                  <a:srgbClr val="111111"/>
-                </a:solidFill>
-                <a:effectLst/>
-                <a:latin typeface="Arial" panose="020B0604020202020204" pitchFamily="34" charset="0"/>
-                <a:cs typeface="Arial" panose="020B0604020202020204" pitchFamily="34" charset="0"/>
-              </a:rPr>
-              <a:t>A p</a:t>
-            </a:r>
-            <a:r>
-              <a:rPr lang="en-US" sz="900" b="0" i="0" dirty="0">
-                <a:solidFill>
-                  <a:srgbClr val="111111"/>
-                </a:solidFill>
-                <a:effectLst/>
-                <a:latin typeface="Arial" panose="020B0604020202020204" pitchFamily="34" charset="0"/>
-                <a:cs typeface="Arial" panose="020B0604020202020204" pitchFamily="34" charset="0"/>
-              </a:rPr>
-              <a:t>opular and widely used statistical method for </a:t>
-            </a:r>
-            <a:r>
-              <a:rPr lang="en-US" sz="900" b="1" i="0" dirty="0">
-                <a:solidFill>
-                  <a:srgbClr val="111111"/>
-                </a:solidFill>
-                <a:effectLst/>
-                <a:latin typeface="Arial" panose="020B0604020202020204" pitchFamily="34" charset="0"/>
-                <a:cs typeface="Arial" panose="020B0604020202020204" pitchFamily="34" charset="0"/>
-              </a:rPr>
-              <a:t>time series forecasting</a:t>
-            </a:r>
-            <a:r>
-              <a:rPr lang="en-US" sz="900" dirty="0">
-                <a:solidFill>
-                  <a:srgbClr val="111111"/>
-                </a:solidFill>
-                <a:latin typeface="Arial" panose="020B0604020202020204" pitchFamily="34" charset="0"/>
-                <a:cs typeface="Arial" panose="020B0604020202020204" pitchFamily="34" charset="0"/>
-              </a:rPr>
-              <a:t>.</a:t>
-            </a:r>
-            <a:endParaRPr lang="en-US" sz="900" dirty="0">
-              <a:latin typeface="Arial" panose="020B0604020202020204" pitchFamily="34" charset="0"/>
-              <a:cs typeface="Arial" panose="020B0604020202020204" pitchFamily="34" charset="0"/>
-            </a:endParaRPr>
-          </a:p>
-          <a:p>
-            <a:r>
-              <a:rPr lang="en-US" sz="900" dirty="0">
-                <a:latin typeface="Arial" panose="020B0604020202020204" pitchFamily="34" charset="0"/>
-                <a:cs typeface="Arial" panose="020B0604020202020204" pitchFamily="34" charset="0"/>
-              </a:rPr>
-              <a:t>from </a:t>
-            </a:r>
-            <a:r>
-              <a:rPr lang="en-US" sz="900" dirty="0" err="1">
-                <a:latin typeface="Arial" panose="020B0604020202020204" pitchFamily="34" charset="0"/>
-                <a:cs typeface="Arial" panose="020B0604020202020204" pitchFamily="34" charset="0"/>
-              </a:rPr>
-              <a:t>statsmodels.tsa.arima_model</a:t>
-            </a:r>
-            <a:r>
-              <a:rPr lang="en-US" sz="900" dirty="0">
-                <a:latin typeface="Arial" panose="020B0604020202020204" pitchFamily="34" charset="0"/>
-                <a:cs typeface="Arial" panose="020B0604020202020204" pitchFamily="34" charset="0"/>
-              </a:rPr>
-              <a:t> import ARIMA</a:t>
-            </a:r>
-          </a:p>
-          <a:p>
-            <a:pPr marL="0" indent="0">
-              <a:buNone/>
-            </a:pPr>
-            <a:endParaRPr lang="en-US" sz="900" i="1" dirty="0">
-              <a:latin typeface="Arial" panose="020B0604020202020204" pitchFamily="34" charset="0"/>
-              <a:cs typeface="Arial" panose="020B0604020202020204" pitchFamily="34" charset="0"/>
-            </a:endParaRPr>
-          </a:p>
-          <a:p>
-            <a:pPr marL="0" indent="0">
-              <a:buNone/>
-            </a:pPr>
-            <a:r>
-              <a:rPr lang="en-US" sz="900" i="1" dirty="0">
-                <a:latin typeface="Arial" panose="020B0604020202020204" pitchFamily="34" charset="0"/>
-                <a:cs typeface="Arial" panose="020B0604020202020204" pitchFamily="34" charset="0"/>
-              </a:rPr>
-              <a:t>Other:</a:t>
-            </a:r>
-          </a:p>
-          <a:p>
-            <a:r>
-              <a:rPr lang="en-US" sz="900" dirty="0">
-                <a:latin typeface="Arial" panose="020B0604020202020204" pitchFamily="34" charset="0"/>
-                <a:cs typeface="Arial" panose="020B0604020202020204" pitchFamily="34" charset="0"/>
-              </a:rPr>
-              <a:t>import pandas as pd    </a:t>
-            </a:r>
-          </a:p>
-          <a:p>
-            <a:r>
-              <a:rPr lang="en-US" sz="900" dirty="0">
-                <a:latin typeface="Arial" panose="020B0604020202020204" pitchFamily="34" charset="0"/>
-                <a:cs typeface="Arial" panose="020B0604020202020204" pitchFamily="34" charset="0"/>
-              </a:rPr>
-              <a:t>import </a:t>
-            </a:r>
-            <a:r>
-              <a:rPr lang="en-US" sz="900" dirty="0" err="1">
-                <a:latin typeface="Arial" panose="020B0604020202020204" pitchFamily="34" charset="0"/>
-                <a:cs typeface="Arial" panose="020B0604020202020204" pitchFamily="34" charset="0"/>
-              </a:rPr>
-              <a:t>numpy</a:t>
-            </a:r>
-            <a:r>
-              <a:rPr lang="en-US" sz="900" dirty="0">
-                <a:latin typeface="Arial" panose="020B0604020202020204" pitchFamily="34" charset="0"/>
-                <a:cs typeface="Arial" panose="020B0604020202020204" pitchFamily="34" charset="0"/>
-              </a:rPr>
-              <a:t> as np</a:t>
-            </a:r>
-          </a:p>
-          <a:p>
-            <a:r>
-              <a:rPr lang="en-US" sz="900" dirty="0">
-                <a:latin typeface="Arial" panose="020B0604020202020204" pitchFamily="34" charset="0"/>
-                <a:cs typeface="Arial" panose="020B0604020202020204" pitchFamily="34" charset="0"/>
-              </a:rPr>
-              <a:t>import </a:t>
-            </a:r>
-            <a:r>
-              <a:rPr lang="en-US" sz="900" dirty="0" err="1">
-                <a:latin typeface="Arial" panose="020B0604020202020204" pitchFamily="34" charset="0"/>
-                <a:cs typeface="Arial" panose="020B0604020202020204" pitchFamily="34" charset="0"/>
-              </a:rPr>
-              <a:t>matplotlib.pyplot</a:t>
-            </a:r>
-            <a:r>
-              <a:rPr lang="en-US" sz="900" dirty="0">
-                <a:latin typeface="Arial" panose="020B0604020202020204" pitchFamily="34" charset="0"/>
-                <a:cs typeface="Arial" panose="020B0604020202020204" pitchFamily="34" charset="0"/>
-              </a:rPr>
-              <a:t> as </a:t>
-            </a:r>
-            <a:r>
-              <a:rPr lang="en-US" sz="900" dirty="0" err="1">
-                <a:latin typeface="Arial" panose="020B0604020202020204" pitchFamily="34" charset="0"/>
-                <a:cs typeface="Arial" panose="020B0604020202020204" pitchFamily="34" charset="0"/>
-              </a:rPr>
-              <a:t>plt</a:t>
-            </a:r>
-            <a:r>
-              <a:rPr lang="en-US" sz="900" dirty="0">
-                <a:latin typeface="Arial" panose="020B0604020202020204" pitchFamily="34" charset="0"/>
-                <a:cs typeface="Arial" panose="020B0604020202020204" pitchFamily="34" charset="0"/>
-              </a:rPr>
-              <a:t> </a:t>
-            </a:r>
-          </a:p>
-          <a:p>
-            <a:r>
-              <a:rPr lang="en-US" sz="900" dirty="0">
-                <a:latin typeface="Arial" panose="020B0604020202020204" pitchFamily="34" charset="0"/>
-                <a:cs typeface="Arial" panose="020B0604020202020204" pitchFamily="34" charset="0"/>
-              </a:rPr>
-              <a:t>from </a:t>
-            </a:r>
-            <a:r>
-              <a:rPr lang="en-US" sz="900" dirty="0" err="1">
-                <a:latin typeface="Arial" panose="020B0604020202020204" pitchFamily="34" charset="0"/>
-                <a:cs typeface="Arial" panose="020B0604020202020204" pitchFamily="34" charset="0"/>
-              </a:rPr>
-              <a:t>pandas.plotting</a:t>
-            </a:r>
-            <a:r>
-              <a:rPr lang="en-US" sz="900" dirty="0">
-                <a:latin typeface="Arial" panose="020B0604020202020204" pitchFamily="34" charset="0"/>
-                <a:cs typeface="Arial" panose="020B0604020202020204" pitchFamily="34" charset="0"/>
-              </a:rPr>
-              <a:t> import </a:t>
-            </a:r>
-            <a:r>
-              <a:rPr lang="en-US" sz="900" dirty="0" err="1">
-                <a:latin typeface="Arial" panose="020B0604020202020204" pitchFamily="34" charset="0"/>
-                <a:cs typeface="Arial" panose="020B0604020202020204" pitchFamily="34" charset="0"/>
-              </a:rPr>
-              <a:t>lag_plot</a:t>
-            </a:r>
-            <a:endParaRPr lang="en-US" sz="900" dirty="0">
-              <a:latin typeface="Arial" panose="020B0604020202020204" pitchFamily="34" charset="0"/>
-              <a:cs typeface="Arial" panose="020B0604020202020204" pitchFamily="34" charset="0"/>
-            </a:endParaRPr>
-          </a:p>
-          <a:p>
-            <a:r>
-              <a:rPr lang="en-US" sz="900" dirty="0">
-                <a:latin typeface="Arial" panose="020B0604020202020204" pitchFamily="34" charset="0"/>
-                <a:cs typeface="Arial" panose="020B0604020202020204" pitchFamily="34" charset="0"/>
-              </a:rPr>
-              <a:t>from </a:t>
-            </a:r>
-            <a:r>
-              <a:rPr lang="en-US" sz="900" dirty="0" err="1">
-                <a:latin typeface="Arial" panose="020B0604020202020204" pitchFamily="34" charset="0"/>
-                <a:cs typeface="Arial" panose="020B0604020202020204" pitchFamily="34" charset="0"/>
-              </a:rPr>
-              <a:t>pandas.tseries.holiday</a:t>
-            </a:r>
-            <a:r>
-              <a:rPr lang="en-US" sz="900" dirty="0">
-                <a:latin typeface="Arial" panose="020B0604020202020204" pitchFamily="34" charset="0"/>
-                <a:cs typeface="Arial" panose="020B0604020202020204" pitchFamily="34" charset="0"/>
-              </a:rPr>
-              <a:t> import </a:t>
-            </a:r>
-            <a:r>
-              <a:rPr lang="en-US" sz="900" dirty="0" err="1">
-                <a:latin typeface="Arial" panose="020B0604020202020204" pitchFamily="34" charset="0"/>
-                <a:cs typeface="Arial" panose="020B0604020202020204" pitchFamily="34" charset="0"/>
-              </a:rPr>
-              <a:t>USFederalHolidayCalendar</a:t>
-            </a:r>
-            <a:endParaRPr lang="en-US" sz="900" dirty="0">
-              <a:latin typeface="Arial" panose="020B0604020202020204" pitchFamily="34" charset="0"/>
-              <a:cs typeface="Arial" panose="020B0604020202020204" pitchFamily="34" charset="0"/>
-            </a:endParaRPr>
-          </a:p>
-          <a:p>
-            <a:r>
-              <a:rPr lang="en-US" sz="900" dirty="0">
-                <a:latin typeface="Arial" panose="020B0604020202020204" pitchFamily="34" charset="0"/>
-                <a:cs typeface="Arial" panose="020B0604020202020204" pitchFamily="34" charset="0"/>
-              </a:rPr>
-              <a:t>from </a:t>
-            </a:r>
-            <a:r>
-              <a:rPr lang="en-US" sz="900" dirty="0" err="1">
-                <a:latin typeface="Arial" panose="020B0604020202020204" pitchFamily="34" charset="0"/>
-                <a:cs typeface="Arial" panose="020B0604020202020204" pitchFamily="34" charset="0"/>
-              </a:rPr>
-              <a:t>pandas.tseries.offsets</a:t>
-            </a:r>
-            <a:r>
-              <a:rPr lang="en-US" sz="900" dirty="0">
-                <a:latin typeface="Arial" panose="020B0604020202020204" pitchFamily="34" charset="0"/>
-                <a:cs typeface="Arial" panose="020B0604020202020204" pitchFamily="34" charset="0"/>
-              </a:rPr>
-              <a:t> import </a:t>
-            </a:r>
-            <a:r>
-              <a:rPr lang="en-US" sz="900" dirty="0" err="1">
-                <a:latin typeface="Arial" panose="020B0604020202020204" pitchFamily="34" charset="0"/>
-                <a:cs typeface="Arial" panose="020B0604020202020204" pitchFamily="34" charset="0"/>
-              </a:rPr>
-              <a:t>CustomBusinessDay</a:t>
-            </a:r>
-            <a:endParaRPr lang="en-US" sz="900" dirty="0">
-              <a:latin typeface="Arial" panose="020B0604020202020204" pitchFamily="34" charset="0"/>
-              <a:cs typeface="Arial" panose="020B0604020202020204" pitchFamily="34" charset="0"/>
-            </a:endParaRPr>
-          </a:p>
-          <a:p>
-            <a:r>
-              <a:rPr lang="en-US" sz="900" dirty="0">
-                <a:latin typeface="Arial" panose="020B0604020202020204" pitchFamily="34" charset="0"/>
-                <a:cs typeface="Arial" panose="020B0604020202020204" pitchFamily="34" charset="0"/>
-              </a:rPr>
-              <a:t>from </a:t>
-            </a:r>
-            <a:r>
-              <a:rPr lang="en-US" sz="900" dirty="0" err="1">
-                <a:latin typeface="Arial" panose="020B0604020202020204" pitchFamily="34" charset="0"/>
-                <a:cs typeface="Arial" panose="020B0604020202020204" pitchFamily="34" charset="0"/>
-              </a:rPr>
-              <a:t>pandas_datareader.data</a:t>
-            </a:r>
-            <a:r>
-              <a:rPr lang="en-US" sz="900" dirty="0">
-                <a:latin typeface="Arial" panose="020B0604020202020204" pitchFamily="34" charset="0"/>
-                <a:cs typeface="Arial" panose="020B0604020202020204" pitchFamily="34" charset="0"/>
-              </a:rPr>
-              <a:t> import </a:t>
-            </a:r>
-            <a:r>
-              <a:rPr lang="en-US" sz="900" dirty="0" err="1">
-                <a:latin typeface="Arial" panose="020B0604020202020204" pitchFamily="34" charset="0"/>
-                <a:cs typeface="Arial" panose="020B0604020202020204" pitchFamily="34" charset="0"/>
-              </a:rPr>
-              <a:t>DataReader</a:t>
-            </a:r>
-            <a:endParaRPr lang="en-US" sz="900" dirty="0">
-              <a:latin typeface="Arial" panose="020B0604020202020204" pitchFamily="34" charset="0"/>
-              <a:cs typeface="Arial" panose="020B0604020202020204" pitchFamily="34" charset="0"/>
-            </a:endParaRPr>
-          </a:p>
-          <a:p>
-            <a:r>
-              <a:rPr lang="en-US" sz="900" dirty="0">
-                <a:latin typeface="Arial" panose="020B0604020202020204" pitchFamily="34" charset="0"/>
-                <a:cs typeface="Arial" panose="020B0604020202020204" pitchFamily="34" charset="0"/>
-              </a:rPr>
-              <a:t>import </a:t>
-            </a:r>
-            <a:r>
-              <a:rPr lang="en-US" sz="900" dirty="0" err="1">
-                <a:latin typeface="Arial" panose="020B0604020202020204" pitchFamily="34" charset="0"/>
-                <a:cs typeface="Arial" panose="020B0604020202020204" pitchFamily="34" charset="0"/>
-              </a:rPr>
-              <a:t>yfinance</a:t>
-            </a:r>
-            <a:r>
-              <a:rPr lang="en-US" sz="900" dirty="0">
-                <a:latin typeface="Arial" panose="020B0604020202020204" pitchFamily="34" charset="0"/>
-                <a:cs typeface="Arial" panose="020B0604020202020204" pitchFamily="34" charset="0"/>
-              </a:rPr>
-              <a:t> as </a:t>
-            </a:r>
-            <a:r>
-              <a:rPr lang="en-US" sz="900" dirty="0" err="1">
-                <a:latin typeface="Arial" panose="020B0604020202020204" pitchFamily="34" charset="0"/>
-                <a:cs typeface="Arial" panose="020B0604020202020204" pitchFamily="34" charset="0"/>
-              </a:rPr>
-              <a:t>yf</a:t>
-            </a:r>
-            <a:endParaRPr lang="en-US" sz="900" dirty="0">
-              <a:latin typeface="Arial" panose="020B0604020202020204" pitchFamily="34" charset="0"/>
-              <a:cs typeface="Arial" panose="020B0604020202020204" pitchFamily="34" charset="0"/>
-            </a:endParaRPr>
-          </a:p>
-          <a:p>
-            <a:r>
-              <a:rPr lang="en-US" sz="900" dirty="0">
-                <a:latin typeface="Arial" panose="020B0604020202020204" pitchFamily="34" charset="0"/>
-                <a:cs typeface="Arial" panose="020B0604020202020204" pitchFamily="34" charset="0"/>
-              </a:rPr>
-              <a:t>import datetime</a:t>
-            </a:r>
-          </a:p>
-        </p:txBody>
-      </p:sp>
-      <p:sp>
-        <p:nvSpPr>
-          <p:cNvPr id="19" name="Content Placeholder 9">
-            <a:extLst>
-              <a:ext uri="{FF2B5EF4-FFF2-40B4-BE49-F238E27FC236}">
-                <a16:creationId xmlns:a16="http://schemas.microsoft.com/office/drawing/2014/main" id="{26F04997-C330-4C3B-9DC0-546218AF8388}"/>
+                <a16:creationId xmlns:a16="http://schemas.microsoft.com/office/drawing/2014/main" id="{5D109D2B-711D-4959-B59F-62A7376B25FD}"/>
               </a:ext>
             </a:extLst>
           </p:cNvPr>
@@ -6505,8 +6574,8 @@
         </p:nvSpPr>
         <p:spPr>
           <a:xfrm>
-            <a:off x="3975100" y="996052"/>
-            <a:ext cx="4799013" cy="3347347"/>
+            <a:off x="409706" y="796267"/>
+            <a:ext cx="3247893" cy="662885"/>
           </a:xfrm>
           <a:prstGeom prst="rect">
             <a:avLst/>
@@ -6654,540 +6723,510 @@
             </a:lvl9pPr>
           </a:lstStyle>
           <a:p>
+            <a:pPr>
+              <a:lnSpc>
+                <a:spcPct val="90000"/>
+              </a:lnSpc>
+            </a:pPr>
+            <a:endParaRPr lang="en-US" sz="1100" dirty="0"/>
+          </a:p>
+          <a:p>
             <a:pPr marL="0" indent="0">
-              <a:buFont typeface="Arial"/>
+              <a:lnSpc>
+                <a:spcPct val="90000"/>
+              </a:lnSpc>
               <a:buNone/>
             </a:pPr>
-            <a:endParaRPr lang="en-US" sz="1000" b="1" dirty="0">
-              <a:latin typeface="Arial" panose="020B0604020202020204" pitchFamily="34" charset="0"/>
-              <a:cs typeface="Arial" panose="020B0604020202020204" pitchFamily="34" charset="0"/>
-            </a:endParaRPr>
+            <a:r>
+              <a:rPr lang="en-US" sz="1100" dirty="0">
+                <a:hlinkClick r:id="rId5"/>
+              </a:rPr>
+              <a:t>Reddit</a:t>
+            </a:r>
+            <a:r>
+              <a:rPr lang="en-US" sz="1100" dirty="0"/>
+              <a:t> – </a:t>
+            </a:r>
+            <a:r>
+              <a:rPr lang="en-US" sz="1100" dirty="0">
+                <a:hlinkClick r:id="rId6"/>
+              </a:rPr>
+              <a:t>https://www.reddit.com/r/datasets/</a:t>
+            </a:r>
+            <a:r>
+              <a:rPr lang="en-US" sz="1100" dirty="0"/>
+              <a:t>	</a:t>
+            </a:r>
           </a:p>
           <a:p>
             <a:pPr marL="0" indent="0">
+              <a:lnSpc>
+                <a:spcPct val="90000"/>
+              </a:lnSpc>
               <a:buFont typeface="Arial"/>
               <a:buNone/>
             </a:pPr>
-            <a:r>
-              <a:rPr lang="en-US" sz="1000" b="1" dirty="0">
-                <a:latin typeface="Arial" panose="020B0604020202020204" pitchFamily="34" charset="0"/>
-                <a:cs typeface="Arial" panose="020B0604020202020204" pitchFamily="34" charset="0"/>
-              </a:rPr>
-              <a:t>*ARIMA - </a:t>
-            </a:r>
-            <a:r>
-              <a:rPr lang="en-US" sz="1000" i="0" dirty="0">
-                <a:solidFill>
-                  <a:srgbClr val="111111"/>
-                </a:solidFill>
-                <a:effectLst/>
-                <a:latin typeface="Arial" panose="020B0604020202020204" pitchFamily="34" charset="0"/>
-                <a:cs typeface="Arial" panose="020B0604020202020204" pitchFamily="34" charset="0"/>
-              </a:rPr>
-              <a:t> </a:t>
-            </a:r>
-            <a:r>
-              <a:rPr lang="en-US" sz="1000" i="0" dirty="0" err="1">
-                <a:solidFill>
-                  <a:srgbClr val="111111"/>
-                </a:solidFill>
-                <a:effectLst/>
-                <a:latin typeface="Arial" panose="020B0604020202020204" pitchFamily="34" charset="0"/>
-                <a:cs typeface="Arial" panose="020B0604020202020204" pitchFamily="34" charset="0"/>
-              </a:rPr>
-              <a:t>AutoRegressive</a:t>
-            </a:r>
-            <a:r>
-              <a:rPr lang="en-US" sz="1000" i="0" dirty="0">
-                <a:solidFill>
-                  <a:srgbClr val="111111"/>
-                </a:solidFill>
-                <a:effectLst/>
-                <a:latin typeface="Arial" panose="020B0604020202020204" pitchFamily="34" charset="0"/>
-                <a:cs typeface="Arial" panose="020B0604020202020204" pitchFamily="34" charset="0"/>
-              </a:rPr>
-              <a:t> Integrated Moving Average</a:t>
-            </a:r>
-            <a:endParaRPr lang="en-US" sz="1000" b="0" i="0" dirty="0">
-              <a:solidFill>
-                <a:srgbClr val="111111"/>
-              </a:solidFill>
-              <a:effectLst/>
-              <a:latin typeface="Arial" panose="020B0604020202020204" pitchFamily="34" charset="0"/>
-              <a:cs typeface="Arial" panose="020B0604020202020204" pitchFamily="34" charset="0"/>
-            </a:endParaRPr>
-          </a:p>
-          <a:p>
-            <a:r>
-              <a:rPr lang="en-US" sz="1000" b="1" spc="-5" dirty="0">
-                <a:solidFill>
-                  <a:srgbClr val="111111"/>
-                </a:solidFill>
-                <a:latin typeface="Arial" panose="020B0604020202020204" pitchFamily="34" charset="0"/>
-                <a:ea typeface="Times New Roman" panose="02020603050405020304" pitchFamily="18" charset="0"/>
-                <a:cs typeface="Arial" panose="020B0604020202020204" pitchFamily="34" charset="0"/>
-              </a:rPr>
-              <a:t>AR:&lt;Auto Regressive&gt; </a:t>
-            </a:r>
-            <a:r>
-              <a:rPr lang="en-US" sz="1000" spc="-5" dirty="0">
-                <a:solidFill>
-                  <a:srgbClr val="292929"/>
-                </a:solidFill>
-                <a:effectLst/>
-                <a:latin typeface="Arial" panose="020B0604020202020204" pitchFamily="34" charset="0"/>
-                <a:ea typeface="Times New Roman" panose="02020603050405020304" pitchFamily="18" charset="0"/>
-                <a:cs typeface="Arial" panose="020B0604020202020204" pitchFamily="34" charset="0"/>
-              </a:rPr>
-              <a:t>uses the dependent relationship between an observation and some predefined number of lagged observations (also known as “time lag” or “lag”).</a:t>
-            </a:r>
-            <a:endParaRPr lang="en-US" sz="1000" dirty="0">
-              <a:effectLst/>
-              <a:latin typeface="Arial" panose="020B0604020202020204" pitchFamily="34" charset="0"/>
-              <a:ea typeface="Calibri" panose="020F0502020204030204" pitchFamily="34" charset="0"/>
-              <a:cs typeface="Arial" panose="020B0604020202020204" pitchFamily="34" charset="0"/>
-            </a:endParaRPr>
-          </a:p>
-          <a:p>
-            <a:pPr marL="342900" marR="0" lvl="0" indent="-342900">
-              <a:spcBef>
-                <a:spcPts val="1260"/>
-              </a:spcBef>
-              <a:spcAft>
-                <a:spcPts val="0"/>
-              </a:spcAft>
-              <a:buSzPts val="1000"/>
-              <a:buFont typeface="Symbol" panose="05050102010706020507" pitchFamily="18" charset="2"/>
-              <a:buChar char=""/>
-              <a:tabLst>
-                <a:tab pos="457200" algn="l"/>
-              </a:tabLst>
+            <a:endParaRPr lang="en-US" sz="1100" dirty="0"/>
+          </a:p>
+        </p:txBody>
+      </p:sp>
+      <p:sp>
+        <p:nvSpPr>
+          <p:cNvPr id="25" name="Content Placeholder 2">
+            <a:extLst>
+              <a:ext uri="{FF2B5EF4-FFF2-40B4-BE49-F238E27FC236}">
+                <a16:creationId xmlns:a16="http://schemas.microsoft.com/office/drawing/2014/main" id="{6E459C93-7D57-44BD-901D-F35E5758C63A}"/>
+              </a:ext>
+            </a:extLst>
+          </p:cNvPr>
+          <p:cNvSpPr txBox="1">
+            <a:spLocks/>
+          </p:cNvSpPr>
+          <p:nvPr/>
+        </p:nvSpPr>
+        <p:spPr>
+          <a:xfrm>
+            <a:off x="276255" y="2992829"/>
+            <a:ext cx="1502682" cy="1339146"/>
+          </a:xfrm>
+          <a:prstGeom prst="rect">
+            <a:avLst/>
+          </a:prstGeom>
+        </p:spPr>
+        <p:txBody>
+          <a:bodyPr vert="horz" lIns="91440" tIns="45720" rIns="91440" bIns="45720" rtlCol="0">
+            <a:noAutofit/>
+          </a:bodyPr>
+          <a:lstStyle>
+            <a:lvl1pPr marL="342900" indent="-342900" algn="l" defTabSz="457200" rtl="0" eaLnBrk="1" latinLnBrk="0" hangingPunct="1">
+              <a:spcBef>
+                <a:spcPct val="20000"/>
+              </a:spcBef>
+              <a:buFont typeface="Arial"/>
+              <a:buChar char="•"/>
+              <a:defRPr sz="2400" kern="1200">
+                <a:solidFill>
+                  <a:schemeClr val="tx1"/>
+                </a:solidFill>
+                <a:latin typeface="Arial"/>
+                <a:ea typeface="+mn-ea"/>
+                <a:cs typeface="Arial"/>
+              </a:defRPr>
+            </a:lvl1pPr>
+            <a:lvl2pPr marL="742950" indent="-285750" algn="l" defTabSz="457200" rtl="0" eaLnBrk="1" latinLnBrk="0" hangingPunct="1">
+              <a:spcBef>
+                <a:spcPct val="20000"/>
+              </a:spcBef>
+              <a:buFont typeface="Arial"/>
+              <a:buChar char="–"/>
+              <a:defRPr sz="2000" kern="1200">
+                <a:solidFill>
+                  <a:schemeClr val="tx1"/>
+                </a:solidFill>
+                <a:latin typeface="Arial"/>
+                <a:ea typeface="+mn-ea"/>
+                <a:cs typeface="Arial"/>
+              </a:defRPr>
+            </a:lvl2pPr>
+            <a:lvl3pPr marL="1143000" indent="-228600" algn="l" defTabSz="457200" rtl="0" eaLnBrk="1" latinLnBrk="0" hangingPunct="1">
+              <a:spcBef>
+                <a:spcPct val="20000"/>
+              </a:spcBef>
+              <a:buFont typeface="Arial"/>
+              <a:buChar char="•"/>
+              <a:defRPr sz="1800" kern="1200">
+                <a:solidFill>
+                  <a:schemeClr val="tx1"/>
+                </a:solidFill>
+                <a:latin typeface="Arial"/>
+                <a:ea typeface="+mn-ea"/>
+                <a:cs typeface="Arial"/>
+              </a:defRPr>
+            </a:lvl3pPr>
+            <a:lvl4pPr marL="1600200" indent="-228600" algn="l" defTabSz="457200" rtl="0" eaLnBrk="1" latinLnBrk="0" hangingPunct="1">
+              <a:spcBef>
+                <a:spcPct val="20000"/>
+              </a:spcBef>
+              <a:buFont typeface="Arial"/>
+              <a:buChar char="–"/>
+              <a:defRPr sz="1600" kern="1200">
+                <a:solidFill>
+                  <a:schemeClr val="tx1"/>
+                </a:solidFill>
+                <a:latin typeface="Arial"/>
+                <a:ea typeface="+mn-ea"/>
+                <a:cs typeface="Arial"/>
+              </a:defRPr>
+            </a:lvl4pPr>
+            <a:lvl5pPr marL="2057400" indent="-228600" algn="l" defTabSz="457200" rtl="0" eaLnBrk="1" latinLnBrk="0" hangingPunct="1">
+              <a:spcBef>
+                <a:spcPct val="20000"/>
+              </a:spcBef>
+              <a:buFont typeface="Arial"/>
+              <a:buChar char="»"/>
+              <a:defRPr sz="1600" kern="1200">
+                <a:solidFill>
+                  <a:schemeClr val="tx1"/>
+                </a:solidFill>
+                <a:latin typeface="Arial"/>
+                <a:ea typeface="+mn-ea"/>
+                <a:cs typeface="Arial"/>
+              </a:defRPr>
+            </a:lvl5pPr>
+            <a:lvl6pPr marL="2514600" indent="-228600" algn="l" defTabSz="457200" rtl="0" eaLnBrk="1" latinLnBrk="0" hangingPunct="1">
+              <a:spcBef>
+                <a:spcPct val="20000"/>
+              </a:spcBef>
+              <a:buFont typeface="Arial"/>
+              <a:buChar char="•"/>
+              <a:defRPr sz="1600" kern="1200">
+                <a:solidFill>
+                  <a:schemeClr val="tx1"/>
+                </a:solidFill>
+                <a:latin typeface="+mn-lt"/>
+                <a:ea typeface="+mn-ea"/>
+                <a:cs typeface="+mn-cs"/>
+              </a:defRPr>
+            </a:lvl6pPr>
+            <a:lvl7pPr marL="2971800" indent="-228600" algn="l" defTabSz="457200" rtl="0" eaLnBrk="1" latinLnBrk="0" hangingPunct="1">
+              <a:spcBef>
+                <a:spcPct val="20000"/>
+              </a:spcBef>
+              <a:buFont typeface="Arial"/>
+              <a:buChar char="•"/>
+              <a:defRPr sz="1600" kern="1200">
+                <a:solidFill>
+                  <a:schemeClr val="tx1"/>
+                </a:solidFill>
+                <a:latin typeface="+mn-lt"/>
+                <a:ea typeface="+mn-ea"/>
+                <a:cs typeface="+mn-cs"/>
+              </a:defRPr>
+            </a:lvl7pPr>
+            <a:lvl8pPr marL="3429000" indent="-228600" algn="l" defTabSz="457200" rtl="0" eaLnBrk="1" latinLnBrk="0" hangingPunct="1">
+              <a:spcBef>
+                <a:spcPct val="20000"/>
+              </a:spcBef>
+              <a:buFont typeface="Arial"/>
+              <a:buChar char="•"/>
+              <a:defRPr sz="1600" kern="1200">
+                <a:solidFill>
+                  <a:schemeClr val="tx1"/>
+                </a:solidFill>
+                <a:latin typeface="+mn-lt"/>
+                <a:ea typeface="+mn-ea"/>
+                <a:cs typeface="+mn-cs"/>
+              </a:defRPr>
+            </a:lvl8pPr>
+            <a:lvl9pPr marL="3886200" indent="-228600" algn="l" defTabSz="457200" rtl="0" eaLnBrk="1" latinLnBrk="0" hangingPunct="1">
+              <a:spcBef>
+                <a:spcPct val="20000"/>
+              </a:spcBef>
+              <a:buFont typeface="Arial"/>
+              <a:buChar char="•"/>
+              <a:defRPr sz="1600" kern="1200">
+                <a:solidFill>
+                  <a:schemeClr val="tx1"/>
+                </a:solidFill>
+                <a:latin typeface="+mn-lt"/>
+                <a:ea typeface="+mn-ea"/>
+                <a:cs typeface="+mn-cs"/>
+              </a:defRPr>
+            </a:lvl9pPr>
+          </a:lstStyle>
+          <a:p>
+            <a:pPr marL="0" indent="0">
+              <a:lnSpc>
+                <a:spcPct val="90000"/>
+              </a:lnSpc>
+              <a:buNone/>
             </a:pPr>
-            <a:r>
-              <a:rPr lang="en-US" sz="1000" b="1" spc="-5" dirty="0">
-                <a:solidFill>
-                  <a:srgbClr val="292929"/>
-                </a:solidFill>
-                <a:effectLst/>
-                <a:latin typeface="Arial" panose="020B0604020202020204" pitchFamily="34" charset="0"/>
-                <a:ea typeface="Times New Roman" panose="02020603050405020304" pitchFamily="18" charset="0"/>
-                <a:cs typeface="Arial" panose="020B0604020202020204" pitchFamily="34" charset="0"/>
-              </a:rPr>
-              <a:t>I:&lt; Integrated &gt;</a:t>
-            </a:r>
-            <a:r>
-              <a:rPr lang="en-US" sz="1000" spc="-5" dirty="0">
-                <a:solidFill>
-                  <a:srgbClr val="292929"/>
-                </a:solidFill>
-                <a:effectLst/>
-                <a:latin typeface="Arial" panose="020B0604020202020204" pitchFamily="34" charset="0"/>
-                <a:ea typeface="Times New Roman" panose="02020603050405020304" pitchFamily="18" charset="0"/>
-                <a:cs typeface="Arial" panose="020B0604020202020204" pitchFamily="34" charset="0"/>
-              </a:rPr>
-              <a:t> model employs </a:t>
-            </a:r>
-            <a:r>
-              <a:rPr lang="en-US" sz="1000" b="1" spc="-5" dirty="0">
-                <a:solidFill>
-                  <a:srgbClr val="292929"/>
-                </a:solidFill>
-                <a:effectLst/>
-                <a:latin typeface="Arial" panose="020B0604020202020204" pitchFamily="34" charset="0"/>
-                <a:ea typeface="Times New Roman" panose="02020603050405020304" pitchFamily="18" charset="0"/>
-                <a:cs typeface="Arial" panose="020B0604020202020204" pitchFamily="34" charset="0"/>
-              </a:rPr>
-              <a:t>differencing of raw observations</a:t>
-            </a:r>
-            <a:r>
-              <a:rPr lang="en-US" sz="1000" spc="-5" dirty="0">
-                <a:solidFill>
-                  <a:srgbClr val="292929"/>
-                </a:solidFill>
-                <a:effectLst/>
-                <a:latin typeface="Arial" panose="020B0604020202020204" pitchFamily="34" charset="0"/>
-                <a:ea typeface="Times New Roman" panose="02020603050405020304" pitchFamily="18" charset="0"/>
-                <a:cs typeface="Arial" panose="020B0604020202020204" pitchFamily="34" charset="0"/>
-              </a:rPr>
-              <a:t> (e.g. it subtracts an observation from an observation at the previous time step) in order to make the time-series </a:t>
-            </a:r>
-            <a:r>
-              <a:rPr lang="en-US" sz="1000" b="1" spc="-5" dirty="0">
-                <a:solidFill>
-                  <a:srgbClr val="292929"/>
-                </a:solidFill>
-                <a:effectLst/>
-                <a:latin typeface="Arial" panose="020B0604020202020204" pitchFamily="34" charset="0"/>
-                <a:ea typeface="Times New Roman" panose="02020603050405020304" pitchFamily="18" charset="0"/>
-                <a:cs typeface="Arial" panose="020B0604020202020204" pitchFamily="34" charset="0"/>
-              </a:rPr>
-              <a:t>stationary.MA</a:t>
-            </a:r>
-            <a:r>
-              <a:rPr lang="en-US" sz="1000" spc="-5" dirty="0">
-                <a:solidFill>
-                  <a:srgbClr val="292929"/>
-                </a:solidFill>
-                <a:effectLst/>
-                <a:latin typeface="Arial" panose="020B0604020202020204" pitchFamily="34" charset="0"/>
-                <a:ea typeface="Times New Roman" panose="02020603050405020304" pitchFamily="18" charset="0"/>
-                <a:cs typeface="Arial" panose="020B0604020202020204" pitchFamily="34" charset="0"/>
-              </a:rPr>
-              <a:t>:</a:t>
-            </a:r>
-            <a:endParaRPr lang="en-US" sz="1000" dirty="0">
-              <a:effectLst/>
-              <a:latin typeface="Arial" panose="020B0604020202020204" pitchFamily="34" charset="0"/>
-              <a:ea typeface="Calibri" panose="020F0502020204030204" pitchFamily="34" charset="0"/>
-              <a:cs typeface="Arial" panose="020B0604020202020204" pitchFamily="34" charset="0"/>
-            </a:endParaRPr>
-          </a:p>
-          <a:p>
-            <a:pPr marL="342900" marR="0" lvl="0" indent="-342900">
-              <a:spcBef>
-                <a:spcPts val="1260"/>
-              </a:spcBef>
-              <a:spcAft>
-                <a:spcPts val="0"/>
-              </a:spcAft>
-              <a:buSzPts val="1000"/>
-              <a:buFont typeface="Symbol" panose="05050102010706020507" pitchFamily="18" charset="2"/>
-              <a:buChar char=""/>
-              <a:tabLst>
-                <a:tab pos="457200" algn="l"/>
-              </a:tabLst>
+            <a:endParaRPr lang="en-US" sz="500" dirty="0"/>
+          </a:p>
+          <a:p>
+            <a:pPr marL="0" indent="0">
+              <a:lnSpc>
+                <a:spcPct val="90000"/>
+              </a:lnSpc>
+              <a:buNone/>
             </a:pPr>
             <a:r>
-              <a:rPr lang="en-US" sz="1000" b="1" i="1" spc="-5" dirty="0">
-                <a:solidFill>
-                  <a:srgbClr val="292929"/>
-                </a:solidFill>
-                <a:effectLst/>
-                <a:latin typeface="Arial" panose="020B0604020202020204" pitchFamily="34" charset="0"/>
-                <a:ea typeface="Times New Roman" panose="02020603050405020304" pitchFamily="18" charset="0"/>
-                <a:cs typeface="Arial" panose="020B0604020202020204" pitchFamily="34" charset="0"/>
-              </a:rPr>
-              <a:t>MA: &lt; Moving Average &gt; </a:t>
-            </a:r>
-            <a:r>
-              <a:rPr lang="en-US" sz="1000" spc="-5" dirty="0">
-                <a:solidFill>
-                  <a:srgbClr val="292929"/>
-                </a:solidFill>
-                <a:effectLst/>
-                <a:latin typeface="Arial" panose="020B0604020202020204" pitchFamily="34" charset="0"/>
-                <a:ea typeface="Times New Roman" panose="02020603050405020304" pitchFamily="18" charset="0"/>
-                <a:cs typeface="Arial" panose="020B0604020202020204" pitchFamily="34" charset="0"/>
-              </a:rPr>
-              <a:t>model exploits the</a:t>
-            </a:r>
-            <a:r>
-              <a:rPr lang="en-US" sz="1000" b="1" spc="-5" dirty="0">
-                <a:solidFill>
-                  <a:srgbClr val="292929"/>
-                </a:solidFill>
-                <a:effectLst/>
-                <a:latin typeface="Arial" panose="020B0604020202020204" pitchFamily="34" charset="0"/>
-                <a:ea typeface="Times New Roman" panose="02020603050405020304" pitchFamily="18" charset="0"/>
-                <a:cs typeface="Arial" panose="020B0604020202020204" pitchFamily="34" charset="0"/>
-              </a:rPr>
-              <a:t> relationship between the residual error and the observations.</a:t>
-            </a:r>
-            <a:endParaRPr lang="en-US" sz="1000" b="1" spc="-5" dirty="0">
-              <a:latin typeface="Arial" panose="020B0604020202020204" pitchFamily="34" charset="0"/>
-              <a:ea typeface="Times New Roman" panose="02020603050405020304" pitchFamily="18" charset="0"/>
-              <a:cs typeface="Arial" panose="020B0604020202020204" pitchFamily="34" charset="0"/>
-            </a:endParaRPr>
-          </a:p>
-          <a:p>
-            <a:pPr marL="0" marR="0" lvl="0" indent="0">
-              <a:spcBef>
-                <a:spcPts val="1260"/>
-              </a:spcBef>
-              <a:spcAft>
-                <a:spcPts val="0"/>
-              </a:spcAft>
-              <a:buSzPts val="1000"/>
-              <a:buNone/>
-              <a:tabLst>
-                <a:tab pos="457200" algn="l"/>
-              </a:tabLst>
+              <a:rPr lang="en-US" sz="1100" dirty="0">
+                <a:hlinkClick r:id="rId7"/>
+              </a:rPr>
+              <a:t>Kaggle</a:t>
+            </a:r>
+            <a:r>
+              <a:rPr lang="en-US" sz="1100" dirty="0"/>
+              <a:t> – </a:t>
+            </a:r>
+            <a:r>
+              <a:rPr lang="en-US" sz="1100" dirty="0" err="1"/>
+              <a:t>WallStreetBest</a:t>
+            </a:r>
+            <a:r>
+              <a:rPr lang="en-US" sz="1100" dirty="0"/>
+              <a:t> posts</a:t>
+            </a:r>
+          </a:p>
+          <a:p>
+            <a:pPr marL="0" indent="0">
+              <a:lnSpc>
+                <a:spcPct val="90000"/>
+              </a:lnSpc>
+              <a:buNone/>
             </a:pPr>
-            <a:r>
-              <a:rPr lang="en-US" sz="1000" b="1" dirty="0">
-                <a:solidFill>
-                  <a:srgbClr val="292929"/>
-                </a:solidFill>
-                <a:effectLst/>
-                <a:latin typeface="Arial" panose="020B0604020202020204" pitchFamily="34" charset="0"/>
-                <a:ea typeface="Times New Roman" panose="02020603050405020304" pitchFamily="18" charset="0"/>
-                <a:cs typeface="Arial" panose="020B0604020202020204" pitchFamily="34" charset="0"/>
-              </a:rPr>
-              <a:t>Model parameters </a:t>
-            </a:r>
-            <a:r>
-              <a:rPr lang="en-US" sz="1000" dirty="0">
-                <a:solidFill>
-                  <a:srgbClr val="292929"/>
-                </a:solidFill>
-                <a:effectLst/>
-                <a:latin typeface="Arial" panose="020B0604020202020204" pitchFamily="34" charset="0"/>
-                <a:ea typeface="Times New Roman" panose="02020603050405020304" pitchFamily="18" charset="0"/>
-                <a:cs typeface="Arial" panose="020B0604020202020204" pitchFamily="34" charset="0"/>
-              </a:rPr>
-              <a:t>- </a:t>
-            </a:r>
-            <a:r>
-              <a:rPr lang="en-US" sz="1000" spc="-5" dirty="0">
-                <a:solidFill>
-                  <a:srgbClr val="292929"/>
-                </a:solidFill>
-                <a:effectLst/>
-                <a:latin typeface="Arial" panose="020B0604020202020204" pitchFamily="34" charset="0"/>
-                <a:ea typeface="Times New Roman" panose="02020603050405020304" pitchFamily="18" charset="0"/>
-                <a:cs typeface="Arial" panose="020B0604020202020204" pitchFamily="34" charset="0"/>
-              </a:rPr>
-              <a:t>expect as input parameters 3 arguments (</a:t>
-            </a:r>
-            <a:r>
-              <a:rPr lang="en-US" sz="1000" spc="-5" dirty="0" err="1">
-                <a:solidFill>
-                  <a:srgbClr val="292929"/>
-                </a:solidFill>
-                <a:effectLst/>
-                <a:latin typeface="Arial" panose="020B0604020202020204" pitchFamily="34" charset="0"/>
-                <a:ea typeface="Times New Roman" panose="02020603050405020304" pitchFamily="18" charset="0"/>
-                <a:cs typeface="Arial" panose="020B0604020202020204" pitchFamily="34" charset="0"/>
-              </a:rPr>
-              <a:t>p,d,q</a:t>
-            </a:r>
-            <a:r>
-              <a:rPr lang="en-US" sz="1000" spc="-5" dirty="0">
-                <a:solidFill>
-                  <a:srgbClr val="292929"/>
-                </a:solidFill>
-                <a:effectLst/>
-                <a:latin typeface="Arial" panose="020B0604020202020204" pitchFamily="34" charset="0"/>
-                <a:ea typeface="Times New Roman" panose="02020603050405020304" pitchFamily="18" charset="0"/>
-                <a:cs typeface="Arial" panose="020B0604020202020204" pitchFamily="34" charset="0"/>
-              </a:rPr>
-              <a:t>)</a:t>
-            </a:r>
-            <a:endParaRPr lang="en-US" sz="1000" dirty="0">
-              <a:effectLst/>
-              <a:latin typeface="Arial" panose="020B0604020202020204" pitchFamily="34" charset="0"/>
-              <a:ea typeface="Calibri" panose="020F0502020204030204" pitchFamily="34" charset="0"/>
-              <a:cs typeface="Arial" panose="020B0604020202020204" pitchFamily="34" charset="0"/>
-            </a:endParaRPr>
-          </a:p>
-          <a:p>
-            <a:pPr marL="342900" marR="0" lvl="0" indent="-342900">
-              <a:spcBef>
-                <a:spcPts val="100"/>
-              </a:spcBef>
-              <a:spcAft>
-                <a:spcPts val="100"/>
-              </a:spcAft>
-              <a:buSzPts val="1000"/>
-              <a:buFont typeface="Symbol" panose="05050102010706020507" pitchFamily="18" charset="2"/>
-              <a:buChar char=""/>
-              <a:tabLst>
-                <a:tab pos="457200" algn="l"/>
-              </a:tabLst>
+            <a:endParaRPr lang="en-US" sz="1100" dirty="0"/>
+          </a:p>
+        </p:txBody>
+      </p:sp>
+      <p:sp>
+        <p:nvSpPr>
+          <p:cNvPr id="27" name="Content Placeholder 2">
+            <a:extLst>
+              <a:ext uri="{FF2B5EF4-FFF2-40B4-BE49-F238E27FC236}">
+                <a16:creationId xmlns:a16="http://schemas.microsoft.com/office/drawing/2014/main" id="{D3C7D977-82B3-4714-8185-4717A8F91FAB}"/>
+              </a:ext>
+            </a:extLst>
+          </p:cNvPr>
+          <p:cNvSpPr txBox="1">
+            <a:spLocks/>
+          </p:cNvSpPr>
+          <p:nvPr/>
+        </p:nvSpPr>
+        <p:spPr>
+          <a:xfrm>
+            <a:off x="5194300" y="2323360"/>
+            <a:ext cx="3543299" cy="547066"/>
+          </a:xfrm>
+          <a:prstGeom prst="rect">
+            <a:avLst/>
+          </a:prstGeom>
+        </p:spPr>
+        <p:txBody>
+          <a:bodyPr vert="horz" lIns="91440" tIns="45720" rIns="91440" bIns="45720" rtlCol="0">
+            <a:noAutofit/>
+          </a:bodyPr>
+          <a:lstStyle>
+            <a:lvl1pPr marL="342900" indent="-342900" algn="l" defTabSz="457200" rtl="0" eaLnBrk="1" latinLnBrk="0" hangingPunct="1">
+              <a:spcBef>
+                <a:spcPct val="20000"/>
+              </a:spcBef>
+              <a:buFont typeface="Arial"/>
+              <a:buChar char="•"/>
+              <a:defRPr sz="2400" kern="1200">
+                <a:solidFill>
+                  <a:schemeClr val="tx1"/>
+                </a:solidFill>
+                <a:latin typeface="Arial"/>
+                <a:ea typeface="+mn-ea"/>
+                <a:cs typeface="Arial"/>
+              </a:defRPr>
+            </a:lvl1pPr>
+            <a:lvl2pPr marL="742950" indent="-285750" algn="l" defTabSz="457200" rtl="0" eaLnBrk="1" latinLnBrk="0" hangingPunct="1">
+              <a:spcBef>
+                <a:spcPct val="20000"/>
+              </a:spcBef>
+              <a:buFont typeface="Arial"/>
+              <a:buChar char="–"/>
+              <a:defRPr sz="2000" kern="1200">
+                <a:solidFill>
+                  <a:schemeClr val="tx1"/>
+                </a:solidFill>
+                <a:latin typeface="Arial"/>
+                <a:ea typeface="+mn-ea"/>
+                <a:cs typeface="Arial"/>
+              </a:defRPr>
+            </a:lvl2pPr>
+            <a:lvl3pPr marL="1143000" indent="-228600" algn="l" defTabSz="457200" rtl="0" eaLnBrk="1" latinLnBrk="0" hangingPunct="1">
+              <a:spcBef>
+                <a:spcPct val="20000"/>
+              </a:spcBef>
+              <a:buFont typeface="Arial"/>
+              <a:buChar char="•"/>
+              <a:defRPr sz="1800" kern="1200">
+                <a:solidFill>
+                  <a:schemeClr val="tx1"/>
+                </a:solidFill>
+                <a:latin typeface="Arial"/>
+                <a:ea typeface="+mn-ea"/>
+                <a:cs typeface="Arial"/>
+              </a:defRPr>
+            </a:lvl3pPr>
+            <a:lvl4pPr marL="1600200" indent="-228600" algn="l" defTabSz="457200" rtl="0" eaLnBrk="1" latinLnBrk="0" hangingPunct="1">
+              <a:spcBef>
+                <a:spcPct val="20000"/>
+              </a:spcBef>
+              <a:buFont typeface="Arial"/>
+              <a:buChar char="–"/>
+              <a:defRPr sz="1600" kern="1200">
+                <a:solidFill>
+                  <a:schemeClr val="tx1"/>
+                </a:solidFill>
+                <a:latin typeface="Arial"/>
+                <a:ea typeface="+mn-ea"/>
+                <a:cs typeface="Arial"/>
+              </a:defRPr>
+            </a:lvl4pPr>
+            <a:lvl5pPr marL="2057400" indent="-228600" algn="l" defTabSz="457200" rtl="0" eaLnBrk="1" latinLnBrk="0" hangingPunct="1">
+              <a:spcBef>
+                <a:spcPct val="20000"/>
+              </a:spcBef>
+              <a:buFont typeface="Arial"/>
+              <a:buChar char="»"/>
+              <a:defRPr sz="1600" kern="1200">
+                <a:solidFill>
+                  <a:schemeClr val="tx1"/>
+                </a:solidFill>
+                <a:latin typeface="Arial"/>
+                <a:ea typeface="+mn-ea"/>
+                <a:cs typeface="Arial"/>
+              </a:defRPr>
+            </a:lvl5pPr>
+            <a:lvl6pPr marL="2514600" indent="-228600" algn="l" defTabSz="457200" rtl="0" eaLnBrk="1" latinLnBrk="0" hangingPunct="1">
+              <a:spcBef>
+                <a:spcPct val="20000"/>
+              </a:spcBef>
+              <a:buFont typeface="Arial"/>
+              <a:buChar char="•"/>
+              <a:defRPr sz="1600" kern="1200">
+                <a:solidFill>
+                  <a:schemeClr val="tx1"/>
+                </a:solidFill>
+                <a:latin typeface="+mn-lt"/>
+                <a:ea typeface="+mn-ea"/>
+                <a:cs typeface="+mn-cs"/>
+              </a:defRPr>
+            </a:lvl6pPr>
+            <a:lvl7pPr marL="2971800" indent="-228600" algn="l" defTabSz="457200" rtl="0" eaLnBrk="1" latinLnBrk="0" hangingPunct="1">
+              <a:spcBef>
+                <a:spcPct val="20000"/>
+              </a:spcBef>
+              <a:buFont typeface="Arial"/>
+              <a:buChar char="•"/>
+              <a:defRPr sz="1600" kern="1200">
+                <a:solidFill>
+                  <a:schemeClr val="tx1"/>
+                </a:solidFill>
+                <a:latin typeface="+mn-lt"/>
+                <a:ea typeface="+mn-ea"/>
+                <a:cs typeface="+mn-cs"/>
+              </a:defRPr>
+            </a:lvl7pPr>
+            <a:lvl8pPr marL="3429000" indent="-228600" algn="l" defTabSz="457200" rtl="0" eaLnBrk="1" latinLnBrk="0" hangingPunct="1">
+              <a:spcBef>
+                <a:spcPct val="20000"/>
+              </a:spcBef>
+              <a:buFont typeface="Arial"/>
+              <a:buChar char="•"/>
+              <a:defRPr sz="1600" kern="1200">
+                <a:solidFill>
+                  <a:schemeClr val="tx1"/>
+                </a:solidFill>
+                <a:latin typeface="+mn-lt"/>
+                <a:ea typeface="+mn-ea"/>
+                <a:cs typeface="+mn-cs"/>
+              </a:defRPr>
+            </a:lvl8pPr>
+            <a:lvl9pPr marL="3886200" indent="-228600" algn="l" defTabSz="457200" rtl="0" eaLnBrk="1" latinLnBrk="0" hangingPunct="1">
+              <a:spcBef>
+                <a:spcPct val="20000"/>
+              </a:spcBef>
+              <a:buFont typeface="Arial"/>
+              <a:buChar char="•"/>
+              <a:defRPr sz="1600" kern="1200">
+                <a:solidFill>
+                  <a:schemeClr val="tx1"/>
+                </a:solidFill>
+                <a:latin typeface="+mn-lt"/>
+                <a:ea typeface="+mn-ea"/>
+                <a:cs typeface="+mn-cs"/>
+              </a:defRPr>
+            </a:lvl9pPr>
+          </a:lstStyle>
+          <a:p>
+            <a:pPr marL="0" indent="0">
+              <a:lnSpc>
+                <a:spcPct val="90000"/>
+              </a:lnSpc>
+              <a:buFont typeface="Arial"/>
+              <a:buNone/>
             </a:pPr>
-            <a:r>
-              <a:rPr lang="en-US" sz="1000" b="1" spc="-5" dirty="0">
-                <a:solidFill>
-                  <a:srgbClr val="292929"/>
-                </a:solidFill>
-                <a:effectLst/>
-                <a:latin typeface="Arial" panose="020B0604020202020204" pitchFamily="34" charset="0"/>
-                <a:ea typeface="Times New Roman" panose="02020603050405020304" pitchFamily="18" charset="0"/>
-                <a:cs typeface="Arial" panose="020B0604020202020204" pitchFamily="34" charset="0"/>
-              </a:rPr>
-              <a:t>p</a:t>
-            </a:r>
-            <a:r>
-              <a:rPr lang="en-US" sz="1000" spc="-5" dirty="0">
-                <a:solidFill>
-                  <a:srgbClr val="292929"/>
-                </a:solidFill>
-                <a:effectLst/>
-                <a:latin typeface="Arial" panose="020B0604020202020204" pitchFamily="34" charset="0"/>
-                <a:ea typeface="Times New Roman" panose="02020603050405020304" pitchFamily="18" charset="0"/>
-                <a:cs typeface="Arial" panose="020B0604020202020204" pitchFamily="34" charset="0"/>
-              </a:rPr>
-              <a:t> is the </a:t>
-            </a:r>
-            <a:r>
-              <a:rPr lang="en-US" sz="1000" b="1" spc="-5" dirty="0">
-                <a:solidFill>
-                  <a:srgbClr val="292929"/>
-                </a:solidFill>
-                <a:effectLst/>
-                <a:latin typeface="Arial" panose="020B0604020202020204" pitchFamily="34" charset="0"/>
-                <a:ea typeface="Times New Roman" panose="02020603050405020304" pitchFamily="18" charset="0"/>
-                <a:cs typeface="Arial" panose="020B0604020202020204" pitchFamily="34" charset="0"/>
-              </a:rPr>
-              <a:t>number of lag observations</a:t>
-            </a:r>
-            <a:endParaRPr lang="en-US" sz="1000" dirty="0">
-              <a:effectLst/>
-              <a:latin typeface="Arial" panose="020B0604020202020204" pitchFamily="34" charset="0"/>
-              <a:ea typeface="Calibri" panose="020F0502020204030204" pitchFamily="34" charset="0"/>
-              <a:cs typeface="Arial" panose="020B0604020202020204" pitchFamily="34" charset="0"/>
-            </a:endParaRPr>
-          </a:p>
-          <a:p>
-            <a:pPr marL="342900" marR="0" lvl="0" indent="-342900">
-              <a:spcBef>
-                <a:spcPts val="100"/>
-              </a:spcBef>
-              <a:spcAft>
-                <a:spcPts val="100"/>
-              </a:spcAft>
-              <a:buSzPts val="1000"/>
-              <a:buFont typeface="Symbol" panose="05050102010706020507" pitchFamily="18" charset="2"/>
-              <a:buChar char=""/>
-              <a:tabLst>
-                <a:tab pos="457200" algn="l"/>
-              </a:tabLst>
+            <a:endParaRPr lang="en-US" sz="1000" dirty="0"/>
+          </a:p>
+          <a:p>
+            <a:pPr marL="0" indent="0">
+              <a:lnSpc>
+                <a:spcPct val="90000"/>
+              </a:lnSpc>
+              <a:buNone/>
             </a:pPr>
             <a:r>
-              <a:rPr lang="en-US" sz="1000" b="1" spc="-5" dirty="0">
-                <a:solidFill>
-                  <a:srgbClr val="292929"/>
-                </a:solidFill>
-                <a:effectLst/>
-                <a:latin typeface="Arial" panose="020B0604020202020204" pitchFamily="34" charset="0"/>
-                <a:ea typeface="Times New Roman" panose="02020603050405020304" pitchFamily="18" charset="0"/>
-                <a:cs typeface="Arial" panose="020B0604020202020204" pitchFamily="34" charset="0"/>
-              </a:rPr>
-              <a:t>d</a:t>
-            </a:r>
-            <a:r>
-              <a:rPr lang="en-US" sz="1000" spc="-5" dirty="0">
-                <a:solidFill>
-                  <a:srgbClr val="292929"/>
-                </a:solidFill>
-                <a:effectLst/>
-                <a:latin typeface="Arial" panose="020B0604020202020204" pitchFamily="34" charset="0"/>
-                <a:ea typeface="Times New Roman" panose="02020603050405020304" pitchFamily="18" charset="0"/>
-                <a:cs typeface="Arial" panose="020B0604020202020204" pitchFamily="34" charset="0"/>
-              </a:rPr>
-              <a:t> is the </a:t>
-            </a:r>
-            <a:r>
-              <a:rPr lang="en-US" sz="1000" b="1" spc="-5" dirty="0">
-                <a:solidFill>
-                  <a:srgbClr val="292929"/>
-                </a:solidFill>
-                <a:effectLst/>
-                <a:latin typeface="Arial" panose="020B0604020202020204" pitchFamily="34" charset="0"/>
-                <a:ea typeface="Times New Roman" panose="02020603050405020304" pitchFamily="18" charset="0"/>
-                <a:cs typeface="Arial" panose="020B0604020202020204" pitchFamily="34" charset="0"/>
-              </a:rPr>
-              <a:t>degree of differencing</a:t>
-            </a:r>
-            <a:endParaRPr lang="en-US" sz="1000" dirty="0">
-              <a:effectLst/>
-              <a:latin typeface="Arial" panose="020B0604020202020204" pitchFamily="34" charset="0"/>
-              <a:ea typeface="Calibri" panose="020F0502020204030204" pitchFamily="34" charset="0"/>
-              <a:cs typeface="Arial" panose="020B0604020202020204" pitchFamily="34" charset="0"/>
-            </a:endParaRPr>
-          </a:p>
-          <a:p>
-            <a:pPr marL="342900" marR="0" lvl="0" indent="-342900">
-              <a:spcBef>
-                <a:spcPts val="100"/>
-              </a:spcBef>
-              <a:spcAft>
-                <a:spcPts val="100"/>
-              </a:spcAft>
-              <a:buSzPts val="1000"/>
-              <a:buFont typeface="Symbol" panose="05050102010706020507" pitchFamily="18" charset="2"/>
-              <a:buChar char=""/>
-              <a:tabLst>
-                <a:tab pos="457200" algn="l"/>
-              </a:tabLst>
+              <a:rPr lang="en-US" sz="1100" dirty="0">
+                <a:hlinkClick r:id="rId8"/>
+              </a:rPr>
+              <a:t>snowflake</a:t>
+            </a:r>
+            <a:r>
+              <a:rPr lang="en-US" sz="1100" dirty="0"/>
+              <a:t> – Cloud Data/warehouse &amp; Market Data</a:t>
+            </a:r>
+          </a:p>
+          <a:p>
+            <a:pPr marL="0" indent="0">
+              <a:lnSpc>
+                <a:spcPct val="90000"/>
+              </a:lnSpc>
+              <a:buFont typeface="Arial"/>
+              <a:buNone/>
             </a:pPr>
-            <a:r>
-              <a:rPr lang="en-US" sz="1000" b="1" spc="-5" dirty="0">
-                <a:solidFill>
-                  <a:srgbClr val="292929"/>
-                </a:solidFill>
-                <a:effectLst/>
-                <a:latin typeface="Arial" panose="020B0604020202020204" pitchFamily="34" charset="0"/>
-                <a:ea typeface="Times New Roman" panose="02020603050405020304" pitchFamily="18" charset="0"/>
-                <a:cs typeface="Arial" panose="020B0604020202020204" pitchFamily="34" charset="0"/>
-              </a:rPr>
-              <a:t>q </a:t>
-            </a:r>
-            <a:r>
-              <a:rPr lang="en-US" sz="1000" spc="-5" dirty="0">
-                <a:solidFill>
-                  <a:srgbClr val="292929"/>
-                </a:solidFill>
-                <a:effectLst/>
-                <a:latin typeface="Arial" panose="020B0604020202020204" pitchFamily="34" charset="0"/>
-                <a:ea typeface="Times New Roman" panose="02020603050405020304" pitchFamily="18" charset="0"/>
-                <a:cs typeface="Arial" panose="020B0604020202020204" pitchFamily="34" charset="0"/>
-              </a:rPr>
-              <a:t>is the </a:t>
-            </a:r>
-            <a:r>
-              <a:rPr lang="en-US" sz="1000" b="1" spc="-5" dirty="0">
-                <a:solidFill>
-                  <a:srgbClr val="292929"/>
-                </a:solidFill>
-                <a:effectLst/>
-                <a:latin typeface="Arial" panose="020B0604020202020204" pitchFamily="34" charset="0"/>
-                <a:ea typeface="Times New Roman" panose="02020603050405020304" pitchFamily="18" charset="0"/>
-                <a:cs typeface="Arial" panose="020B0604020202020204" pitchFamily="34" charset="0"/>
-              </a:rPr>
-              <a:t>size/width of the moving average window</a:t>
-            </a:r>
-            <a:endParaRPr lang="en-US" sz="1000" dirty="0">
-              <a:effectLst/>
-              <a:latin typeface="Arial" panose="020B0604020202020204" pitchFamily="34" charset="0"/>
-              <a:ea typeface="Calibri" panose="020F0502020204030204" pitchFamily="34" charset="0"/>
-              <a:cs typeface="Arial" panose="020B0604020202020204" pitchFamily="34" charset="0"/>
-            </a:endParaRPr>
+            <a:endParaRPr lang="en-US" sz="1100" dirty="0"/>
           </a:p>
           <a:p>
             <a:pPr marL="0" indent="0">
+              <a:lnSpc>
+                <a:spcPct val="90000"/>
+              </a:lnSpc>
               <a:buFont typeface="Arial"/>
               <a:buNone/>
             </a:pPr>
-            <a:endParaRPr lang="en-US" sz="1000" b="1" dirty="0">
-              <a:latin typeface="Arial" panose="020B0604020202020204" pitchFamily="34" charset="0"/>
-              <a:cs typeface="Arial" panose="020B0604020202020204" pitchFamily="34" charset="0"/>
-            </a:endParaRPr>
-          </a:p>
-          <a:p>
-            <a:endParaRPr lang="en-US" sz="1000" dirty="0">
-              <a:latin typeface="Arial" panose="020B0604020202020204" pitchFamily="34" charset="0"/>
-              <a:cs typeface="Arial" panose="020B0604020202020204" pitchFamily="34" charset="0"/>
-            </a:endParaRPr>
-          </a:p>
-          <a:p>
-            <a:endParaRPr lang="en-US" sz="1000" dirty="0">
-              <a:latin typeface="Arial" panose="020B0604020202020204" pitchFamily="34" charset="0"/>
-              <a:cs typeface="Arial" panose="020B0604020202020204" pitchFamily="34" charset="0"/>
-            </a:endParaRPr>
-          </a:p>
-          <a:p>
-            <a:endParaRPr lang="en-US" sz="1000" dirty="0">
-              <a:latin typeface="Arial" panose="020B0604020202020204" pitchFamily="34" charset="0"/>
-              <a:cs typeface="Arial" panose="020B0604020202020204" pitchFamily="34" charset="0"/>
-            </a:endParaRPr>
+            <a:r>
+              <a:rPr lang="en-US" sz="1100" dirty="0">
+                <a:sym typeface="Wingdings" panose="05000000000000000000" pitchFamily="2" charset="2"/>
+              </a:rPr>
+              <a:t>	</a:t>
+            </a:r>
+            <a:endParaRPr lang="en-US" sz="1100" dirty="0"/>
+          </a:p>
+          <a:p>
+            <a:pPr marL="0" indent="0">
+              <a:lnSpc>
+                <a:spcPct val="90000"/>
+              </a:lnSpc>
+              <a:buFont typeface="Arial"/>
+              <a:buNone/>
+            </a:pPr>
+            <a:r>
+              <a:rPr lang="en-US" sz="1100" dirty="0"/>
+              <a:t>	</a:t>
+            </a:r>
+          </a:p>
+          <a:p>
+            <a:pPr marL="0" indent="0">
+              <a:lnSpc>
+                <a:spcPct val="90000"/>
+              </a:lnSpc>
+              <a:buFont typeface="Arial"/>
+              <a:buNone/>
+            </a:pPr>
+            <a:endParaRPr lang="en-US" sz="1100" dirty="0"/>
           </a:p>
         </p:txBody>
       </p:sp>
     </p:spTree>
     <p:extLst>
       <p:ext uri="{BB962C8B-B14F-4D97-AF65-F5344CB8AC3E}">
-        <p14:creationId xmlns:p14="http://schemas.microsoft.com/office/powerpoint/2010/main" val="3228446187"/>
+        <p14:creationId xmlns:p14="http://schemas.microsoft.com/office/powerpoint/2010/main" val="1234844693"/>
       </p:ext>
     </p:extLst>
   </p:cSld>
@@ -7216,10 +7255,10 @@
       </p:grpSpPr>
       <p:sp>
         <p:nvSpPr>
-          <p:cNvPr id="5" name="Title 4">
+          <p:cNvPr id="2" name="Title 1">
             <a:extLst>
               <a:ext uri="{FF2B5EF4-FFF2-40B4-BE49-F238E27FC236}">
-                <a16:creationId xmlns:a16="http://schemas.microsoft.com/office/drawing/2014/main" id="{D4296CC1-D52C-4736-AB4E-1D2D2C75C616}"/>
+                <a16:creationId xmlns:a16="http://schemas.microsoft.com/office/drawing/2014/main" id="{727FFB98-7050-4567-81EF-5F3D129F901C}"/>
               </a:ext>
             </a:extLst>
           </p:cNvPr>
@@ -7230,98 +7269,31 @@
             <p:ph type="title"/>
           </p:nvPr>
         </p:nvSpPr>
-        <p:spPr/>
-        <p:txBody>
-          <a:bodyPr/>
+        <p:spPr>
+          <a:xfrm>
+            <a:off x="457200" y="205979"/>
+            <a:ext cx="8229600" cy="857250"/>
+          </a:xfrm>
+        </p:spPr>
+        <p:txBody>
+          <a:bodyPr anchor="ctr">
+            <a:normAutofit/>
+          </a:bodyPr>
           <a:lstStyle/>
           <a:p>
             <a:r>
               <a:rPr lang="en-US" dirty="0"/>
-              <a:t>Stock Data</a:t>
-            </a:r>
-          </a:p>
-        </p:txBody>
-      </p:sp>
-      <p:sp>
-        <p:nvSpPr>
-          <p:cNvPr id="4" name="Slide Number Placeholder 3"/>
-          <p:cNvSpPr>
-            <a:spLocks noGrp="1"/>
-          </p:cNvSpPr>
-          <p:nvPr>
-            <p:ph type="sldNum" sz="quarter" idx="12"/>
-          </p:nvPr>
-        </p:nvSpPr>
-        <p:spPr/>
-        <p:txBody>
-          <a:bodyPr/>
-          <a:lstStyle/>
-          <a:p>
-            <a:fld id="{106E12CD-FCB1-464E-A775-0B83FDDACE03}" type="slidenum">
-              <a:rPr lang="en-US" smtClean="0"/>
-              <a:pPr/>
-              <a:t>4</a:t>
-            </a:fld>
-            <a:endParaRPr lang="en-US" dirty="0"/>
-          </a:p>
-        </p:txBody>
-      </p:sp>
-      <p:sp>
-        <p:nvSpPr>
-          <p:cNvPr id="11" name="Speech Bubble: Rectangle 10">
+              <a:t>Libraries Used</a:t>
+            </a:r>
+          </a:p>
+        </p:txBody>
+      </p:sp>
+      <p:sp>
+        <p:nvSpPr>
+          <p:cNvPr id="4" name="Slide Number Placeholder 3">
             <a:extLst>
               <a:ext uri="{FF2B5EF4-FFF2-40B4-BE49-F238E27FC236}">
-                <a16:creationId xmlns:a16="http://schemas.microsoft.com/office/drawing/2014/main" id="{33A16886-DB0D-4279-B6CE-6C8A1249649B}"/>
-              </a:ext>
-            </a:extLst>
-          </p:cNvPr>
-          <p:cNvSpPr/>
-          <p:nvPr/>
-        </p:nvSpPr>
-        <p:spPr>
-          <a:xfrm>
-            <a:off x="5173456" y="1018599"/>
-            <a:ext cx="1117734" cy="299826"/>
-          </a:xfrm>
-          <a:prstGeom prst="wedgeRectCallout">
-            <a:avLst>
-              <a:gd name="adj1" fmla="val -86076"/>
-              <a:gd name="adj2" fmla="val 36563"/>
-            </a:avLst>
-          </a:prstGeom>
-        </p:spPr>
-        <p:style>
-          <a:lnRef idx="1">
-            <a:schemeClr val="dk1"/>
-          </a:lnRef>
-          <a:fillRef idx="2">
-            <a:schemeClr val="dk1"/>
-          </a:fillRef>
-          <a:effectRef idx="1">
-            <a:schemeClr val="dk1"/>
-          </a:effectRef>
-          <a:fontRef idx="minor">
-            <a:schemeClr val="dk1"/>
-          </a:fontRef>
-        </p:style>
-        <p:txBody>
-          <a:bodyPr rtlCol="0" anchor="ctr"/>
-          <a:lstStyle/>
-          <a:p>
-            <a:pPr algn="ctr"/>
-            <a:r>
-              <a:rPr lang="en-US" sz="1000" dirty="0"/>
-              <a:t>Import Daily Stock Price</a:t>
-            </a:r>
-          </a:p>
-        </p:txBody>
-      </p:sp>
-      <p:sp>
-        <p:nvSpPr>
-          <p:cNvPr id="3" name="Content Placeholder 2">
-            <a:extLst>
-              <a:ext uri="{FF2B5EF4-FFF2-40B4-BE49-F238E27FC236}">
-                <a16:creationId xmlns:a16="http://schemas.microsoft.com/office/drawing/2014/main" id="{68CB2294-DAA7-4004-8EFD-36F55B70ED9A}"/>
+                <a16:creationId xmlns:a16="http://schemas.microsoft.com/office/drawing/2014/main" id="{672557A4-C0B7-466E-BF35-A9ADF7D1DB2A}"/>
               </a:ext>
             </a:extLst>
           </p:cNvPr>
@@ -7329,627 +7301,1453 @@
             <a:spLocks noGrp="1"/>
           </p:cNvSpPr>
           <p:nvPr>
-            <p:ph idx="1"/>
+            <p:ph type="sldNum" sz="quarter" idx="12"/>
           </p:nvPr>
         </p:nvSpPr>
         <p:spPr>
           <a:xfrm>
-            <a:off x="457200" y="1771668"/>
-            <a:ext cx="7137400" cy="2417228"/>
+            <a:off x="8339169" y="4767263"/>
+            <a:ext cx="597573" cy="273844"/>
           </a:xfrm>
         </p:spPr>
         <p:txBody>
-          <a:bodyPr>
-            <a:normAutofit fontScale="47500" lnSpcReduction="20000"/>
+          <a:bodyPr anchor="ctr">
+            <a:normAutofit/>
           </a:bodyPr>
           <a:lstStyle/>
           <a:p>
-            <a:pPr marL="0" indent="0">
-              <a:buNone/>
+            <a:pPr>
+              <a:lnSpc>
+                <a:spcPct val="90000"/>
+              </a:lnSpc>
+              <a:spcAft>
+                <a:spcPts val="600"/>
+              </a:spcAft>
             </a:pPr>
-            <a:r>
-              <a:rPr lang="en-US" sz="3200" dirty="0" err="1">
-                <a:hlinkClick r:id="rId2"/>
-              </a:rPr>
-              <a:t>yfinance</a:t>
-            </a:r>
-            <a:r>
-              <a:rPr lang="en-US" sz="3200" dirty="0"/>
-              <a:t> - # Yahoo! Finance market data </a:t>
-            </a:r>
-          </a:p>
-          <a:p>
-            <a:endParaRPr lang="en-US" dirty="0"/>
-          </a:p>
-          <a:p>
-            <a:r>
-              <a:rPr lang="en-US" dirty="0"/>
-              <a:t>https://github.com/ranaroussi/yfinance</a:t>
-            </a:r>
-          </a:p>
-          <a:p>
-            <a:r>
-              <a:rPr lang="en-US" dirty="0"/>
-              <a:t> Install </a:t>
-            </a:r>
-            <a:r>
-              <a:rPr lang="en-US" dirty="0" err="1"/>
-              <a:t>yfinance</a:t>
-            </a:r>
-            <a:r>
-              <a:rPr lang="en-US" dirty="0"/>
-              <a:t> using pip:</a:t>
-            </a:r>
-          </a:p>
-          <a:p>
-            <a:pPr marL="0" indent="0">
-              <a:buNone/>
-            </a:pPr>
-            <a:r>
-              <a:rPr lang="en-US" dirty="0"/>
-              <a:t>	  $ pip install </a:t>
-            </a:r>
-            <a:r>
-              <a:rPr lang="en-US" dirty="0" err="1"/>
-              <a:t>yfinance</a:t>
-            </a:r>
-            <a:r>
-              <a:rPr lang="en-US" dirty="0"/>
-              <a:t> --upgrade --no-cache-</a:t>
-            </a:r>
-            <a:r>
-              <a:rPr lang="en-US" dirty="0" err="1"/>
-              <a:t>dir</a:t>
-            </a:r>
-            <a:endParaRPr lang="en-US" dirty="0"/>
-          </a:p>
-          <a:p>
-            <a:pPr marL="0" indent="0">
-              <a:buNone/>
-            </a:pPr>
-            <a:endParaRPr lang="en-US" dirty="0"/>
-          </a:p>
-          <a:p>
-            <a:pPr marL="0" indent="0">
-              <a:buNone/>
-            </a:pPr>
-            <a:r>
-              <a:rPr lang="en-US" dirty="0"/>
-              <a:t>Requirements</a:t>
-            </a:r>
-          </a:p>
-          <a:p>
-            <a:r>
-              <a:rPr lang="en-US" dirty="0"/>
-              <a:t>  Python &gt;= 2.7, 3.4+</a:t>
-            </a:r>
-          </a:p>
-          <a:p>
-            <a:r>
-              <a:rPr lang="en-US" dirty="0"/>
-              <a:t>  Pandas &gt;=0.23.1</a:t>
-            </a:r>
-          </a:p>
-        </p:txBody>
-      </p:sp>
-      <p:pic>
-        <p:nvPicPr>
-          <p:cNvPr id="15" name="Picture 14">
+            <a:fld id="{106E12CD-FCB1-464E-A775-0B83FDDACE03}" type="slidenum">
+              <a:rPr lang="en-US" smtClean="0"/>
+              <a:pPr>
+                <a:lnSpc>
+                  <a:spcPct val="90000"/>
+                </a:lnSpc>
+                <a:spcAft>
+                  <a:spcPts val="600"/>
+                </a:spcAft>
+              </a:pPr>
+              <a:t>4</a:t>
+            </a:fld>
+            <a:endParaRPr lang="en-US"/>
+          </a:p>
+        </p:txBody>
+      </p:sp>
+      <p:sp>
+        <p:nvSpPr>
+          <p:cNvPr id="10" name="Content Placeholder 9">
             <a:extLst>
               <a:ext uri="{FF2B5EF4-FFF2-40B4-BE49-F238E27FC236}">
-                <a16:creationId xmlns:a16="http://schemas.microsoft.com/office/drawing/2014/main" id="{C7CDAB26-839C-4423-9A32-28B7FA19C983}"/>
+                <a16:creationId xmlns:a16="http://schemas.microsoft.com/office/drawing/2014/main" id="{2085D780-D21A-44AA-B8BD-F3CB87C5DFBD}"/>
               </a:ext>
             </a:extLst>
           </p:cNvPr>
-          <p:cNvPicPr>
-            <a:picLocks noChangeAspect="1"/>
-          </p:cNvPicPr>
-          <p:nvPr/>
-        </p:nvPicPr>
-        <p:blipFill>
-          <a:blip r:embed="rId3"/>
-          <a:stretch>
-            <a:fillRect/>
-          </a:stretch>
-        </p:blipFill>
+          <p:cNvSpPr>
+            <a:spLocks noGrp="1"/>
+          </p:cNvSpPr>
+          <p:nvPr>
+            <p:ph sz="half" idx="2"/>
+          </p:nvPr>
+        </p:nvSpPr>
         <p:spPr>
           <a:xfrm>
-            <a:off x="5081125" y="2920091"/>
-            <a:ext cx="2289041" cy="1211845"/>
+            <a:off x="488950" y="996052"/>
+            <a:ext cx="3389313" cy="3480698"/>
+          </a:xfrm>
+        </p:spPr>
+        <p:txBody>
+          <a:bodyPr>
+            <a:noAutofit/>
+          </a:bodyPr>
+          <a:lstStyle/>
+          <a:p>
+            <a:pPr marL="0" indent="0">
+              <a:buNone/>
+            </a:pPr>
+            <a:r>
+              <a:rPr lang="en-US" sz="1000" b="1" dirty="0">
+                <a:latin typeface="Arial" panose="020B0604020202020204" pitchFamily="34" charset="0"/>
+                <a:cs typeface="Arial" panose="020B0604020202020204" pitchFamily="34" charset="0"/>
+              </a:rPr>
+              <a:t>from </a:t>
+            </a:r>
+            <a:r>
+              <a:rPr lang="en-US" sz="1000" b="1" dirty="0" err="1">
+                <a:latin typeface="Arial" panose="020B0604020202020204" pitchFamily="34" charset="0"/>
+                <a:cs typeface="Arial" panose="020B0604020202020204" pitchFamily="34" charset="0"/>
+              </a:rPr>
+              <a:t>sklearn</a:t>
+            </a:r>
+            <a:r>
+              <a:rPr lang="en-US" sz="1000" b="1" dirty="0">
+                <a:latin typeface="Arial" panose="020B0604020202020204" pitchFamily="34" charset="0"/>
+                <a:cs typeface="Arial" panose="020B0604020202020204" pitchFamily="34" charset="0"/>
+              </a:rPr>
+              <a:t>:</a:t>
+            </a:r>
+          </a:p>
+          <a:p>
+            <a:r>
+              <a:rPr lang="en-US" sz="900" dirty="0" err="1">
+                <a:latin typeface="Arial" panose="020B0604020202020204" pitchFamily="34" charset="0"/>
+                <a:cs typeface="Arial" panose="020B0604020202020204" pitchFamily="34" charset="0"/>
+              </a:rPr>
+              <a:t>linear_model</a:t>
+            </a:r>
+            <a:r>
+              <a:rPr lang="en-US" sz="900" dirty="0">
+                <a:latin typeface="Arial" panose="020B0604020202020204" pitchFamily="34" charset="0"/>
+                <a:cs typeface="Arial" panose="020B0604020202020204" pitchFamily="34" charset="0"/>
+              </a:rPr>
+              <a:t> import </a:t>
+            </a:r>
+            <a:r>
+              <a:rPr lang="en-US" sz="900" dirty="0" err="1">
+                <a:latin typeface="Arial" panose="020B0604020202020204" pitchFamily="34" charset="0"/>
+                <a:cs typeface="Arial" panose="020B0604020202020204" pitchFamily="34" charset="0"/>
+              </a:rPr>
+              <a:t>LinearRegression</a:t>
+            </a:r>
+            <a:endParaRPr lang="en-US" sz="900" dirty="0">
+              <a:latin typeface="Arial" panose="020B0604020202020204" pitchFamily="34" charset="0"/>
+              <a:cs typeface="Arial" panose="020B0604020202020204" pitchFamily="34" charset="0"/>
+            </a:endParaRPr>
+          </a:p>
+          <a:p>
+            <a:r>
+              <a:rPr lang="en-US" sz="900" dirty="0">
+                <a:latin typeface="Arial" panose="020B0604020202020204" pitchFamily="34" charset="0"/>
+                <a:cs typeface="Arial" panose="020B0604020202020204" pitchFamily="34" charset="0"/>
+              </a:rPr>
+              <a:t>tree import </a:t>
+            </a:r>
+            <a:r>
+              <a:rPr lang="en-US" sz="900" dirty="0" err="1">
+                <a:latin typeface="Arial" panose="020B0604020202020204" pitchFamily="34" charset="0"/>
+                <a:cs typeface="Arial" panose="020B0604020202020204" pitchFamily="34" charset="0"/>
+              </a:rPr>
+              <a:t>DecisionTreeRegressor</a:t>
+            </a:r>
+            <a:endParaRPr lang="en-US" sz="900" dirty="0">
+              <a:latin typeface="Arial" panose="020B0604020202020204" pitchFamily="34" charset="0"/>
+              <a:cs typeface="Arial" panose="020B0604020202020204" pitchFamily="34" charset="0"/>
+            </a:endParaRPr>
+          </a:p>
+          <a:p>
+            <a:r>
+              <a:rPr lang="en-US" sz="900" dirty="0" err="1">
+                <a:latin typeface="Arial" panose="020B0604020202020204" pitchFamily="34" charset="0"/>
+                <a:cs typeface="Arial" panose="020B0604020202020204" pitchFamily="34" charset="0"/>
+              </a:rPr>
+              <a:t>model_selection</a:t>
+            </a:r>
+            <a:r>
+              <a:rPr lang="en-US" sz="900" dirty="0">
+                <a:latin typeface="Arial" panose="020B0604020202020204" pitchFamily="34" charset="0"/>
+                <a:cs typeface="Arial" panose="020B0604020202020204" pitchFamily="34" charset="0"/>
+              </a:rPr>
+              <a:t> import </a:t>
+            </a:r>
+            <a:r>
+              <a:rPr lang="en-US" sz="900" dirty="0" err="1">
+                <a:latin typeface="Arial" panose="020B0604020202020204" pitchFamily="34" charset="0"/>
+                <a:cs typeface="Arial" panose="020B0604020202020204" pitchFamily="34" charset="0"/>
+              </a:rPr>
+              <a:t>train_test_split</a:t>
+            </a:r>
+            <a:endParaRPr lang="en-US" sz="900" dirty="0">
+              <a:latin typeface="Arial" panose="020B0604020202020204" pitchFamily="34" charset="0"/>
+              <a:cs typeface="Arial" panose="020B0604020202020204" pitchFamily="34" charset="0"/>
+            </a:endParaRPr>
+          </a:p>
+          <a:p>
+            <a:r>
+              <a:rPr lang="en-US" sz="900" dirty="0">
+                <a:latin typeface="Arial" panose="020B0604020202020204" pitchFamily="34" charset="0"/>
+                <a:cs typeface="Arial" panose="020B0604020202020204" pitchFamily="34" charset="0"/>
+              </a:rPr>
+              <a:t>metrics import </a:t>
+            </a:r>
+            <a:r>
+              <a:rPr lang="en-US" sz="900" dirty="0" err="1">
+                <a:latin typeface="Arial" panose="020B0604020202020204" pitchFamily="34" charset="0"/>
+                <a:cs typeface="Arial" panose="020B0604020202020204" pitchFamily="34" charset="0"/>
+              </a:rPr>
+              <a:t>mean_squared_error</a:t>
+            </a:r>
+            <a:endParaRPr lang="en-US" sz="900" dirty="0">
+              <a:latin typeface="Arial" panose="020B0604020202020204" pitchFamily="34" charset="0"/>
+              <a:cs typeface="Arial" panose="020B0604020202020204" pitchFamily="34" charset="0"/>
+            </a:endParaRPr>
+          </a:p>
+          <a:p>
+            <a:endParaRPr lang="en-US" sz="900" dirty="0">
+              <a:latin typeface="Arial" panose="020B0604020202020204" pitchFamily="34" charset="0"/>
+              <a:cs typeface="Arial" panose="020B0604020202020204" pitchFamily="34" charset="0"/>
+            </a:endParaRPr>
+          </a:p>
+          <a:p>
+            <a:pPr marL="0" indent="0">
+              <a:buNone/>
+            </a:pPr>
+            <a:r>
+              <a:rPr lang="en-US" sz="900" b="1" dirty="0">
+                <a:latin typeface="Arial" panose="020B0604020202020204" pitchFamily="34" charset="0"/>
+                <a:cs typeface="Arial" panose="020B0604020202020204" pitchFamily="34" charset="0"/>
+              </a:rPr>
+              <a:t>*ARIMA </a:t>
+            </a:r>
+            <a:r>
+              <a:rPr lang="en-US" sz="900" dirty="0">
+                <a:latin typeface="Arial" panose="020B0604020202020204" pitchFamily="34" charset="0"/>
+                <a:cs typeface="Arial" panose="020B0604020202020204" pitchFamily="34" charset="0"/>
+              </a:rPr>
+              <a:t>- </a:t>
+            </a:r>
+            <a:r>
+              <a:rPr lang="en-US" sz="900" i="0" dirty="0">
+                <a:solidFill>
+                  <a:srgbClr val="111111"/>
+                </a:solidFill>
+                <a:effectLst/>
+                <a:latin typeface="Arial" panose="020B0604020202020204" pitchFamily="34" charset="0"/>
+                <a:cs typeface="Arial" panose="020B0604020202020204" pitchFamily="34" charset="0"/>
+              </a:rPr>
+              <a:t>A p</a:t>
+            </a:r>
+            <a:r>
+              <a:rPr lang="en-US" sz="900" b="0" i="0" dirty="0">
+                <a:solidFill>
+                  <a:srgbClr val="111111"/>
+                </a:solidFill>
+                <a:effectLst/>
+                <a:latin typeface="Arial" panose="020B0604020202020204" pitchFamily="34" charset="0"/>
+                <a:cs typeface="Arial" panose="020B0604020202020204" pitchFamily="34" charset="0"/>
+              </a:rPr>
+              <a:t>opular and widely used statistical method for </a:t>
+            </a:r>
+            <a:r>
+              <a:rPr lang="en-US" sz="900" b="1" i="0" dirty="0">
+                <a:solidFill>
+                  <a:srgbClr val="111111"/>
+                </a:solidFill>
+                <a:effectLst/>
+                <a:latin typeface="Arial" panose="020B0604020202020204" pitchFamily="34" charset="0"/>
+                <a:cs typeface="Arial" panose="020B0604020202020204" pitchFamily="34" charset="0"/>
+              </a:rPr>
+              <a:t>time series forecasting</a:t>
+            </a:r>
+            <a:r>
+              <a:rPr lang="en-US" sz="900" dirty="0">
+                <a:solidFill>
+                  <a:srgbClr val="111111"/>
+                </a:solidFill>
+                <a:latin typeface="Arial" panose="020B0604020202020204" pitchFamily="34" charset="0"/>
+                <a:cs typeface="Arial" panose="020B0604020202020204" pitchFamily="34" charset="0"/>
+              </a:rPr>
+              <a:t>.</a:t>
+            </a:r>
+            <a:endParaRPr lang="en-US" sz="900" dirty="0">
+              <a:latin typeface="Arial" panose="020B0604020202020204" pitchFamily="34" charset="0"/>
+              <a:cs typeface="Arial" panose="020B0604020202020204" pitchFamily="34" charset="0"/>
+            </a:endParaRPr>
+          </a:p>
+          <a:p>
+            <a:r>
+              <a:rPr lang="en-US" sz="900" dirty="0">
+                <a:latin typeface="Arial" panose="020B0604020202020204" pitchFamily="34" charset="0"/>
+                <a:cs typeface="Arial" panose="020B0604020202020204" pitchFamily="34" charset="0"/>
+              </a:rPr>
+              <a:t>from </a:t>
+            </a:r>
+            <a:r>
+              <a:rPr lang="en-US" sz="900" dirty="0" err="1">
+                <a:latin typeface="Arial" panose="020B0604020202020204" pitchFamily="34" charset="0"/>
+                <a:cs typeface="Arial" panose="020B0604020202020204" pitchFamily="34" charset="0"/>
+              </a:rPr>
+              <a:t>statsmodels.tsa.arima_model</a:t>
+            </a:r>
+            <a:r>
+              <a:rPr lang="en-US" sz="900" dirty="0">
+                <a:latin typeface="Arial" panose="020B0604020202020204" pitchFamily="34" charset="0"/>
+                <a:cs typeface="Arial" panose="020B0604020202020204" pitchFamily="34" charset="0"/>
+              </a:rPr>
+              <a:t> import ARIMA</a:t>
+            </a:r>
+          </a:p>
+          <a:p>
+            <a:pPr marL="0" indent="0">
+              <a:buNone/>
+            </a:pPr>
+            <a:endParaRPr lang="en-US" sz="500" i="1" dirty="0">
+              <a:latin typeface="Arial" panose="020B0604020202020204" pitchFamily="34" charset="0"/>
+              <a:cs typeface="Arial" panose="020B0604020202020204" pitchFamily="34" charset="0"/>
+            </a:endParaRPr>
+          </a:p>
+          <a:p>
+            <a:pPr marL="0" indent="0">
+              <a:buNone/>
+            </a:pPr>
+            <a:r>
+              <a:rPr lang="en-US" sz="900" i="1" dirty="0">
+                <a:latin typeface="Arial" panose="020B0604020202020204" pitchFamily="34" charset="0"/>
+                <a:cs typeface="Arial" panose="020B0604020202020204" pitchFamily="34" charset="0"/>
+              </a:rPr>
+              <a:t>Other:</a:t>
+            </a:r>
+          </a:p>
+          <a:p>
+            <a:r>
+              <a:rPr lang="en-US" sz="900" dirty="0">
+                <a:latin typeface="Arial" panose="020B0604020202020204" pitchFamily="34" charset="0"/>
+                <a:cs typeface="Arial" panose="020B0604020202020204" pitchFamily="34" charset="0"/>
+              </a:rPr>
+              <a:t>import pandas as pd    </a:t>
+            </a:r>
+          </a:p>
+          <a:p>
+            <a:r>
+              <a:rPr lang="en-US" sz="900" dirty="0">
+                <a:latin typeface="Arial" panose="020B0604020202020204" pitchFamily="34" charset="0"/>
+                <a:cs typeface="Arial" panose="020B0604020202020204" pitchFamily="34" charset="0"/>
+              </a:rPr>
+              <a:t>import </a:t>
+            </a:r>
+            <a:r>
+              <a:rPr lang="en-US" sz="900" dirty="0" err="1">
+                <a:latin typeface="Arial" panose="020B0604020202020204" pitchFamily="34" charset="0"/>
+                <a:cs typeface="Arial" panose="020B0604020202020204" pitchFamily="34" charset="0"/>
+              </a:rPr>
+              <a:t>numpy</a:t>
+            </a:r>
+            <a:r>
+              <a:rPr lang="en-US" sz="900" dirty="0">
+                <a:latin typeface="Arial" panose="020B0604020202020204" pitchFamily="34" charset="0"/>
+                <a:cs typeface="Arial" panose="020B0604020202020204" pitchFamily="34" charset="0"/>
+              </a:rPr>
+              <a:t> as np</a:t>
+            </a:r>
+          </a:p>
+          <a:p>
+            <a:r>
+              <a:rPr lang="en-US" sz="900" dirty="0">
+                <a:latin typeface="Arial" panose="020B0604020202020204" pitchFamily="34" charset="0"/>
+                <a:cs typeface="Arial" panose="020B0604020202020204" pitchFamily="34" charset="0"/>
+              </a:rPr>
+              <a:t>import </a:t>
+            </a:r>
+            <a:r>
+              <a:rPr lang="en-US" sz="900" dirty="0" err="1">
+                <a:latin typeface="Arial" panose="020B0604020202020204" pitchFamily="34" charset="0"/>
+                <a:cs typeface="Arial" panose="020B0604020202020204" pitchFamily="34" charset="0"/>
+              </a:rPr>
+              <a:t>matplotlib.pyplot</a:t>
+            </a:r>
+            <a:r>
+              <a:rPr lang="en-US" sz="900" dirty="0">
+                <a:latin typeface="Arial" panose="020B0604020202020204" pitchFamily="34" charset="0"/>
+                <a:cs typeface="Arial" panose="020B0604020202020204" pitchFamily="34" charset="0"/>
+              </a:rPr>
+              <a:t> as </a:t>
+            </a:r>
+            <a:r>
+              <a:rPr lang="en-US" sz="900" dirty="0" err="1">
+                <a:latin typeface="Arial" panose="020B0604020202020204" pitchFamily="34" charset="0"/>
+                <a:cs typeface="Arial" panose="020B0604020202020204" pitchFamily="34" charset="0"/>
+              </a:rPr>
+              <a:t>plt</a:t>
+            </a:r>
+            <a:r>
+              <a:rPr lang="en-US" sz="900" dirty="0">
+                <a:latin typeface="Arial" panose="020B0604020202020204" pitchFamily="34" charset="0"/>
+                <a:cs typeface="Arial" panose="020B0604020202020204" pitchFamily="34" charset="0"/>
+              </a:rPr>
+              <a:t> </a:t>
+            </a:r>
+          </a:p>
+          <a:p>
+            <a:r>
+              <a:rPr lang="en-US" sz="900" dirty="0">
+                <a:latin typeface="Arial" panose="020B0604020202020204" pitchFamily="34" charset="0"/>
+                <a:cs typeface="Arial" panose="020B0604020202020204" pitchFamily="34" charset="0"/>
+              </a:rPr>
+              <a:t>from </a:t>
+            </a:r>
+            <a:r>
+              <a:rPr lang="en-US" sz="900" dirty="0" err="1">
+                <a:latin typeface="Arial" panose="020B0604020202020204" pitchFamily="34" charset="0"/>
+                <a:cs typeface="Arial" panose="020B0604020202020204" pitchFamily="34" charset="0"/>
+              </a:rPr>
+              <a:t>pandas.plotting</a:t>
+            </a:r>
+            <a:r>
+              <a:rPr lang="en-US" sz="900" dirty="0">
+                <a:latin typeface="Arial" panose="020B0604020202020204" pitchFamily="34" charset="0"/>
+                <a:cs typeface="Arial" panose="020B0604020202020204" pitchFamily="34" charset="0"/>
+              </a:rPr>
+              <a:t> import </a:t>
+            </a:r>
+            <a:r>
+              <a:rPr lang="en-US" sz="900" dirty="0" err="1">
+                <a:latin typeface="Arial" panose="020B0604020202020204" pitchFamily="34" charset="0"/>
+                <a:cs typeface="Arial" panose="020B0604020202020204" pitchFamily="34" charset="0"/>
+              </a:rPr>
+              <a:t>lag_plot</a:t>
+            </a:r>
+            <a:endParaRPr lang="en-US" sz="900" dirty="0">
+              <a:latin typeface="Arial" panose="020B0604020202020204" pitchFamily="34" charset="0"/>
+              <a:cs typeface="Arial" panose="020B0604020202020204" pitchFamily="34" charset="0"/>
+            </a:endParaRPr>
+          </a:p>
+          <a:p>
+            <a:r>
+              <a:rPr lang="en-US" sz="900" dirty="0">
+                <a:latin typeface="Arial" panose="020B0604020202020204" pitchFamily="34" charset="0"/>
+                <a:cs typeface="Arial" panose="020B0604020202020204" pitchFamily="34" charset="0"/>
+              </a:rPr>
+              <a:t>from </a:t>
+            </a:r>
+            <a:r>
+              <a:rPr lang="en-US" sz="900" dirty="0" err="1">
+                <a:latin typeface="Arial" panose="020B0604020202020204" pitchFamily="34" charset="0"/>
+                <a:cs typeface="Arial" panose="020B0604020202020204" pitchFamily="34" charset="0"/>
+              </a:rPr>
+              <a:t>pandas.tseries.holiday</a:t>
+            </a:r>
+            <a:r>
+              <a:rPr lang="en-US" sz="900" dirty="0">
+                <a:latin typeface="Arial" panose="020B0604020202020204" pitchFamily="34" charset="0"/>
+                <a:cs typeface="Arial" panose="020B0604020202020204" pitchFamily="34" charset="0"/>
+              </a:rPr>
+              <a:t> import </a:t>
+            </a:r>
+            <a:r>
+              <a:rPr lang="en-US" sz="900" dirty="0" err="1">
+                <a:latin typeface="Arial" panose="020B0604020202020204" pitchFamily="34" charset="0"/>
+                <a:cs typeface="Arial" panose="020B0604020202020204" pitchFamily="34" charset="0"/>
+              </a:rPr>
+              <a:t>USFederalHolidayCalendar</a:t>
+            </a:r>
+            <a:endParaRPr lang="en-US" sz="900" dirty="0">
+              <a:latin typeface="Arial" panose="020B0604020202020204" pitchFamily="34" charset="0"/>
+              <a:cs typeface="Arial" panose="020B0604020202020204" pitchFamily="34" charset="0"/>
+            </a:endParaRPr>
+          </a:p>
+          <a:p>
+            <a:r>
+              <a:rPr lang="en-US" sz="900" dirty="0">
+                <a:latin typeface="Arial" panose="020B0604020202020204" pitchFamily="34" charset="0"/>
+                <a:cs typeface="Arial" panose="020B0604020202020204" pitchFamily="34" charset="0"/>
+              </a:rPr>
+              <a:t>from </a:t>
+            </a:r>
+            <a:r>
+              <a:rPr lang="en-US" sz="900" dirty="0" err="1">
+                <a:latin typeface="Arial" panose="020B0604020202020204" pitchFamily="34" charset="0"/>
+                <a:cs typeface="Arial" panose="020B0604020202020204" pitchFamily="34" charset="0"/>
+              </a:rPr>
+              <a:t>pandas.tseries.offsets</a:t>
+            </a:r>
+            <a:r>
+              <a:rPr lang="en-US" sz="900" dirty="0">
+                <a:latin typeface="Arial" panose="020B0604020202020204" pitchFamily="34" charset="0"/>
+                <a:cs typeface="Arial" panose="020B0604020202020204" pitchFamily="34" charset="0"/>
+              </a:rPr>
+              <a:t> import </a:t>
+            </a:r>
+            <a:r>
+              <a:rPr lang="en-US" sz="900" dirty="0" err="1">
+                <a:latin typeface="Arial" panose="020B0604020202020204" pitchFamily="34" charset="0"/>
+                <a:cs typeface="Arial" panose="020B0604020202020204" pitchFamily="34" charset="0"/>
+              </a:rPr>
+              <a:t>CustomBusinessDay</a:t>
+            </a:r>
+            <a:endParaRPr lang="en-US" sz="900" dirty="0">
+              <a:latin typeface="Arial" panose="020B0604020202020204" pitchFamily="34" charset="0"/>
+              <a:cs typeface="Arial" panose="020B0604020202020204" pitchFamily="34" charset="0"/>
+            </a:endParaRPr>
+          </a:p>
+          <a:p>
+            <a:r>
+              <a:rPr lang="en-US" sz="900" dirty="0">
+                <a:latin typeface="Arial" panose="020B0604020202020204" pitchFamily="34" charset="0"/>
+                <a:cs typeface="Arial" panose="020B0604020202020204" pitchFamily="34" charset="0"/>
+              </a:rPr>
+              <a:t>from </a:t>
+            </a:r>
+            <a:r>
+              <a:rPr lang="en-US" sz="900" dirty="0" err="1">
+                <a:latin typeface="Arial" panose="020B0604020202020204" pitchFamily="34" charset="0"/>
+                <a:cs typeface="Arial" panose="020B0604020202020204" pitchFamily="34" charset="0"/>
+              </a:rPr>
+              <a:t>pandas_datareader.data</a:t>
+            </a:r>
+            <a:r>
+              <a:rPr lang="en-US" sz="900" dirty="0">
+                <a:latin typeface="Arial" panose="020B0604020202020204" pitchFamily="34" charset="0"/>
+                <a:cs typeface="Arial" panose="020B0604020202020204" pitchFamily="34" charset="0"/>
+              </a:rPr>
+              <a:t> import </a:t>
+            </a:r>
+            <a:r>
+              <a:rPr lang="en-US" sz="900" dirty="0" err="1">
+                <a:latin typeface="Arial" panose="020B0604020202020204" pitchFamily="34" charset="0"/>
+                <a:cs typeface="Arial" panose="020B0604020202020204" pitchFamily="34" charset="0"/>
+              </a:rPr>
+              <a:t>DataReader</a:t>
+            </a:r>
+            <a:endParaRPr lang="en-US" sz="900" dirty="0">
+              <a:latin typeface="Arial" panose="020B0604020202020204" pitchFamily="34" charset="0"/>
+              <a:cs typeface="Arial" panose="020B0604020202020204" pitchFamily="34" charset="0"/>
+            </a:endParaRPr>
+          </a:p>
+          <a:p>
+            <a:r>
+              <a:rPr lang="en-US" sz="900" dirty="0">
+                <a:latin typeface="Arial" panose="020B0604020202020204" pitchFamily="34" charset="0"/>
+                <a:cs typeface="Arial" panose="020B0604020202020204" pitchFamily="34" charset="0"/>
+              </a:rPr>
+              <a:t>import </a:t>
+            </a:r>
+            <a:r>
+              <a:rPr lang="en-US" sz="900" dirty="0" err="1">
+                <a:latin typeface="Arial" panose="020B0604020202020204" pitchFamily="34" charset="0"/>
+                <a:cs typeface="Arial" panose="020B0604020202020204" pitchFamily="34" charset="0"/>
+              </a:rPr>
+              <a:t>yfinance</a:t>
+            </a:r>
+            <a:r>
+              <a:rPr lang="en-US" sz="900" dirty="0">
+                <a:latin typeface="Arial" panose="020B0604020202020204" pitchFamily="34" charset="0"/>
+                <a:cs typeface="Arial" panose="020B0604020202020204" pitchFamily="34" charset="0"/>
+              </a:rPr>
+              <a:t> as </a:t>
+            </a:r>
+            <a:r>
+              <a:rPr lang="en-US" sz="900" dirty="0" err="1">
+                <a:latin typeface="Arial" panose="020B0604020202020204" pitchFamily="34" charset="0"/>
+                <a:cs typeface="Arial" panose="020B0604020202020204" pitchFamily="34" charset="0"/>
+              </a:rPr>
+              <a:t>yf</a:t>
+            </a:r>
+            <a:endParaRPr lang="en-US" sz="900" dirty="0">
+              <a:latin typeface="Arial" panose="020B0604020202020204" pitchFamily="34" charset="0"/>
+              <a:cs typeface="Arial" panose="020B0604020202020204" pitchFamily="34" charset="0"/>
+            </a:endParaRPr>
+          </a:p>
+          <a:p>
+            <a:r>
+              <a:rPr lang="en-US" sz="900" dirty="0">
+                <a:latin typeface="Arial" panose="020B0604020202020204" pitchFamily="34" charset="0"/>
+                <a:cs typeface="Arial" panose="020B0604020202020204" pitchFamily="34" charset="0"/>
+              </a:rPr>
+              <a:t>import datetime</a:t>
+            </a:r>
+          </a:p>
+        </p:txBody>
+      </p:sp>
+      <p:sp>
+        <p:nvSpPr>
+          <p:cNvPr id="19" name="Content Placeholder 9">
+            <a:extLst>
+              <a:ext uri="{FF2B5EF4-FFF2-40B4-BE49-F238E27FC236}">
+                <a16:creationId xmlns:a16="http://schemas.microsoft.com/office/drawing/2014/main" id="{26F04997-C330-4C3B-9DC0-546218AF8388}"/>
+              </a:ext>
+            </a:extLst>
+          </p:cNvPr>
+          <p:cNvSpPr txBox="1">
+            <a:spLocks/>
+          </p:cNvSpPr>
+          <p:nvPr/>
+        </p:nvSpPr>
+        <p:spPr>
+          <a:xfrm>
+            <a:off x="3975100" y="1331706"/>
+            <a:ext cx="4799013" cy="2648847"/>
           </a:xfrm>
           <a:prstGeom prst="rect">
             <a:avLst/>
           </a:prstGeom>
-          <a:ln>
-            <a:noFill/>
-          </a:ln>
-          <a:effectLst>
-            <a:outerShdw blurRad="190500" algn="tl" rotWithShape="0">
-              <a:srgbClr val="000000">
-                <a:alpha val="70000"/>
-              </a:srgbClr>
-            </a:outerShdw>
-          </a:effectLst>
         </p:spPr>
-      </p:pic>
-      <p:sp>
-        <p:nvSpPr>
-          <p:cNvPr id="18" name="Arrow: Right 17">
+        <p:txBody>
+          <a:bodyPr vert="horz" lIns="91440" tIns="45720" rIns="91440" bIns="45720" rtlCol="0">
+            <a:noAutofit/>
+          </a:bodyPr>
+          <a:lstStyle>
+            <a:lvl1pPr marL="342900" indent="-342900" algn="l" defTabSz="457200" rtl="0" eaLnBrk="1" latinLnBrk="0" hangingPunct="1">
+              <a:spcBef>
+                <a:spcPct val="20000"/>
+              </a:spcBef>
+              <a:buFont typeface="Arial"/>
+              <a:buChar char="•"/>
+              <a:defRPr sz="2400" kern="1200">
+                <a:solidFill>
+                  <a:schemeClr val="tx1"/>
+                </a:solidFill>
+                <a:latin typeface="Arial"/>
+                <a:ea typeface="+mn-ea"/>
+                <a:cs typeface="Arial"/>
+              </a:defRPr>
+            </a:lvl1pPr>
+            <a:lvl2pPr marL="742950" indent="-285750" algn="l" defTabSz="457200" rtl="0" eaLnBrk="1" latinLnBrk="0" hangingPunct="1">
+              <a:spcBef>
+                <a:spcPct val="20000"/>
+              </a:spcBef>
+              <a:buFont typeface="Arial"/>
+              <a:buChar char="–"/>
+              <a:defRPr sz="2000" kern="1200">
+                <a:solidFill>
+                  <a:schemeClr val="tx1"/>
+                </a:solidFill>
+                <a:latin typeface="Arial"/>
+                <a:ea typeface="+mn-ea"/>
+                <a:cs typeface="Arial"/>
+              </a:defRPr>
+            </a:lvl2pPr>
+            <a:lvl3pPr marL="1143000" indent="-228600" algn="l" defTabSz="457200" rtl="0" eaLnBrk="1" latinLnBrk="0" hangingPunct="1">
+              <a:spcBef>
+                <a:spcPct val="20000"/>
+              </a:spcBef>
+              <a:buFont typeface="Arial"/>
+              <a:buChar char="•"/>
+              <a:defRPr sz="1800" kern="1200">
+                <a:solidFill>
+                  <a:schemeClr val="tx1"/>
+                </a:solidFill>
+                <a:latin typeface="Arial"/>
+                <a:ea typeface="+mn-ea"/>
+                <a:cs typeface="Arial"/>
+              </a:defRPr>
+            </a:lvl3pPr>
+            <a:lvl4pPr marL="1600200" indent="-228600" algn="l" defTabSz="457200" rtl="0" eaLnBrk="1" latinLnBrk="0" hangingPunct="1">
+              <a:spcBef>
+                <a:spcPct val="20000"/>
+              </a:spcBef>
+              <a:buFont typeface="Arial"/>
+              <a:buChar char="–"/>
+              <a:defRPr sz="1600" kern="1200">
+                <a:solidFill>
+                  <a:schemeClr val="tx1"/>
+                </a:solidFill>
+                <a:latin typeface="Arial"/>
+                <a:ea typeface="+mn-ea"/>
+                <a:cs typeface="Arial"/>
+              </a:defRPr>
+            </a:lvl4pPr>
+            <a:lvl5pPr marL="2057400" indent="-228600" algn="l" defTabSz="457200" rtl="0" eaLnBrk="1" latinLnBrk="0" hangingPunct="1">
+              <a:spcBef>
+                <a:spcPct val="20000"/>
+              </a:spcBef>
+              <a:buFont typeface="Arial"/>
+              <a:buChar char="»"/>
+              <a:defRPr sz="1600" kern="1200">
+                <a:solidFill>
+                  <a:schemeClr val="tx1"/>
+                </a:solidFill>
+                <a:latin typeface="Arial"/>
+                <a:ea typeface="+mn-ea"/>
+                <a:cs typeface="Arial"/>
+              </a:defRPr>
+            </a:lvl5pPr>
+            <a:lvl6pPr marL="2514600" indent="-228600" algn="l" defTabSz="457200" rtl="0" eaLnBrk="1" latinLnBrk="0" hangingPunct="1">
+              <a:spcBef>
+                <a:spcPct val="20000"/>
+              </a:spcBef>
+              <a:buFont typeface="Arial"/>
+              <a:buChar char="•"/>
+              <a:defRPr sz="1600" kern="1200">
+                <a:solidFill>
+                  <a:schemeClr val="tx1"/>
+                </a:solidFill>
+                <a:latin typeface="+mn-lt"/>
+                <a:ea typeface="+mn-ea"/>
+                <a:cs typeface="+mn-cs"/>
+              </a:defRPr>
+            </a:lvl6pPr>
+            <a:lvl7pPr marL="2971800" indent="-228600" algn="l" defTabSz="457200" rtl="0" eaLnBrk="1" latinLnBrk="0" hangingPunct="1">
+              <a:spcBef>
+                <a:spcPct val="20000"/>
+              </a:spcBef>
+              <a:buFont typeface="Arial"/>
+              <a:buChar char="•"/>
+              <a:defRPr sz="1600" kern="1200">
+                <a:solidFill>
+                  <a:schemeClr val="tx1"/>
+                </a:solidFill>
+                <a:latin typeface="+mn-lt"/>
+                <a:ea typeface="+mn-ea"/>
+                <a:cs typeface="+mn-cs"/>
+              </a:defRPr>
+            </a:lvl7pPr>
+            <a:lvl8pPr marL="3429000" indent="-228600" algn="l" defTabSz="457200" rtl="0" eaLnBrk="1" latinLnBrk="0" hangingPunct="1">
+              <a:spcBef>
+                <a:spcPct val="20000"/>
+              </a:spcBef>
+              <a:buFont typeface="Arial"/>
+              <a:buChar char="•"/>
+              <a:defRPr sz="1600" kern="1200">
+                <a:solidFill>
+                  <a:schemeClr val="tx1"/>
+                </a:solidFill>
+                <a:latin typeface="+mn-lt"/>
+                <a:ea typeface="+mn-ea"/>
+                <a:cs typeface="+mn-cs"/>
+              </a:defRPr>
+            </a:lvl8pPr>
+            <a:lvl9pPr marL="3886200" indent="-228600" algn="l" defTabSz="457200" rtl="0" eaLnBrk="1" latinLnBrk="0" hangingPunct="1">
+              <a:spcBef>
+                <a:spcPct val="20000"/>
+              </a:spcBef>
+              <a:buFont typeface="Arial"/>
+              <a:buChar char="•"/>
+              <a:defRPr sz="1600" kern="1200">
+                <a:solidFill>
+                  <a:schemeClr val="tx1"/>
+                </a:solidFill>
+                <a:latin typeface="+mn-lt"/>
+                <a:ea typeface="+mn-ea"/>
+                <a:cs typeface="+mn-cs"/>
+              </a:defRPr>
+            </a:lvl9pPr>
+          </a:lstStyle>
+          <a:p>
+            <a:pPr marL="0" indent="0">
+              <a:buFont typeface="Arial"/>
+              <a:buNone/>
+            </a:pPr>
+            <a:r>
+              <a:rPr lang="en-US" sz="900" b="1" dirty="0">
+                <a:latin typeface="Arial" panose="020B0604020202020204" pitchFamily="34" charset="0"/>
+                <a:cs typeface="Arial" panose="020B0604020202020204" pitchFamily="34" charset="0"/>
+              </a:rPr>
+              <a:t>*ARIMA - </a:t>
+            </a:r>
+            <a:r>
+              <a:rPr lang="en-US" sz="900" i="0" dirty="0">
+                <a:solidFill>
+                  <a:srgbClr val="111111"/>
+                </a:solidFill>
+                <a:effectLst/>
+                <a:latin typeface="Arial" panose="020B0604020202020204" pitchFamily="34" charset="0"/>
+                <a:cs typeface="Arial" panose="020B0604020202020204" pitchFamily="34" charset="0"/>
+              </a:rPr>
+              <a:t> </a:t>
+            </a:r>
+            <a:r>
+              <a:rPr lang="en-US" sz="900" i="0" u="sng" dirty="0" err="1">
+                <a:solidFill>
+                  <a:srgbClr val="111111"/>
+                </a:solidFill>
+                <a:effectLst/>
+                <a:latin typeface="Arial" panose="020B0604020202020204" pitchFamily="34" charset="0"/>
+                <a:cs typeface="Arial" panose="020B0604020202020204" pitchFamily="34" charset="0"/>
+              </a:rPr>
+              <a:t>A</a:t>
+            </a:r>
+            <a:r>
+              <a:rPr lang="en-US" sz="900" i="0" dirty="0" err="1">
+                <a:solidFill>
+                  <a:srgbClr val="111111"/>
+                </a:solidFill>
+                <a:effectLst/>
+                <a:latin typeface="Arial" panose="020B0604020202020204" pitchFamily="34" charset="0"/>
+                <a:cs typeface="Arial" panose="020B0604020202020204" pitchFamily="34" charset="0"/>
+              </a:rPr>
+              <a:t>uto</a:t>
+            </a:r>
+            <a:r>
+              <a:rPr lang="en-US" sz="900" i="0" u="sng" dirty="0" err="1">
+                <a:solidFill>
+                  <a:srgbClr val="111111"/>
+                </a:solidFill>
+                <a:effectLst/>
+                <a:latin typeface="Arial" panose="020B0604020202020204" pitchFamily="34" charset="0"/>
+                <a:cs typeface="Arial" panose="020B0604020202020204" pitchFamily="34" charset="0"/>
+              </a:rPr>
+              <a:t>R</a:t>
+            </a:r>
+            <a:r>
+              <a:rPr lang="en-US" sz="900" i="0" dirty="0" err="1">
+                <a:solidFill>
+                  <a:srgbClr val="111111"/>
+                </a:solidFill>
+                <a:effectLst/>
+                <a:latin typeface="Arial" panose="020B0604020202020204" pitchFamily="34" charset="0"/>
+                <a:cs typeface="Arial" panose="020B0604020202020204" pitchFamily="34" charset="0"/>
+              </a:rPr>
+              <a:t>egressive</a:t>
+            </a:r>
+            <a:r>
+              <a:rPr lang="en-US" sz="900" i="0" dirty="0">
+                <a:solidFill>
+                  <a:srgbClr val="111111"/>
+                </a:solidFill>
+                <a:effectLst/>
+                <a:latin typeface="Arial" panose="020B0604020202020204" pitchFamily="34" charset="0"/>
+                <a:cs typeface="Arial" panose="020B0604020202020204" pitchFamily="34" charset="0"/>
+              </a:rPr>
+              <a:t> </a:t>
+            </a:r>
+            <a:r>
+              <a:rPr lang="en-US" sz="900" i="0" u="sng" dirty="0">
+                <a:solidFill>
+                  <a:srgbClr val="111111"/>
+                </a:solidFill>
+                <a:effectLst/>
+                <a:latin typeface="Arial" panose="020B0604020202020204" pitchFamily="34" charset="0"/>
+                <a:cs typeface="Arial" panose="020B0604020202020204" pitchFamily="34" charset="0"/>
+              </a:rPr>
+              <a:t>I</a:t>
+            </a:r>
+            <a:r>
+              <a:rPr lang="en-US" sz="900" i="0" dirty="0">
+                <a:solidFill>
+                  <a:srgbClr val="111111"/>
+                </a:solidFill>
+                <a:effectLst/>
+                <a:latin typeface="Arial" panose="020B0604020202020204" pitchFamily="34" charset="0"/>
+                <a:cs typeface="Arial" panose="020B0604020202020204" pitchFamily="34" charset="0"/>
+              </a:rPr>
+              <a:t>ntegrated </a:t>
+            </a:r>
+            <a:r>
+              <a:rPr lang="en-US" sz="900" i="0" u="sng" dirty="0">
+                <a:solidFill>
+                  <a:srgbClr val="111111"/>
+                </a:solidFill>
+                <a:effectLst/>
+                <a:latin typeface="Arial" panose="020B0604020202020204" pitchFamily="34" charset="0"/>
+                <a:cs typeface="Arial" panose="020B0604020202020204" pitchFamily="34" charset="0"/>
+              </a:rPr>
+              <a:t>M</a:t>
+            </a:r>
+            <a:r>
+              <a:rPr lang="en-US" sz="900" i="0" dirty="0">
+                <a:solidFill>
+                  <a:srgbClr val="111111"/>
+                </a:solidFill>
+                <a:effectLst/>
+                <a:latin typeface="Arial" panose="020B0604020202020204" pitchFamily="34" charset="0"/>
+                <a:cs typeface="Arial" panose="020B0604020202020204" pitchFamily="34" charset="0"/>
+              </a:rPr>
+              <a:t>oving </a:t>
+            </a:r>
+            <a:r>
+              <a:rPr lang="en-US" sz="900" i="0" u="sng" dirty="0">
+                <a:solidFill>
+                  <a:srgbClr val="111111"/>
+                </a:solidFill>
+                <a:effectLst/>
+                <a:latin typeface="Arial" panose="020B0604020202020204" pitchFamily="34" charset="0"/>
+                <a:cs typeface="Arial" panose="020B0604020202020204" pitchFamily="34" charset="0"/>
+              </a:rPr>
+              <a:t>A</a:t>
+            </a:r>
+            <a:r>
+              <a:rPr lang="en-US" sz="900" i="0" dirty="0">
+                <a:solidFill>
+                  <a:srgbClr val="111111"/>
+                </a:solidFill>
+                <a:effectLst/>
+                <a:latin typeface="Arial" panose="020B0604020202020204" pitchFamily="34" charset="0"/>
+                <a:cs typeface="Arial" panose="020B0604020202020204" pitchFamily="34" charset="0"/>
+              </a:rPr>
+              <a:t>verage:</a:t>
+            </a:r>
+          </a:p>
+          <a:p>
+            <a:pPr>
+              <a:spcBef>
+                <a:spcPts val="600"/>
+              </a:spcBef>
+            </a:pPr>
+            <a:r>
+              <a:rPr lang="en-US" sz="900" b="1" spc="-5" dirty="0">
+                <a:solidFill>
+                  <a:srgbClr val="111111"/>
+                </a:solidFill>
+                <a:latin typeface="Arial" panose="020B0604020202020204" pitchFamily="34" charset="0"/>
+                <a:ea typeface="Times New Roman" panose="02020603050405020304" pitchFamily="18" charset="0"/>
+                <a:cs typeface="Arial" panose="020B0604020202020204" pitchFamily="34" charset="0"/>
+              </a:rPr>
+              <a:t>AR:&lt;Auto Regressive&gt; </a:t>
+            </a:r>
+            <a:r>
+              <a:rPr lang="en-US" sz="900" spc="-5" dirty="0">
+                <a:solidFill>
+                  <a:srgbClr val="292929"/>
+                </a:solidFill>
+                <a:effectLst/>
+                <a:latin typeface="Arial" panose="020B0604020202020204" pitchFamily="34" charset="0"/>
+                <a:ea typeface="Times New Roman" panose="02020603050405020304" pitchFamily="18" charset="0"/>
+                <a:cs typeface="Arial" panose="020B0604020202020204" pitchFamily="34" charset="0"/>
+              </a:rPr>
+              <a:t>uses the dependent relationship between an observation and some predefined number of lagged observations (also known as “time lag” or “lag”)</a:t>
+            </a:r>
+            <a:endParaRPr lang="en-US" sz="900" dirty="0">
+              <a:effectLst/>
+              <a:latin typeface="Arial" panose="020B0604020202020204" pitchFamily="34" charset="0"/>
+              <a:ea typeface="Calibri" panose="020F0502020204030204" pitchFamily="34" charset="0"/>
+              <a:cs typeface="Arial" panose="020B0604020202020204" pitchFamily="34" charset="0"/>
+            </a:endParaRPr>
+          </a:p>
+          <a:p>
+            <a:pPr marL="342900" marR="0" lvl="0" indent="-342900">
+              <a:spcBef>
+                <a:spcPts val="600"/>
+              </a:spcBef>
+              <a:spcAft>
+                <a:spcPts val="0"/>
+              </a:spcAft>
+              <a:buSzPts val="1000"/>
+              <a:buFont typeface="Symbol" panose="05050102010706020507" pitchFamily="18" charset="2"/>
+              <a:buChar char=""/>
+              <a:tabLst>
+                <a:tab pos="457200" algn="l"/>
+              </a:tabLst>
+            </a:pPr>
+            <a:r>
+              <a:rPr lang="en-US" sz="900" b="1" spc="-5" dirty="0">
+                <a:solidFill>
+                  <a:srgbClr val="292929"/>
+                </a:solidFill>
+                <a:effectLst/>
+                <a:latin typeface="Arial" panose="020B0604020202020204" pitchFamily="34" charset="0"/>
+                <a:ea typeface="Times New Roman" panose="02020603050405020304" pitchFamily="18" charset="0"/>
+                <a:cs typeface="Arial" panose="020B0604020202020204" pitchFamily="34" charset="0"/>
+              </a:rPr>
+              <a:t>I:&lt; Integrated &gt;</a:t>
+            </a:r>
+            <a:r>
+              <a:rPr lang="en-US" sz="900" spc="-5" dirty="0">
+                <a:solidFill>
+                  <a:srgbClr val="292929"/>
+                </a:solidFill>
+                <a:effectLst/>
+                <a:latin typeface="Arial" panose="020B0604020202020204" pitchFamily="34" charset="0"/>
+                <a:ea typeface="Times New Roman" panose="02020603050405020304" pitchFamily="18" charset="0"/>
+                <a:cs typeface="Arial" panose="020B0604020202020204" pitchFamily="34" charset="0"/>
+              </a:rPr>
+              <a:t> model employs differencing of raw observations (e.g. it subtracts an observation from an observation at the previous time step) in order to make the time-series stationary</a:t>
+            </a:r>
+            <a:endParaRPr lang="en-US" sz="900" dirty="0">
+              <a:effectLst/>
+              <a:latin typeface="Arial" panose="020B0604020202020204" pitchFamily="34" charset="0"/>
+              <a:ea typeface="Calibri" panose="020F0502020204030204" pitchFamily="34" charset="0"/>
+              <a:cs typeface="Arial" panose="020B0604020202020204" pitchFamily="34" charset="0"/>
+            </a:endParaRPr>
+          </a:p>
+          <a:p>
+            <a:pPr marL="342900" marR="0" lvl="0" indent="-342900">
+              <a:spcBef>
+                <a:spcPts val="600"/>
+              </a:spcBef>
+              <a:spcAft>
+                <a:spcPts val="0"/>
+              </a:spcAft>
+              <a:buSzPts val="1000"/>
+              <a:buFont typeface="Symbol" panose="05050102010706020507" pitchFamily="18" charset="2"/>
+              <a:buChar char=""/>
+              <a:tabLst>
+                <a:tab pos="457200" algn="l"/>
+              </a:tabLst>
+            </a:pPr>
+            <a:r>
+              <a:rPr lang="en-US" sz="900" b="1" i="1" spc="-5" dirty="0">
+                <a:solidFill>
+                  <a:srgbClr val="292929"/>
+                </a:solidFill>
+                <a:effectLst/>
+                <a:latin typeface="Arial" panose="020B0604020202020204" pitchFamily="34" charset="0"/>
+                <a:ea typeface="Times New Roman" panose="02020603050405020304" pitchFamily="18" charset="0"/>
+                <a:cs typeface="Arial" panose="020B0604020202020204" pitchFamily="34" charset="0"/>
+              </a:rPr>
+              <a:t>MA: &lt; Moving Average &gt; </a:t>
+            </a:r>
+            <a:r>
+              <a:rPr lang="en-US" sz="900" spc="-5" dirty="0">
+                <a:solidFill>
+                  <a:srgbClr val="292929"/>
+                </a:solidFill>
+                <a:effectLst/>
+                <a:latin typeface="Arial" panose="020B0604020202020204" pitchFamily="34" charset="0"/>
+                <a:ea typeface="Times New Roman" panose="02020603050405020304" pitchFamily="18" charset="0"/>
+                <a:cs typeface="Arial" panose="020B0604020202020204" pitchFamily="34" charset="0"/>
+              </a:rPr>
+              <a:t>model exploits the relationship between the residual error and the observations</a:t>
+            </a:r>
+            <a:endParaRPr lang="en-US" sz="900" spc="-5" dirty="0">
+              <a:latin typeface="Arial" panose="020B0604020202020204" pitchFamily="34" charset="0"/>
+              <a:ea typeface="Times New Roman" panose="02020603050405020304" pitchFamily="18" charset="0"/>
+              <a:cs typeface="Arial" panose="020B0604020202020204" pitchFamily="34" charset="0"/>
+            </a:endParaRPr>
+          </a:p>
+          <a:p>
+            <a:pPr marL="0" marR="0" lvl="0" indent="0">
+              <a:spcBef>
+                <a:spcPts val="1260"/>
+              </a:spcBef>
+              <a:spcAft>
+                <a:spcPts val="0"/>
+              </a:spcAft>
+              <a:buSzPts val="1000"/>
+              <a:buNone/>
+              <a:tabLst>
+                <a:tab pos="457200" algn="l"/>
+              </a:tabLst>
+            </a:pPr>
+            <a:r>
+              <a:rPr lang="en-US" sz="900" b="1" dirty="0">
+                <a:solidFill>
+                  <a:srgbClr val="292929"/>
+                </a:solidFill>
+                <a:effectLst/>
+                <a:latin typeface="Arial" panose="020B0604020202020204" pitchFamily="34" charset="0"/>
+                <a:ea typeface="Times New Roman" panose="02020603050405020304" pitchFamily="18" charset="0"/>
+                <a:cs typeface="Arial" panose="020B0604020202020204" pitchFamily="34" charset="0"/>
+              </a:rPr>
+              <a:t>Model parameters </a:t>
+            </a:r>
+            <a:r>
+              <a:rPr lang="en-US" sz="900" dirty="0">
+                <a:solidFill>
+                  <a:srgbClr val="292929"/>
+                </a:solidFill>
+                <a:effectLst/>
+                <a:latin typeface="Arial" panose="020B0604020202020204" pitchFamily="34" charset="0"/>
+                <a:ea typeface="Times New Roman" panose="02020603050405020304" pitchFamily="18" charset="0"/>
+                <a:cs typeface="Arial" panose="020B0604020202020204" pitchFamily="34" charset="0"/>
+              </a:rPr>
+              <a:t>- </a:t>
+            </a:r>
+            <a:r>
+              <a:rPr lang="en-US" sz="900" spc="-5" dirty="0">
+                <a:solidFill>
+                  <a:srgbClr val="292929"/>
+                </a:solidFill>
+                <a:effectLst/>
+                <a:latin typeface="Arial" panose="020B0604020202020204" pitchFamily="34" charset="0"/>
+                <a:ea typeface="Times New Roman" panose="02020603050405020304" pitchFamily="18" charset="0"/>
+                <a:cs typeface="Arial" panose="020B0604020202020204" pitchFamily="34" charset="0"/>
+              </a:rPr>
+              <a:t>expect as input parameters 3 arguments (</a:t>
+            </a:r>
+            <a:r>
+              <a:rPr lang="en-US" sz="900" spc="-5" dirty="0" err="1">
+                <a:solidFill>
+                  <a:srgbClr val="292929"/>
+                </a:solidFill>
+                <a:effectLst/>
+                <a:latin typeface="Arial" panose="020B0604020202020204" pitchFamily="34" charset="0"/>
+                <a:ea typeface="Times New Roman" panose="02020603050405020304" pitchFamily="18" charset="0"/>
+                <a:cs typeface="Arial" panose="020B0604020202020204" pitchFamily="34" charset="0"/>
+              </a:rPr>
+              <a:t>p,d,q</a:t>
+            </a:r>
+            <a:r>
+              <a:rPr lang="en-US" sz="900" spc="-5" dirty="0">
+                <a:solidFill>
+                  <a:srgbClr val="292929"/>
+                </a:solidFill>
+                <a:effectLst/>
+                <a:latin typeface="Arial" panose="020B0604020202020204" pitchFamily="34" charset="0"/>
+                <a:ea typeface="Times New Roman" panose="02020603050405020304" pitchFamily="18" charset="0"/>
+                <a:cs typeface="Arial" panose="020B0604020202020204" pitchFamily="34" charset="0"/>
+              </a:rPr>
+              <a:t>)</a:t>
+            </a:r>
+            <a:endParaRPr lang="en-US" sz="900" dirty="0">
+              <a:effectLst/>
+              <a:latin typeface="Arial" panose="020B0604020202020204" pitchFamily="34" charset="0"/>
+              <a:ea typeface="Calibri" panose="020F0502020204030204" pitchFamily="34" charset="0"/>
+              <a:cs typeface="Arial" panose="020B0604020202020204" pitchFamily="34" charset="0"/>
+            </a:endParaRPr>
+          </a:p>
+          <a:p>
+            <a:pPr marL="342900" marR="0" lvl="0" indent="-342900">
+              <a:spcBef>
+                <a:spcPts val="100"/>
+              </a:spcBef>
+              <a:spcAft>
+                <a:spcPts val="100"/>
+              </a:spcAft>
+              <a:buSzPts val="1000"/>
+              <a:buFont typeface="Symbol" panose="05050102010706020507" pitchFamily="18" charset="2"/>
+              <a:buChar char=""/>
+              <a:tabLst>
+                <a:tab pos="457200" algn="l"/>
+              </a:tabLst>
+            </a:pPr>
+            <a:r>
+              <a:rPr lang="en-US" sz="900" b="1" spc="-5" dirty="0">
+                <a:solidFill>
+                  <a:srgbClr val="292929"/>
+                </a:solidFill>
+                <a:effectLst/>
+                <a:latin typeface="Arial" panose="020B0604020202020204" pitchFamily="34" charset="0"/>
+                <a:ea typeface="Times New Roman" panose="02020603050405020304" pitchFamily="18" charset="0"/>
+                <a:cs typeface="Arial" panose="020B0604020202020204" pitchFamily="34" charset="0"/>
+              </a:rPr>
+              <a:t>p</a:t>
+            </a:r>
+            <a:r>
+              <a:rPr lang="en-US" sz="900" spc="-5" dirty="0">
+                <a:solidFill>
+                  <a:srgbClr val="292929"/>
+                </a:solidFill>
+                <a:effectLst/>
+                <a:latin typeface="Arial" panose="020B0604020202020204" pitchFamily="34" charset="0"/>
+                <a:ea typeface="Times New Roman" panose="02020603050405020304" pitchFamily="18" charset="0"/>
+                <a:cs typeface="Arial" panose="020B0604020202020204" pitchFamily="34" charset="0"/>
+              </a:rPr>
+              <a:t> is the number of lag observations </a:t>
+            </a:r>
+            <a:r>
+              <a:rPr lang="en-US" sz="900" i="1" spc="-5" dirty="0">
+                <a:solidFill>
+                  <a:srgbClr val="292929"/>
+                </a:solidFill>
+                <a:effectLst/>
+                <a:latin typeface="Arial" panose="020B0604020202020204" pitchFamily="34" charset="0"/>
+                <a:ea typeface="Times New Roman" panose="02020603050405020304" pitchFamily="18" charset="0"/>
+                <a:cs typeface="Arial" panose="020B0604020202020204" pitchFamily="34" charset="0"/>
+              </a:rPr>
+              <a:t>(using 4 lags)</a:t>
+            </a:r>
+            <a:endParaRPr lang="en-US" sz="900" i="1" dirty="0">
+              <a:effectLst/>
+              <a:latin typeface="Arial" panose="020B0604020202020204" pitchFamily="34" charset="0"/>
+              <a:ea typeface="Calibri" panose="020F0502020204030204" pitchFamily="34" charset="0"/>
+              <a:cs typeface="Arial" panose="020B0604020202020204" pitchFamily="34" charset="0"/>
+            </a:endParaRPr>
+          </a:p>
+          <a:p>
+            <a:pPr marL="342900" marR="0" lvl="0" indent="-342900">
+              <a:spcBef>
+                <a:spcPts val="100"/>
+              </a:spcBef>
+              <a:spcAft>
+                <a:spcPts val="100"/>
+              </a:spcAft>
+              <a:buSzPts val="1000"/>
+              <a:buFont typeface="Symbol" panose="05050102010706020507" pitchFamily="18" charset="2"/>
+              <a:buChar char=""/>
+              <a:tabLst>
+                <a:tab pos="457200" algn="l"/>
+              </a:tabLst>
+            </a:pPr>
+            <a:r>
+              <a:rPr lang="en-US" sz="900" b="1" spc="-5" dirty="0">
+                <a:solidFill>
+                  <a:srgbClr val="292929"/>
+                </a:solidFill>
+                <a:effectLst/>
+                <a:latin typeface="Arial" panose="020B0604020202020204" pitchFamily="34" charset="0"/>
+                <a:ea typeface="Times New Roman" panose="02020603050405020304" pitchFamily="18" charset="0"/>
+                <a:cs typeface="Arial" panose="020B0604020202020204" pitchFamily="34" charset="0"/>
+              </a:rPr>
+              <a:t>d</a:t>
+            </a:r>
+            <a:r>
+              <a:rPr lang="en-US" sz="900" spc="-5" dirty="0">
+                <a:solidFill>
+                  <a:srgbClr val="292929"/>
+                </a:solidFill>
+                <a:effectLst/>
+                <a:latin typeface="Arial" panose="020B0604020202020204" pitchFamily="34" charset="0"/>
+                <a:ea typeface="Times New Roman" panose="02020603050405020304" pitchFamily="18" charset="0"/>
+                <a:cs typeface="Arial" panose="020B0604020202020204" pitchFamily="34" charset="0"/>
+              </a:rPr>
+              <a:t> is the degree of differencing </a:t>
+            </a:r>
+            <a:r>
+              <a:rPr lang="en-US" sz="900" i="1" spc="-5" dirty="0">
+                <a:solidFill>
+                  <a:srgbClr val="292929"/>
+                </a:solidFill>
+                <a:effectLst/>
+                <a:latin typeface="Arial" panose="020B0604020202020204" pitchFamily="34" charset="0"/>
+                <a:ea typeface="Times New Roman" panose="02020603050405020304" pitchFamily="18" charset="0"/>
+                <a:cs typeface="Arial" panose="020B0604020202020204" pitchFamily="34" charset="0"/>
+              </a:rPr>
+              <a:t>(not-stationary, days,  so placed “1” in model)</a:t>
+            </a:r>
+            <a:endParaRPr lang="en-US" sz="900" i="1" dirty="0">
+              <a:effectLst/>
+              <a:latin typeface="Arial" panose="020B0604020202020204" pitchFamily="34" charset="0"/>
+              <a:ea typeface="Calibri" panose="020F0502020204030204" pitchFamily="34" charset="0"/>
+              <a:cs typeface="Arial" panose="020B0604020202020204" pitchFamily="34" charset="0"/>
+            </a:endParaRPr>
+          </a:p>
+          <a:p>
+            <a:pPr marL="342900" marR="0" lvl="0" indent="-342900">
+              <a:spcBef>
+                <a:spcPts val="100"/>
+              </a:spcBef>
+              <a:spcAft>
+                <a:spcPts val="100"/>
+              </a:spcAft>
+              <a:buSzPts val="1000"/>
+              <a:buFont typeface="Symbol" panose="05050102010706020507" pitchFamily="18" charset="2"/>
+              <a:buChar char=""/>
+              <a:tabLst>
+                <a:tab pos="457200" algn="l"/>
+              </a:tabLst>
+            </a:pPr>
+            <a:r>
+              <a:rPr lang="en-US" sz="900" b="1" spc="-5" dirty="0">
+                <a:solidFill>
+                  <a:srgbClr val="292929"/>
+                </a:solidFill>
+                <a:effectLst/>
+                <a:latin typeface="Arial" panose="020B0604020202020204" pitchFamily="34" charset="0"/>
+                <a:ea typeface="Times New Roman" panose="02020603050405020304" pitchFamily="18" charset="0"/>
+                <a:cs typeface="Arial" panose="020B0604020202020204" pitchFamily="34" charset="0"/>
+              </a:rPr>
+              <a:t>q </a:t>
+            </a:r>
+            <a:r>
+              <a:rPr lang="en-US" sz="900" spc="-5" dirty="0">
+                <a:solidFill>
+                  <a:srgbClr val="292929"/>
+                </a:solidFill>
+                <a:effectLst/>
+                <a:latin typeface="Arial" panose="020B0604020202020204" pitchFamily="34" charset="0"/>
+                <a:ea typeface="Times New Roman" panose="02020603050405020304" pitchFamily="18" charset="0"/>
+                <a:cs typeface="Arial" panose="020B0604020202020204" pitchFamily="34" charset="0"/>
+              </a:rPr>
+              <a:t>is the size/width of the moving average window</a:t>
+            </a:r>
+          </a:p>
+          <a:p>
+            <a:pPr marL="342900" marR="0" lvl="0" indent="-342900">
+              <a:spcBef>
+                <a:spcPts val="100"/>
+              </a:spcBef>
+              <a:spcAft>
+                <a:spcPts val="100"/>
+              </a:spcAft>
+              <a:buSzPts val="1000"/>
+              <a:buFont typeface="Symbol" panose="05050102010706020507" pitchFamily="18" charset="2"/>
+              <a:buChar char=""/>
+              <a:tabLst>
+                <a:tab pos="457200" algn="l"/>
+              </a:tabLst>
+            </a:pPr>
+            <a:endParaRPr lang="en-US" sz="900" spc="-5" dirty="0">
+              <a:solidFill>
+                <a:srgbClr val="292929"/>
+              </a:solidFill>
+              <a:latin typeface="Arial" panose="020B0604020202020204" pitchFamily="34" charset="0"/>
+              <a:ea typeface="Calibri" panose="020F0502020204030204" pitchFamily="34" charset="0"/>
+              <a:cs typeface="Arial" panose="020B0604020202020204" pitchFamily="34" charset="0"/>
+            </a:endParaRPr>
+          </a:p>
+          <a:p>
+            <a:pPr marL="0" indent="0">
+              <a:buFont typeface="Arial"/>
+              <a:buNone/>
+            </a:pPr>
+            <a:endParaRPr lang="en-US" sz="900" b="1" dirty="0">
+              <a:latin typeface="Arial" panose="020B0604020202020204" pitchFamily="34" charset="0"/>
+              <a:cs typeface="Arial" panose="020B0604020202020204" pitchFamily="34" charset="0"/>
+            </a:endParaRPr>
+          </a:p>
+          <a:p>
+            <a:endParaRPr lang="en-US" sz="900" dirty="0">
+              <a:latin typeface="Arial" panose="020B0604020202020204" pitchFamily="34" charset="0"/>
+              <a:cs typeface="Arial" panose="020B0604020202020204" pitchFamily="34" charset="0"/>
+            </a:endParaRPr>
+          </a:p>
+          <a:p>
+            <a:endParaRPr lang="en-US" sz="900" dirty="0">
+              <a:latin typeface="Arial" panose="020B0604020202020204" pitchFamily="34" charset="0"/>
+              <a:cs typeface="Arial" panose="020B0604020202020204" pitchFamily="34" charset="0"/>
+            </a:endParaRPr>
+          </a:p>
+          <a:p>
+            <a:endParaRPr lang="en-US" sz="900" dirty="0">
+              <a:latin typeface="Arial" panose="020B0604020202020204" pitchFamily="34" charset="0"/>
+              <a:cs typeface="Arial" panose="020B0604020202020204" pitchFamily="34" charset="0"/>
+            </a:endParaRPr>
+          </a:p>
+        </p:txBody>
+      </p:sp>
+      <p:sp>
+        <p:nvSpPr>
+          <p:cNvPr id="6" name="Text Placeholder 6">
             <a:extLst>
               <a:ext uri="{FF2B5EF4-FFF2-40B4-BE49-F238E27FC236}">
-                <a16:creationId xmlns:a16="http://schemas.microsoft.com/office/drawing/2014/main" id="{C87352A8-8B74-4311-B6FE-F34E9C40C723}"/>
+                <a16:creationId xmlns:a16="http://schemas.microsoft.com/office/drawing/2014/main" id="{41F12E17-8B7C-4D13-823A-45D35FF8E628}"/>
               </a:ext>
             </a:extLst>
           </p:cNvPr>
-          <p:cNvSpPr/>
+          <p:cNvSpPr txBox="1">
+            <a:spLocks/>
+          </p:cNvSpPr>
           <p:nvPr/>
         </p:nvSpPr>
-        <p:spPr>
-          <a:xfrm rot="5400000">
-            <a:off x="6176318" y="2645277"/>
-            <a:ext cx="424297" cy="293257"/>
-          </a:xfrm>
-          <a:prstGeom prst="rightArrow">
-            <a:avLst/>
-          </a:prstGeom>
-        </p:spPr>
-        <p:style>
-          <a:lnRef idx="1">
-            <a:schemeClr val="accent1"/>
-          </a:lnRef>
-          <a:fillRef idx="3">
-            <a:schemeClr val="accent1"/>
-          </a:fillRef>
-          <a:effectRef idx="2">
-            <a:schemeClr val="accent1"/>
-          </a:effectRef>
-          <a:fontRef idx="minor">
-            <a:schemeClr val="lt1"/>
-          </a:fontRef>
-        </p:style>
-        <p:txBody>
-          <a:bodyPr rtlCol="0" anchor="ctr"/>
-          <a:lstStyle/>
-          <a:p>
-            <a:pPr algn="ctr"/>
-            <a:endParaRPr lang="en-US"/>
-          </a:p>
-        </p:txBody>
-      </p:sp>
-      <p:pic>
-        <p:nvPicPr>
-          <p:cNvPr id="13" name="Picture 12">
-            <a:extLst>
-              <a:ext uri="{FF2B5EF4-FFF2-40B4-BE49-F238E27FC236}">
-                <a16:creationId xmlns:a16="http://schemas.microsoft.com/office/drawing/2014/main" id="{ED176FD6-EEDE-4DF3-BEFD-7DFD6A30CA0C}"/>
-              </a:ext>
-            </a:extLst>
-          </p:cNvPr>
-          <p:cNvPicPr>
-            <a:picLocks noChangeAspect="1"/>
-          </p:cNvPicPr>
-          <p:nvPr/>
-        </p:nvPicPr>
-        <p:blipFill>
-          <a:blip r:embed="rId4"/>
-          <a:stretch>
-            <a:fillRect/>
-          </a:stretch>
-        </p:blipFill>
         <p:spPr>
           <a:xfrm>
-            <a:off x="5243947" y="1501060"/>
-            <a:ext cx="3192028" cy="1198563"/>
+            <a:off x="3814763" y="1025129"/>
+            <a:ext cx="4630737" cy="321072"/>
           </a:xfrm>
           <a:prstGeom prst="rect">
             <a:avLst/>
           </a:prstGeom>
-          <a:ln>
-            <a:noFill/>
-          </a:ln>
-          <a:effectLst>
-            <a:outerShdw blurRad="190500" algn="tl" rotWithShape="0">
-              <a:srgbClr val="000000">
-                <a:alpha val="70000"/>
-              </a:srgbClr>
-            </a:outerShdw>
-          </a:effectLst>
         </p:spPr>
-      </p:pic>
-      <p:sp>
-        <p:nvSpPr>
-          <p:cNvPr id="17" name="Arrow: Right 16">
-            <a:extLst>
-              <a:ext uri="{FF2B5EF4-FFF2-40B4-BE49-F238E27FC236}">
-                <a16:creationId xmlns:a16="http://schemas.microsoft.com/office/drawing/2014/main" id="{AD226FA7-6C6A-4DFA-84C0-2E4EB5133A85}"/>
-              </a:ext>
-            </a:extLst>
-          </p:cNvPr>
-          <p:cNvSpPr/>
-          <p:nvPr/>
-        </p:nvSpPr>
-        <p:spPr>
-          <a:xfrm rot="1195432">
-            <a:off x="4728701" y="1439420"/>
-            <a:ext cx="565062" cy="293257"/>
-          </a:xfrm>
-          <a:prstGeom prst="rightArrow">
-            <a:avLst/>
-          </a:prstGeom>
-        </p:spPr>
-        <p:style>
-          <a:lnRef idx="1">
-            <a:schemeClr val="accent1"/>
-          </a:lnRef>
-          <a:fillRef idx="3">
-            <a:schemeClr val="accent1"/>
-          </a:fillRef>
-          <a:effectRef idx="2">
-            <a:schemeClr val="accent1"/>
-          </a:effectRef>
-          <a:fontRef idx="minor">
-            <a:schemeClr val="lt1"/>
-          </a:fontRef>
-        </p:style>
-        <p:txBody>
-          <a:bodyPr rtlCol="0" anchor="ctr"/>
-          <a:lstStyle/>
-          <a:p>
-            <a:pPr algn="ctr"/>
-            <a:endParaRPr lang="en-US"/>
-          </a:p>
-        </p:txBody>
-      </p:sp>
-      <p:pic>
-        <p:nvPicPr>
-          <p:cNvPr id="7" name="Picture 6">
-            <a:extLst>
-              <a:ext uri="{FF2B5EF4-FFF2-40B4-BE49-F238E27FC236}">
-                <a16:creationId xmlns:a16="http://schemas.microsoft.com/office/drawing/2014/main" id="{2D264B1A-F31D-4467-AAA4-C9BBD1293A63}"/>
-              </a:ext>
-            </a:extLst>
-          </p:cNvPr>
-          <p:cNvPicPr>
-            <a:picLocks noChangeAspect="1"/>
-          </p:cNvPicPr>
-          <p:nvPr/>
-        </p:nvPicPr>
-        <p:blipFill>
-          <a:blip r:embed="rId5"/>
-          <a:stretch>
-            <a:fillRect/>
-          </a:stretch>
-        </p:blipFill>
-        <p:spPr>
-          <a:xfrm>
-            <a:off x="1092163" y="1267267"/>
-            <a:ext cx="3705958" cy="445039"/>
-          </a:xfrm>
-          <a:prstGeom prst="rect">
-            <a:avLst/>
-          </a:prstGeom>
-          <a:ln>
-            <a:noFill/>
-          </a:ln>
-          <a:effectLst>
-            <a:outerShdw blurRad="190500" algn="tl" rotWithShape="0">
-              <a:srgbClr val="000000">
-                <a:alpha val="70000"/>
-              </a:srgbClr>
-            </a:outerShdw>
-          </a:effectLst>
-        </p:spPr>
-      </p:pic>
-      <p:pic>
-        <p:nvPicPr>
-          <p:cNvPr id="20" name="Picture 19">
-            <a:extLst>
-              <a:ext uri="{FF2B5EF4-FFF2-40B4-BE49-F238E27FC236}">
-                <a16:creationId xmlns:a16="http://schemas.microsoft.com/office/drawing/2014/main" id="{652C8DC6-5401-4AFC-82DD-2207DA987AA6}"/>
-              </a:ext>
-            </a:extLst>
-          </p:cNvPr>
-          <p:cNvPicPr>
-            <a:picLocks noChangeAspect="1"/>
-          </p:cNvPicPr>
-          <p:nvPr/>
-        </p:nvPicPr>
-        <p:blipFill>
-          <a:blip r:embed="rId6"/>
-          <a:stretch>
-            <a:fillRect/>
-          </a:stretch>
-        </p:blipFill>
-        <p:spPr>
-          <a:xfrm>
-            <a:off x="674111" y="4322866"/>
-            <a:ext cx="6719136" cy="306966"/>
-          </a:xfrm>
-          <a:prstGeom prst="rect">
-            <a:avLst/>
-          </a:prstGeom>
-          <a:ln>
-            <a:noFill/>
-          </a:ln>
-          <a:effectLst>
-            <a:outerShdw blurRad="190500" algn="tl" rotWithShape="0">
-              <a:srgbClr val="000000">
-                <a:alpha val="70000"/>
-              </a:srgbClr>
-            </a:outerShdw>
-          </a:effectLst>
-        </p:spPr>
-      </p:pic>
-      <p:sp>
-        <p:nvSpPr>
-          <p:cNvPr id="21" name="Speech Bubble: Rectangle 20">
-            <a:extLst>
-              <a:ext uri="{FF2B5EF4-FFF2-40B4-BE49-F238E27FC236}">
-                <a16:creationId xmlns:a16="http://schemas.microsoft.com/office/drawing/2014/main" id="{96DFCE6E-2ECF-437A-A066-11B2FA473E47}"/>
-              </a:ext>
-            </a:extLst>
-          </p:cNvPr>
-          <p:cNvSpPr/>
-          <p:nvPr/>
-        </p:nvSpPr>
-        <p:spPr>
-          <a:xfrm>
-            <a:off x="2945142" y="3736962"/>
-            <a:ext cx="1398258" cy="451934"/>
-          </a:xfrm>
-          <a:prstGeom prst="wedgeRectCallout">
-            <a:avLst>
-              <a:gd name="adj1" fmla="val 79136"/>
-              <a:gd name="adj2" fmla="val 75947"/>
-            </a:avLst>
-          </a:prstGeom>
-        </p:spPr>
-        <p:style>
-          <a:lnRef idx="1">
-            <a:schemeClr val="dk1"/>
-          </a:lnRef>
-          <a:fillRef idx="2">
-            <a:schemeClr val="dk1"/>
-          </a:fillRef>
-          <a:effectRef idx="1">
-            <a:schemeClr val="dk1"/>
-          </a:effectRef>
-          <a:fontRef idx="minor">
-            <a:schemeClr val="dk1"/>
-          </a:fontRef>
-        </p:style>
-        <p:txBody>
-          <a:bodyPr rtlCol="0" anchor="ctr"/>
-          <a:lstStyle/>
-          <a:p>
-            <a:pPr algn="ctr"/>
-            <a:r>
-              <a:rPr lang="en-US" sz="1000" dirty="0"/>
-              <a:t>Each stock’s CSV data merged with complete CSV dataset</a:t>
-            </a:r>
-          </a:p>
-        </p:txBody>
-      </p:sp>
-      <p:sp>
-        <p:nvSpPr>
-          <p:cNvPr id="22" name="Speech Bubble: Rectangle 21">
-            <a:extLst>
-              <a:ext uri="{FF2B5EF4-FFF2-40B4-BE49-F238E27FC236}">
-                <a16:creationId xmlns:a16="http://schemas.microsoft.com/office/drawing/2014/main" id="{D8CBBEA0-AAF4-401E-900D-36CA96287A44}"/>
-              </a:ext>
-            </a:extLst>
-          </p:cNvPr>
-          <p:cNvSpPr/>
-          <p:nvPr/>
-        </p:nvSpPr>
-        <p:spPr>
-          <a:xfrm>
-            <a:off x="7546444" y="3587049"/>
-            <a:ext cx="728552" cy="299826"/>
-          </a:xfrm>
-          <a:prstGeom prst="wedgeRectCallout">
-            <a:avLst>
-              <a:gd name="adj1" fmla="val -88977"/>
-              <a:gd name="adj2" fmla="val -17510"/>
-            </a:avLst>
-          </a:prstGeom>
-        </p:spPr>
-        <p:style>
-          <a:lnRef idx="1">
-            <a:schemeClr val="dk1"/>
-          </a:lnRef>
-          <a:fillRef idx="2">
-            <a:schemeClr val="dk1"/>
-          </a:fillRef>
-          <a:effectRef idx="1">
-            <a:schemeClr val="dk1"/>
-          </a:effectRef>
-          <a:fontRef idx="minor">
-            <a:schemeClr val="dk1"/>
-          </a:fontRef>
-        </p:style>
-        <p:txBody>
-          <a:bodyPr rtlCol="0" anchor="ctr"/>
-          <a:lstStyle/>
-          <a:p>
-            <a:pPr algn="ctr"/>
-            <a:r>
-              <a:rPr lang="en-US" sz="1000" dirty="0"/>
-              <a:t>Required Fields</a:t>
-            </a:r>
-          </a:p>
-        </p:txBody>
-      </p:sp>
-      <p:sp>
-        <p:nvSpPr>
-          <p:cNvPr id="23" name="Arrow: Right 22">
-            <a:extLst>
-              <a:ext uri="{FF2B5EF4-FFF2-40B4-BE49-F238E27FC236}">
-                <a16:creationId xmlns:a16="http://schemas.microsoft.com/office/drawing/2014/main" id="{A0CAA4E0-D6BD-4462-9FA9-A2D604A52B25}"/>
-              </a:ext>
-            </a:extLst>
-          </p:cNvPr>
-          <p:cNvSpPr/>
-          <p:nvPr/>
-        </p:nvSpPr>
-        <p:spPr>
-          <a:xfrm rot="5400000">
-            <a:off x="6113056" y="4119862"/>
-            <a:ext cx="269106" cy="293257"/>
-          </a:xfrm>
-          <a:prstGeom prst="rightArrow">
-            <a:avLst/>
-          </a:prstGeom>
-        </p:spPr>
-        <p:style>
-          <a:lnRef idx="1">
-            <a:schemeClr val="accent1"/>
-          </a:lnRef>
-          <a:fillRef idx="3">
-            <a:schemeClr val="accent1"/>
-          </a:fillRef>
-          <a:effectRef idx="2">
-            <a:schemeClr val="accent1"/>
-          </a:effectRef>
-          <a:fontRef idx="minor">
-            <a:schemeClr val="lt1"/>
-          </a:fontRef>
-        </p:style>
-        <p:txBody>
-          <a:bodyPr rtlCol="0" anchor="ctr"/>
-          <a:lstStyle/>
-          <a:p>
-            <a:pPr algn="ctr"/>
-            <a:endParaRPr lang="en-US"/>
-          </a:p>
-        </p:txBody>
-      </p:sp>
-      <p:pic>
-        <p:nvPicPr>
-          <p:cNvPr id="9" name="Picture 8">
-            <a:extLst>
-              <a:ext uri="{FF2B5EF4-FFF2-40B4-BE49-F238E27FC236}">
-                <a16:creationId xmlns:a16="http://schemas.microsoft.com/office/drawing/2014/main" id="{555CBC45-8EE9-4047-803C-306CA9C6DF20}"/>
-              </a:ext>
-            </a:extLst>
-          </p:cNvPr>
-          <p:cNvPicPr>
-            <a:picLocks noChangeAspect="1"/>
-          </p:cNvPicPr>
-          <p:nvPr/>
-        </p:nvPicPr>
-        <p:blipFill>
-          <a:blip r:embed="rId7"/>
-          <a:stretch>
-            <a:fillRect/>
-          </a:stretch>
-        </p:blipFill>
-        <p:spPr>
-          <a:xfrm>
-            <a:off x="6653310" y="174589"/>
-            <a:ext cx="2297840" cy="947815"/>
-          </a:xfrm>
-          <a:prstGeom prst="rect">
-            <a:avLst/>
-          </a:prstGeom>
-          <a:ln>
-            <a:noFill/>
-          </a:ln>
-          <a:effectLst>
-            <a:outerShdw blurRad="190500" algn="tl" rotWithShape="0">
-              <a:srgbClr val="000000">
-                <a:alpha val="70000"/>
-              </a:srgbClr>
-            </a:outerShdw>
-          </a:effectLst>
-        </p:spPr>
-      </p:pic>
-      <p:pic>
-        <p:nvPicPr>
-          <p:cNvPr id="12" name="Picture 11">
-            <a:extLst>
-              <a:ext uri="{FF2B5EF4-FFF2-40B4-BE49-F238E27FC236}">
-                <a16:creationId xmlns:a16="http://schemas.microsoft.com/office/drawing/2014/main" id="{DEDAA8D6-0FF0-4F13-9E5F-6168A7B5C467}"/>
-              </a:ext>
-            </a:extLst>
-          </p:cNvPr>
-          <p:cNvPicPr>
-            <a:picLocks noChangeAspect="1"/>
-          </p:cNvPicPr>
-          <p:nvPr/>
-        </p:nvPicPr>
-        <p:blipFill>
-          <a:blip r:embed="rId8"/>
-          <a:stretch>
-            <a:fillRect/>
-          </a:stretch>
-        </p:blipFill>
-        <p:spPr>
-          <a:xfrm>
-            <a:off x="411605" y="1525365"/>
-            <a:ext cx="469464" cy="179318"/>
-          </a:xfrm>
-          <a:prstGeom prst="rect">
-            <a:avLst/>
-          </a:prstGeom>
-          <a:ln>
-            <a:noFill/>
-          </a:ln>
-          <a:effectLst>
-            <a:outerShdw blurRad="190500" algn="tl" rotWithShape="0">
-              <a:srgbClr val="000000">
-                <a:alpha val="70000"/>
-              </a:srgbClr>
-            </a:outerShdw>
-          </a:effectLst>
-        </p:spPr>
-      </p:pic>
-      <p:sp>
-        <p:nvSpPr>
-          <p:cNvPr id="19" name="Speech Bubble: Rectangle 18">
-            <a:extLst>
-              <a:ext uri="{FF2B5EF4-FFF2-40B4-BE49-F238E27FC236}">
-                <a16:creationId xmlns:a16="http://schemas.microsoft.com/office/drawing/2014/main" id="{C8304D1F-84BE-445B-865D-AD6C81EC45BF}"/>
-              </a:ext>
-            </a:extLst>
-          </p:cNvPr>
-          <p:cNvSpPr/>
-          <p:nvPr/>
-        </p:nvSpPr>
-        <p:spPr>
-          <a:xfrm>
-            <a:off x="7518604" y="2798428"/>
-            <a:ext cx="605748" cy="299826"/>
-          </a:xfrm>
-          <a:prstGeom prst="wedgeRectCallout">
-            <a:avLst>
-              <a:gd name="adj1" fmla="val -28236"/>
-              <a:gd name="adj2" fmla="val -91051"/>
-            </a:avLst>
-          </a:prstGeom>
-        </p:spPr>
-        <p:style>
-          <a:lnRef idx="1">
-            <a:schemeClr val="dk1"/>
-          </a:lnRef>
-          <a:fillRef idx="2">
-            <a:schemeClr val="dk1"/>
-          </a:fillRef>
-          <a:effectRef idx="1">
-            <a:schemeClr val="dk1"/>
-          </a:effectRef>
-          <a:fontRef idx="minor">
-            <a:schemeClr val="dk1"/>
-          </a:fontRef>
-        </p:style>
-        <p:txBody>
-          <a:bodyPr rtlCol="0" anchor="ctr"/>
-          <a:lstStyle/>
-          <a:p>
-            <a:pPr algn="ctr"/>
-            <a:r>
-              <a:rPr lang="en-US" sz="1000" dirty="0"/>
-              <a:t>Raw data</a:t>
+        <p:txBody>
+          <a:bodyPr vert="horz" lIns="91440" tIns="45720" rIns="91440" bIns="45720" rtlCol="0" anchor="b">
+            <a:noAutofit/>
+          </a:bodyPr>
+          <a:lstStyle>
+            <a:lvl1pPr marL="0" indent="0" algn="l" defTabSz="457200" rtl="0" eaLnBrk="1" latinLnBrk="0" hangingPunct="1">
+              <a:spcBef>
+                <a:spcPct val="20000"/>
+              </a:spcBef>
+              <a:buFont typeface="Arial"/>
+              <a:buNone/>
+              <a:defRPr sz="2000" b="1" kern="1200">
+                <a:solidFill>
+                  <a:schemeClr val="tx1"/>
+                </a:solidFill>
+                <a:latin typeface="Arial"/>
+                <a:ea typeface="+mn-ea"/>
+                <a:cs typeface="Arial"/>
+              </a:defRPr>
+            </a:lvl1pPr>
+            <a:lvl2pPr marL="457200" indent="0" algn="l" defTabSz="457200" rtl="0" eaLnBrk="1" latinLnBrk="0" hangingPunct="1">
+              <a:spcBef>
+                <a:spcPct val="20000"/>
+              </a:spcBef>
+              <a:buFont typeface="Arial"/>
+              <a:buNone/>
+              <a:defRPr sz="2000" b="1" kern="1200">
+                <a:solidFill>
+                  <a:schemeClr val="tx1"/>
+                </a:solidFill>
+                <a:latin typeface="Arial"/>
+                <a:ea typeface="+mn-ea"/>
+                <a:cs typeface="Arial"/>
+              </a:defRPr>
+            </a:lvl2pPr>
+            <a:lvl3pPr marL="914400" indent="0" algn="l" defTabSz="457200" rtl="0" eaLnBrk="1" latinLnBrk="0" hangingPunct="1">
+              <a:spcBef>
+                <a:spcPct val="20000"/>
+              </a:spcBef>
+              <a:buFont typeface="Arial"/>
+              <a:buNone/>
+              <a:defRPr sz="1800" b="1" kern="1200">
+                <a:solidFill>
+                  <a:schemeClr val="tx1"/>
+                </a:solidFill>
+                <a:latin typeface="Arial"/>
+                <a:ea typeface="+mn-ea"/>
+                <a:cs typeface="Arial"/>
+              </a:defRPr>
+            </a:lvl3pPr>
+            <a:lvl4pPr marL="1371600" indent="0" algn="l" defTabSz="457200" rtl="0" eaLnBrk="1" latinLnBrk="0" hangingPunct="1">
+              <a:spcBef>
+                <a:spcPct val="20000"/>
+              </a:spcBef>
+              <a:buFont typeface="Arial"/>
+              <a:buNone/>
+              <a:defRPr sz="1600" b="1" kern="1200">
+                <a:solidFill>
+                  <a:schemeClr val="tx1"/>
+                </a:solidFill>
+                <a:latin typeface="Arial"/>
+                <a:ea typeface="+mn-ea"/>
+                <a:cs typeface="Arial"/>
+              </a:defRPr>
+            </a:lvl4pPr>
+            <a:lvl5pPr marL="1828800" indent="0" algn="l" defTabSz="457200" rtl="0" eaLnBrk="1" latinLnBrk="0" hangingPunct="1">
+              <a:spcBef>
+                <a:spcPct val="20000"/>
+              </a:spcBef>
+              <a:buFont typeface="Arial"/>
+              <a:buNone/>
+              <a:defRPr sz="1600" b="1" kern="1200">
+                <a:solidFill>
+                  <a:schemeClr val="tx1"/>
+                </a:solidFill>
+                <a:latin typeface="Arial"/>
+                <a:ea typeface="+mn-ea"/>
+                <a:cs typeface="Arial"/>
+              </a:defRPr>
+            </a:lvl5pPr>
+            <a:lvl6pPr marL="2286000" indent="0" algn="l" defTabSz="457200" rtl="0" eaLnBrk="1" latinLnBrk="0" hangingPunct="1">
+              <a:spcBef>
+                <a:spcPct val="20000"/>
+              </a:spcBef>
+              <a:buFont typeface="Arial"/>
+              <a:buNone/>
+              <a:defRPr sz="1600" b="1" kern="1200">
+                <a:solidFill>
+                  <a:schemeClr val="tx1"/>
+                </a:solidFill>
+                <a:latin typeface="+mn-lt"/>
+                <a:ea typeface="+mn-ea"/>
+                <a:cs typeface="+mn-cs"/>
+              </a:defRPr>
+            </a:lvl6pPr>
+            <a:lvl7pPr marL="2743200" indent="0" algn="l" defTabSz="457200" rtl="0" eaLnBrk="1" latinLnBrk="0" hangingPunct="1">
+              <a:spcBef>
+                <a:spcPct val="20000"/>
+              </a:spcBef>
+              <a:buFont typeface="Arial"/>
+              <a:buNone/>
+              <a:defRPr sz="1600" b="1" kern="1200">
+                <a:solidFill>
+                  <a:schemeClr val="tx1"/>
+                </a:solidFill>
+                <a:latin typeface="+mn-lt"/>
+                <a:ea typeface="+mn-ea"/>
+                <a:cs typeface="+mn-cs"/>
+              </a:defRPr>
+            </a:lvl7pPr>
+            <a:lvl8pPr marL="3200400" indent="0" algn="l" defTabSz="457200" rtl="0" eaLnBrk="1" latinLnBrk="0" hangingPunct="1">
+              <a:spcBef>
+                <a:spcPct val="20000"/>
+              </a:spcBef>
+              <a:buFont typeface="Arial"/>
+              <a:buNone/>
+              <a:defRPr sz="1600" b="1" kern="1200">
+                <a:solidFill>
+                  <a:schemeClr val="tx1"/>
+                </a:solidFill>
+                <a:latin typeface="+mn-lt"/>
+                <a:ea typeface="+mn-ea"/>
+                <a:cs typeface="+mn-cs"/>
+              </a:defRPr>
+            </a:lvl8pPr>
+            <a:lvl9pPr marL="3657600" indent="0" algn="l" defTabSz="457200" rtl="0" eaLnBrk="1" latinLnBrk="0" hangingPunct="1">
+              <a:spcBef>
+                <a:spcPct val="20000"/>
+              </a:spcBef>
+              <a:buFont typeface="Arial"/>
+              <a:buNone/>
+              <a:defRPr sz="1600" b="1" kern="1200">
+                <a:solidFill>
+                  <a:schemeClr val="tx1"/>
+                </a:solidFill>
+                <a:latin typeface="+mn-lt"/>
+                <a:ea typeface="+mn-ea"/>
+                <a:cs typeface="+mn-cs"/>
+              </a:defRPr>
+            </a:lvl9pPr>
+          </a:lstStyle>
+          <a:p>
+            <a:r>
+              <a:rPr lang="en-US" sz="1100" dirty="0"/>
+              <a:t>Linear Regression - Time Series Forecasting</a:t>
             </a:r>
           </a:p>
         </p:txBody>
@@ -7957,7 +8755,7 @@
     </p:spTree>
     <p:extLst>
       <p:ext uri="{BB962C8B-B14F-4D97-AF65-F5344CB8AC3E}">
-        <p14:creationId xmlns:p14="http://schemas.microsoft.com/office/powerpoint/2010/main" val="3895435696"/>
+        <p14:creationId xmlns:p14="http://schemas.microsoft.com/office/powerpoint/2010/main" val="3228446187"/>
       </p:ext>
     </p:extLst>
   </p:cSld>
@@ -7986,10 +8784,10 @@
       </p:grpSpPr>
       <p:sp>
         <p:nvSpPr>
-          <p:cNvPr id="5" name="Title 4">
+          <p:cNvPr id="2" name="Title 1">
             <a:extLst>
               <a:ext uri="{FF2B5EF4-FFF2-40B4-BE49-F238E27FC236}">
-                <a16:creationId xmlns:a16="http://schemas.microsoft.com/office/drawing/2014/main" id="{D4296CC1-D52C-4736-AB4E-1D2D2C75C616}"/>
+                <a16:creationId xmlns:a16="http://schemas.microsoft.com/office/drawing/2014/main" id="{727FFB98-7050-4567-81EF-5F3D129F901C}"/>
               </a:ext>
             </a:extLst>
           </p:cNvPr>
@@ -8000,50 +8798,31 @@
             <p:ph type="title"/>
           </p:nvPr>
         </p:nvSpPr>
-        <p:spPr/>
-        <p:txBody>
-          <a:bodyPr>
+        <p:spPr>
+          <a:xfrm>
+            <a:off x="457200" y="205979"/>
+            <a:ext cx="8229600" cy="857250"/>
+          </a:xfrm>
+        </p:spPr>
+        <p:txBody>
+          <a:bodyPr anchor="ctr">
             <a:normAutofit/>
           </a:bodyPr>
           <a:lstStyle/>
           <a:p>
             <a:r>
-              <a:rPr lang="en-US" sz="3600" dirty="0"/>
-              <a:t>Merging Stock, Trend, and Tweet Data</a:t>
-            </a:r>
-          </a:p>
-        </p:txBody>
-      </p:sp>
-      <p:sp>
-        <p:nvSpPr>
-          <p:cNvPr id="4" name="Slide Number Placeholder 3"/>
-          <p:cNvSpPr>
-            <a:spLocks noGrp="1"/>
-          </p:cNvSpPr>
-          <p:nvPr>
-            <p:ph type="sldNum" sz="quarter" idx="12"/>
-          </p:nvPr>
-        </p:nvSpPr>
-        <p:spPr/>
-        <p:txBody>
-          <a:bodyPr/>
-          <a:lstStyle/>
-          <a:p>
-            <a:fld id="{106E12CD-FCB1-464E-A775-0B83FDDACE03}" type="slidenum">
-              <a:rPr lang="en-US" smtClean="0"/>
-              <a:pPr/>
-              <a:t>5</a:t>
-            </a:fld>
-            <a:endParaRPr lang="en-US" dirty="0"/>
-          </a:p>
-        </p:txBody>
-      </p:sp>
-      <p:sp>
-        <p:nvSpPr>
-          <p:cNvPr id="3" name="Content Placeholder 2">
+              <a:rPr lang="en-US" dirty="0"/>
+              <a:t>ARIMA Model</a:t>
+            </a:r>
+          </a:p>
+        </p:txBody>
+      </p:sp>
+      <p:sp>
+        <p:nvSpPr>
+          <p:cNvPr id="4" name="Slide Number Placeholder 3">
             <a:extLst>
               <a:ext uri="{FF2B5EF4-FFF2-40B4-BE49-F238E27FC236}">
-                <a16:creationId xmlns:a16="http://schemas.microsoft.com/office/drawing/2014/main" id="{68CB2294-DAA7-4004-8EFD-36F55B70ED9A}"/>
+                <a16:creationId xmlns:a16="http://schemas.microsoft.com/office/drawing/2014/main" id="{672557A4-C0B7-466E-BF35-A9ADF7D1DB2A}"/>
               </a:ext>
             </a:extLst>
           </p:cNvPr>
@@ -8051,87 +8830,292 @@
             <a:spLocks noGrp="1"/>
           </p:cNvSpPr>
           <p:nvPr>
-            <p:ph idx="1"/>
+            <p:ph type="sldNum" sz="quarter" idx="12"/>
           </p:nvPr>
         </p:nvSpPr>
         <p:spPr>
           <a:xfrm>
-            <a:off x="4611952" y="935535"/>
-            <a:ext cx="3864530" cy="1013671"/>
+            <a:off x="8339169" y="4767263"/>
+            <a:ext cx="597573" cy="273844"/>
           </a:xfrm>
         </p:spPr>
         <p:txBody>
-          <a:bodyPr>
-            <a:noAutofit/>
+          <a:bodyPr anchor="ctr">
+            <a:normAutofit/>
           </a:bodyPr>
           <a:lstStyle/>
           <a:p>
-            <a:r>
-              <a:rPr lang="en-US" sz="1400" dirty="0"/>
-              <a:t>Incoming dates are transformed, or Yearly/Weekly grains added to conform the time frequency to its lowest-time grain across both sources – weekly.</a:t>
-            </a:r>
-          </a:p>
-          <a:p>
-            <a:endParaRPr lang="en-US" sz="1400" dirty="0"/>
-          </a:p>
-        </p:txBody>
-      </p:sp>
-      <p:sp>
-        <p:nvSpPr>
-          <p:cNvPr id="21" name="Speech Bubble: Rectangle 20">
+            <a:pPr>
+              <a:lnSpc>
+                <a:spcPct val="90000"/>
+              </a:lnSpc>
+              <a:spcAft>
+                <a:spcPts val="600"/>
+              </a:spcAft>
+            </a:pPr>
+            <a:fld id="{106E12CD-FCB1-464E-A775-0B83FDDACE03}" type="slidenum">
+              <a:rPr lang="en-US" smtClean="0"/>
+              <a:pPr>
+                <a:lnSpc>
+                  <a:spcPct val="90000"/>
+                </a:lnSpc>
+                <a:spcAft>
+                  <a:spcPts val="600"/>
+                </a:spcAft>
+              </a:pPr>
+              <a:t>5</a:t>
+            </a:fld>
+            <a:endParaRPr lang="en-US"/>
+          </a:p>
+        </p:txBody>
+      </p:sp>
+      <p:sp>
+        <p:nvSpPr>
+          <p:cNvPr id="19" name="Content Placeholder 9">
             <a:extLst>
               <a:ext uri="{FF2B5EF4-FFF2-40B4-BE49-F238E27FC236}">
-                <a16:creationId xmlns:a16="http://schemas.microsoft.com/office/drawing/2014/main" id="{96DFCE6E-2ECF-437A-A066-11B2FA473E47}"/>
+                <a16:creationId xmlns:a16="http://schemas.microsoft.com/office/drawing/2014/main" id="{26F04997-C330-4C3B-9DC0-546218AF8388}"/>
               </a:ext>
             </a:extLst>
           </p:cNvPr>
-          <p:cNvSpPr/>
+          <p:cNvSpPr txBox="1">
+            <a:spLocks/>
+          </p:cNvSpPr>
           <p:nvPr/>
         </p:nvSpPr>
         <p:spPr>
           <a:xfrm>
-            <a:off x="3290069" y="3571333"/>
-            <a:ext cx="1398258" cy="451934"/>
+            <a:off x="523607" y="2601315"/>
+            <a:ext cx="4152155" cy="239053"/>
           </a:xfrm>
-          <a:prstGeom prst="wedgeRectCallout">
-            <a:avLst>
-              <a:gd name="adj1" fmla="val 19190"/>
-              <a:gd name="adj2" fmla="val 85782"/>
-            </a:avLst>
+          <a:prstGeom prst="rect">
+            <a:avLst/>
           </a:prstGeom>
         </p:spPr>
-        <p:style>
-          <a:lnRef idx="1">
-            <a:schemeClr val="dk1"/>
-          </a:lnRef>
-          <a:fillRef idx="2">
-            <a:schemeClr val="dk1"/>
-          </a:fillRef>
-          <a:effectRef idx="1">
-            <a:schemeClr val="dk1"/>
-          </a:effectRef>
-          <a:fontRef idx="minor">
-            <a:schemeClr val="dk1"/>
-          </a:fontRef>
-        </p:style>
-        <p:txBody>
-          <a:bodyPr rtlCol="0" anchor="ctr"/>
-          <a:lstStyle/>
-          <a:p>
-            <a:pPr algn="ctr"/>
-            <a:r>
-              <a:rPr lang="en-US" sz="1000" dirty="0"/>
-              <a:t>Stock CSV and Trend CSV data is merged to a single dataset</a:t>
-            </a:r>
+        <p:txBody>
+          <a:bodyPr vert="horz" lIns="91440" tIns="45720" rIns="91440" bIns="45720" rtlCol="0">
+            <a:noAutofit/>
+          </a:bodyPr>
+          <a:lstStyle>
+            <a:lvl1pPr marL="342900" indent="-342900" algn="l" defTabSz="457200" rtl="0" eaLnBrk="1" latinLnBrk="0" hangingPunct="1">
+              <a:spcBef>
+                <a:spcPct val="20000"/>
+              </a:spcBef>
+              <a:buFont typeface="Arial"/>
+              <a:buChar char="•"/>
+              <a:defRPr sz="2400" kern="1200">
+                <a:solidFill>
+                  <a:schemeClr val="tx1"/>
+                </a:solidFill>
+                <a:latin typeface="Arial"/>
+                <a:ea typeface="+mn-ea"/>
+                <a:cs typeface="Arial"/>
+              </a:defRPr>
+            </a:lvl1pPr>
+            <a:lvl2pPr marL="742950" indent="-285750" algn="l" defTabSz="457200" rtl="0" eaLnBrk="1" latinLnBrk="0" hangingPunct="1">
+              <a:spcBef>
+                <a:spcPct val="20000"/>
+              </a:spcBef>
+              <a:buFont typeface="Arial"/>
+              <a:buChar char="–"/>
+              <a:defRPr sz="2000" kern="1200">
+                <a:solidFill>
+                  <a:schemeClr val="tx1"/>
+                </a:solidFill>
+                <a:latin typeface="Arial"/>
+                <a:ea typeface="+mn-ea"/>
+                <a:cs typeface="Arial"/>
+              </a:defRPr>
+            </a:lvl2pPr>
+            <a:lvl3pPr marL="1143000" indent="-228600" algn="l" defTabSz="457200" rtl="0" eaLnBrk="1" latinLnBrk="0" hangingPunct="1">
+              <a:spcBef>
+                <a:spcPct val="20000"/>
+              </a:spcBef>
+              <a:buFont typeface="Arial"/>
+              <a:buChar char="•"/>
+              <a:defRPr sz="1800" kern="1200">
+                <a:solidFill>
+                  <a:schemeClr val="tx1"/>
+                </a:solidFill>
+                <a:latin typeface="Arial"/>
+                <a:ea typeface="+mn-ea"/>
+                <a:cs typeface="Arial"/>
+              </a:defRPr>
+            </a:lvl3pPr>
+            <a:lvl4pPr marL="1600200" indent="-228600" algn="l" defTabSz="457200" rtl="0" eaLnBrk="1" latinLnBrk="0" hangingPunct="1">
+              <a:spcBef>
+                <a:spcPct val="20000"/>
+              </a:spcBef>
+              <a:buFont typeface="Arial"/>
+              <a:buChar char="–"/>
+              <a:defRPr sz="1600" kern="1200">
+                <a:solidFill>
+                  <a:schemeClr val="tx1"/>
+                </a:solidFill>
+                <a:latin typeface="Arial"/>
+                <a:ea typeface="+mn-ea"/>
+                <a:cs typeface="Arial"/>
+              </a:defRPr>
+            </a:lvl4pPr>
+            <a:lvl5pPr marL="2057400" indent="-228600" algn="l" defTabSz="457200" rtl="0" eaLnBrk="1" latinLnBrk="0" hangingPunct="1">
+              <a:spcBef>
+                <a:spcPct val="20000"/>
+              </a:spcBef>
+              <a:buFont typeface="Arial"/>
+              <a:buChar char="»"/>
+              <a:defRPr sz="1600" kern="1200">
+                <a:solidFill>
+                  <a:schemeClr val="tx1"/>
+                </a:solidFill>
+                <a:latin typeface="Arial"/>
+                <a:ea typeface="+mn-ea"/>
+                <a:cs typeface="Arial"/>
+              </a:defRPr>
+            </a:lvl5pPr>
+            <a:lvl6pPr marL="2514600" indent="-228600" algn="l" defTabSz="457200" rtl="0" eaLnBrk="1" latinLnBrk="0" hangingPunct="1">
+              <a:spcBef>
+                <a:spcPct val="20000"/>
+              </a:spcBef>
+              <a:buFont typeface="Arial"/>
+              <a:buChar char="•"/>
+              <a:defRPr sz="1600" kern="1200">
+                <a:solidFill>
+                  <a:schemeClr val="tx1"/>
+                </a:solidFill>
+                <a:latin typeface="+mn-lt"/>
+                <a:ea typeface="+mn-ea"/>
+                <a:cs typeface="+mn-cs"/>
+              </a:defRPr>
+            </a:lvl6pPr>
+            <a:lvl7pPr marL="2971800" indent="-228600" algn="l" defTabSz="457200" rtl="0" eaLnBrk="1" latinLnBrk="0" hangingPunct="1">
+              <a:spcBef>
+                <a:spcPct val="20000"/>
+              </a:spcBef>
+              <a:buFont typeface="Arial"/>
+              <a:buChar char="•"/>
+              <a:defRPr sz="1600" kern="1200">
+                <a:solidFill>
+                  <a:schemeClr val="tx1"/>
+                </a:solidFill>
+                <a:latin typeface="+mn-lt"/>
+                <a:ea typeface="+mn-ea"/>
+                <a:cs typeface="+mn-cs"/>
+              </a:defRPr>
+            </a:lvl7pPr>
+            <a:lvl8pPr marL="3429000" indent="-228600" algn="l" defTabSz="457200" rtl="0" eaLnBrk="1" latinLnBrk="0" hangingPunct="1">
+              <a:spcBef>
+                <a:spcPct val="20000"/>
+              </a:spcBef>
+              <a:buFont typeface="Arial"/>
+              <a:buChar char="•"/>
+              <a:defRPr sz="1600" kern="1200">
+                <a:solidFill>
+                  <a:schemeClr val="tx1"/>
+                </a:solidFill>
+                <a:latin typeface="+mn-lt"/>
+                <a:ea typeface="+mn-ea"/>
+                <a:cs typeface="+mn-cs"/>
+              </a:defRPr>
+            </a:lvl8pPr>
+            <a:lvl9pPr marL="3886200" indent="-228600" algn="l" defTabSz="457200" rtl="0" eaLnBrk="1" latinLnBrk="0" hangingPunct="1">
+              <a:spcBef>
+                <a:spcPct val="20000"/>
+              </a:spcBef>
+              <a:buFont typeface="Arial"/>
+              <a:buChar char="•"/>
+              <a:defRPr sz="1600" kern="1200">
+                <a:solidFill>
+                  <a:schemeClr val="tx1"/>
+                </a:solidFill>
+                <a:latin typeface="+mn-lt"/>
+                <a:ea typeface="+mn-ea"/>
+                <a:cs typeface="+mn-cs"/>
+              </a:defRPr>
+            </a:lvl9pPr>
+          </a:lstStyle>
+          <a:p>
+            <a:pPr marL="0" indent="0">
+              <a:buFont typeface="Arial"/>
+              <a:buNone/>
+            </a:pPr>
+            <a:r>
+              <a:rPr lang="en-US" sz="900" b="1" dirty="0">
+                <a:latin typeface="Arial" panose="020B0604020202020204" pitchFamily="34" charset="0"/>
+                <a:cs typeface="Arial" panose="020B0604020202020204" pitchFamily="34" charset="0"/>
+              </a:rPr>
+              <a:t>ARIMA Test - </a:t>
+            </a:r>
+            <a:r>
+              <a:rPr lang="en-US" sz="900" i="0" dirty="0">
+                <a:solidFill>
+                  <a:srgbClr val="111111"/>
+                </a:solidFill>
+                <a:effectLst/>
+                <a:latin typeface="Arial" panose="020B0604020202020204" pitchFamily="34" charset="0"/>
+                <a:cs typeface="Arial" panose="020B0604020202020204" pitchFamily="34" charset="0"/>
+              </a:rPr>
+              <a:t> 75% data split test model to train/fit model</a:t>
+            </a:r>
+            <a:r>
+              <a:rPr lang="en-US" sz="900" dirty="0">
+                <a:solidFill>
+                  <a:srgbClr val="111111"/>
+                </a:solidFill>
+                <a:latin typeface="Arial" panose="020B0604020202020204" pitchFamily="34" charset="0"/>
+                <a:cs typeface="Arial" panose="020B0604020202020204" pitchFamily="34" charset="0"/>
+              </a:rPr>
+              <a:t> *10.2 MSE </a:t>
+            </a:r>
+          </a:p>
+          <a:p>
+            <a:pPr marL="0" indent="0">
+              <a:buFont typeface="Arial"/>
+              <a:buNone/>
+            </a:pPr>
+            <a:r>
+              <a:rPr lang="en-US" sz="900" dirty="0">
+                <a:solidFill>
+                  <a:srgbClr val="111111"/>
+                </a:solidFill>
+                <a:latin typeface="Arial" panose="020B0604020202020204" pitchFamily="34" charset="0"/>
+                <a:cs typeface="Arial" panose="020B0604020202020204" pitchFamily="34" charset="0"/>
+              </a:rPr>
+              <a:t>	</a:t>
+            </a:r>
+            <a:r>
+              <a:rPr lang="en-US" sz="900" i="1" dirty="0">
+                <a:solidFill>
+                  <a:srgbClr val="111111"/>
+                </a:solidFill>
+                <a:latin typeface="Arial" panose="020B0604020202020204" pitchFamily="34" charset="0"/>
+                <a:cs typeface="Arial" panose="020B0604020202020204" pitchFamily="34" charset="0"/>
+              </a:rPr>
+              <a:t>*note: average squared value across all the test set predictions</a:t>
+            </a:r>
+            <a:r>
+              <a:rPr lang="en-US" sz="900" i="0" dirty="0">
+                <a:solidFill>
+                  <a:srgbClr val="111111"/>
+                </a:solidFill>
+                <a:effectLst/>
+                <a:latin typeface="Arial" panose="020B0604020202020204" pitchFamily="34" charset="0"/>
+                <a:cs typeface="Arial" panose="020B0604020202020204" pitchFamily="34" charset="0"/>
+              </a:rPr>
+              <a:t>	</a:t>
+            </a:r>
+            <a:endParaRPr lang="en-US" sz="900" dirty="0">
+              <a:latin typeface="Arial" panose="020B0604020202020204" pitchFamily="34" charset="0"/>
+              <a:cs typeface="Arial" panose="020B0604020202020204" pitchFamily="34" charset="0"/>
+            </a:endParaRPr>
           </a:p>
         </p:txBody>
       </p:sp>
       <p:pic>
         <p:nvPicPr>
-          <p:cNvPr id="7" name="Picture 6">
+          <p:cNvPr id="5" name="Picture 4">
             <a:extLst>
               <a:ext uri="{FF2B5EF4-FFF2-40B4-BE49-F238E27FC236}">
-                <a16:creationId xmlns:a16="http://schemas.microsoft.com/office/drawing/2014/main" id="{DF8BAE08-B392-4E44-A00F-874B510E7DCA}"/>
+                <a16:creationId xmlns:a16="http://schemas.microsoft.com/office/drawing/2014/main" id="{B6DCB017-138A-44E7-A59C-43E555F0CEDF}"/>
               </a:ext>
             </a:extLst>
           </p:cNvPr>
@@ -8148,8 +9132,8 @@
         </p:blipFill>
         <p:spPr>
           <a:xfrm>
-            <a:off x="294640" y="1063230"/>
-            <a:ext cx="4317312" cy="1749820"/>
+            <a:off x="2187104" y="4494885"/>
+            <a:ext cx="4038600" cy="209550"/>
           </a:xfrm>
           <a:prstGeom prst="rect">
             <a:avLst/>
@@ -8166,61 +9150,12 @@
           </a:effectLst>
         </p:spPr>
       </p:pic>
-      <p:sp>
-        <p:nvSpPr>
-          <p:cNvPr id="20" name="Speech Bubble: Rectangle 19">
+      <p:pic>
+        <p:nvPicPr>
+          <p:cNvPr id="8" name="Picture 7">
             <a:extLst>
               <a:ext uri="{FF2B5EF4-FFF2-40B4-BE49-F238E27FC236}">
-                <a16:creationId xmlns:a16="http://schemas.microsoft.com/office/drawing/2014/main" id="{DF67AC7C-1856-41A1-B123-48DF0E93AB70}"/>
-              </a:ext>
-            </a:extLst>
-          </p:cNvPr>
-          <p:cNvSpPr/>
-          <p:nvPr/>
-        </p:nvSpPr>
-        <p:spPr>
-          <a:xfrm>
-            <a:off x="667518" y="3001935"/>
-            <a:ext cx="1624831" cy="451934"/>
-          </a:xfrm>
-          <a:prstGeom prst="wedgeRectCallout">
-            <a:avLst>
-              <a:gd name="adj1" fmla="val 20392"/>
-              <a:gd name="adj2" fmla="val -95472"/>
-            </a:avLst>
-          </a:prstGeom>
-        </p:spPr>
-        <p:style>
-          <a:lnRef idx="1">
-            <a:schemeClr val="dk1"/>
-          </a:lnRef>
-          <a:fillRef idx="2">
-            <a:schemeClr val="dk1"/>
-          </a:fillRef>
-          <a:effectRef idx="1">
-            <a:schemeClr val="dk1"/>
-          </a:effectRef>
-          <a:fontRef idx="minor">
-            <a:schemeClr val="dk1"/>
-          </a:fontRef>
-        </p:style>
-        <p:txBody>
-          <a:bodyPr rtlCol="0" anchor="ctr"/>
-          <a:lstStyle/>
-          <a:p>
-            <a:r>
-              <a:rPr lang="en-US" sz="1000" dirty="0"/>
-              <a:t>Weekly grain converted to ISO, Monday start of week </a:t>
-            </a:r>
-          </a:p>
-        </p:txBody>
-      </p:sp>
-      <p:pic>
-        <p:nvPicPr>
-          <p:cNvPr id="14" name="Picture 13">
-            <a:extLst>
-              <a:ext uri="{FF2B5EF4-FFF2-40B4-BE49-F238E27FC236}">
-                <a16:creationId xmlns:a16="http://schemas.microsoft.com/office/drawing/2014/main" id="{5976E6D0-7B12-4B64-9BC9-A06643D4541B}"/>
+                <a16:creationId xmlns:a16="http://schemas.microsoft.com/office/drawing/2014/main" id="{0350014F-2629-458C-AE6C-EB59A956816F}"/>
               </a:ext>
             </a:extLst>
           </p:cNvPr>
@@ -8237,8 +9172,8 @@
         </p:blipFill>
         <p:spPr>
           <a:xfrm>
-            <a:off x="143367" y="4186113"/>
-            <a:ext cx="8559800" cy="390125"/>
+            <a:off x="896467" y="4126641"/>
+            <a:ext cx="2581275" cy="266700"/>
           </a:xfrm>
           <a:prstGeom prst="rect">
             <a:avLst/>
@@ -8255,12 +9190,187 @@
           </a:effectLst>
         </p:spPr>
       </p:pic>
-      <p:sp>
-        <p:nvSpPr>
-          <p:cNvPr id="11" name="Arrow: Right 10">
+      <p:pic>
+        <p:nvPicPr>
+          <p:cNvPr id="11" name="Picture 10">
             <a:extLst>
               <a:ext uri="{FF2B5EF4-FFF2-40B4-BE49-F238E27FC236}">
-                <a16:creationId xmlns:a16="http://schemas.microsoft.com/office/drawing/2014/main" id="{926503CA-C28A-4A58-98EB-4F55454ADEE1}"/>
+                <a16:creationId xmlns:a16="http://schemas.microsoft.com/office/drawing/2014/main" id="{962FC8BB-9B1A-4E4A-886D-A002FF3C79E8}"/>
+              </a:ext>
+            </a:extLst>
+          </p:cNvPr>
+          <p:cNvPicPr>
+            <a:picLocks noChangeAspect="1"/>
+          </p:cNvPicPr>
+          <p:nvPr/>
+        </p:nvPicPr>
+        <p:blipFill>
+          <a:blip r:embed="rId4"/>
+          <a:stretch>
+            <a:fillRect/>
+          </a:stretch>
+        </p:blipFill>
+        <p:spPr>
+          <a:xfrm>
+            <a:off x="533743" y="2825193"/>
+            <a:ext cx="3824287" cy="283806"/>
+          </a:xfrm>
+          <a:prstGeom prst="rect">
+            <a:avLst/>
+          </a:prstGeom>
+          <a:ln>
+            <a:noFill/>
+          </a:ln>
+          <a:effectLst>
+            <a:outerShdw blurRad="190500" algn="tl" rotWithShape="0">
+              <a:srgbClr val="000000">
+                <a:alpha val="70000"/>
+              </a:srgbClr>
+            </a:outerShdw>
+          </a:effectLst>
+        </p:spPr>
+      </p:pic>
+      <p:sp>
+        <p:nvSpPr>
+          <p:cNvPr id="13" name="TextBox 12">
+            <a:extLst>
+              <a:ext uri="{FF2B5EF4-FFF2-40B4-BE49-F238E27FC236}">
+                <a16:creationId xmlns:a16="http://schemas.microsoft.com/office/drawing/2014/main" id="{071892E6-0191-4F95-AA99-95387EC76C20}"/>
+              </a:ext>
+            </a:extLst>
+          </p:cNvPr>
+          <p:cNvSpPr txBox="1"/>
+          <p:nvPr/>
+        </p:nvSpPr>
+        <p:spPr>
+          <a:xfrm>
+            <a:off x="469580" y="1319531"/>
+            <a:ext cx="1650247" cy="707886"/>
+          </a:xfrm>
+          <a:prstGeom prst="rect">
+            <a:avLst/>
+          </a:prstGeom>
+          <a:noFill/>
+        </p:spPr>
+        <p:txBody>
+          <a:bodyPr wrap="square" rtlCol="0">
+            <a:spAutoFit/>
+          </a:bodyPr>
+          <a:lstStyle/>
+          <a:p>
+            <a:r>
+              <a:rPr lang="en-US" sz="1000" b="1" i="0" dirty="0">
+                <a:solidFill>
+                  <a:srgbClr val="292929"/>
+                </a:solidFill>
+                <a:effectLst/>
+                <a:latin typeface="charter"/>
+              </a:rPr>
+              <a:t>ARIMA</a:t>
+            </a:r>
+            <a:r>
+              <a:rPr lang="en-US" sz="1000" b="0" i="0" dirty="0">
+                <a:solidFill>
+                  <a:srgbClr val="292929"/>
+                </a:solidFill>
+                <a:effectLst/>
+                <a:latin typeface="charter"/>
+              </a:rPr>
+              <a:t> is going to be a good model to be applied to this type of data (there is auto-correlation in the data).</a:t>
+            </a:r>
+            <a:endParaRPr lang="en-US" sz="1000" dirty="0"/>
+          </a:p>
+        </p:txBody>
+      </p:sp>
+      <p:pic>
+        <p:nvPicPr>
+          <p:cNvPr id="15" name="Picture 14">
+            <a:extLst>
+              <a:ext uri="{FF2B5EF4-FFF2-40B4-BE49-F238E27FC236}">
+                <a16:creationId xmlns:a16="http://schemas.microsoft.com/office/drawing/2014/main" id="{EA2DF98C-2BB9-46EC-AE32-6B34319729B4}"/>
+              </a:ext>
+              <a:ext uri="{C183D7F6-B498-43B3-948B-1728B52AA6E4}">
+                <adec:decorative xmlns:adec="http://schemas.microsoft.com/office/drawing/2017/decorative" val="1"/>
+              </a:ext>
+            </a:extLst>
+          </p:cNvPr>
+          <p:cNvPicPr>
+            <a:picLocks noChangeAspect="1"/>
+          </p:cNvPicPr>
+          <p:nvPr/>
+        </p:nvPicPr>
+        <p:blipFill>
+          <a:blip r:embed="rId5"/>
+          <a:stretch>
+            <a:fillRect/>
+          </a:stretch>
+        </p:blipFill>
+        <p:spPr>
+          <a:xfrm>
+            <a:off x="657921" y="3565102"/>
+            <a:ext cx="3381375" cy="238125"/>
+          </a:xfrm>
+          <a:prstGeom prst="rect">
+            <a:avLst/>
+          </a:prstGeom>
+          <a:ln>
+            <a:noFill/>
+          </a:ln>
+          <a:effectLst>
+            <a:outerShdw blurRad="190500" algn="tl" rotWithShape="0">
+              <a:srgbClr val="000000">
+                <a:alpha val="70000"/>
+              </a:srgbClr>
+            </a:outerShdw>
+          </a:effectLst>
+        </p:spPr>
+      </p:pic>
+      <p:pic>
+        <p:nvPicPr>
+          <p:cNvPr id="17" name="Picture 16">
+            <a:extLst>
+              <a:ext uri="{FF2B5EF4-FFF2-40B4-BE49-F238E27FC236}">
+                <a16:creationId xmlns:a16="http://schemas.microsoft.com/office/drawing/2014/main" id="{9CC833C7-A79D-4923-BEA8-F991F5687D6A}"/>
+              </a:ext>
+            </a:extLst>
+          </p:cNvPr>
+          <p:cNvPicPr>
+            <a:picLocks noChangeAspect="1"/>
+          </p:cNvPicPr>
+          <p:nvPr/>
+        </p:nvPicPr>
+        <p:blipFill>
+          <a:blip r:embed="rId6"/>
+          <a:stretch>
+            <a:fillRect/>
+          </a:stretch>
+        </p:blipFill>
+        <p:spPr>
+          <a:xfrm>
+            <a:off x="4869390" y="2044873"/>
+            <a:ext cx="3378144" cy="2399648"/>
+          </a:xfrm>
+          <a:prstGeom prst="rect">
+            <a:avLst/>
+          </a:prstGeom>
+          <a:ln>
+            <a:noFill/>
+          </a:ln>
+          <a:effectLst>
+            <a:outerShdw blurRad="190500" algn="tl" rotWithShape="0">
+              <a:srgbClr val="000000">
+                <a:alpha val="70000"/>
+              </a:srgbClr>
+            </a:outerShdw>
+          </a:effectLst>
+        </p:spPr>
+      </p:pic>
+      <p:sp>
+        <p:nvSpPr>
+          <p:cNvPr id="16" name="Arrow: Right 15">
+            <a:extLst>
+              <a:ext uri="{FF2B5EF4-FFF2-40B4-BE49-F238E27FC236}">
+                <a16:creationId xmlns:a16="http://schemas.microsoft.com/office/drawing/2014/main" id="{01FEB01C-9F85-4F45-8BC0-A4746C6E58E4}"/>
               </a:ext>
             </a:extLst>
           </p:cNvPr>
@@ -8269,8 +9379,8 @@
         </p:nvSpPr>
         <p:spPr>
           <a:xfrm rot="5400000">
-            <a:off x="1980622" y="3342492"/>
-            <a:ext cx="1352141" cy="293257"/>
+            <a:off x="680927" y="3188060"/>
+            <a:ext cx="460831" cy="293257"/>
           </a:xfrm>
           <a:prstGeom prst="rightArrow">
             <a:avLst/>
@@ -8299,12 +9409,341 @@
           </a:p>
         </p:txBody>
       </p:sp>
+      <p:sp>
+        <p:nvSpPr>
+          <p:cNvPr id="18" name="Arrow: Right 17">
+            <a:extLst>
+              <a:ext uri="{FF2B5EF4-FFF2-40B4-BE49-F238E27FC236}">
+                <a16:creationId xmlns:a16="http://schemas.microsoft.com/office/drawing/2014/main" id="{F2999B5A-A2E2-4769-A34F-4B1137B00389}"/>
+              </a:ext>
+            </a:extLst>
+          </p:cNvPr>
+          <p:cNvSpPr/>
+          <p:nvPr/>
+        </p:nvSpPr>
+        <p:spPr>
+          <a:xfrm rot="5400000">
+            <a:off x="1214303" y="3816400"/>
+            <a:ext cx="327224" cy="293257"/>
+          </a:xfrm>
+          <a:prstGeom prst="rightArrow">
+            <a:avLst/>
+          </a:prstGeom>
+        </p:spPr>
+        <p:style>
+          <a:lnRef idx="1">
+            <a:schemeClr val="accent1"/>
+          </a:lnRef>
+          <a:fillRef idx="3">
+            <a:schemeClr val="accent1"/>
+          </a:fillRef>
+          <a:effectRef idx="2">
+            <a:schemeClr val="accent1"/>
+          </a:effectRef>
+          <a:fontRef idx="minor">
+            <a:schemeClr val="lt1"/>
+          </a:fontRef>
+        </p:style>
+        <p:txBody>
+          <a:bodyPr rtlCol="0" anchor="ctr"/>
+          <a:lstStyle/>
+          <a:p>
+            <a:pPr algn="ctr"/>
+            <a:endParaRPr lang="en-US"/>
+          </a:p>
+        </p:txBody>
+      </p:sp>
+      <p:sp>
+        <p:nvSpPr>
+          <p:cNvPr id="21" name="Arrow: Right 20">
+            <a:extLst>
+              <a:ext uri="{FF2B5EF4-FFF2-40B4-BE49-F238E27FC236}">
+                <a16:creationId xmlns:a16="http://schemas.microsoft.com/office/drawing/2014/main" id="{5F3CA9A9-5D0F-4563-A4BB-F1A9B042E499}"/>
+              </a:ext>
+            </a:extLst>
+          </p:cNvPr>
+          <p:cNvSpPr/>
+          <p:nvPr/>
+        </p:nvSpPr>
+        <p:spPr>
+          <a:xfrm>
+            <a:off x="3477742" y="4137408"/>
+            <a:ext cx="1391648" cy="255933"/>
+          </a:xfrm>
+          <a:prstGeom prst="rightArrow">
+            <a:avLst/>
+          </a:prstGeom>
+        </p:spPr>
+        <p:style>
+          <a:lnRef idx="1">
+            <a:schemeClr val="accent1"/>
+          </a:lnRef>
+          <a:fillRef idx="3">
+            <a:schemeClr val="accent1"/>
+          </a:fillRef>
+          <a:effectRef idx="2">
+            <a:schemeClr val="accent1"/>
+          </a:effectRef>
+          <a:fontRef idx="minor">
+            <a:schemeClr val="lt1"/>
+          </a:fontRef>
+        </p:style>
+        <p:txBody>
+          <a:bodyPr rtlCol="0" anchor="ctr"/>
+          <a:lstStyle/>
+          <a:p>
+            <a:pPr algn="ctr"/>
+            <a:endParaRPr lang="en-US"/>
+          </a:p>
+        </p:txBody>
+      </p:sp>
+      <p:sp>
+        <p:nvSpPr>
+          <p:cNvPr id="22" name="Content Placeholder 9">
+            <a:extLst>
+              <a:ext uri="{FF2B5EF4-FFF2-40B4-BE49-F238E27FC236}">
+                <a16:creationId xmlns:a16="http://schemas.microsoft.com/office/drawing/2014/main" id="{75B1F30C-3AE8-4A09-988F-26F344460CB6}"/>
+              </a:ext>
+            </a:extLst>
+          </p:cNvPr>
+          <p:cNvSpPr txBox="1">
+            <a:spLocks/>
+          </p:cNvSpPr>
+          <p:nvPr/>
+        </p:nvSpPr>
+        <p:spPr>
+          <a:xfrm>
+            <a:off x="498795" y="3156035"/>
+            <a:ext cx="4345580" cy="239053"/>
+          </a:xfrm>
+          <a:prstGeom prst="rect">
+            <a:avLst/>
+          </a:prstGeom>
+        </p:spPr>
+        <p:txBody>
+          <a:bodyPr vert="horz" lIns="91440" tIns="45720" rIns="91440" bIns="45720" rtlCol="0">
+            <a:noAutofit/>
+          </a:bodyPr>
+          <a:lstStyle>
+            <a:lvl1pPr marL="342900" indent="-342900" algn="l" defTabSz="457200" rtl="0" eaLnBrk="1" latinLnBrk="0" hangingPunct="1">
+              <a:spcBef>
+                <a:spcPct val="20000"/>
+              </a:spcBef>
+              <a:buFont typeface="Arial"/>
+              <a:buChar char="•"/>
+              <a:defRPr sz="2400" kern="1200">
+                <a:solidFill>
+                  <a:schemeClr val="tx1"/>
+                </a:solidFill>
+                <a:latin typeface="Arial"/>
+                <a:ea typeface="+mn-ea"/>
+                <a:cs typeface="Arial"/>
+              </a:defRPr>
+            </a:lvl1pPr>
+            <a:lvl2pPr marL="742950" indent="-285750" algn="l" defTabSz="457200" rtl="0" eaLnBrk="1" latinLnBrk="0" hangingPunct="1">
+              <a:spcBef>
+                <a:spcPct val="20000"/>
+              </a:spcBef>
+              <a:buFont typeface="Arial"/>
+              <a:buChar char="–"/>
+              <a:defRPr sz="2000" kern="1200">
+                <a:solidFill>
+                  <a:schemeClr val="tx1"/>
+                </a:solidFill>
+                <a:latin typeface="Arial"/>
+                <a:ea typeface="+mn-ea"/>
+                <a:cs typeface="Arial"/>
+              </a:defRPr>
+            </a:lvl2pPr>
+            <a:lvl3pPr marL="1143000" indent="-228600" algn="l" defTabSz="457200" rtl="0" eaLnBrk="1" latinLnBrk="0" hangingPunct="1">
+              <a:spcBef>
+                <a:spcPct val="20000"/>
+              </a:spcBef>
+              <a:buFont typeface="Arial"/>
+              <a:buChar char="•"/>
+              <a:defRPr sz="1800" kern="1200">
+                <a:solidFill>
+                  <a:schemeClr val="tx1"/>
+                </a:solidFill>
+                <a:latin typeface="Arial"/>
+                <a:ea typeface="+mn-ea"/>
+                <a:cs typeface="Arial"/>
+              </a:defRPr>
+            </a:lvl3pPr>
+            <a:lvl4pPr marL="1600200" indent="-228600" algn="l" defTabSz="457200" rtl="0" eaLnBrk="1" latinLnBrk="0" hangingPunct="1">
+              <a:spcBef>
+                <a:spcPct val="20000"/>
+              </a:spcBef>
+              <a:buFont typeface="Arial"/>
+              <a:buChar char="–"/>
+              <a:defRPr sz="1600" kern="1200">
+                <a:solidFill>
+                  <a:schemeClr val="tx1"/>
+                </a:solidFill>
+                <a:latin typeface="Arial"/>
+                <a:ea typeface="+mn-ea"/>
+                <a:cs typeface="Arial"/>
+              </a:defRPr>
+            </a:lvl4pPr>
+            <a:lvl5pPr marL="2057400" indent="-228600" algn="l" defTabSz="457200" rtl="0" eaLnBrk="1" latinLnBrk="0" hangingPunct="1">
+              <a:spcBef>
+                <a:spcPct val="20000"/>
+              </a:spcBef>
+              <a:buFont typeface="Arial"/>
+              <a:buChar char="»"/>
+              <a:defRPr sz="1600" kern="1200">
+                <a:solidFill>
+                  <a:schemeClr val="tx1"/>
+                </a:solidFill>
+                <a:latin typeface="Arial"/>
+                <a:ea typeface="+mn-ea"/>
+                <a:cs typeface="Arial"/>
+              </a:defRPr>
+            </a:lvl5pPr>
+            <a:lvl6pPr marL="2514600" indent="-228600" algn="l" defTabSz="457200" rtl="0" eaLnBrk="1" latinLnBrk="0" hangingPunct="1">
+              <a:spcBef>
+                <a:spcPct val="20000"/>
+              </a:spcBef>
+              <a:buFont typeface="Arial"/>
+              <a:buChar char="•"/>
+              <a:defRPr sz="1600" kern="1200">
+                <a:solidFill>
+                  <a:schemeClr val="tx1"/>
+                </a:solidFill>
+                <a:latin typeface="+mn-lt"/>
+                <a:ea typeface="+mn-ea"/>
+                <a:cs typeface="+mn-cs"/>
+              </a:defRPr>
+            </a:lvl6pPr>
+            <a:lvl7pPr marL="2971800" indent="-228600" algn="l" defTabSz="457200" rtl="0" eaLnBrk="1" latinLnBrk="0" hangingPunct="1">
+              <a:spcBef>
+                <a:spcPct val="20000"/>
+              </a:spcBef>
+              <a:buFont typeface="Arial"/>
+              <a:buChar char="•"/>
+              <a:defRPr sz="1600" kern="1200">
+                <a:solidFill>
+                  <a:schemeClr val="tx1"/>
+                </a:solidFill>
+                <a:latin typeface="+mn-lt"/>
+                <a:ea typeface="+mn-ea"/>
+                <a:cs typeface="+mn-cs"/>
+              </a:defRPr>
+            </a:lvl7pPr>
+            <a:lvl8pPr marL="3429000" indent="-228600" algn="l" defTabSz="457200" rtl="0" eaLnBrk="1" latinLnBrk="0" hangingPunct="1">
+              <a:spcBef>
+                <a:spcPct val="20000"/>
+              </a:spcBef>
+              <a:buFont typeface="Arial"/>
+              <a:buChar char="•"/>
+              <a:defRPr sz="1600" kern="1200">
+                <a:solidFill>
+                  <a:schemeClr val="tx1"/>
+                </a:solidFill>
+                <a:latin typeface="+mn-lt"/>
+                <a:ea typeface="+mn-ea"/>
+                <a:cs typeface="+mn-cs"/>
+              </a:defRPr>
+            </a:lvl8pPr>
+            <a:lvl9pPr marL="3886200" indent="-228600" algn="l" defTabSz="457200" rtl="0" eaLnBrk="1" latinLnBrk="0" hangingPunct="1">
+              <a:spcBef>
+                <a:spcPct val="20000"/>
+              </a:spcBef>
+              <a:buFont typeface="Arial"/>
+              <a:buChar char="•"/>
+              <a:defRPr sz="1600" kern="1200">
+                <a:solidFill>
+                  <a:schemeClr val="tx1"/>
+                </a:solidFill>
+                <a:latin typeface="+mn-lt"/>
+                <a:ea typeface="+mn-ea"/>
+                <a:cs typeface="+mn-cs"/>
+              </a:defRPr>
+            </a:lvl9pPr>
+          </a:lstStyle>
+          <a:p>
+            <a:pPr marL="0" indent="0">
+              <a:buFont typeface="Arial"/>
+              <a:buNone/>
+            </a:pPr>
+            <a:r>
+              <a:rPr lang="en-US" sz="900" b="1" dirty="0">
+                <a:latin typeface="Arial" panose="020B0604020202020204" pitchFamily="34" charset="0"/>
+                <a:cs typeface="Arial" panose="020B0604020202020204" pitchFamily="34" charset="0"/>
+              </a:rPr>
+              <a:t> 	ARIMA MSE - </a:t>
+            </a:r>
+            <a:r>
+              <a:rPr lang="en-US" sz="900" i="0" dirty="0">
+                <a:solidFill>
+                  <a:srgbClr val="111111"/>
+                </a:solidFill>
+                <a:effectLst/>
+                <a:latin typeface="Arial" panose="020B0604020202020204" pitchFamily="34" charset="0"/>
+                <a:cs typeface="Arial" panose="020B0604020202020204" pitchFamily="34" charset="0"/>
+              </a:rPr>
+              <a:t> </a:t>
+            </a:r>
+            <a:r>
+              <a:rPr lang="en-US" sz="900" dirty="0">
+                <a:solidFill>
+                  <a:srgbClr val="111111"/>
+                </a:solidFill>
+                <a:latin typeface="Arial" panose="020B0604020202020204" pitchFamily="34" charset="0"/>
+                <a:cs typeface="Arial" panose="020B0604020202020204" pitchFamily="34" charset="0"/>
+              </a:rPr>
+              <a:t>*10.2 MSE</a:t>
+            </a:r>
+          </a:p>
+          <a:p>
+            <a:pPr marL="0" indent="0">
+              <a:buFont typeface="Arial"/>
+              <a:buNone/>
+            </a:pPr>
+            <a:r>
+              <a:rPr lang="en-US" sz="900" dirty="0">
+                <a:solidFill>
+                  <a:srgbClr val="111111"/>
+                </a:solidFill>
+                <a:latin typeface="Arial" panose="020B0604020202020204" pitchFamily="34" charset="0"/>
+                <a:cs typeface="Arial" panose="020B0604020202020204" pitchFamily="34" charset="0"/>
+              </a:rPr>
+              <a:t>	 	*</a:t>
+            </a:r>
+            <a:r>
+              <a:rPr lang="en-US" sz="900" i="1" dirty="0">
+                <a:solidFill>
+                  <a:srgbClr val="111111"/>
+                </a:solidFill>
+                <a:latin typeface="Arial" panose="020B0604020202020204" pitchFamily="34" charset="0"/>
+                <a:cs typeface="Arial" panose="020B0604020202020204" pitchFamily="34" charset="0"/>
+              </a:rPr>
+              <a:t>note: avg squared value across all the test set predictions</a:t>
+            </a:r>
+            <a:r>
+              <a:rPr lang="en-US" sz="900" i="0" dirty="0">
+                <a:solidFill>
+                  <a:srgbClr val="111111"/>
+                </a:solidFill>
+                <a:effectLst/>
+                <a:latin typeface="Arial" panose="020B0604020202020204" pitchFamily="34" charset="0"/>
+                <a:cs typeface="Arial" panose="020B0604020202020204" pitchFamily="34" charset="0"/>
+              </a:rPr>
+              <a:t>	</a:t>
+            </a:r>
+            <a:endParaRPr lang="en-US" sz="900" dirty="0">
+              <a:latin typeface="Arial" panose="020B0604020202020204" pitchFamily="34" charset="0"/>
+              <a:cs typeface="Arial" panose="020B0604020202020204" pitchFamily="34" charset="0"/>
+            </a:endParaRPr>
+          </a:p>
+        </p:txBody>
+      </p:sp>
       <p:pic>
         <p:nvPicPr>
-          <p:cNvPr id="8" name="Picture 7">
+          <p:cNvPr id="14" name="Picture 13">
             <a:extLst>
               <a:ext uri="{FF2B5EF4-FFF2-40B4-BE49-F238E27FC236}">
-                <a16:creationId xmlns:a16="http://schemas.microsoft.com/office/drawing/2014/main" id="{CE6732C6-6E01-4536-BCFD-8E0E044E59B1}"/>
+                <a16:creationId xmlns:a16="http://schemas.microsoft.com/office/drawing/2014/main" id="{47A0D80E-15DD-48DD-99C4-3DD8101090BB}"/>
               </a:ext>
             </a:extLst>
           </p:cNvPr>
@@ -8314,15 +9753,238 @@
           <p:nvPr/>
         </p:nvPicPr>
         <p:blipFill>
-          <a:blip r:embed="rId4"/>
+          <a:blip r:embed="rId7"/>
           <a:stretch>
             <a:fillRect/>
           </a:stretch>
         </p:blipFill>
         <p:spPr>
           <a:xfrm>
-            <a:off x="4901591" y="1906558"/>
-            <a:ext cx="3680050" cy="2116709"/>
+            <a:off x="2204999" y="1031830"/>
+            <a:ext cx="2367001" cy="1517209"/>
+          </a:xfrm>
+          <a:prstGeom prst="rect">
+            <a:avLst/>
+          </a:prstGeom>
+          <a:ln>
+            <a:noFill/>
+          </a:ln>
+          <a:effectLst>
+            <a:outerShdw blurRad="190500" algn="tl" rotWithShape="0">
+              <a:srgbClr val="000000">
+                <a:alpha val="70000"/>
+              </a:srgbClr>
+            </a:outerShdw>
+          </a:effectLst>
+        </p:spPr>
+      </p:pic>
+      <p:sp>
+        <p:nvSpPr>
+          <p:cNvPr id="28" name="Content Placeholder 9">
+            <a:extLst>
+              <a:ext uri="{FF2B5EF4-FFF2-40B4-BE49-F238E27FC236}">
+                <a16:creationId xmlns:a16="http://schemas.microsoft.com/office/drawing/2014/main" id="{1A4073E5-0B26-4A43-940E-B776B5E9296E}"/>
+              </a:ext>
+            </a:extLst>
+          </p:cNvPr>
+          <p:cNvSpPr txBox="1">
+            <a:spLocks/>
+          </p:cNvSpPr>
+          <p:nvPr/>
+        </p:nvSpPr>
+        <p:spPr>
+          <a:xfrm>
+            <a:off x="1125705" y="3859941"/>
+            <a:ext cx="2352037" cy="239053"/>
+          </a:xfrm>
+          <a:prstGeom prst="rect">
+            <a:avLst/>
+          </a:prstGeom>
+        </p:spPr>
+        <p:txBody>
+          <a:bodyPr vert="horz" lIns="91440" tIns="45720" rIns="91440" bIns="45720" rtlCol="0">
+            <a:noAutofit/>
+          </a:bodyPr>
+          <a:lstStyle>
+            <a:lvl1pPr marL="342900" indent="-342900" algn="l" defTabSz="457200" rtl="0" eaLnBrk="1" latinLnBrk="0" hangingPunct="1">
+              <a:spcBef>
+                <a:spcPct val="20000"/>
+              </a:spcBef>
+              <a:buFont typeface="Arial"/>
+              <a:buChar char="•"/>
+              <a:defRPr sz="2400" kern="1200">
+                <a:solidFill>
+                  <a:schemeClr val="tx1"/>
+                </a:solidFill>
+                <a:latin typeface="Arial"/>
+                <a:ea typeface="+mn-ea"/>
+                <a:cs typeface="Arial"/>
+              </a:defRPr>
+            </a:lvl1pPr>
+            <a:lvl2pPr marL="742950" indent="-285750" algn="l" defTabSz="457200" rtl="0" eaLnBrk="1" latinLnBrk="0" hangingPunct="1">
+              <a:spcBef>
+                <a:spcPct val="20000"/>
+              </a:spcBef>
+              <a:buFont typeface="Arial"/>
+              <a:buChar char="–"/>
+              <a:defRPr sz="2000" kern="1200">
+                <a:solidFill>
+                  <a:schemeClr val="tx1"/>
+                </a:solidFill>
+                <a:latin typeface="Arial"/>
+                <a:ea typeface="+mn-ea"/>
+                <a:cs typeface="Arial"/>
+              </a:defRPr>
+            </a:lvl2pPr>
+            <a:lvl3pPr marL="1143000" indent="-228600" algn="l" defTabSz="457200" rtl="0" eaLnBrk="1" latinLnBrk="0" hangingPunct="1">
+              <a:spcBef>
+                <a:spcPct val="20000"/>
+              </a:spcBef>
+              <a:buFont typeface="Arial"/>
+              <a:buChar char="•"/>
+              <a:defRPr sz="1800" kern="1200">
+                <a:solidFill>
+                  <a:schemeClr val="tx1"/>
+                </a:solidFill>
+                <a:latin typeface="Arial"/>
+                <a:ea typeface="+mn-ea"/>
+                <a:cs typeface="Arial"/>
+              </a:defRPr>
+            </a:lvl3pPr>
+            <a:lvl4pPr marL="1600200" indent="-228600" algn="l" defTabSz="457200" rtl="0" eaLnBrk="1" latinLnBrk="0" hangingPunct="1">
+              <a:spcBef>
+                <a:spcPct val="20000"/>
+              </a:spcBef>
+              <a:buFont typeface="Arial"/>
+              <a:buChar char="–"/>
+              <a:defRPr sz="1600" kern="1200">
+                <a:solidFill>
+                  <a:schemeClr val="tx1"/>
+                </a:solidFill>
+                <a:latin typeface="Arial"/>
+                <a:ea typeface="+mn-ea"/>
+                <a:cs typeface="Arial"/>
+              </a:defRPr>
+            </a:lvl4pPr>
+            <a:lvl5pPr marL="2057400" indent="-228600" algn="l" defTabSz="457200" rtl="0" eaLnBrk="1" latinLnBrk="0" hangingPunct="1">
+              <a:spcBef>
+                <a:spcPct val="20000"/>
+              </a:spcBef>
+              <a:buFont typeface="Arial"/>
+              <a:buChar char="»"/>
+              <a:defRPr sz="1600" kern="1200">
+                <a:solidFill>
+                  <a:schemeClr val="tx1"/>
+                </a:solidFill>
+                <a:latin typeface="Arial"/>
+                <a:ea typeface="+mn-ea"/>
+                <a:cs typeface="Arial"/>
+              </a:defRPr>
+            </a:lvl5pPr>
+            <a:lvl6pPr marL="2514600" indent="-228600" algn="l" defTabSz="457200" rtl="0" eaLnBrk="1" latinLnBrk="0" hangingPunct="1">
+              <a:spcBef>
+                <a:spcPct val="20000"/>
+              </a:spcBef>
+              <a:buFont typeface="Arial"/>
+              <a:buChar char="•"/>
+              <a:defRPr sz="1600" kern="1200">
+                <a:solidFill>
+                  <a:schemeClr val="tx1"/>
+                </a:solidFill>
+                <a:latin typeface="+mn-lt"/>
+                <a:ea typeface="+mn-ea"/>
+                <a:cs typeface="+mn-cs"/>
+              </a:defRPr>
+            </a:lvl6pPr>
+            <a:lvl7pPr marL="2971800" indent="-228600" algn="l" defTabSz="457200" rtl="0" eaLnBrk="1" latinLnBrk="0" hangingPunct="1">
+              <a:spcBef>
+                <a:spcPct val="20000"/>
+              </a:spcBef>
+              <a:buFont typeface="Arial"/>
+              <a:buChar char="•"/>
+              <a:defRPr sz="1600" kern="1200">
+                <a:solidFill>
+                  <a:schemeClr val="tx1"/>
+                </a:solidFill>
+                <a:latin typeface="+mn-lt"/>
+                <a:ea typeface="+mn-ea"/>
+                <a:cs typeface="+mn-cs"/>
+              </a:defRPr>
+            </a:lvl7pPr>
+            <a:lvl8pPr marL="3429000" indent="-228600" algn="l" defTabSz="457200" rtl="0" eaLnBrk="1" latinLnBrk="0" hangingPunct="1">
+              <a:spcBef>
+                <a:spcPct val="20000"/>
+              </a:spcBef>
+              <a:buFont typeface="Arial"/>
+              <a:buChar char="•"/>
+              <a:defRPr sz="1600" kern="1200">
+                <a:solidFill>
+                  <a:schemeClr val="tx1"/>
+                </a:solidFill>
+                <a:latin typeface="+mn-lt"/>
+                <a:ea typeface="+mn-ea"/>
+                <a:cs typeface="+mn-cs"/>
+              </a:defRPr>
+            </a:lvl8pPr>
+            <a:lvl9pPr marL="3886200" indent="-228600" algn="l" defTabSz="457200" rtl="0" eaLnBrk="1" latinLnBrk="0" hangingPunct="1">
+              <a:spcBef>
+                <a:spcPct val="20000"/>
+              </a:spcBef>
+              <a:buFont typeface="Arial"/>
+              <a:buChar char="•"/>
+              <a:defRPr sz="1600" kern="1200">
+                <a:solidFill>
+                  <a:schemeClr val="tx1"/>
+                </a:solidFill>
+                <a:latin typeface="+mn-lt"/>
+                <a:ea typeface="+mn-ea"/>
+                <a:cs typeface="+mn-cs"/>
+              </a:defRPr>
+            </a:lvl9pPr>
+          </a:lstStyle>
+          <a:p>
+            <a:pPr marL="0" indent="0">
+              <a:buFont typeface="Arial"/>
+              <a:buNone/>
+            </a:pPr>
+            <a:r>
+              <a:rPr lang="en-US" sz="900" b="1" dirty="0">
+                <a:latin typeface="Arial" panose="020B0604020202020204" pitchFamily="34" charset="0"/>
+                <a:cs typeface="Arial" panose="020B0604020202020204" pitchFamily="34" charset="0"/>
+              </a:rPr>
+              <a:t> 	p=4 lags, d=1 (not stationary)</a:t>
+            </a:r>
+            <a:endParaRPr lang="en-US" sz="900" dirty="0">
+              <a:latin typeface="Arial" panose="020B0604020202020204" pitchFamily="34" charset="0"/>
+              <a:cs typeface="Arial" panose="020B0604020202020204" pitchFamily="34" charset="0"/>
+            </a:endParaRPr>
+          </a:p>
+        </p:txBody>
+      </p:sp>
+      <p:pic>
+        <p:nvPicPr>
+          <p:cNvPr id="29" name="Picture 28">
+            <a:extLst>
+              <a:ext uri="{FF2B5EF4-FFF2-40B4-BE49-F238E27FC236}">
+                <a16:creationId xmlns:a16="http://schemas.microsoft.com/office/drawing/2014/main" id="{AA545E52-1E1E-4A31-A687-75EE75F5668E}"/>
+              </a:ext>
+            </a:extLst>
+          </p:cNvPr>
+          <p:cNvPicPr>
+            <a:picLocks noChangeAspect="1"/>
+          </p:cNvPicPr>
+          <p:nvPr/>
+        </p:nvPicPr>
+        <p:blipFill>
+          <a:blip r:embed="rId8"/>
+          <a:stretch>
+            <a:fillRect/>
+          </a:stretch>
+        </p:blipFill>
+        <p:spPr>
+          <a:xfrm>
+            <a:off x="5718077" y="1028399"/>
+            <a:ext cx="2529457" cy="949777"/>
           </a:xfrm>
           <a:prstGeom prst="rect">
             <a:avLst/>
@@ -8342,7 +10004,7 @@
     </p:spTree>
     <p:extLst>
       <p:ext uri="{BB962C8B-B14F-4D97-AF65-F5344CB8AC3E}">
-        <p14:creationId xmlns:p14="http://schemas.microsoft.com/office/powerpoint/2010/main" val="3322100970"/>
+        <p14:creationId xmlns:p14="http://schemas.microsoft.com/office/powerpoint/2010/main" val="1027188180"/>
       </p:ext>
     </p:extLst>
   </p:cSld>
@@ -8371,10 +10033,10 @@
       </p:grpSpPr>
       <p:sp>
         <p:nvSpPr>
-          <p:cNvPr id="5" name="Title 4">
+          <p:cNvPr id="2" name="Title 1">
             <a:extLst>
               <a:ext uri="{FF2B5EF4-FFF2-40B4-BE49-F238E27FC236}">
-                <a16:creationId xmlns:a16="http://schemas.microsoft.com/office/drawing/2014/main" id="{D4296CC1-D52C-4736-AB4E-1D2D2C75C616}"/>
+                <a16:creationId xmlns:a16="http://schemas.microsoft.com/office/drawing/2014/main" id="{727FFB98-7050-4567-81EF-5F3D129F901C}"/>
               </a:ext>
             </a:extLst>
           </p:cNvPr>
@@ -8385,48 +10047,31 @@
             <p:ph type="title"/>
           </p:nvPr>
         </p:nvSpPr>
-        <p:spPr/>
-        <p:txBody>
-          <a:bodyPr/>
+        <p:spPr>
+          <a:xfrm>
+            <a:off x="457200" y="205979"/>
+            <a:ext cx="8229600" cy="857250"/>
+          </a:xfrm>
+        </p:spPr>
+        <p:txBody>
+          <a:bodyPr anchor="ctr">
+            <a:normAutofit/>
+          </a:bodyPr>
           <a:lstStyle/>
           <a:p>
             <a:r>
               <a:rPr lang="en-US" dirty="0"/>
-              <a:t>Potential Next Steps</a:t>
-            </a:r>
-          </a:p>
-        </p:txBody>
-      </p:sp>
-      <p:sp>
-        <p:nvSpPr>
-          <p:cNvPr id="4" name="Slide Number Placeholder 3"/>
-          <p:cNvSpPr>
-            <a:spLocks noGrp="1"/>
-          </p:cNvSpPr>
-          <p:nvPr>
-            <p:ph type="sldNum" sz="quarter" idx="12"/>
-          </p:nvPr>
-        </p:nvSpPr>
-        <p:spPr/>
-        <p:txBody>
-          <a:bodyPr/>
-          <a:lstStyle/>
-          <a:p>
-            <a:fld id="{106E12CD-FCB1-464E-A775-0B83FDDACE03}" type="slidenum">
-              <a:rPr lang="en-US" smtClean="0"/>
-              <a:pPr/>
-              <a:t>6</a:t>
-            </a:fld>
-            <a:endParaRPr lang="en-US" dirty="0"/>
-          </a:p>
-        </p:txBody>
-      </p:sp>
-      <p:sp>
-        <p:nvSpPr>
-          <p:cNvPr id="7" name="Content Placeholder 6">
+              <a:t>Reddit Data</a:t>
+            </a:r>
+          </a:p>
+        </p:txBody>
+      </p:sp>
+      <p:sp>
+        <p:nvSpPr>
+          <p:cNvPr id="4" name="Slide Number Placeholder 3">
             <a:extLst>
               <a:ext uri="{FF2B5EF4-FFF2-40B4-BE49-F238E27FC236}">
-                <a16:creationId xmlns:a16="http://schemas.microsoft.com/office/drawing/2014/main" id="{B7837073-5C1D-46BB-A1F0-03E5003E8F35}"/>
+                <a16:creationId xmlns:a16="http://schemas.microsoft.com/office/drawing/2014/main" id="{672557A4-C0B7-466E-BF35-A9ADF7D1DB2A}"/>
               </a:ext>
             </a:extLst>
           </p:cNvPr>
@@ -8434,117 +10079,169 @@
             <a:spLocks noGrp="1"/>
           </p:cNvSpPr>
           <p:nvPr>
-            <p:ph idx="1"/>
+            <p:ph type="sldNum" sz="quarter" idx="12"/>
           </p:nvPr>
         </p:nvSpPr>
-        <p:spPr/>
-        <p:txBody>
-          <a:bodyPr>
+        <p:spPr>
+          <a:xfrm>
+            <a:off x="8339169" y="4767263"/>
+            <a:ext cx="597573" cy="273844"/>
+          </a:xfrm>
+        </p:spPr>
+        <p:txBody>
+          <a:bodyPr anchor="ctr">
             <a:normAutofit/>
           </a:bodyPr>
           <a:lstStyle/>
           <a:p>
             <a:pPr>
+              <a:lnSpc>
+                <a:spcPct val="90000"/>
+              </a:lnSpc>
               <a:spcAft>
                 <a:spcPts val="600"/>
               </a:spcAft>
             </a:pPr>
-            <a:r>
-              <a:rPr lang="en-US" sz="1800" dirty="0"/>
-              <a:t>Additional historical stock data such as short activity to focus on potential GameStop(GME) or AMC activity.  </a:t>
-            </a:r>
-          </a:p>
-          <a:p>
-            <a:pPr>
-              <a:spcAft>
-                <a:spcPts val="600"/>
-              </a:spcAft>
-            </a:pPr>
-            <a:r>
-              <a:rPr lang="en-US" sz="1800" dirty="0"/>
-              <a:t>If data can’t be found, warehouse daily to build missing data – screen-scaping(beautiful-soup) is an option from sites such as </a:t>
-            </a:r>
-            <a:r>
-              <a:rPr lang="en-US" sz="1800" dirty="0" err="1">
-                <a:hlinkClick r:id="rId2"/>
-              </a:rPr>
-              <a:t>shortsqueeze</a:t>
-            </a:r>
-            <a:r>
-              <a:rPr lang="en-US" sz="1800" dirty="0"/>
-              <a:t> and/or </a:t>
-            </a:r>
-            <a:r>
-              <a:rPr lang="en-US" sz="1800" dirty="0">
-                <a:hlinkClick r:id="rId3"/>
-              </a:rPr>
-              <a:t>Daily Short Sale Volume</a:t>
-            </a:r>
-            <a:r>
-              <a:rPr lang="en-US" sz="1800" dirty="0"/>
-              <a:t>.</a:t>
-            </a:r>
-          </a:p>
-          <a:p>
-            <a:pPr>
-              <a:spcAft>
-                <a:spcPts val="600"/>
-              </a:spcAft>
-            </a:pPr>
-            <a:r>
-              <a:rPr lang="en-US" sz="1800" dirty="0"/>
-              <a:t>Build additional charts and dashboards</a:t>
-            </a:r>
-          </a:p>
-          <a:p>
-            <a:pPr>
-              <a:spcAft>
-                <a:spcPts val="600"/>
-              </a:spcAft>
-            </a:pPr>
-            <a:r>
-              <a:rPr lang="en-US" sz="1800" dirty="0"/>
-              <a:t>Reduce time grain to hourly, minute for automated trading/prescription reporting (take automatic action on report).</a:t>
-            </a:r>
-          </a:p>
-          <a:p>
-            <a:pPr>
-              <a:spcAft>
-                <a:spcPts val="600"/>
-              </a:spcAft>
-            </a:pPr>
-            <a:endParaRPr lang="en-US" sz="1800" dirty="0"/>
-          </a:p>
-          <a:p>
-            <a:pPr>
-              <a:spcAft>
-                <a:spcPts val="600"/>
-              </a:spcAft>
-            </a:pPr>
-            <a:endParaRPr lang="en-US" sz="1800" dirty="0"/>
-          </a:p>
-          <a:p>
-            <a:pPr>
-              <a:spcAft>
-                <a:spcPts val="600"/>
-              </a:spcAft>
-            </a:pPr>
-            <a:endParaRPr lang="en-US" sz="1800" dirty="0"/>
-          </a:p>
-          <a:p>
-            <a:pPr>
-              <a:spcAft>
-                <a:spcPts val="600"/>
-              </a:spcAft>
-            </a:pPr>
-            <a:endParaRPr lang="en-US" sz="1800" dirty="0"/>
-          </a:p>
-        </p:txBody>
-      </p:sp>
+            <a:fld id="{106E12CD-FCB1-464E-A775-0B83FDDACE03}" type="slidenum">
+              <a:rPr lang="en-US" smtClean="0"/>
+              <a:pPr>
+                <a:lnSpc>
+                  <a:spcPct val="90000"/>
+                </a:lnSpc>
+                <a:spcAft>
+                  <a:spcPts val="600"/>
+                </a:spcAft>
+              </a:pPr>
+              <a:t>6</a:t>
+            </a:fld>
+            <a:endParaRPr lang="en-US"/>
+          </a:p>
+        </p:txBody>
+      </p:sp>
+      <p:pic>
+        <p:nvPicPr>
+          <p:cNvPr id="30" name="Picture 29">
+            <a:extLst>
+              <a:ext uri="{FF2B5EF4-FFF2-40B4-BE49-F238E27FC236}">
+                <a16:creationId xmlns:a16="http://schemas.microsoft.com/office/drawing/2014/main" id="{916A2CFA-3F20-4686-BD25-3DB03CB2835B}"/>
+              </a:ext>
+            </a:extLst>
+          </p:cNvPr>
+          <p:cNvPicPr>
+            <a:picLocks noChangeAspect="1"/>
+          </p:cNvPicPr>
+          <p:nvPr/>
+        </p:nvPicPr>
+        <p:blipFill>
+          <a:blip r:embed="rId2"/>
+          <a:stretch>
+            <a:fillRect/>
+          </a:stretch>
+        </p:blipFill>
+        <p:spPr>
+          <a:xfrm>
+            <a:off x="505298" y="1235749"/>
+            <a:ext cx="3867150" cy="2524125"/>
+          </a:xfrm>
+          <a:prstGeom prst="rect">
+            <a:avLst/>
+          </a:prstGeom>
+          <a:ln>
+            <a:noFill/>
+          </a:ln>
+          <a:effectLst>
+            <a:outerShdw blurRad="190500" algn="tl" rotWithShape="0">
+              <a:srgbClr val="000000">
+                <a:alpha val="70000"/>
+              </a:srgbClr>
+            </a:outerShdw>
+          </a:effectLst>
+        </p:spPr>
+      </p:pic>
+      <p:pic>
+        <p:nvPicPr>
+          <p:cNvPr id="31" name="Picture 30">
+            <a:extLst>
+              <a:ext uri="{FF2B5EF4-FFF2-40B4-BE49-F238E27FC236}">
+                <a16:creationId xmlns:a16="http://schemas.microsoft.com/office/drawing/2014/main" id="{8C5D6319-078B-4A21-95F2-DAC8A797ED91}"/>
+              </a:ext>
+            </a:extLst>
+          </p:cNvPr>
+          <p:cNvPicPr>
+            <a:picLocks noChangeAspect="1"/>
+          </p:cNvPicPr>
+          <p:nvPr/>
+        </p:nvPicPr>
+        <p:blipFill>
+          <a:blip r:embed="rId3"/>
+          <a:stretch>
+            <a:fillRect/>
+          </a:stretch>
+        </p:blipFill>
+        <p:spPr>
+          <a:xfrm>
+            <a:off x="985331" y="4075289"/>
+            <a:ext cx="6896100" cy="466725"/>
+          </a:xfrm>
+          <a:prstGeom prst="rect">
+            <a:avLst/>
+          </a:prstGeom>
+          <a:ln>
+            <a:noFill/>
+          </a:ln>
+          <a:effectLst>
+            <a:outerShdw blurRad="190500" algn="tl" rotWithShape="0">
+              <a:srgbClr val="000000">
+                <a:alpha val="70000"/>
+              </a:srgbClr>
+            </a:outerShdw>
+          </a:effectLst>
+        </p:spPr>
+      </p:pic>
+      <p:pic>
+        <p:nvPicPr>
+          <p:cNvPr id="32" name="Picture 31">
+            <a:extLst>
+              <a:ext uri="{FF2B5EF4-FFF2-40B4-BE49-F238E27FC236}">
+                <a16:creationId xmlns:a16="http://schemas.microsoft.com/office/drawing/2014/main" id="{EA3CB27A-C135-4477-9CC3-AE8B674A1F04}"/>
+              </a:ext>
+            </a:extLst>
+          </p:cNvPr>
+          <p:cNvPicPr>
+            <a:picLocks noChangeAspect="1"/>
+          </p:cNvPicPr>
+          <p:nvPr/>
+        </p:nvPicPr>
+        <p:blipFill>
+          <a:blip r:embed="rId4"/>
+          <a:stretch>
+            <a:fillRect/>
+          </a:stretch>
+        </p:blipFill>
+        <p:spPr>
+          <a:xfrm>
+            <a:off x="4692786" y="1231006"/>
+            <a:ext cx="3429000" cy="295275"/>
+          </a:xfrm>
+          <a:prstGeom prst="rect">
+            <a:avLst/>
+          </a:prstGeom>
+          <a:ln>
+            <a:noFill/>
+          </a:ln>
+          <a:effectLst>
+            <a:outerShdw blurRad="190500" algn="tl" rotWithShape="0">
+              <a:srgbClr val="000000">
+                <a:alpha val="70000"/>
+              </a:srgbClr>
+            </a:outerShdw>
+          </a:effectLst>
+        </p:spPr>
+      </p:pic>
     </p:spTree>
     <p:extLst>
       <p:ext uri="{BB962C8B-B14F-4D97-AF65-F5344CB8AC3E}">
-        <p14:creationId xmlns:p14="http://schemas.microsoft.com/office/powerpoint/2010/main" val="1352665434"/>
+        <p14:creationId xmlns:p14="http://schemas.microsoft.com/office/powerpoint/2010/main" val="2896842121"/>
       </p:ext>
     </p:extLst>
   </p:cSld>
@@ -8576,6 +10273,219 @@
           <p:cNvPr id="5" name="Title 4">
             <a:extLst>
               <a:ext uri="{FF2B5EF4-FFF2-40B4-BE49-F238E27FC236}">
+                <a16:creationId xmlns:a16="http://schemas.microsoft.com/office/drawing/2014/main" id="{D4296CC1-D52C-4736-AB4E-1D2D2C75C616}"/>
+              </a:ext>
+            </a:extLst>
+          </p:cNvPr>
+          <p:cNvSpPr>
+            <a:spLocks noGrp="1"/>
+          </p:cNvSpPr>
+          <p:nvPr>
+            <p:ph type="title"/>
+          </p:nvPr>
+        </p:nvSpPr>
+        <p:spPr/>
+        <p:txBody>
+          <a:bodyPr/>
+          <a:lstStyle/>
+          <a:p>
+            <a:r>
+              <a:rPr lang="en-US" dirty="0"/>
+              <a:t>Potential Next Steps</a:t>
+            </a:r>
+          </a:p>
+        </p:txBody>
+      </p:sp>
+      <p:sp>
+        <p:nvSpPr>
+          <p:cNvPr id="4" name="Slide Number Placeholder 3"/>
+          <p:cNvSpPr>
+            <a:spLocks noGrp="1"/>
+          </p:cNvSpPr>
+          <p:nvPr>
+            <p:ph type="sldNum" sz="quarter" idx="12"/>
+          </p:nvPr>
+        </p:nvSpPr>
+        <p:spPr/>
+        <p:txBody>
+          <a:bodyPr/>
+          <a:lstStyle/>
+          <a:p>
+            <a:fld id="{106E12CD-FCB1-464E-A775-0B83FDDACE03}" type="slidenum">
+              <a:rPr lang="en-US" smtClean="0"/>
+              <a:pPr/>
+              <a:t>7</a:t>
+            </a:fld>
+            <a:endParaRPr lang="en-US" dirty="0"/>
+          </a:p>
+        </p:txBody>
+      </p:sp>
+      <p:sp>
+        <p:nvSpPr>
+          <p:cNvPr id="7" name="Content Placeholder 6">
+            <a:extLst>
+              <a:ext uri="{FF2B5EF4-FFF2-40B4-BE49-F238E27FC236}">
+                <a16:creationId xmlns:a16="http://schemas.microsoft.com/office/drawing/2014/main" id="{B7837073-5C1D-46BB-A1F0-03E5003E8F35}"/>
+              </a:ext>
+            </a:extLst>
+          </p:cNvPr>
+          <p:cNvSpPr>
+            <a:spLocks noGrp="1"/>
+          </p:cNvSpPr>
+          <p:nvPr>
+            <p:ph idx="1"/>
+          </p:nvPr>
+        </p:nvSpPr>
+        <p:spPr/>
+        <p:txBody>
+          <a:bodyPr>
+            <a:normAutofit/>
+          </a:bodyPr>
+          <a:lstStyle/>
+          <a:p>
+            <a:pPr>
+              <a:spcAft>
+                <a:spcPts val="600"/>
+              </a:spcAft>
+            </a:pPr>
+            <a:r>
+              <a:rPr lang="en-US" sz="1800" dirty="0"/>
+              <a:t>Additional historical stock data such as short activity to focus on potential GameStop(GME) or AMC activity.  </a:t>
+            </a:r>
+          </a:p>
+          <a:p>
+            <a:pPr>
+              <a:spcAft>
+                <a:spcPts val="600"/>
+              </a:spcAft>
+            </a:pPr>
+            <a:r>
+              <a:rPr lang="en-US" sz="1800" dirty="0"/>
+              <a:t>If data can’t be found, warehouse daily to build missing data – screen-scaping(beautiful-soup) is an option from sites such as </a:t>
+            </a:r>
+            <a:r>
+              <a:rPr lang="en-US" sz="1800" dirty="0" err="1">
+                <a:hlinkClick r:id="rId2"/>
+              </a:rPr>
+              <a:t>shortsqueeze</a:t>
+            </a:r>
+            <a:r>
+              <a:rPr lang="en-US" sz="1800" dirty="0"/>
+              <a:t> and/or </a:t>
+            </a:r>
+            <a:r>
+              <a:rPr lang="en-US" sz="1800" dirty="0">
+                <a:hlinkClick r:id="rId3"/>
+              </a:rPr>
+              <a:t>Daily Short Sale Volume</a:t>
+            </a:r>
+            <a:r>
+              <a:rPr lang="en-US" sz="1800" dirty="0"/>
+              <a:t>.</a:t>
+            </a:r>
+          </a:p>
+          <a:p>
+            <a:pPr>
+              <a:spcAft>
+                <a:spcPts val="600"/>
+              </a:spcAft>
+            </a:pPr>
+            <a:r>
+              <a:rPr lang="en-US" sz="1800" dirty="0"/>
+              <a:t>Further investigation of ARIMA model – test/track various P/D/Q configs</a:t>
+            </a:r>
+          </a:p>
+          <a:p>
+            <a:pPr>
+              <a:spcAft>
+                <a:spcPts val="600"/>
+              </a:spcAft>
+            </a:pPr>
+            <a:r>
+              <a:rPr lang="en-US" sz="1800" dirty="0"/>
+              <a:t>Reduce time grain to hourly, minute for automated trading/prescription reporting (take automatic action on report).</a:t>
+            </a:r>
+          </a:p>
+          <a:p>
+            <a:pPr>
+              <a:spcAft>
+                <a:spcPts val="600"/>
+              </a:spcAft>
+            </a:pPr>
+            <a:r>
+              <a:rPr lang="en-US" sz="1800" dirty="0"/>
+              <a:t>Build additional charts and dashboards to track multiple stocks.</a:t>
+            </a:r>
+          </a:p>
+          <a:p>
+            <a:pPr>
+              <a:spcAft>
+                <a:spcPts val="600"/>
+              </a:spcAft>
+            </a:pPr>
+            <a:endParaRPr lang="en-US" sz="1800" dirty="0"/>
+          </a:p>
+          <a:p>
+            <a:pPr>
+              <a:spcAft>
+                <a:spcPts val="600"/>
+              </a:spcAft>
+            </a:pPr>
+            <a:endParaRPr lang="en-US" sz="1800" dirty="0"/>
+          </a:p>
+          <a:p>
+            <a:pPr>
+              <a:spcAft>
+                <a:spcPts val="600"/>
+              </a:spcAft>
+            </a:pPr>
+            <a:endParaRPr lang="en-US" sz="1800" dirty="0"/>
+          </a:p>
+          <a:p>
+            <a:pPr>
+              <a:spcAft>
+                <a:spcPts val="600"/>
+              </a:spcAft>
+            </a:pPr>
+            <a:endParaRPr lang="en-US" sz="1800" dirty="0"/>
+          </a:p>
+        </p:txBody>
+      </p:sp>
+    </p:spTree>
+    <p:extLst>
+      <p:ext uri="{BB962C8B-B14F-4D97-AF65-F5344CB8AC3E}">
+        <p14:creationId xmlns:p14="http://schemas.microsoft.com/office/powerpoint/2010/main" val="1352665434"/>
+      </p:ext>
+    </p:extLst>
+  </p:cSld>
+  <p:clrMapOvr>
+    <a:masterClrMapping/>
+  </p:clrMapOvr>
+</p:sld>
+</file>
+
+<file path=ppt/slides/slide9.xml><?xml version="1.0" encoding="utf-8"?>
+<p:sld xmlns:a="http://schemas.openxmlformats.org/drawingml/2006/main" xmlns:r="http://schemas.openxmlformats.org/officeDocument/2006/relationships" xmlns:p="http://schemas.openxmlformats.org/presentationml/2006/main">
+  <p:cSld>
+    <p:spTree>
+      <p:nvGrpSpPr>
+        <p:cNvPr id="1" name=""/>
+        <p:cNvGrpSpPr/>
+        <p:nvPr/>
+      </p:nvGrpSpPr>
+      <p:grpSpPr>
+        <a:xfrm>
+          <a:off x="0" y="0"/>
+          <a:ext cx="0" cy="0"/>
+          <a:chOff x="0" y="0"/>
+          <a:chExt cx="0" cy="0"/>
+        </a:xfrm>
+      </p:grpSpPr>
+      <p:sp>
+        <p:nvSpPr>
+          <p:cNvPr id="5" name="Title 4">
+            <a:extLst>
+              <a:ext uri="{FF2B5EF4-FFF2-40B4-BE49-F238E27FC236}">
                 <a16:creationId xmlns:a16="http://schemas.microsoft.com/office/drawing/2014/main" id="{6229D272-CD8F-44E9-8790-217BC2FFC777}"/>
               </a:ext>
             </a:extLst>
@@ -8648,7 +10558,7 @@
             <a:fld id="{106E12CD-FCB1-464E-A775-0B83FDDACE03}" type="slidenum">
               <a:rPr lang="en-US" smtClean="0"/>
               <a:pPr/>
-              <a:t>7</a:t>
+              <a:t>8</a:t>
             </a:fld>
             <a:endParaRPr lang="en-US"/>
           </a:p>
